--- a/fitnesstan-documentation/FItnessstan_Final Presentation_Part 2.pptx
+++ b/fitnesstan-documentation/FItnessstan_Final Presentation_Part 2.pptx
@@ -42,12 +42,12 @@
     <p:sldId id="291" r:id="rId33"/>
     <p:sldId id="292" r:id="rId34"/>
     <p:sldId id="293" r:id="rId35"/>
-    <p:sldId id="271" r:id="rId36"/>
-    <p:sldId id="265" r:id="rId37"/>
-    <p:sldId id="266" r:id="rId38"/>
-    <p:sldId id="295" r:id="rId39"/>
-    <p:sldId id="272" r:id="rId40"/>
-    <p:sldId id="273" r:id="rId41"/>
+    <p:sldId id="296" r:id="rId36"/>
+    <p:sldId id="271" r:id="rId37"/>
+    <p:sldId id="265" r:id="rId38"/>
+    <p:sldId id="266" r:id="rId39"/>
+    <p:sldId id="295" r:id="rId40"/>
+    <p:sldId id="297" r:id="rId41"/>
   </p:sldIdLst>
   <p:sldSz cx="9144000" cy="6858000" type="screen4x3"/>
   <p:notesSz cx="7315200" cy="9601200"/>
@@ -296,7 +296,7 @@
       </p15:sldGuideLst>
     </p:ext>
     <p:ext uri="http://customooxmlschemas.google.com/">
-      <go:slidesCustomData xmlns="" xmlns:mc="http://schemas.openxmlformats.org/markup-compatibility/2006" xmlns:mv="urn:schemas-microsoft-com:mac:vml" xmlns:c="http://schemas.openxmlformats.org/drawingml/2006/chart" xmlns:dgm="http://schemas.openxmlformats.org/drawingml/2006/diagram" xmlns:o="urn:schemas-microsoft-com:office:office" xmlns:v="urn:schemas-microsoft-com:vml" xmlns:pvml="urn:schemas-microsoft-com:office:powerpoint" xmlns:com="http://schemas.openxmlformats.org/drawingml/2006/compatibility" xmlns:p14="http://schemas.microsoft.com/office/powerpoint/2010/main" xmlns:p15="http://schemas.microsoft.com/office/powerpoint/2012/main" xmlns:ahyp="http://schemas.microsoft.com/office/drawing/2018/hyperlinkcolor" xmlns:go="http://customooxmlschemas.google.com/" r:id="rId43" roundtripDataSignature="AMtx7mj2AY3DNheaNSztFqwRHhpggp8VFA=="/>
+      <go:slidesCustomData xmlns:go="http://customooxmlschemas.google.com/" xmlns:ahyp="http://schemas.microsoft.com/office/drawing/2018/hyperlinkcolor" xmlns:p15="http://schemas.microsoft.com/office/powerpoint/2012/main" xmlns:p14="http://schemas.microsoft.com/office/powerpoint/2010/main" xmlns:com="http://schemas.openxmlformats.org/drawingml/2006/compatibility" xmlns:pvml="urn:schemas-microsoft-com:office:powerpoint" xmlns:v="urn:schemas-microsoft-com:vml" xmlns:o="urn:schemas-microsoft-com:office:office" xmlns:dgm="http://schemas.openxmlformats.org/drawingml/2006/diagram" xmlns:c="http://schemas.openxmlformats.org/drawingml/2006/chart" xmlns:mv="urn:schemas-microsoft-com:mac:vml" xmlns:mc="http://schemas.openxmlformats.org/markup-compatibility/2006" xmlns="" r:id="rId43" roundtripDataSignature="AMtx7mj2AY3DNheaNSztFqwRHhpggp8VFA=="/>
     </p:ext>
   </p:extLst>
 </p:presentation>
@@ -1586,6 +1586,72 @@
 </file>
 
 <file path=ppt/notesSlides/notesSlide17.xml><?xml version="1.0" encoding="utf-8"?>
+<p:notes xmlns:a="http://schemas.openxmlformats.org/drawingml/2006/main" xmlns:r="http://schemas.openxmlformats.org/officeDocument/2006/relationships" xmlns:p="http://schemas.openxmlformats.org/presentationml/2006/main">
+  <p:cSld>
+    <p:spTree>
+      <p:nvGrpSpPr>
+        <p:cNvPr id="1" name=""/>
+        <p:cNvGrpSpPr/>
+        <p:nvPr/>
+      </p:nvGrpSpPr>
+      <p:grpSpPr>
+        <a:xfrm>
+          <a:off x="0" y="0"/>
+          <a:ext cx="0" cy="0"/>
+          <a:chOff x="0" y="0"/>
+          <a:chExt cx="0" cy="0"/>
+        </a:xfrm>
+      </p:grpSpPr>
+      <p:sp>
+        <p:nvSpPr>
+          <p:cNvPr id="2" name="Slide Image Placeholder 1"/>
+          <p:cNvSpPr>
+            <a:spLocks noGrp="1" noRot="1" noChangeAspect="1"/>
+          </p:cNvSpPr>
+          <p:nvPr>
+            <p:ph type="sldImg"/>
+          </p:nvPr>
+        </p:nvSpPr>
+        <p:spPr>
+          <a:xfrm>
+            <a:off x="1257300" y="720725"/>
+            <a:ext cx="4800600" cy="3600450"/>
+          </a:xfrm>
+        </p:spPr>
+      </p:sp>
+      <p:sp>
+        <p:nvSpPr>
+          <p:cNvPr id="3" name="Notes Placeholder 2"/>
+          <p:cNvSpPr>
+            <a:spLocks noGrp="1"/>
+          </p:cNvSpPr>
+          <p:nvPr>
+            <p:ph type="body" idx="1"/>
+          </p:nvPr>
+        </p:nvSpPr>
+        <p:spPr/>
+        <p:txBody>
+          <a:bodyPr/>
+          <a:lstStyle/>
+          <a:p>
+            <a:endParaRPr lang="en-GB" dirty="0"/>
+          </a:p>
+        </p:txBody>
+      </p:sp>
+    </p:spTree>
+    <p:extLst>
+      <p:ext uri="{BB962C8B-B14F-4D97-AF65-F5344CB8AC3E}">
+        <p14:creationId xmlns:p14="http://schemas.microsoft.com/office/powerpoint/2010/main" val="2632209161"/>
+      </p:ext>
+    </p:extLst>
+  </p:cSld>
+  <p:clrMapOvr>
+    <a:masterClrMapping/>
+  </p:clrMapOvr>
+</p:notes>
+</file>
+
+<file path=ppt/notesSlides/notesSlide18.xml><?xml version="1.0" encoding="utf-8"?>
 <p:notes xmlns:a="http://schemas.openxmlformats.org/drawingml/2006/main" xmlns:r="http://schemas.openxmlformats.org/officeDocument/2006/relationships" xmlns:p="http://schemas.openxmlformats.org/presentationml/2006/main" showMasterSp="0" showMasterPhAnim="0">
   <p:cSld>
     <p:spTree>
@@ -1689,7 +1755,7 @@
 </p:notes>
 </file>
 
-<file path=ppt/notesSlides/notesSlide18.xml><?xml version="1.0" encoding="utf-8"?>
+<file path=ppt/notesSlides/notesSlide19.xml><?xml version="1.0" encoding="utf-8"?>
 <p:notes xmlns:a="http://schemas.openxmlformats.org/drawingml/2006/main" xmlns:r="http://schemas.openxmlformats.org/officeDocument/2006/relationships" xmlns:p="http://schemas.openxmlformats.org/presentationml/2006/main" showMasterSp="0" showMasterPhAnim="0">
   <p:cSld>
     <p:spTree>
@@ -1747,110 +1813,6 @@
       <p:sp>
         <p:nvSpPr>
           <p:cNvPr id="137" name="Google Shape;137;p10:notes"/>
-          <p:cNvSpPr>
-            <a:spLocks noGrp="1" noRot="1" noChangeAspect="1"/>
-          </p:cNvSpPr>
-          <p:nvPr>
-            <p:ph type="sldImg" idx="2"/>
-          </p:nvPr>
-        </p:nvSpPr>
-        <p:spPr>
-          <a:xfrm>
-            <a:off x="1257300" y="720725"/>
-            <a:ext cx="4800600" cy="3600450"/>
-          </a:xfrm>
-          <a:custGeom>
-            <a:avLst/>
-            <a:gdLst/>
-            <a:ahLst/>
-            <a:cxnLst/>
-            <a:rect l="l" t="t" r="r" b="b"/>
-            <a:pathLst>
-              <a:path w="120000" h="120000" extrusionOk="0">
-                <a:moveTo>
-                  <a:pt x="0" y="0"/>
-                </a:moveTo>
-                <a:lnTo>
-                  <a:pt x="120000" y="0"/>
-                </a:lnTo>
-                <a:lnTo>
-                  <a:pt x="120000" y="120000"/>
-                </a:lnTo>
-                <a:lnTo>
-                  <a:pt x="0" y="120000"/>
-                </a:lnTo>
-                <a:close/>
-              </a:path>
-            </a:pathLst>
-          </a:custGeom>
-        </p:spPr>
-      </p:sp>
-    </p:spTree>
-  </p:cSld>
-  <p:clrMapOvr>
-    <a:masterClrMapping/>
-  </p:clrMapOvr>
-</p:notes>
-</file>
-
-<file path=ppt/notesSlides/notesSlide19.xml><?xml version="1.0" encoding="utf-8"?>
-<p:notes xmlns:a="http://schemas.openxmlformats.org/drawingml/2006/main" xmlns:r="http://schemas.openxmlformats.org/officeDocument/2006/relationships" xmlns:p="http://schemas.openxmlformats.org/presentationml/2006/main" showMasterSp="0" showMasterPhAnim="0">
-  <p:cSld>
-    <p:spTree>
-      <p:nvGrpSpPr>
-        <p:cNvPr id="1" name="Shape 141"/>
-        <p:cNvGrpSpPr/>
-        <p:nvPr/>
-      </p:nvGrpSpPr>
-      <p:grpSpPr>
-        <a:xfrm>
-          <a:off x="0" y="0"/>
-          <a:ext cx="0" cy="0"/>
-          <a:chOff x="0" y="0"/>
-          <a:chExt cx="0" cy="0"/>
-        </a:xfrm>
-      </p:grpSpPr>
-      <p:sp>
-        <p:nvSpPr>
-          <p:cNvPr id="142" name="Google Shape;142;p11:notes"/>
-          <p:cNvSpPr txBox="1">
-            <a:spLocks noGrp="1"/>
-          </p:cNvSpPr>
-          <p:nvPr>
-            <p:ph type="body" idx="1"/>
-          </p:nvPr>
-        </p:nvSpPr>
-        <p:spPr>
-          <a:xfrm>
-            <a:off x="731500" y="4560550"/>
-            <a:ext cx="5852150" cy="4320525"/>
-          </a:xfrm>
-          <a:prstGeom prst="rect">
-            <a:avLst/>
-          </a:prstGeom>
-        </p:spPr>
-        <p:txBody>
-          <a:bodyPr spcFirstLastPara="1" wrap="square" lIns="91425" tIns="91425" rIns="91425" bIns="91425" anchor="t" anchorCtr="0">
-            <a:noAutofit/>
-          </a:bodyPr>
-          <a:lstStyle/>
-          <a:p>
-            <a:pPr marL="0" lvl="0" indent="0" algn="l" rtl="0">
-              <a:spcBef>
-                <a:spcPts val="0"/>
-              </a:spcBef>
-              <a:spcAft>
-                <a:spcPts val="0"/>
-              </a:spcAft>
-              <a:buNone/>
-            </a:pPr>
-            <a:endParaRPr/>
-          </a:p>
-        </p:txBody>
-      </p:sp>
-      <p:sp>
-        <p:nvSpPr>
-          <p:cNvPr id="143" name="Google Shape;143;p11:notes"/>
           <p:cNvSpPr>
             <a:spLocks noGrp="1" noRot="1" noChangeAspect="1"/>
           </p:cNvSpPr>
@@ -2006,7 +1968,7 @@
   <p:cSld>
     <p:spTree>
       <p:nvGrpSpPr>
-        <p:cNvPr id="1" name="Shape 177"/>
+        <p:cNvPr id="1" name="Shape 141"/>
         <p:cNvGrpSpPr/>
         <p:nvPr/>
       </p:nvGrpSpPr>
@@ -2020,7 +1982,7 @@
       </p:grpSpPr>
       <p:sp>
         <p:nvSpPr>
-          <p:cNvPr id="178" name="Google Shape;178;p17:notes"/>
+          <p:cNvPr id="142" name="Google Shape;142;p11:notes"/>
           <p:cNvSpPr txBox="1">
             <a:spLocks noGrp="1"/>
           </p:cNvSpPr>
@@ -2058,111 +2020,7 @@
       </p:sp>
       <p:sp>
         <p:nvSpPr>
-          <p:cNvPr id="179" name="Google Shape;179;p17:notes"/>
-          <p:cNvSpPr>
-            <a:spLocks noGrp="1" noRot="1" noChangeAspect="1"/>
-          </p:cNvSpPr>
-          <p:nvPr>
-            <p:ph type="sldImg" idx="2"/>
-          </p:nvPr>
-        </p:nvSpPr>
-        <p:spPr>
-          <a:xfrm>
-            <a:off x="1257300" y="720725"/>
-            <a:ext cx="4800600" cy="3600450"/>
-          </a:xfrm>
-          <a:custGeom>
-            <a:avLst/>
-            <a:gdLst/>
-            <a:ahLst/>
-            <a:cxnLst/>
-            <a:rect l="l" t="t" r="r" b="b"/>
-            <a:pathLst>
-              <a:path w="120000" h="120000" extrusionOk="0">
-                <a:moveTo>
-                  <a:pt x="0" y="0"/>
-                </a:moveTo>
-                <a:lnTo>
-                  <a:pt x="120000" y="0"/>
-                </a:lnTo>
-                <a:lnTo>
-                  <a:pt x="120000" y="120000"/>
-                </a:lnTo>
-                <a:lnTo>
-                  <a:pt x="0" y="120000"/>
-                </a:lnTo>
-                <a:close/>
-              </a:path>
-            </a:pathLst>
-          </a:custGeom>
-        </p:spPr>
-      </p:sp>
-    </p:spTree>
-  </p:cSld>
-  <p:clrMapOvr>
-    <a:masterClrMapping/>
-  </p:clrMapOvr>
-</p:notes>
-</file>
-
-<file path=ppt/notesSlides/notesSlide21.xml><?xml version="1.0" encoding="utf-8"?>
-<p:notes xmlns:a="http://schemas.openxmlformats.org/drawingml/2006/main" xmlns:r="http://schemas.openxmlformats.org/officeDocument/2006/relationships" xmlns:p="http://schemas.openxmlformats.org/presentationml/2006/main" showMasterSp="0" showMasterPhAnim="0">
-  <p:cSld>
-    <p:spTree>
-      <p:nvGrpSpPr>
-        <p:cNvPr id="1" name="Shape 183"/>
-        <p:cNvGrpSpPr/>
-        <p:nvPr/>
-      </p:nvGrpSpPr>
-      <p:grpSpPr>
-        <a:xfrm>
-          <a:off x="0" y="0"/>
-          <a:ext cx="0" cy="0"/>
-          <a:chOff x="0" y="0"/>
-          <a:chExt cx="0" cy="0"/>
-        </a:xfrm>
-      </p:grpSpPr>
-      <p:sp>
-        <p:nvSpPr>
-          <p:cNvPr id="184" name="Google Shape;184;p18:notes"/>
-          <p:cNvSpPr txBox="1">
-            <a:spLocks noGrp="1"/>
-          </p:cNvSpPr>
-          <p:nvPr>
-            <p:ph type="body" idx="1"/>
-          </p:nvPr>
-        </p:nvSpPr>
-        <p:spPr>
-          <a:xfrm>
-            <a:off x="731500" y="4560550"/>
-            <a:ext cx="5852150" cy="4320525"/>
-          </a:xfrm>
-          <a:prstGeom prst="rect">
-            <a:avLst/>
-          </a:prstGeom>
-        </p:spPr>
-        <p:txBody>
-          <a:bodyPr spcFirstLastPara="1" wrap="square" lIns="91425" tIns="91425" rIns="91425" bIns="91425" anchor="t" anchorCtr="0">
-            <a:noAutofit/>
-          </a:bodyPr>
-          <a:lstStyle/>
-          <a:p>
-            <a:pPr marL="0" lvl="0" indent="0" algn="l" rtl="0">
-              <a:spcBef>
-                <a:spcPts val="0"/>
-              </a:spcBef>
-              <a:spcAft>
-                <a:spcPts val="0"/>
-              </a:spcAft>
-              <a:buNone/>
-            </a:pPr>
-            <a:endParaRPr/>
-          </a:p>
-        </p:txBody>
-      </p:sp>
-      <p:sp>
-        <p:nvSpPr>
-          <p:cNvPr id="185" name="Google Shape;185;p18:notes"/>
+          <p:cNvPr id="143" name="Google Shape;143;p11:notes"/>
           <p:cNvSpPr>
             <a:spLocks noGrp="1" noRot="1" noChangeAspect="1"/>
           </p:cNvSpPr>
@@ -14005,21 +13863,21 @@
                 <a:latin typeface="Times New Roman" panose="02020603050405020304" pitchFamily="18" charset="0"/>
                 <a:cs typeface="Times New Roman" panose="02020603050405020304" pitchFamily="18" charset="0"/>
               </a:rPr>
-              <a:t>By: Islam </a:t>
-            </a:r>
-            <a:r>
-              <a:rPr lang="en-GB" sz="1200" dirty="0" err="1">
-                <a:latin typeface="Times New Roman" panose="02020603050405020304" pitchFamily="18" charset="0"/>
-                <a:cs typeface="Times New Roman" panose="02020603050405020304" pitchFamily="18" charset="0"/>
-              </a:rPr>
-              <a:t>Abbasi</a:t>
+              <a:t>By: </a:t>
+            </a:r>
+            <a:r>
+              <a:rPr lang="en-GB" sz="1200" dirty="0" smtClean="0">
+                <a:latin typeface="Times New Roman" panose="02020603050405020304" pitchFamily="18" charset="0"/>
+                <a:cs typeface="Times New Roman" panose="02020603050405020304" pitchFamily="18" charset="0"/>
+              </a:rPr>
+              <a:t>Muhammad Islam (</a:t>
             </a:r>
             <a:r>
               <a:rPr lang="en-GB" sz="1200" dirty="0">
                 <a:latin typeface="Times New Roman" panose="02020603050405020304" pitchFamily="18" charset="0"/>
                 <a:cs typeface="Times New Roman" panose="02020603050405020304" pitchFamily="18" charset="0"/>
               </a:rPr>
-              <a:t> (Lecturer)</a:t>
+              <a:t>Lecturer)</a:t>
             </a:r>
           </a:p>
           <a:p>
@@ -14333,7 +14191,7 @@
                 <a:hlinkClick r:id="rId2">
                   <a:extLst>
                     <a:ext uri="{A12FA001-AC4F-418D-AE19-62706E023703}">
-                      <ahyp:hlinkClr xmlns="" xmlns:ahyp="http://schemas.microsoft.com/office/drawing/2018/hyperlinkcolor" xmlns:lc="http://schemas.openxmlformats.org/drawingml/2006/lockedCanvas" val="tx"/>
+                      <ahyp:hlinkClr xmlns:lc="http://schemas.openxmlformats.org/drawingml/2006/lockedCanvas" xmlns:ahyp="http://schemas.microsoft.com/office/drawing/2018/hyperlinkcolor" xmlns="" val="tx"/>
                     </a:ext>
                   </a:extLst>
                 </a:hlinkClick>
@@ -14643,7 +14501,7 @@
                 <a:hlinkClick r:id="rId2">
                   <a:extLst>
                     <a:ext uri="{A12FA001-AC4F-418D-AE19-62706E023703}">
-                      <ahyp:hlinkClr xmlns="" xmlns:ahyp="http://schemas.microsoft.com/office/drawing/2018/hyperlinkcolor" xmlns:lc="http://schemas.openxmlformats.org/drawingml/2006/lockedCanvas" val="tx"/>
+                      <ahyp:hlinkClr xmlns:lc="http://schemas.openxmlformats.org/drawingml/2006/lockedCanvas" xmlns:ahyp="http://schemas.microsoft.com/office/drawing/2018/hyperlinkcolor" xmlns="" val="tx"/>
                     </a:ext>
                   </a:extLst>
                 </a:hlinkClick>
@@ -14726,7 +14584,7 @@
           <p:nvPr>
             <p:extLst>
               <p:ext uri="{D42A27DB-BD31-4B8C-83A1-F6EECF244321}">
-                <p14:modId xmlns:p14="http://schemas.microsoft.com/office/powerpoint/2010/main" val="3506039807"/>
+                <p14:modId xmlns:p14="http://schemas.microsoft.com/office/powerpoint/2010/main" val="18840931"/>
               </p:ext>
             </p:extLst>
           </p:nvPr>
@@ -14970,8 +14828,20 @@
                     <a:lstStyle/>
                     <a:p>
                       <a:r>
-                        <a:rPr lang="en-GB" sz="1200"/>
-                        <a:t>Personalized diet plans</a:t>
+                        <a:rPr lang="en-GB" sz="1200" dirty="0" smtClean="0"/>
+                        <a:t>Giving</a:t>
+                      </a:r>
+                      <a:r>
+                        <a:rPr lang="en-GB" sz="1200" baseline="0" dirty="0" smtClean="0"/>
+                        <a:t> </a:t>
+                      </a:r>
+                      <a:r>
+                        <a:rPr lang="en-GB" sz="1200" dirty="0" smtClean="0"/>
+                        <a:t>diet </a:t>
+                      </a:r>
+                      <a:r>
+                        <a:rPr lang="en-GB" sz="1200" dirty="0"/>
+                        <a:t>plans</a:t>
                       </a:r>
                     </a:p>
                   </a:txBody>
@@ -15622,7 +15492,7 @@
         </p:nvSpPr>
         <p:spPr>
           <a:xfrm>
-            <a:off x="457200" y="1600200"/>
+            <a:off x="565484" y="2201779"/>
             <a:ext cx="8229600" cy="4525963"/>
           </a:xfrm>
           <a:prstGeom prst="rect">
@@ -15639,20 +15509,52 @@
           </a:bodyPr>
           <a:lstStyle/>
           <a:p>
-            <a:pPr marL="342900" lvl="0" indent="-139700" algn="l" rtl="0">
-              <a:spcBef>
-                <a:spcPts val="0"/>
-              </a:spcBef>
-              <a:spcAft>
-                <a:spcPts val="0"/>
-              </a:spcAft>
-              <a:buClr>
-                <a:schemeClr val="dk1"/>
-              </a:buClr>
+            <a:pPr marL="342900" lvl="0" indent="-139700" algn="just">
+              <a:spcBef>
+                <a:spcPts val="0"/>
+              </a:spcBef>
               <a:buSzPts val="3200"/>
               <a:buNone/>
             </a:pPr>
-            <a:endParaRPr/>
+            <a:r>
+              <a:rPr lang="en-GB" sz="2600" dirty="0" smtClean="0">
+                <a:latin typeface="Times New Roman" panose="02020603050405020304" pitchFamily="18" charset="0"/>
+                <a:cs typeface="Times New Roman" panose="02020603050405020304" pitchFamily="18" charset="0"/>
+              </a:rPr>
+              <a:t> Obesity individuals </a:t>
+            </a:r>
+            <a:r>
+              <a:rPr lang="en-GB" sz="2600" dirty="0">
+                <a:latin typeface="Times New Roman" panose="02020603050405020304" pitchFamily="18" charset="0"/>
+                <a:cs typeface="Times New Roman" panose="02020603050405020304" pitchFamily="18" charset="0"/>
+              </a:rPr>
+              <a:t>face significant </a:t>
+            </a:r>
+            <a:r>
+              <a:rPr lang="en-GB" sz="2600" dirty="0" smtClean="0">
+                <a:latin typeface="Times New Roman" panose="02020603050405020304" pitchFamily="18" charset="0"/>
+                <a:cs typeface="Times New Roman" panose="02020603050405020304" pitchFamily="18" charset="0"/>
+              </a:rPr>
+              <a:t>challenges in maintaining </a:t>
+            </a:r>
+            <a:r>
+              <a:rPr lang="en-GB" sz="2600" dirty="0">
+                <a:latin typeface="Times New Roman" panose="02020603050405020304" pitchFamily="18" charset="0"/>
+                <a:cs typeface="Times New Roman" panose="02020603050405020304" pitchFamily="18" charset="0"/>
+              </a:rPr>
+              <a:t>their diet </a:t>
+            </a:r>
+            <a:r>
+              <a:rPr lang="en-GB" sz="2600" dirty="0" smtClean="0">
+                <a:latin typeface="Times New Roman" panose="02020603050405020304" pitchFamily="18" charset="0"/>
+                <a:cs typeface="Times New Roman" panose="02020603050405020304" pitchFamily="18" charset="0"/>
+              </a:rPr>
+              <a:t>effectively. Existing platform only focus on exercise and struggles in giving personalized diet plan. Existing platform do not recommend diet along with exercises. They bound people to eat the food. They do not provide personalized diet plans according to user needs.    </a:t>
+            </a:r>
+            <a:endParaRPr lang="en-GB" sz="2600" dirty="0" smtClean="0">
+              <a:latin typeface="Times New Roman" panose="02020603050405020304" pitchFamily="18" charset="0"/>
+              <a:cs typeface="Times New Roman" panose="02020603050405020304" pitchFamily="18" charset="0"/>
+            </a:endParaRPr>
           </a:p>
         </p:txBody>
       </p:sp>
@@ -16331,18 +16233,25 @@
               <a:t> </a:t>
             </a:r>
             <a:r>
-              <a:rPr lang="en-US" sz="2800" dirty="0" err="1">
-                <a:latin typeface="Times New Roman" panose="02020603050405020304" pitchFamily="18" charset="0"/>
-                <a:cs typeface="Times New Roman" panose="02020603050405020304" pitchFamily="18" charset="0"/>
-              </a:rPr>
-              <a:t>abideen</a:t>
-            </a:r>
-            <a:r>
               <a:rPr lang="en-US" sz="2800" dirty="0">
                 <a:latin typeface="Times New Roman" panose="02020603050405020304" pitchFamily="18" charset="0"/>
                 <a:cs typeface="Times New Roman" panose="02020603050405020304" pitchFamily="18" charset="0"/>
               </a:rPr>
-              <a:t> (35515)</a:t>
+              <a:t>A</a:t>
+            </a:r>
+            <a:r>
+              <a:rPr lang="en-US" sz="2800" dirty="0" smtClean="0">
+                <a:latin typeface="Times New Roman" panose="02020603050405020304" pitchFamily="18" charset="0"/>
+                <a:cs typeface="Times New Roman" panose="02020603050405020304" pitchFamily="18" charset="0"/>
+              </a:rPr>
+              <a:t>bideen </a:t>
+            </a:r>
+            <a:r>
+              <a:rPr lang="en-US" sz="2800" dirty="0">
+                <a:latin typeface="Times New Roman" panose="02020603050405020304" pitchFamily="18" charset="0"/>
+                <a:cs typeface="Times New Roman" panose="02020603050405020304" pitchFamily="18" charset="0"/>
+              </a:rPr>
+              <a:t>(35515)</a:t>
             </a:r>
           </a:p>
           <a:p>
@@ -16353,18 +16262,11 @@
               <a:buSzPts val="3200"/>
             </a:pPr>
             <a:r>
-              <a:rPr lang="en-US" sz="2800" dirty="0" err="1">
-                <a:latin typeface="Times New Roman" panose="02020603050405020304" pitchFamily="18" charset="0"/>
-                <a:cs typeface="Times New Roman" panose="02020603050405020304" pitchFamily="18" charset="0"/>
-              </a:rPr>
-              <a:t>Huzaifa</a:t>
-            </a:r>
-            <a:r>
               <a:rPr lang="en-US" sz="2800" dirty="0">
                 <a:latin typeface="Times New Roman" panose="02020603050405020304" pitchFamily="18" charset="0"/>
                 <a:cs typeface="Times New Roman" panose="02020603050405020304" pitchFamily="18" charset="0"/>
               </a:rPr>
-              <a:t> khan (35726)</a:t>
+              <a:t>Huzaifa khan (35726)</a:t>
             </a:r>
           </a:p>
           <a:p>
@@ -16478,7 +16380,7 @@
         </p:blipFill>
         <p:spPr>
           <a:xfrm>
-            <a:off x="806116" y="1181780"/>
+            <a:off x="806116" y="1207681"/>
             <a:ext cx="7880684" cy="4435442"/>
           </a:xfrm>
           <a:prstGeom prst="rect">
@@ -16562,36 +16464,63 @@
           </a:p>
         </p:txBody>
       </p:sp>
-      <p:pic>
-        <p:nvPicPr>
-          <p:cNvPr id="4" name="Picture 3"/>
-          <p:cNvPicPr>
-            <a:picLocks noChangeAspect="1"/>
-          </p:cNvPicPr>
-          <p:nvPr/>
-        </p:nvPicPr>
-        <p:blipFill>
-          <a:blip r:embed="rId3">
-            <a:extLst>
-              <a:ext uri="{28A0092B-C50C-407E-A947-70E740481C1C}">
-                <a14:useLocalDpi xmlns:a14="http://schemas.microsoft.com/office/drawing/2010/main" val="0"/>
-              </a:ext>
-            </a:extLst>
-          </a:blip>
-          <a:stretch>
-            <a:fillRect/>
-          </a:stretch>
-        </p:blipFill>
-        <p:spPr>
-          <a:xfrm>
-            <a:off x="949531" y="1323065"/>
-            <a:ext cx="7498080" cy="4432063"/>
-          </a:xfrm>
-          <a:prstGeom prst="rect">
-            <a:avLst/>
-          </a:prstGeom>
-        </p:spPr>
-      </p:pic>
+      <p:graphicFrame>
+        <p:nvGraphicFramePr>
+          <p:cNvPr id="2" name="Object 1"/>
+          <p:cNvGraphicFramePr>
+            <a:graphicFrameLocks noChangeAspect="1"/>
+          </p:cNvGraphicFramePr>
+          <p:nvPr>
+            <p:extLst>
+              <p:ext uri="{D42A27DB-BD31-4B8C-83A1-F6EECF244321}">
+                <p14:modId xmlns:p14="http://schemas.microsoft.com/office/powerpoint/2010/main" val="801482356"/>
+              </p:ext>
+            </p:extLst>
+          </p:nvPr>
+        </p:nvGraphicFramePr>
+        <p:xfrm>
+          <a:off x="919214" y="1144248"/>
+          <a:ext cx="7767586" cy="4838559"/>
+        </p:xfrm>
+        <a:graphic>
+          <a:graphicData uri="http://schemas.openxmlformats.org/presentationml/2006/ole">
+            <mc:AlternateContent xmlns:mc="http://schemas.openxmlformats.org/markup-compatibility/2006">
+              <mc:Choice xmlns:v="urn:schemas-microsoft-com:vml" Requires="v">
+                <p:oleObj spid="_x0000_s1030" name="Visio" r:id="rId4" imgW="9702593" imgH="6045015" progId="Visio.Drawing.15">
+                  <p:embed/>
+                </p:oleObj>
+              </mc:Choice>
+              <mc:Fallback>
+                <p:oleObj name="Visio" r:id="rId4" imgW="9702593" imgH="6045015" progId="Visio.Drawing.15">
+                  <p:embed/>
+                  <p:pic>
+                    <p:nvPicPr>
+                      <p:cNvPr id="0" name=""/>
+                      <p:cNvPicPr/>
+                      <p:nvPr/>
+                    </p:nvPicPr>
+                    <p:blipFill>
+                      <a:blip r:embed="rId5"/>
+                      <a:stretch>
+                        <a:fillRect/>
+                      </a:stretch>
+                    </p:blipFill>
+                    <p:spPr>
+                      <a:xfrm>
+                        <a:off x="919214" y="1144248"/>
+                        <a:ext cx="7767586" cy="4838559"/>
+                      </a:xfrm>
+                      <a:prstGeom prst="rect">
+                        <a:avLst/>
+                      </a:prstGeom>
+                    </p:spPr>
+                  </p:pic>
+                </p:oleObj>
+              </mc:Fallback>
+            </mc:AlternateContent>
+          </a:graphicData>
+        </a:graphic>
+      </p:graphicFrame>
     </p:spTree>
   </p:cSld>
   <p:clrMapOvr>
@@ -16791,114 +16720,121 @@
                 <a:latin typeface="Times New Roman" panose="02020603050405020304" pitchFamily="18" charset="0"/>
                 <a:cs typeface="Times New Roman" panose="02020603050405020304" pitchFamily="18" charset="0"/>
               </a:rPr>
-              <a:t> (for a responsive and dynamic user interface) and Flutter.</a:t>
-            </a:r>
-          </a:p>
-          <a:p>
-            <a:pPr marL="285750" lvl="0" indent="-285750">
-              <a:spcBef>
-                <a:spcPts val="640"/>
-              </a:spcBef>
-              <a:buSzPts val="3200"/>
-            </a:pPr>
-            <a:r>
-              <a:rPr lang="en-US" sz="2500" b="1" dirty="0">
-                <a:latin typeface="Times New Roman" panose="02020603050405020304" pitchFamily="18" charset="0"/>
-                <a:cs typeface="Times New Roman" panose="02020603050405020304" pitchFamily="18" charset="0"/>
-              </a:rPr>
-              <a:t>Backend: Spring Boot</a:t>
-            </a:r>
-            <a:r>
-              <a:rPr lang="en-US" sz="2500" dirty="0">
-                <a:latin typeface="Times New Roman" panose="02020603050405020304" pitchFamily="18" charset="0"/>
-                <a:cs typeface="Times New Roman" panose="02020603050405020304" pitchFamily="18" charset="0"/>
-              </a:rPr>
-              <a:t>(for creating RESTful APIs).</a:t>
-            </a:r>
-          </a:p>
-          <a:p>
-            <a:pPr marL="285750" lvl="0" indent="-285750">
-              <a:spcBef>
-                <a:spcPts val="640"/>
-              </a:spcBef>
-              <a:buSzPts val="3200"/>
-            </a:pPr>
-            <a:r>
-              <a:rPr lang="en-US" sz="2500" b="1" dirty="0">
-                <a:latin typeface="Times New Roman" panose="02020603050405020304" pitchFamily="18" charset="0"/>
-                <a:cs typeface="Times New Roman" panose="02020603050405020304" pitchFamily="18" charset="0"/>
-              </a:rPr>
-              <a:t>Database:</a:t>
-            </a:r>
-            <a:r>
-              <a:rPr lang="en-US" sz="2500" dirty="0">
-                <a:latin typeface="Times New Roman" panose="02020603050405020304" pitchFamily="18" charset="0"/>
-                <a:cs typeface="Times New Roman" panose="02020603050405020304" pitchFamily="18" charset="0"/>
-              </a:rPr>
-              <a:t> </a:t>
-            </a:r>
-            <a:r>
-              <a:rPr lang="en-US" sz="2500" b="1" dirty="0">
-                <a:latin typeface="Times New Roman" panose="02020603050405020304" pitchFamily="18" charset="0"/>
-                <a:cs typeface="Times New Roman" panose="02020603050405020304" pitchFamily="18" charset="0"/>
-              </a:rPr>
-              <a:t>MongoDB</a:t>
-            </a:r>
-            <a:r>
-              <a:rPr lang="en-US" sz="2500" dirty="0">
-                <a:latin typeface="Times New Roman" panose="02020603050405020304" pitchFamily="18" charset="0"/>
-                <a:cs typeface="Times New Roman" panose="02020603050405020304" pitchFamily="18" charset="0"/>
-              </a:rPr>
-              <a:t> (for secure and efficient data storage).</a:t>
-            </a:r>
-          </a:p>
-          <a:p>
-            <a:pPr marL="285750" lvl="0" indent="-285750">
-              <a:spcBef>
-                <a:spcPts val="640"/>
-              </a:spcBef>
-              <a:buSzPts val="3200"/>
-            </a:pPr>
-            <a:r>
-              <a:rPr lang="en-US" sz="2500" b="1" dirty="0">
-                <a:latin typeface="Times New Roman" panose="02020603050405020304" pitchFamily="18" charset="0"/>
-                <a:cs typeface="Times New Roman" panose="02020603050405020304" pitchFamily="18" charset="0"/>
-              </a:rPr>
-              <a:t>Programming Languages:</a:t>
-            </a:r>
-            <a:r>
-              <a:rPr lang="en-US" sz="2500" dirty="0">
-                <a:latin typeface="Times New Roman" panose="02020603050405020304" pitchFamily="18" charset="0"/>
-                <a:cs typeface="Times New Roman" panose="02020603050405020304" pitchFamily="18" charset="0"/>
-              </a:rPr>
-              <a:t> Python, JavaScript, Java (for backend and frontend development).</a:t>
-            </a:r>
-          </a:p>
-          <a:p>
-            <a:pPr marL="285750" lvl="0" indent="-285750">
-              <a:spcBef>
-                <a:spcPts val="640"/>
-              </a:spcBef>
-              <a:buSzPts val="3200"/>
-            </a:pPr>
-            <a:r>
-              <a:rPr lang="en-US" sz="2500" b="1" dirty="0">
-                <a:latin typeface="Times New Roman" panose="02020603050405020304" pitchFamily="18" charset="0"/>
-                <a:cs typeface="Times New Roman" panose="02020603050405020304" pitchFamily="18" charset="0"/>
-              </a:rPr>
-              <a:t>Version Control:</a:t>
-            </a:r>
-            <a:r>
-              <a:rPr lang="en-US" sz="2500" dirty="0">
-                <a:latin typeface="Times New Roman" panose="02020603050405020304" pitchFamily="18" charset="0"/>
-                <a:cs typeface="Times New Roman" panose="02020603050405020304" pitchFamily="18" charset="0"/>
-              </a:rPr>
-              <a:t> GitHub (for collaboration version control and automation).</a:t>
+              <a:t> (for a responsive and dynamic user interface</a:t>
+            </a:r>
+            <a:r>
+              <a:rPr lang="en-US" sz="2500" dirty="0" smtClean="0">
+                <a:latin typeface="Times New Roman" panose="02020603050405020304" pitchFamily="18" charset="0"/>
+                <a:cs typeface="Times New Roman" panose="02020603050405020304" pitchFamily="18" charset="0"/>
+              </a:rPr>
+              <a:t>).</a:t>
             </a:r>
             <a:endParaRPr lang="en-US" sz="2500" dirty="0">
               <a:latin typeface="Times New Roman" panose="02020603050405020304" pitchFamily="18" charset="0"/>
               <a:cs typeface="Times New Roman" panose="02020603050405020304" pitchFamily="18" charset="0"/>
             </a:endParaRPr>
+          </a:p>
+          <a:p>
+            <a:pPr marL="285750" lvl="0" indent="-285750">
+              <a:spcBef>
+                <a:spcPts val="640"/>
+              </a:spcBef>
+              <a:buSzPts val="3200"/>
+            </a:pPr>
+            <a:r>
+              <a:rPr lang="en-US" sz="2500" b="1" dirty="0">
+                <a:latin typeface="Times New Roman" panose="02020603050405020304" pitchFamily="18" charset="0"/>
+                <a:cs typeface="Times New Roman" panose="02020603050405020304" pitchFamily="18" charset="0"/>
+              </a:rPr>
+              <a:t>Backend: Spring Boot</a:t>
+            </a:r>
+            <a:r>
+              <a:rPr lang="en-US" sz="2500" dirty="0">
+                <a:latin typeface="Times New Roman" panose="02020603050405020304" pitchFamily="18" charset="0"/>
+                <a:cs typeface="Times New Roman" panose="02020603050405020304" pitchFamily="18" charset="0"/>
+              </a:rPr>
+              <a:t>(for creating RESTful APIs).</a:t>
+            </a:r>
+          </a:p>
+          <a:p>
+            <a:pPr marL="285750" lvl="0" indent="-285750">
+              <a:spcBef>
+                <a:spcPts val="640"/>
+              </a:spcBef>
+              <a:buSzPts val="3200"/>
+            </a:pPr>
+            <a:r>
+              <a:rPr lang="en-US" sz="2500" b="1" dirty="0">
+                <a:latin typeface="Times New Roman" panose="02020603050405020304" pitchFamily="18" charset="0"/>
+                <a:cs typeface="Times New Roman" panose="02020603050405020304" pitchFamily="18" charset="0"/>
+              </a:rPr>
+              <a:t>Database:</a:t>
+            </a:r>
+            <a:r>
+              <a:rPr lang="en-US" sz="2500" dirty="0">
+                <a:latin typeface="Times New Roman" panose="02020603050405020304" pitchFamily="18" charset="0"/>
+                <a:cs typeface="Times New Roman" panose="02020603050405020304" pitchFamily="18" charset="0"/>
+              </a:rPr>
+              <a:t> </a:t>
+            </a:r>
+            <a:r>
+              <a:rPr lang="en-US" sz="2500" b="1" dirty="0">
+                <a:latin typeface="Times New Roman" panose="02020603050405020304" pitchFamily="18" charset="0"/>
+                <a:cs typeface="Times New Roman" panose="02020603050405020304" pitchFamily="18" charset="0"/>
+              </a:rPr>
+              <a:t>MongoDB</a:t>
+            </a:r>
+            <a:r>
+              <a:rPr lang="en-US" sz="2500" dirty="0">
+                <a:latin typeface="Times New Roman" panose="02020603050405020304" pitchFamily="18" charset="0"/>
+                <a:cs typeface="Times New Roman" panose="02020603050405020304" pitchFamily="18" charset="0"/>
+              </a:rPr>
+              <a:t> (for secure and efficient data storage).</a:t>
+            </a:r>
+          </a:p>
+          <a:p>
+            <a:pPr marL="285750" lvl="0" indent="-285750">
+              <a:spcBef>
+                <a:spcPts val="640"/>
+              </a:spcBef>
+              <a:buSzPts val="3200"/>
+            </a:pPr>
+            <a:r>
+              <a:rPr lang="en-US" sz="2500" b="1" dirty="0">
+                <a:latin typeface="Times New Roman" panose="02020603050405020304" pitchFamily="18" charset="0"/>
+                <a:cs typeface="Times New Roman" panose="02020603050405020304" pitchFamily="18" charset="0"/>
+              </a:rPr>
+              <a:t>Programming Languages:</a:t>
+            </a:r>
+            <a:r>
+              <a:rPr lang="en-US" sz="2500" dirty="0">
+                <a:latin typeface="Times New Roman" panose="02020603050405020304" pitchFamily="18" charset="0"/>
+                <a:cs typeface="Times New Roman" panose="02020603050405020304" pitchFamily="18" charset="0"/>
+              </a:rPr>
+              <a:t> Python, JavaScript, Java (for backend and frontend development).</a:t>
+            </a:r>
+          </a:p>
+          <a:p>
+            <a:pPr marL="285750" lvl="0" indent="-285750">
+              <a:spcBef>
+                <a:spcPts val="640"/>
+              </a:spcBef>
+              <a:buSzPts val="3200"/>
+            </a:pPr>
+            <a:r>
+              <a:rPr lang="en-US" sz="2500" b="1" dirty="0">
+                <a:latin typeface="Times New Roman" panose="02020603050405020304" pitchFamily="18" charset="0"/>
+                <a:cs typeface="Times New Roman" panose="02020603050405020304" pitchFamily="18" charset="0"/>
+              </a:rPr>
+              <a:t>Version Control:</a:t>
+            </a:r>
+            <a:r>
+              <a:rPr lang="en-US" sz="2500" dirty="0">
+                <a:latin typeface="Times New Roman" panose="02020603050405020304" pitchFamily="18" charset="0"/>
+                <a:cs typeface="Times New Roman" panose="02020603050405020304" pitchFamily="18" charset="0"/>
+              </a:rPr>
+              <a:t> GitHub (for collaboration version control and automation).</a:t>
+            </a:r>
           </a:p>
         </p:txBody>
       </p:sp>
@@ -17059,10 +16995,6 @@
               </a:rPr>
               <a:t>Axios</a:t>
             </a:r>
-            <a:endParaRPr lang="en-US" sz="2400" dirty="0">
-              <a:latin typeface="Times New Roman" panose="02020603050405020304" pitchFamily="18" charset="0"/>
-              <a:cs typeface="Times New Roman" panose="02020603050405020304" pitchFamily="18" charset="0"/>
-            </a:endParaRPr>
           </a:p>
         </p:txBody>
       </p:sp>
@@ -17243,10 +17175,6 @@
               </a:rPr>
               <a:t>OTP Store</a:t>
             </a:r>
-            <a:endParaRPr lang="en-US" sz="2400" dirty="0">
-              <a:latin typeface="Times New Roman" panose="02020603050405020304" pitchFamily="18" charset="0"/>
-              <a:cs typeface="Times New Roman" panose="02020603050405020304" pitchFamily="18" charset="0"/>
-            </a:endParaRPr>
           </a:p>
         </p:txBody>
       </p:sp>
@@ -17619,14 +17547,7 @@
                 <a:latin typeface="Times New Roman" panose="02020603050405020304" pitchFamily="18" charset="0"/>
                 <a:cs typeface="Times New Roman" panose="02020603050405020304" pitchFamily="18" charset="0"/>
               </a:rPr>
-              <a:t> </a:t>
-            </a:r>
-            <a:r>
-              <a:rPr lang="en-GB" sz="2800" dirty="0" smtClean="0">
-                <a:latin typeface="Times New Roman" panose="02020603050405020304" pitchFamily="18" charset="0"/>
-                <a:cs typeface="Times New Roman" panose="02020603050405020304" pitchFamily="18" charset="0"/>
-              </a:rPr>
-              <a:t>and </a:t>
+              <a:t> and </a:t>
             </a:r>
             <a:r>
               <a:rPr lang="en-GB" sz="2800" b="1" dirty="0" smtClean="0">
@@ -18366,33 +18287,14 @@
                 <a:latin typeface="Times New Roman" panose="02020603050405020304" pitchFamily="18" charset="0"/>
                 <a:cs typeface="Times New Roman" panose="02020603050405020304" pitchFamily="18" charset="0"/>
               </a:rPr>
-              <a:t>Testing Summary</a:t>
-            </a:r>
-            <a:endParaRPr sz="2200" dirty="0">
-              <a:latin typeface="Times New Roman" panose="02020603050405020304" pitchFamily="18" charset="0"/>
-              <a:cs typeface="Times New Roman" panose="02020603050405020304" pitchFamily="18" charset="0"/>
-            </a:endParaRPr>
-          </a:p>
-          <a:p>
-            <a:pPr marL="342900" lvl="0" indent="-342900" algn="l" rtl="0">
-              <a:spcBef>
-                <a:spcPts val="480"/>
-              </a:spcBef>
-              <a:spcAft>
-                <a:spcPts val="0"/>
-              </a:spcAft>
-              <a:buClr>
-                <a:schemeClr val="dk1"/>
-              </a:buClr>
-              <a:buSzPts val="2400"/>
-              <a:buChar char="•"/>
-            </a:pPr>
-            <a:r>
-              <a:rPr lang="en-US" sz="2200" dirty="0">
-                <a:latin typeface="Times New Roman" panose="02020603050405020304" pitchFamily="18" charset="0"/>
-                <a:cs typeface="Times New Roman" panose="02020603050405020304" pitchFamily="18" charset="0"/>
-              </a:rPr>
-              <a:t>Conclusion and Outlook</a:t>
+              <a:t>Testing </a:t>
+            </a:r>
+            <a:r>
+              <a:rPr lang="en-US" sz="2200" dirty="0" smtClean="0">
+                <a:latin typeface="Times New Roman" panose="02020603050405020304" pitchFamily="18" charset="0"/>
+                <a:cs typeface="Times New Roman" panose="02020603050405020304" pitchFamily="18" charset="0"/>
+              </a:rPr>
+              <a:t>Summary</a:t>
             </a:r>
             <a:endParaRPr sz="2200" dirty="0">
               <a:latin typeface="Times New Roman" panose="02020603050405020304" pitchFamily="18" charset="0"/>
@@ -18670,7 +18572,21 @@
                 <a:latin typeface="Times New Roman" panose="02020603050405020304" pitchFamily="18" charset="0"/>
                 <a:cs typeface="Times New Roman" panose="02020603050405020304" pitchFamily="18" charset="0"/>
               </a:rPr>
-              <a:t>we make a synthetic dataset of 20000 people using CTGAN model and split dataset </a:t>
+              <a:t>we make a synthetic dataset of 20000 people using </a:t>
+            </a:r>
+            <a:r>
+              <a:rPr lang="en-GB" sz="2500" b="1" dirty="0" smtClean="0">
+                <a:latin typeface="Times New Roman" panose="02020603050405020304" pitchFamily="18" charset="0"/>
+                <a:cs typeface="Times New Roman" panose="02020603050405020304" pitchFamily="18" charset="0"/>
+              </a:rPr>
+              <a:t>CTGAN </a:t>
+            </a:r>
+            <a:r>
+              <a:rPr lang="en-GB" sz="2500" dirty="0" smtClean="0">
+                <a:latin typeface="Times New Roman" panose="02020603050405020304" pitchFamily="18" charset="0"/>
+                <a:cs typeface="Times New Roman" panose="02020603050405020304" pitchFamily="18" charset="0"/>
+              </a:rPr>
+              <a:t>model and split dataset </a:t>
             </a:r>
             <a:r>
               <a:rPr lang="en-US" sz="2500" dirty="0">
@@ -18734,9 +18650,30 @@
                 <a:latin typeface="Times New Roman" panose="02020603050405020304" pitchFamily="18" charset="0"/>
                 <a:cs typeface="Times New Roman" panose="02020603050405020304" pitchFamily="18" charset="0"/>
               </a:rPr>
-              <a:t>XGBoost.</a:t>
-            </a:r>
-            <a:endParaRPr lang="en-GB" sz="2500" b="1" dirty="0" smtClean="0">
+              <a:t>XGBoost </a:t>
+            </a:r>
+            <a:r>
+              <a:rPr lang="en-US" sz="2500" dirty="0" smtClean="0">
+                <a:latin typeface="Times New Roman" panose="02020603050405020304" pitchFamily="18" charset="0"/>
+                <a:cs typeface="Times New Roman" panose="02020603050405020304" pitchFamily="18" charset="0"/>
+              </a:rPr>
+              <a:t>along</a:t>
+            </a:r>
+            <a:r>
+              <a:rPr lang="en-US" sz="2500" b="1" dirty="0" smtClean="0">
+                <a:latin typeface="Times New Roman" panose="02020603050405020304" pitchFamily="18" charset="0"/>
+                <a:cs typeface="Times New Roman" panose="02020603050405020304" pitchFamily="18" charset="0"/>
+              </a:rPr>
+              <a:t> </a:t>
+            </a:r>
+            <a:r>
+              <a:rPr lang="en-US" sz="2500" dirty="0" smtClean="0">
+                <a:latin typeface="Times New Roman" panose="02020603050405020304" pitchFamily="18" charset="0"/>
+                <a:cs typeface="Times New Roman" panose="02020603050405020304" pitchFamily="18" charset="0"/>
+              </a:rPr>
+              <a:t>with  meta learner of gradient boosting.</a:t>
+            </a:r>
+            <a:endParaRPr lang="en-GB" sz="2500" dirty="0" smtClean="0">
               <a:latin typeface="Times New Roman" panose="02020603050405020304" pitchFamily="18" charset="0"/>
               <a:cs typeface="Times New Roman" panose="02020603050405020304" pitchFamily="18" charset="0"/>
             </a:endParaRPr>
@@ -19075,7 +19012,7 @@
                 <a:latin typeface="Times New Roman" panose="02020603050405020304" pitchFamily="18" charset="0"/>
                 <a:cs typeface="Times New Roman" panose="02020603050405020304" pitchFamily="18" charset="0"/>
               </a:rPr>
-              <a:t>model</a:t>
+              <a:t>model with polynomial features.</a:t>
             </a:r>
             <a:endParaRPr lang="en-GB" sz="2500" dirty="0" smtClean="0">
               <a:latin typeface="Times New Roman" panose="02020603050405020304" pitchFamily="18" charset="0"/>
@@ -19795,6 +19732,59 @@
   <p:cSld>
     <p:spTree>
       <p:nvGrpSpPr>
+        <p:cNvPr id="1" name=""/>
+        <p:cNvGrpSpPr/>
+        <p:nvPr/>
+      </p:nvGrpSpPr>
+      <p:grpSpPr>
+        <a:xfrm>
+          <a:off x="0" y="0"/>
+          <a:ext cx="0" cy="0"/>
+          <a:chOff x="0" y="0"/>
+          <a:chExt cx="0" cy="0"/>
+        </a:xfrm>
+      </p:grpSpPr>
+      <p:sp>
+        <p:nvSpPr>
+          <p:cNvPr id="2" name="Title 1"/>
+          <p:cNvSpPr>
+            <a:spLocks noGrp="1"/>
+          </p:cNvSpPr>
+          <p:nvPr>
+            <p:ph type="title"/>
+          </p:nvPr>
+        </p:nvSpPr>
+        <p:spPr/>
+        <p:txBody>
+          <a:bodyPr/>
+          <a:lstStyle/>
+          <a:p>
+            <a:r>
+              <a:rPr lang="en-GB" dirty="0" smtClean="0"/>
+              <a:t>Testing Summary</a:t>
+            </a:r>
+            <a:endParaRPr lang="en-GB" dirty="0"/>
+          </a:p>
+        </p:txBody>
+      </p:sp>
+    </p:spTree>
+    <p:extLst>
+      <p:ext uri="{BB962C8B-B14F-4D97-AF65-F5344CB8AC3E}">
+        <p14:creationId xmlns:p14="http://schemas.microsoft.com/office/powerpoint/2010/main" val="3395275145"/>
+      </p:ext>
+    </p:extLst>
+  </p:cSld>
+  <p:clrMapOvr>
+    <a:masterClrMapping/>
+  </p:clrMapOvr>
+</p:sld>
+</file>
+
+<file path=ppt/slides/slide36.xml><?xml version="1.0" encoding="utf-8"?>
+<p:sld xmlns:a="http://schemas.openxmlformats.org/drawingml/2006/main" xmlns:r="http://schemas.openxmlformats.org/officeDocument/2006/relationships" xmlns:p="http://schemas.openxmlformats.org/presentationml/2006/main">
+  <p:cSld>
+    <p:spTree>
+      <p:nvGrpSpPr>
         <p:cNvPr id="1" name="Shape 174"/>
         <p:cNvGrpSpPr/>
         <p:nvPr/>
@@ -19820,7 +19810,7 @@
         <p:spPr>
           <a:xfrm>
             <a:off x="457200" y="274638"/>
-            <a:ext cx="8229600" cy="1143000"/>
+            <a:ext cx="8229600" cy="1124394"/>
           </a:xfrm>
           <a:prstGeom prst="rect">
             <a:avLst/>
@@ -19915,6 +19905,323 @@
           </a:p>
         </p:txBody>
       </p:sp>
+      <p:graphicFrame>
+        <p:nvGraphicFramePr>
+          <p:cNvPr id="5" name="Table 4"/>
+          <p:cNvGraphicFramePr>
+            <a:graphicFrameLocks noGrp="1"/>
+          </p:cNvGraphicFramePr>
+          <p:nvPr>
+            <p:extLst>
+              <p:ext uri="{D42A27DB-BD31-4B8C-83A1-F6EECF244321}">
+                <p14:modId xmlns:p14="http://schemas.microsoft.com/office/powerpoint/2010/main" val="27891360"/>
+              </p:ext>
+            </p:extLst>
+          </p:nvPr>
+        </p:nvGraphicFramePr>
+        <p:xfrm>
+          <a:off x="1536192" y="1600200"/>
+          <a:ext cx="6705600" cy="3868454"/>
+        </p:xfrm>
+        <a:graphic>
+          <a:graphicData uri="http://schemas.openxmlformats.org/drawingml/2006/table">
+            <a:tbl>
+              <a:tblPr firstRow="1" bandRow="1">
+                <a:tableStyleId>{69012ECD-51FC-41F1-AA8D-1B2483CD663E}</a:tableStyleId>
+              </a:tblPr>
+              <a:tblGrid>
+                <a:gridCol w="1889214">
+                  <a:extLst>
+                    <a:ext uri="{9D8B030D-6E8A-4147-A177-3AD203B41FA5}">
+                      <a16:colId xmlns:a16="http://schemas.microsoft.com/office/drawing/2014/main" val="1816247505"/>
+                    </a:ext>
+                  </a:extLst>
+                </a:gridCol>
+                <a:gridCol w="4816386">
+                  <a:extLst>
+                    <a:ext uri="{9D8B030D-6E8A-4147-A177-3AD203B41FA5}">
+                      <a16:colId xmlns:a16="http://schemas.microsoft.com/office/drawing/2014/main" val="2844669812"/>
+                    </a:ext>
+                  </a:extLst>
+                </a:gridCol>
+              </a:tblGrid>
+              <a:tr h="725503">
+                <a:tc>
+                  <a:txBody>
+                    <a:bodyPr/>
+                    <a:lstStyle/>
+                    <a:p>
+                      <a:r>
+                        <a:rPr lang="en-GB" dirty="0" smtClean="0">
+                          <a:solidFill>
+                            <a:schemeClr val="tx1"/>
+                          </a:solidFill>
+                        </a:rPr>
+                        <a:t>Testing  Aspect</a:t>
+                      </a:r>
+                      <a:endParaRPr lang="en-GB" dirty="0">
+                        <a:solidFill>
+                          <a:schemeClr val="tx1"/>
+                        </a:solidFill>
+                      </a:endParaRPr>
+                    </a:p>
+                  </a:txBody>
+                  <a:tcPr/>
+                </a:tc>
+                <a:tc>
+                  <a:txBody>
+                    <a:bodyPr/>
+                    <a:lstStyle/>
+                    <a:p>
+                      <a:r>
+                        <a:rPr lang="en-GB" dirty="0" smtClean="0">
+                          <a:solidFill>
+                            <a:schemeClr val="tx1"/>
+                          </a:solidFill>
+                        </a:rPr>
+                        <a:t>Summary</a:t>
+                      </a:r>
+                      <a:endParaRPr lang="en-GB" dirty="0">
+                        <a:solidFill>
+                          <a:schemeClr val="tx1"/>
+                        </a:solidFill>
+                      </a:endParaRPr>
+                    </a:p>
+                  </a:txBody>
+                  <a:tcPr/>
+                </a:tc>
+                <a:extLst>
+                  <a:ext uri="{0D108BD9-81ED-4DB2-BD59-A6C34878D82A}">
+                    <a16:rowId xmlns:a16="http://schemas.microsoft.com/office/drawing/2014/main" val="1590611437"/>
+                  </a:ext>
+                </a:extLst>
+              </a:tr>
+              <a:tr h="521455">
+                <a:tc>
+                  <a:txBody>
+                    <a:bodyPr/>
+                    <a:lstStyle/>
+                    <a:p>
+                      <a:r>
+                        <a:rPr lang="en-GB" dirty="0" smtClean="0"/>
+                        <a:t>Approach</a:t>
+                      </a:r>
+                      <a:endParaRPr lang="en-GB" dirty="0"/>
+                    </a:p>
+                  </a:txBody>
+                  <a:tcPr/>
+                </a:tc>
+                <a:tc>
+                  <a:txBody>
+                    <a:bodyPr/>
+                    <a:lstStyle/>
+                    <a:p>
+                      <a:r>
+                        <a:rPr lang="en-GB" dirty="0" smtClean="0"/>
+                        <a:t>  Blackbox and</a:t>
+                      </a:r>
+                      <a:r>
+                        <a:rPr lang="en-GB" baseline="0" dirty="0" smtClean="0"/>
+                        <a:t> Whitebox</a:t>
+                      </a:r>
+                      <a:endParaRPr lang="en-GB" dirty="0"/>
+                    </a:p>
+                  </a:txBody>
+                  <a:tcPr/>
+                </a:tc>
+                <a:extLst>
+                  <a:ext uri="{0D108BD9-81ED-4DB2-BD59-A6C34878D82A}">
+                    <a16:rowId xmlns:a16="http://schemas.microsoft.com/office/drawing/2014/main" val="3669611002"/>
+                  </a:ext>
+                </a:extLst>
+              </a:tr>
+              <a:tr h="518376">
+                <a:tc>
+                  <a:txBody>
+                    <a:bodyPr/>
+                    <a:lstStyle/>
+                    <a:p>
+                      <a:r>
+                        <a:rPr lang="en-GB" dirty="0" smtClean="0"/>
+                        <a:t>Purpose</a:t>
+                      </a:r>
+                      <a:endParaRPr lang="en-GB" dirty="0"/>
+                    </a:p>
+                  </a:txBody>
+                  <a:tcPr/>
+                </a:tc>
+                <a:tc>
+                  <a:txBody>
+                    <a:bodyPr/>
+                    <a:lstStyle/>
+                    <a:p>
+                      <a:r>
+                        <a:rPr lang="en-GB" dirty="0" smtClean="0"/>
+                        <a:t>To validate the functionalities</a:t>
+                      </a:r>
+                      <a:r>
+                        <a:rPr lang="en-GB" baseline="0" dirty="0" smtClean="0"/>
+                        <a:t> of Fitessstan via input and output and by giving different user data.</a:t>
+                      </a:r>
+                    </a:p>
+                  </a:txBody>
+                  <a:tcPr/>
+                </a:tc>
+                <a:extLst>
+                  <a:ext uri="{0D108BD9-81ED-4DB2-BD59-A6C34878D82A}">
+                    <a16:rowId xmlns:a16="http://schemas.microsoft.com/office/drawing/2014/main" val="2862970853"/>
+                  </a:ext>
+                </a:extLst>
+              </a:tr>
+              <a:tr h="1249058">
+                <a:tc>
+                  <a:txBody>
+                    <a:bodyPr/>
+                    <a:lstStyle/>
+                    <a:p>
+                      <a:r>
+                        <a:rPr lang="en-GB" dirty="0" smtClean="0"/>
+                        <a:t>Feature</a:t>
+                      </a:r>
+                      <a:r>
+                        <a:rPr lang="en-GB" baseline="0" dirty="0" smtClean="0"/>
+                        <a:t> Tested</a:t>
+                      </a:r>
+                      <a:endParaRPr lang="en-GB" dirty="0"/>
+                    </a:p>
+                  </a:txBody>
+                  <a:tcPr/>
+                </a:tc>
+                <a:tc>
+                  <a:txBody>
+                    <a:bodyPr/>
+                    <a:lstStyle/>
+                    <a:p>
+                      <a:r>
+                        <a:rPr lang="en-GB" dirty="0" smtClean="0"/>
+                        <a:t>✔ User registration &amp; login</a:t>
+                      </a:r>
+                      <a:br>
+                        <a:rPr lang="en-GB" dirty="0" smtClean="0"/>
+                      </a:br>
+                      <a:r>
+                        <a:rPr lang="en-GB" dirty="0" smtClean="0"/>
+                        <a:t>✔ Password recovery &amp; OTP</a:t>
+                      </a:r>
+                      <a:br>
+                        <a:rPr lang="en-GB" dirty="0" smtClean="0"/>
+                      </a:br>
+                      <a:r>
+                        <a:rPr lang="en-GB" dirty="0" smtClean="0"/>
+                        <a:t>✔ Input forms</a:t>
+                      </a:r>
+                      <a:br>
+                        <a:rPr lang="en-GB" dirty="0" smtClean="0"/>
+                      </a:br>
+                      <a:r>
+                        <a:rPr lang="en-GB" dirty="0" smtClean="0"/>
+                        <a:t>✔ Diet plans</a:t>
+                      </a:r>
+                      <a:br>
+                        <a:rPr lang="en-GB" dirty="0" smtClean="0"/>
+                      </a:br>
+                      <a:r>
+                        <a:rPr lang="en-GB" dirty="0" smtClean="0"/>
+                        <a:t>✔ Admin management</a:t>
+                      </a:r>
+                    </a:p>
+                    <a:p>
+                      <a:pPr marL="0" marR="0" lvl="0" indent="0" algn="l" defTabSz="914400" rtl="0" eaLnBrk="1" fontAlgn="auto" latinLnBrk="0" hangingPunct="1">
+                        <a:lnSpc>
+                          <a:spcPct val="100000"/>
+                        </a:lnSpc>
+                        <a:spcBef>
+                          <a:spcPts val="0"/>
+                        </a:spcBef>
+                        <a:spcAft>
+                          <a:spcPts val="0"/>
+                        </a:spcAft>
+                        <a:buClr>
+                          <a:srgbClr val="000000"/>
+                        </a:buClr>
+                        <a:buSzTx/>
+                        <a:buFont typeface="Arial"/>
+                        <a:buNone/>
+                        <a:tabLst/>
+                        <a:defRPr/>
+                      </a:pPr>
+                      <a:r>
+                        <a:rPr lang="en-GB" dirty="0" smtClean="0"/>
+                        <a:t>✔Model</a:t>
+                      </a:r>
+                      <a:r>
+                        <a:rPr lang="en-GB" baseline="0" dirty="0" smtClean="0"/>
+                        <a:t> Testing</a:t>
+                      </a:r>
+                      <a:endParaRPr lang="en-GB" dirty="0" smtClean="0"/>
+                    </a:p>
+                  </a:txBody>
+                  <a:tcPr/>
+                </a:tc>
+                <a:extLst>
+                  <a:ext uri="{0D108BD9-81ED-4DB2-BD59-A6C34878D82A}">
+                    <a16:rowId xmlns:a16="http://schemas.microsoft.com/office/drawing/2014/main" val="1023386783"/>
+                  </a:ext>
+                </a:extLst>
+              </a:tr>
+              <a:tr h="725503">
+                <a:tc>
+                  <a:txBody>
+                    <a:bodyPr/>
+                    <a:lstStyle/>
+                    <a:p>
+                      <a:r>
+                        <a:rPr lang="en-GB" dirty="0" smtClean="0"/>
+                        <a:t>Result</a:t>
+                      </a:r>
+                      <a:endParaRPr lang="en-GB" dirty="0"/>
+                    </a:p>
+                  </a:txBody>
+                  <a:tcPr/>
+                </a:tc>
+                <a:tc>
+                  <a:txBody>
+                    <a:bodyPr/>
+                    <a:lstStyle/>
+                    <a:p>
+                      <a:r>
+                        <a:rPr lang="en-GB" dirty="0" smtClean="0"/>
+                        <a:t>✔ All critical test cases passed successfully</a:t>
+                      </a:r>
+                      <a:br>
+                        <a:rPr lang="en-GB" dirty="0" smtClean="0"/>
+                      </a:br>
+                      <a:r>
+                        <a:rPr lang="en-GB" dirty="0" smtClean="0"/>
+                        <a:t>✔ Correct handling of all input types</a:t>
+                      </a:r>
+                      <a:br>
+                        <a:rPr lang="en-GB" dirty="0" smtClean="0"/>
+                      </a:br>
+                      <a:r>
+                        <a:rPr lang="en-GB" dirty="0" smtClean="0"/>
+                        <a:t>✔ Confirmed user-friendly experience</a:t>
+                      </a:r>
+                      <a:endParaRPr lang="en-GB" dirty="0"/>
+                    </a:p>
+                  </a:txBody>
+                  <a:tcPr/>
+                </a:tc>
+                <a:extLst>
+                  <a:ext uri="{0D108BD9-81ED-4DB2-BD59-A6C34878D82A}">
+                    <a16:rowId xmlns:a16="http://schemas.microsoft.com/office/drawing/2014/main" val="1104312955"/>
+                  </a:ext>
+                </a:extLst>
+              </a:tr>
+            </a:tbl>
+          </a:graphicData>
+        </a:graphic>
+      </p:graphicFrame>
     </p:spTree>
   </p:cSld>
   <p:clrMapOvr>
@@ -19923,7 +20230,7 @@
 </p:sld>
 </file>
 
-<file path=ppt/slides/slide36.xml><?xml version="1.0" encoding="utf-8"?>
+<file path=ppt/slides/slide37.xml><?xml version="1.0" encoding="utf-8"?>
 <p:sld xmlns:a="http://schemas.openxmlformats.org/drawingml/2006/main" xmlns:r="http://schemas.openxmlformats.org/officeDocument/2006/relationships" xmlns:p="http://schemas.openxmlformats.org/presentationml/2006/main">
   <p:cSld>
     <p:spTree>
@@ -19994,7 +20301,7 @@
 </p:sld>
 </file>
 
-<file path=ppt/slides/slide37.xml><?xml version="1.0" encoding="utf-8"?>
+<file path=ppt/slides/slide38.xml><?xml version="1.0" encoding="utf-8"?>
 <p:sld xmlns:a="http://schemas.openxmlformats.org/drawingml/2006/main" xmlns:r="http://schemas.openxmlformats.org/officeDocument/2006/relationships" xmlns:p="http://schemas.openxmlformats.org/presentationml/2006/main">
   <p:cSld>
     <p:spTree>
@@ -20076,7 +20383,7 @@
         <p:spPr>
           <a:xfrm>
             <a:off x="457200" y="1275347"/>
-            <a:ext cx="8229600" cy="4525963"/>
+            <a:ext cx="8229600" cy="4878565"/>
           </a:xfrm>
           <a:prstGeom prst="rect">
             <a:avLst/>
@@ -20099,11 +20406,17 @@
               <a:buSzPts val="3200"/>
             </a:pPr>
             <a:r>
-              <a:rPr lang="en-US" dirty="0" smtClean="0"/>
+              <a:rPr lang="en-US" sz="2500" dirty="0" smtClean="0">
+                <a:latin typeface="Times New Roman" panose="02020603050405020304" pitchFamily="18" charset="0"/>
+                <a:cs typeface="Times New Roman" panose="02020603050405020304" pitchFamily="18" charset="0"/>
+              </a:rPr>
               <a:t>Describe </a:t>
             </a:r>
             <a:r>
-              <a:rPr lang="en-US" dirty="0"/>
+              <a:rPr lang="en-US" sz="2500" dirty="0">
+                <a:latin typeface="Times New Roman" panose="02020603050405020304" pitchFamily="18" charset="0"/>
+                <a:cs typeface="Times New Roman" panose="02020603050405020304" pitchFamily="18" charset="0"/>
+              </a:rPr>
               <a:t>roles of your team members</a:t>
             </a:r>
           </a:p>
@@ -20133,21 +20446,7 @@
                 <a:latin typeface="Times New Roman" panose="02020603050405020304" pitchFamily="18" charset="0"/>
                 <a:cs typeface="Times New Roman" panose="02020603050405020304" pitchFamily="18" charset="0"/>
               </a:rPr>
-              <a:t> </a:t>
-            </a:r>
-            <a:r>
-              <a:rPr lang="en-US" sz="1800" b="1" dirty="0" err="1">
-                <a:latin typeface="Times New Roman" panose="02020603050405020304" pitchFamily="18" charset="0"/>
-                <a:cs typeface="Times New Roman" panose="02020603050405020304" pitchFamily="18" charset="0"/>
-              </a:rPr>
-              <a:t>Abideen</a:t>
-            </a:r>
-            <a:r>
-              <a:rPr lang="en-US" sz="1800" b="1" dirty="0">
-                <a:latin typeface="Times New Roman" panose="02020603050405020304" pitchFamily="18" charset="0"/>
-                <a:cs typeface="Times New Roman" panose="02020603050405020304" pitchFamily="18" charset="0"/>
-              </a:rPr>
-              <a:t> (35515)                                       </a:t>
+              <a:t> Abideen (35515)                                       </a:t>
             </a:r>
           </a:p>
           <a:p>
@@ -20173,18 +20472,11 @@
               <a:buSzPts val="3200"/>
             </a:pPr>
             <a:r>
-              <a:rPr lang="en-US" sz="1800" dirty="0" err="1">
-                <a:latin typeface="Times New Roman" panose="02020603050405020304" pitchFamily="18" charset="0"/>
-                <a:cs typeface="Times New Roman" panose="02020603050405020304" pitchFamily="18" charset="0"/>
-              </a:rPr>
-              <a:t>Ui</a:t>
-            </a:r>
-            <a:r>
               <a:rPr lang="en-US" sz="1800" dirty="0">
                 <a:latin typeface="Times New Roman" panose="02020603050405020304" pitchFamily="18" charset="0"/>
                 <a:cs typeface="Times New Roman" panose="02020603050405020304" pitchFamily="18" charset="0"/>
               </a:rPr>
-              <a:t>/</a:t>
+              <a:t>Ui/</a:t>
             </a:r>
             <a:r>
               <a:rPr lang="en-US" sz="1800" dirty="0" err="1">
@@ -20329,18 +20621,11 @@
               <a:buSzPts val="3200"/>
             </a:pPr>
             <a:r>
-              <a:rPr lang="en-US" sz="1800" b="1" dirty="0" err="1">
-                <a:latin typeface="Times New Roman" panose="02020603050405020304" pitchFamily="18" charset="0"/>
-                <a:cs typeface="Times New Roman" panose="02020603050405020304" pitchFamily="18" charset="0"/>
-              </a:rPr>
-              <a:t>Huzaifa</a:t>
-            </a:r>
-            <a:r>
               <a:rPr lang="en-US" sz="1800" b="1" dirty="0">
                 <a:latin typeface="Times New Roman" panose="02020603050405020304" pitchFamily="18" charset="0"/>
                 <a:cs typeface="Times New Roman" panose="02020603050405020304" pitchFamily="18" charset="0"/>
               </a:rPr>
-              <a:t> Khan (35726)</a:t>
+              <a:t>Huzaifa Khan (35726)</a:t>
             </a:r>
           </a:p>
           <a:p>
@@ -20351,12 +20636,16 @@
               <a:buSzPts val="3200"/>
             </a:pPr>
             <a:r>
-              <a:rPr lang="en-US" sz="1800" dirty="0">
-                <a:latin typeface="Times New Roman" panose="02020603050405020304" pitchFamily="18" charset="0"/>
-                <a:cs typeface="Times New Roman" panose="02020603050405020304" pitchFamily="18" charset="0"/>
-              </a:rPr>
-              <a:t>App Development</a:t>
-            </a:r>
+              <a:rPr lang="en-US" sz="1800" dirty="0" smtClean="0">
+                <a:latin typeface="Times New Roman" panose="02020603050405020304" pitchFamily="18" charset="0"/>
+                <a:cs typeface="Times New Roman" panose="02020603050405020304" pitchFamily="18" charset="0"/>
+              </a:rPr>
+              <a:t>Documentation</a:t>
+            </a:r>
+            <a:endParaRPr lang="en-US" sz="1800" dirty="0">
+              <a:latin typeface="Times New Roman" panose="02020603050405020304" pitchFamily="18" charset="0"/>
+              <a:cs typeface="Times New Roman" panose="02020603050405020304" pitchFamily="18" charset="0"/>
+            </a:endParaRPr>
           </a:p>
           <a:p>
             <a:pPr marL="1117600" lvl="1" indent="-457200">
@@ -20370,7 +20659,14 @@
                 <a:latin typeface="Times New Roman" panose="02020603050405020304" pitchFamily="18" charset="0"/>
                 <a:cs typeface="Times New Roman" panose="02020603050405020304" pitchFamily="18" charset="0"/>
               </a:rPr>
-              <a:t>Documentation</a:t>
+              <a:t>Gap </a:t>
+            </a:r>
+            <a:r>
+              <a:rPr lang="en-US" sz="1800" dirty="0" smtClean="0">
+                <a:latin typeface="Times New Roman" panose="02020603050405020304" pitchFamily="18" charset="0"/>
+                <a:cs typeface="Times New Roman" panose="02020603050405020304" pitchFamily="18" charset="0"/>
+              </a:rPr>
+              <a:t>Analysis</a:t>
             </a:r>
           </a:p>
           <a:p>
@@ -20385,8 +20681,67 @@
                 <a:latin typeface="Times New Roman" panose="02020603050405020304" pitchFamily="18" charset="0"/>
                 <a:cs typeface="Times New Roman" panose="02020603050405020304" pitchFamily="18" charset="0"/>
               </a:rPr>
-              <a:t>Gap Analysis</a:t>
-            </a:r>
+              <a:t>Literature </a:t>
+            </a:r>
+            <a:r>
+              <a:rPr lang="en-US" sz="1800" dirty="0" smtClean="0">
+                <a:latin typeface="Times New Roman" panose="02020603050405020304" pitchFamily="18" charset="0"/>
+                <a:cs typeface="Times New Roman" panose="02020603050405020304" pitchFamily="18" charset="0"/>
+              </a:rPr>
+              <a:t>Review</a:t>
+            </a:r>
+            <a:endParaRPr lang="en-US" sz="1800" dirty="0" smtClean="0">
+              <a:latin typeface="Times New Roman" panose="02020603050405020304" pitchFamily="18" charset="0"/>
+              <a:cs typeface="Times New Roman" panose="02020603050405020304" pitchFamily="18" charset="0"/>
+            </a:endParaRPr>
+          </a:p>
+          <a:p>
+            <a:pPr marL="1117600" lvl="1" indent="-457200">
+              <a:spcBef>
+                <a:spcPts val="0"/>
+              </a:spcBef>
+              <a:buSzPts val="3200"/>
+            </a:pPr>
+            <a:r>
+              <a:rPr lang="en-US" sz="1800" dirty="0" err="1">
+                <a:latin typeface="Times New Roman" panose="02020603050405020304" pitchFamily="18" charset="0"/>
+                <a:cs typeface="Times New Roman" panose="02020603050405020304" pitchFamily="18" charset="0"/>
+              </a:rPr>
+              <a:t>Ui</a:t>
+            </a:r>
+            <a:r>
+              <a:rPr lang="en-US" sz="1800" dirty="0">
+                <a:latin typeface="Times New Roman" panose="02020603050405020304" pitchFamily="18" charset="0"/>
+                <a:cs typeface="Times New Roman" panose="02020603050405020304" pitchFamily="18" charset="0"/>
+              </a:rPr>
+              <a:t>/</a:t>
+            </a:r>
+            <a:r>
+              <a:rPr lang="en-US" sz="1800" dirty="0" err="1">
+                <a:latin typeface="Times New Roman" panose="02020603050405020304" pitchFamily="18" charset="0"/>
+                <a:cs typeface="Times New Roman" panose="02020603050405020304" pitchFamily="18" charset="0"/>
+              </a:rPr>
+              <a:t>Ux</a:t>
+            </a:r>
+            <a:r>
+              <a:rPr lang="en-US" sz="1800" dirty="0">
+                <a:latin typeface="Times New Roman" panose="02020603050405020304" pitchFamily="18" charset="0"/>
+                <a:cs typeface="Times New Roman" panose="02020603050405020304" pitchFamily="18" charset="0"/>
+              </a:rPr>
+              <a:t> Design</a:t>
+            </a:r>
+          </a:p>
+          <a:p>
+            <a:pPr marL="1117600" lvl="1" indent="-457200">
+              <a:spcBef>
+                <a:spcPts val="0"/>
+              </a:spcBef>
+              <a:buSzPts val="3200"/>
+            </a:pPr>
+            <a:endParaRPr lang="en-US" sz="1800" dirty="0">
+              <a:latin typeface="Times New Roman" panose="02020603050405020304" pitchFamily="18" charset="0"/>
+              <a:cs typeface="Times New Roman" panose="02020603050405020304" pitchFamily="18" charset="0"/>
+            </a:endParaRPr>
           </a:p>
           <a:p>
             <a:pPr marL="0" lvl="0" indent="0" algn="l" rtl="0">
@@ -20414,7 +20769,7 @@
 </p:sld>
 </file>
 
-<file path=ppt/slides/slide38.xml><?xml version="1.0" encoding="utf-8"?>
+<file path=ppt/slides/slide39.xml><?xml version="1.0" encoding="utf-8"?>
 <p:sld xmlns:a="http://schemas.openxmlformats.org/drawingml/2006/main" xmlns:r="http://schemas.openxmlformats.org/officeDocument/2006/relationships" xmlns:p="http://schemas.openxmlformats.org/presentationml/2006/main">
   <p:cSld>
     <p:spTree>
@@ -20617,10 +20972,6 @@
               </a:rPr>
               <a:t>.</a:t>
             </a:r>
-            <a:endParaRPr lang="en-US" sz="2000" dirty="0">
-              <a:latin typeface="Times New Roman" panose="02020603050405020304" pitchFamily="18" charset="0"/>
-              <a:cs typeface="Times New Roman" panose="02020603050405020304" pitchFamily="18" charset="0"/>
-            </a:endParaRPr>
           </a:p>
         </p:txBody>
       </p:sp>
@@ -20630,124 +20981,6 @@
         <p14:creationId xmlns:p14="http://schemas.microsoft.com/office/powerpoint/2010/main" val="3692856438"/>
       </p:ext>
     </p:extLst>
-  </p:cSld>
-  <p:clrMapOvr>
-    <a:masterClrMapping/>
-  </p:clrMapOvr>
-</p:sld>
-</file>
-
-<file path=ppt/slides/slide39.xml><?xml version="1.0" encoding="utf-8"?>
-<p:sld xmlns:a="http://schemas.openxmlformats.org/drawingml/2006/main" xmlns:r="http://schemas.openxmlformats.org/officeDocument/2006/relationships" xmlns:p="http://schemas.openxmlformats.org/presentationml/2006/main">
-  <p:cSld>
-    <p:spTree>
-      <p:nvGrpSpPr>
-        <p:cNvPr id="1" name="Shape 180"/>
-        <p:cNvGrpSpPr/>
-        <p:nvPr/>
-      </p:nvGrpSpPr>
-      <p:grpSpPr>
-        <a:xfrm>
-          <a:off x="0" y="0"/>
-          <a:ext cx="0" cy="0"/>
-          <a:chOff x="0" y="0"/>
-          <a:chExt cx="0" cy="0"/>
-        </a:xfrm>
-      </p:grpSpPr>
-      <p:sp>
-        <p:nvSpPr>
-          <p:cNvPr id="181" name="Google Shape;181;p17"/>
-          <p:cNvSpPr txBox="1">
-            <a:spLocks noGrp="1"/>
-          </p:cNvSpPr>
-          <p:nvPr>
-            <p:ph type="title"/>
-          </p:nvPr>
-        </p:nvSpPr>
-        <p:spPr>
-          <a:xfrm>
-            <a:off x="722313" y="4406900"/>
-            <a:ext cx="7772400" cy="1362075"/>
-          </a:xfrm>
-          <a:prstGeom prst="rect">
-            <a:avLst/>
-          </a:prstGeom>
-          <a:noFill/>
-          <a:ln>
-            <a:noFill/>
-          </a:ln>
-        </p:spPr>
-        <p:txBody>
-          <a:bodyPr spcFirstLastPara="1" wrap="square" lIns="91425" tIns="45700" rIns="91425" bIns="45700" anchor="t" anchorCtr="0">
-            <a:normAutofit/>
-          </a:bodyPr>
-          <a:lstStyle/>
-          <a:p>
-            <a:pPr marL="0" lvl="0" indent="0" algn="l" rtl="0">
-              <a:spcBef>
-                <a:spcPts val="0"/>
-              </a:spcBef>
-              <a:spcAft>
-                <a:spcPts val="0"/>
-              </a:spcAft>
-              <a:buNone/>
-            </a:pPr>
-            <a:r>
-              <a:rPr lang="en-US"/>
-              <a:t>CONCLUSION AND OUTLOOK</a:t>
-            </a:r>
-            <a:endParaRPr/>
-          </a:p>
-        </p:txBody>
-      </p:sp>
-      <p:sp>
-        <p:nvSpPr>
-          <p:cNvPr id="182" name="Google Shape;182;p17"/>
-          <p:cNvSpPr txBox="1">
-            <a:spLocks noGrp="1"/>
-          </p:cNvSpPr>
-          <p:nvPr>
-            <p:ph type="body" idx="1"/>
-          </p:nvPr>
-        </p:nvSpPr>
-        <p:spPr>
-          <a:xfrm>
-            <a:off x="722313" y="2906713"/>
-            <a:ext cx="7772400" cy="1500187"/>
-          </a:xfrm>
-          <a:prstGeom prst="rect">
-            <a:avLst/>
-          </a:prstGeom>
-          <a:noFill/>
-          <a:ln>
-            <a:noFill/>
-          </a:ln>
-        </p:spPr>
-        <p:txBody>
-          <a:bodyPr spcFirstLastPara="1" wrap="square" lIns="91425" tIns="45700" rIns="91425" bIns="45700" anchor="b" anchorCtr="0">
-            <a:normAutofit/>
-          </a:bodyPr>
-          <a:lstStyle/>
-          <a:p>
-            <a:pPr marL="44450" lvl="0" indent="0" algn="l" rtl="0">
-              <a:spcBef>
-                <a:spcPts val="0"/>
-              </a:spcBef>
-              <a:spcAft>
-                <a:spcPts val="0"/>
-              </a:spcAft>
-              <a:buClr>
-                <a:srgbClr val="888888"/>
-              </a:buClr>
-              <a:buSzPts val="2000"/>
-              <a:buFont typeface="Arial"/>
-              <a:buNone/>
-            </a:pPr>
-            <a:endParaRPr/>
-          </a:p>
-        </p:txBody>
-      </p:sp>
-    </p:spTree>
   </p:cSld>
   <p:clrMapOvr>
     <a:masterClrMapping/>
@@ -20831,7 +21064,7 @@
   <p:cSld>
     <p:spTree>
       <p:nvGrpSpPr>
-        <p:cNvPr id="1" name="Shape 186"/>
+        <p:cNvPr id="1" name=""/>
         <p:cNvGrpSpPr/>
         <p:nvPr/>
       </p:nvGrpSpPr>
@@ -20845,54 +21078,8 @@
       </p:grpSpPr>
       <p:sp>
         <p:nvSpPr>
-          <p:cNvPr id="187" name="Google Shape;187;p18"/>
-          <p:cNvSpPr txBox="1">
-            <a:spLocks noGrp="1"/>
-          </p:cNvSpPr>
-          <p:nvPr>
-            <p:ph type="title"/>
-          </p:nvPr>
-        </p:nvSpPr>
-        <p:spPr>
-          <a:xfrm>
-            <a:off x="457200" y="274638"/>
-            <a:ext cx="8229600" cy="1143000"/>
-          </a:xfrm>
-          <a:prstGeom prst="rect">
-            <a:avLst/>
-          </a:prstGeom>
-          <a:noFill/>
-          <a:ln>
-            <a:noFill/>
-          </a:ln>
-        </p:spPr>
-        <p:txBody>
-          <a:bodyPr spcFirstLastPara="1" wrap="square" lIns="91425" tIns="45700" rIns="91425" bIns="45700" anchor="ctr" anchorCtr="0">
-            <a:noAutofit/>
-          </a:bodyPr>
-          <a:lstStyle/>
-          <a:p>
-            <a:pPr marL="0" lvl="0" indent="0" algn="ctr" rtl="0">
-              <a:spcBef>
-                <a:spcPts val="0"/>
-              </a:spcBef>
-              <a:spcAft>
-                <a:spcPts val="0"/>
-              </a:spcAft>
-              <a:buNone/>
-            </a:pPr>
-            <a:r>
-              <a:rPr lang="en-US"/>
-              <a:t>Conclusion &amp; Outlook</a:t>
-            </a:r>
-            <a:endParaRPr/>
-          </a:p>
-        </p:txBody>
-      </p:sp>
-      <p:sp>
-        <p:nvSpPr>
-          <p:cNvPr id="188" name="Google Shape;188;p18"/>
-          <p:cNvSpPr txBox="1">
+          <p:cNvPr id="3" name="Text Placeholder 2"/>
+          <p:cNvSpPr>
             <a:spLocks noGrp="1"/>
           </p:cNvSpPr>
           <p:nvPr>
@@ -20901,41 +21088,70 @@
         </p:nvSpPr>
         <p:spPr>
           <a:xfrm>
-            <a:off x="457200" y="1600200"/>
-            <a:ext cx="8229600" cy="4525963"/>
+            <a:off x="529388" y="4018547"/>
+            <a:ext cx="8097253" cy="1265406"/>
+          </a:xfrm>
+        </p:spPr>
+        <p:txBody>
+          <a:bodyPr/>
+          <a:lstStyle/>
+          <a:p>
+            <a:pPr marL="114300" indent="0">
+              <a:buNone/>
+            </a:pPr>
+            <a:r>
+              <a:rPr lang="en-GB" dirty="0" smtClean="0"/>
+              <a:t>		</a:t>
+            </a:r>
+            <a:r>
+              <a:rPr lang="en-GB" sz="4500" dirty="0" smtClean="0">
+                <a:latin typeface="Times New Roman" panose="02020603050405020304" pitchFamily="18" charset="0"/>
+                <a:cs typeface="Times New Roman" panose="02020603050405020304" pitchFamily="18" charset="0"/>
+              </a:rPr>
+              <a:t>	Thank You</a:t>
+            </a:r>
+            <a:endParaRPr lang="en-GB" sz="4500" dirty="0">
+              <a:latin typeface="Times New Roman" panose="02020603050405020304" pitchFamily="18" charset="0"/>
+              <a:cs typeface="Times New Roman" panose="02020603050405020304" pitchFamily="18" charset="0"/>
+            </a:endParaRPr>
+          </a:p>
+        </p:txBody>
+      </p:sp>
+      <p:pic>
+        <p:nvPicPr>
+          <p:cNvPr id="4" name="Picture 3">
+            <a:extLst>
+              <a:ext uri="{FF2B5EF4-FFF2-40B4-BE49-F238E27FC236}">
+                <a16:creationId xmlns:a16="http://schemas.microsoft.com/office/drawing/2014/main" id="{70D43D12-3B74-4C21-4724-84F54D4E0D91}"/>
+              </a:ext>
+            </a:extLst>
+          </p:cNvPr>
+          <p:cNvPicPr>
+            <a:picLocks noChangeAspect="1"/>
+          </p:cNvPicPr>
+          <p:nvPr/>
+        </p:nvPicPr>
+        <p:blipFill>
+          <a:blip r:embed="rId2"/>
+          <a:srcRect t="19879" b="28440"/>
+          <a:stretch/>
+        </p:blipFill>
+        <p:spPr>
+          <a:xfrm>
+            <a:off x="1160650" y="1078944"/>
+            <a:ext cx="7015205" cy="2939603"/>
           </a:xfrm>
           <a:prstGeom prst="rect">
             <a:avLst/>
           </a:prstGeom>
-          <a:noFill/>
-          <a:ln>
-            <a:noFill/>
-          </a:ln>
         </p:spPr>
-        <p:txBody>
-          <a:bodyPr spcFirstLastPara="1" wrap="square" lIns="91425" tIns="45700" rIns="91425" bIns="45700" anchor="t" anchorCtr="0">
-            <a:noAutofit/>
-          </a:bodyPr>
-          <a:lstStyle/>
-          <a:p>
-            <a:pPr marL="342900" lvl="0" indent="-139700" algn="l" rtl="0">
-              <a:spcBef>
-                <a:spcPts val="0"/>
-              </a:spcBef>
-              <a:spcAft>
-                <a:spcPts val="0"/>
-              </a:spcAft>
-              <a:buClr>
-                <a:schemeClr val="dk1"/>
-              </a:buClr>
-              <a:buSzPts val="3200"/>
-              <a:buNone/>
-            </a:pPr>
-            <a:endParaRPr/>
-          </a:p>
-        </p:txBody>
-      </p:sp>
+      </p:pic>
     </p:spTree>
+    <p:extLst>
+      <p:ext uri="{BB962C8B-B14F-4D97-AF65-F5344CB8AC3E}">
+        <p14:creationId xmlns:p14="http://schemas.microsoft.com/office/powerpoint/2010/main" val="2344932616"/>
+      </p:ext>
+    </p:extLst>
   </p:cSld>
   <p:clrMapOvr>
     <a:masterClrMapping/>
@@ -21210,7 +21426,7 @@
                 <a:hlinkClick r:id="rId3">
                   <a:extLst>
                     <a:ext uri="{A12FA001-AC4F-418D-AE19-62706E023703}">
-                      <ahyp:hlinkClr xmlns:ahyp="http://schemas.microsoft.com/office/drawing/2018/hyperlinkcolor" xmlns="" xmlns:lc="http://schemas.openxmlformats.org/drawingml/2006/lockedCanvas" val="tx"/>
+                      <ahyp:hlinkClr xmlns:lc="http://schemas.openxmlformats.org/drawingml/2006/lockedCanvas" xmlns="" xmlns:ahyp="http://schemas.microsoft.com/office/drawing/2018/hyperlinkcolor" val="tx"/>
                     </a:ext>
                   </a:extLst>
                 </a:hlinkClick>
@@ -21225,7 +21441,7 @@
                 <a:hlinkClick r:id="rId3">
                   <a:extLst>
                     <a:ext uri="{A12FA001-AC4F-418D-AE19-62706E023703}">
-                      <ahyp:hlinkClr xmlns:ahyp="http://schemas.microsoft.com/office/drawing/2018/hyperlinkcolor" xmlns="" xmlns:lc="http://schemas.openxmlformats.org/drawingml/2006/lockedCanvas" val="tx"/>
+                      <ahyp:hlinkClr xmlns:lc="http://schemas.openxmlformats.org/drawingml/2006/lockedCanvas" xmlns="" xmlns:ahyp="http://schemas.microsoft.com/office/drawing/2018/hyperlinkcolor" val="tx"/>
                     </a:ext>
                   </a:extLst>
                 </a:hlinkClick>
@@ -21356,7 +21572,28 @@
                 <a:latin typeface="Times New Roman" panose="02020603050405020304" pitchFamily="18" charset="0"/>
                 <a:cs typeface="Times New Roman" panose="02020603050405020304" pitchFamily="18" charset="0"/>
               </a:rPr>
-              <a:t>that provides personalized fitness solutions for health-conscious individuals, including those managing conditions like diabetes. By integrating tailored workout and diet recommendations, the platform ensures a balanced and comprehensive approach to achieving fitness goals. Its user-friendly design and accessibility aim to make fitness achievable for everyone.</a:t>
+              <a:t>that provides personalized fitness solutions for health-conscious individuals, including those managing conditions like </a:t>
+            </a:r>
+            <a:r>
+              <a:rPr lang="en-GB" sz="2500" dirty="0" smtClean="0">
+                <a:latin typeface="Times New Roman" panose="02020603050405020304" pitchFamily="18" charset="0"/>
+                <a:cs typeface="Times New Roman" panose="02020603050405020304" pitchFamily="18" charset="0"/>
+              </a:rPr>
+              <a:t>obesity</a:t>
+            </a:r>
+            <a:r>
+              <a:rPr lang="en-GB" sz="2500" dirty="0" smtClean="0">
+                <a:latin typeface="Times New Roman" panose="02020603050405020304" pitchFamily="18" charset="0"/>
+                <a:cs typeface="Times New Roman" panose="02020603050405020304" pitchFamily="18" charset="0"/>
+              </a:rPr>
+              <a:t>. </a:t>
+            </a:r>
+            <a:r>
+              <a:rPr lang="en-GB" sz="2500" dirty="0">
+                <a:latin typeface="Times New Roman" panose="02020603050405020304" pitchFamily="18" charset="0"/>
+                <a:cs typeface="Times New Roman" panose="02020603050405020304" pitchFamily="18" charset="0"/>
+              </a:rPr>
+              <a:t>By integrating tailored workout and diet recommendations, the platform ensures a balanced and comprehensive approach to achieving fitness goals. Its user-friendly design and accessibility aim to make fitness achievable for everyone.</a:t>
             </a:r>
           </a:p>
           <a:p>
@@ -21565,7 +21802,31 @@
                 <a:ea typeface="Calibri" panose="020F0502020204030204" pitchFamily="34" charset="0"/>
                 <a:cs typeface="Times New Roman" panose="02020603050405020304" pitchFamily="18" charset="0"/>
               </a:rPr>
-              <a:t>There's been a substantial increase in the usage of fitness apps using AI, with an annual growth rate of 17%. [1]</a:t>
+              <a:t>There's been a substantial increase in the usage of fitness </a:t>
+            </a:r>
+            <a:r>
+              <a:rPr lang="en-US" sz="2500" dirty="0" smtClean="0">
+                <a:latin typeface="Times New Roman" panose="02020603050405020304" pitchFamily="18" charset="0"/>
+                <a:ea typeface="Calibri" panose="020F0502020204030204" pitchFamily="34" charset="0"/>
+                <a:cs typeface="Times New Roman" panose="02020603050405020304" pitchFamily="18" charset="0"/>
+              </a:rPr>
+              <a:t>platforms </a:t>
+            </a:r>
+            <a:r>
+              <a:rPr lang="en-US" sz="2500" dirty="0" smtClean="0">
+                <a:latin typeface="Times New Roman" panose="02020603050405020304" pitchFamily="18" charset="0"/>
+                <a:ea typeface="Calibri" panose="020F0502020204030204" pitchFamily="34" charset="0"/>
+                <a:cs typeface="Times New Roman" panose="02020603050405020304" pitchFamily="18" charset="0"/>
+              </a:rPr>
+              <a:t>using </a:t>
+            </a:r>
+            <a:r>
+              <a:rPr lang="en-US" sz="2500" dirty="0">
+                <a:latin typeface="Times New Roman" panose="02020603050405020304" pitchFamily="18" charset="0"/>
+                <a:ea typeface="Calibri" panose="020F0502020204030204" pitchFamily="34" charset="0"/>
+                <a:cs typeface="Times New Roman" panose="02020603050405020304" pitchFamily="18" charset="0"/>
+              </a:rPr>
+              <a:t>AI, with an annual growth rate of 17%. [1]</a:t>
             </a:r>
           </a:p>
           <a:p>
@@ -21615,11 +21876,6 @@
               </a:rPr>
               <a:t>Combining a structured workout plan with a tailored diet plan can lead to better fitness outcomes.</a:t>
             </a:r>
-            <a:endParaRPr lang="en-US" sz="2500" dirty="0">
-              <a:latin typeface="Times New Roman" panose="02020603050405020304" pitchFamily="18" charset="0"/>
-              <a:ea typeface="Calibri" panose="020F0502020204030204" pitchFamily="34" charset="0"/>
-              <a:cs typeface="Times New Roman" panose="02020603050405020304" pitchFamily="18" charset="0"/>
-            </a:endParaRPr>
           </a:p>
         </p:txBody>
       </p:sp>
@@ -21631,7 +21887,7 @@
         </p:nvSpPr>
         <p:spPr>
           <a:xfrm>
-            <a:off x="2286000" y="6119336"/>
+            <a:off x="2286000" y="6073299"/>
             <a:ext cx="6400800" cy="738664"/>
           </a:xfrm>
           <a:prstGeom prst="rect">
@@ -21666,7 +21922,7 @@
                 <a:hlinkClick r:id="rId3">
                   <a:extLst>
                     <a:ext uri="{A12FA001-AC4F-418D-AE19-62706E023703}">
-                      <ahyp:hlinkClr xmlns="" xmlns:ahyp="http://schemas.microsoft.com/office/drawing/2018/hyperlinkcolor" xmlns:lc="http://schemas.openxmlformats.org/drawingml/2006/lockedCanvas" val="tx"/>
+                      <ahyp:hlinkClr xmlns:lc="http://schemas.openxmlformats.org/drawingml/2006/lockedCanvas" xmlns:ahyp="http://schemas.microsoft.com/office/drawing/2018/hyperlinkcolor" xmlns="" val="tx"/>
                     </a:ext>
                   </a:extLst>
                 </a:hlinkClick>
@@ -21705,7 +21961,7 @@
                 <a:hlinkClick r:id="rId4">
                   <a:extLst>
                     <a:ext uri="{A12FA001-AC4F-418D-AE19-62706E023703}">
-                      <ahyp:hlinkClr xmlns="" xmlns:ahyp="http://schemas.microsoft.com/office/drawing/2018/hyperlinkcolor" xmlns:lc="http://schemas.openxmlformats.org/drawingml/2006/lockedCanvas" val="tx"/>
+                      <ahyp:hlinkClr xmlns:lc="http://schemas.openxmlformats.org/drawingml/2006/lockedCanvas" xmlns:ahyp="http://schemas.microsoft.com/office/drawing/2018/hyperlinkcolor" xmlns="" val="tx"/>
                     </a:ext>
                   </a:extLst>
                 </a:hlinkClick>
@@ -21744,7 +22000,7 @@
                 <a:hlinkClick r:id="rId5">
                   <a:extLst>
                     <a:ext uri="{A12FA001-AC4F-418D-AE19-62706E023703}">
-                      <ahyp:hlinkClr xmlns="" xmlns:ahyp="http://schemas.microsoft.com/office/drawing/2018/hyperlinkcolor" xmlns:lc="http://schemas.openxmlformats.org/drawingml/2006/lockedCanvas" val="tx"/>
+                      <ahyp:hlinkClr xmlns:lc="http://schemas.openxmlformats.org/drawingml/2006/lockedCanvas" xmlns:ahyp="http://schemas.microsoft.com/office/drawing/2018/hyperlinkcolor" xmlns="" val="tx"/>
                     </a:ext>
                   </a:extLst>
                 </a:hlinkClick>
@@ -21975,11 +22231,6 @@
               </a:rPr>
               <a:t>REE=10×weight kg +6.25×height cm −5×age y −161</a:t>
             </a:r>
-            <a:endParaRPr lang="en-US" sz="2400" b="1" i="1" dirty="0">
-              <a:latin typeface="Times New Roman" panose="02020603050405020304" pitchFamily="18" charset="0"/>
-              <a:ea typeface="Calibri" panose="020F0502020204030204" pitchFamily="34" charset="0"/>
-              <a:cs typeface="Times New Roman" panose="02020603050405020304" pitchFamily="18" charset="0"/>
-            </a:endParaRPr>
           </a:p>
         </p:txBody>
       </p:sp>
@@ -22026,7 +22277,7 @@
                 <a:hlinkClick r:id="rId2">
                   <a:extLst>
                     <a:ext uri="{A12FA001-AC4F-418D-AE19-62706E023703}">
-                      <ahyp:hlinkClr xmlns="" xmlns:ahyp="http://schemas.microsoft.com/office/drawing/2018/hyperlinkcolor" xmlns:lc="http://schemas.openxmlformats.org/drawingml/2006/lockedCanvas" val="tx"/>
+                      <ahyp:hlinkClr xmlns:lc="http://schemas.openxmlformats.org/drawingml/2006/lockedCanvas" xmlns:ahyp="http://schemas.microsoft.com/office/drawing/2018/hyperlinkcolor" xmlns="" val="tx"/>
                     </a:ext>
                   </a:extLst>
                 </a:hlinkClick>

--- a/fitnesstan-documentation/FItnessstan_Final Presentation_Part 2.pptx
+++ b/fitnesstan-documentation/FItnessstan_Final Presentation_Part 2.pptx
@@ -5,7 +5,7 @@
     <p:sldMasterId id="2147483648" r:id="rId1"/>
   </p:sldMasterIdLst>
   <p:notesMasterIdLst>
-    <p:notesMasterId r:id="rId42"/>
+    <p:notesMasterId r:id="rId43"/>
   </p:notesMasterIdLst>
   <p:sldIdLst>
     <p:sldId id="256" r:id="rId2"/>
@@ -39,15 +39,16 @@
     <p:sldId id="288" r:id="rId30"/>
     <p:sldId id="289" r:id="rId31"/>
     <p:sldId id="290" r:id="rId32"/>
-    <p:sldId id="291" r:id="rId33"/>
-    <p:sldId id="292" r:id="rId34"/>
-    <p:sldId id="293" r:id="rId35"/>
-    <p:sldId id="296" r:id="rId36"/>
-    <p:sldId id="271" r:id="rId37"/>
-    <p:sldId id="265" r:id="rId38"/>
-    <p:sldId id="266" r:id="rId39"/>
-    <p:sldId id="295" r:id="rId40"/>
-    <p:sldId id="297" r:id="rId41"/>
+    <p:sldId id="298" r:id="rId33"/>
+    <p:sldId id="291" r:id="rId34"/>
+    <p:sldId id="292" r:id="rId35"/>
+    <p:sldId id="293" r:id="rId36"/>
+    <p:sldId id="296" r:id="rId37"/>
+    <p:sldId id="271" r:id="rId38"/>
+    <p:sldId id="265" r:id="rId39"/>
+    <p:sldId id="266" r:id="rId40"/>
+    <p:sldId id="295" r:id="rId41"/>
+    <p:sldId id="297" r:id="rId42"/>
   </p:sldIdLst>
   <p:sldSz cx="9144000" cy="6858000" type="screen4x3"/>
   <p:notesSz cx="7315200" cy="9601200"/>
@@ -296,7 +297,7 @@
       </p15:sldGuideLst>
     </p:ext>
     <p:ext uri="http://customooxmlschemas.google.com/">
-      <go:slidesCustomData xmlns:go="http://customooxmlschemas.google.com/" xmlns:ahyp="http://schemas.microsoft.com/office/drawing/2018/hyperlinkcolor" xmlns:p15="http://schemas.microsoft.com/office/powerpoint/2012/main" xmlns:p14="http://schemas.microsoft.com/office/powerpoint/2010/main" xmlns:com="http://schemas.openxmlformats.org/drawingml/2006/compatibility" xmlns:pvml="urn:schemas-microsoft-com:office:powerpoint" xmlns:v="urn:schemas-microsoft-com:vml" xmlns:o="urn:schemas-microsoft-com:office:office" xmlns:dgm="http://schemas.openxmlformats.org/drawingml/2006/diagram" xmlns:c="http://schemas.openxmlformats.org/drawingml/2006/chart" xmlns:mv="urn:schemas-microsoft-com:mac:vml" xmlns:mc="http://schemas.openxmlformats.org/markup-compatibility/2006" xmlns="" r:id="rId43" roundtripDataSignature="AMtx7mj2AY3DNheaNSztFqwRHhpggp8VFA=="/>
+      <go:slidesCustomData xmlns="" xmlns:mc="http://schemas.openxmlformats.org/markup-compatibility/2006" xmlns:mv="urn:schemas-microsoft-com:mac:vml" xmlns:c="http://schemas.openxmlformats.org/drawingml/2006/chart" xmlns:dgm="http://schemas.openxmlformats.org/drawingml/2006/diagram" xmlns:o="urn:schemas-microsoft-com:office:office" xmlns:v="urn:schemas-microsoft-com:vml" xmlns:pvml="urn:schemas-microsoft-com:office:powerpoint" xmlns:com="http://schemas.openxmlformats.org/drawingml/2006/compatibility" xmlns:p14="http://schemas.microsoft.com/office/powerpoint/2010/main" xmlns:p15="http://schemas.microsoft.com/office/powerpoint/2012/main" xmlns:ahyp="http://schemas.microsoft.com/office/drawing/2018/hyperlinkcolor" xmlns:go="http://customooxmlschemas.google.com/" r:id="rId44" roundtripDataSignature="AMtx7mj2AY3DNheaNSztFqwRHhpggp8VFA=="/>
     </p:ext>
   </p:extLst>
 </p:presentation>
@@ -13838,7 +13839,7 @@
               </a:spcBef>
             </a:pPr>
             <a:r>
-              <a:rPr lang="en-US" b="1" dirty="0" smtClean="0">
+              <a:rPr lang="en-US" b="1" dirty="0">
                 <a:latin typeface="Times New Roman" panose="02020603050405020304" pitchFamily="18" charset="0"/>
                 <a:cs typeface="Times New Roman" panose="02020603050405020304" pitchFamily="18" charset="0"/>
               </a:rPr>
@@ -13852,32 +13853,11 @@
               </a:spcBef>
             </a:pPr>
             <a:r>
-              <a:rPr lang="en-GB" sz="1200" dirty="0" smtClean="0">
-                <a:latin typeface="Times New Roman" panose="02020603050405020304" pitchFamily="18" charset="0"/>
-                <a:cs typeface="Times New Roman" panose="02020603050405020304" pitchFamily="18" charset="0"/>
-              </a:rPr>
-              <a:t>Supervised </a:t>
-            </a:r>
-            <a:r>
               <a:rPr lang="en-GB" sz="1200" dirty="0">
                 <a:latin typeface="Times New Roman" panose="02020603050405020304" pitchFamily="18" charset="0"/>
                 <a:cs typeface="Times New Roman" panose="02020603050405020304" pitchFamily="18" charset="0"/>
               </a:rPr>
-              <a:t>By: </a:t>
-            </a:r>
-            <a:r>
-              <a:rPr lang="en-GB" sz="1200" dirty="0" smtClean="0">
-                <a:latin typeface="Times New Roman" panose="02020603050405020304" pitchFamily="18" charset="0"/>
-                <a:cs typeface="Times New Roman" panose="02020603050405020304" pitchFamily="18" charset="0"/>
-              </a:rPr>
-              <a:t>Muhammad Islam (</a:t>
-            </a:r>
-            <a:r>
-              <a:rPr lang="en-GB" sz="1200" dirty="0">
-                <a:latin typeface="Times New Roman" panose="02020603050405020304" pitchFamily="18" charset="0"/>
-                <a:cs typeface="Times New Roman" panose="02020603050405020304" pitchFamily="18" charset="0"/>
-              </a:rPr>
-              <a:t>Lecturer)</a:t>
+              <a:t>Supervised By: Muhammad Islam (Lecturer)</a:t>
             </a:r>
           </a:p>
           <a:p>
@@ -13971,21 +13951,7 @@
                 <a:latin typeface="Times New Roman" panose="02020603050405020304" pitchFamily="18" charset="0"/>
                 <a:cs typeface="Times New Roman" panose="02020603050405020304" pitchFamily="18" charset="0"/>
               </a:rPr>
-              <a:t>Literature Review </a:t>
-            </a:r>
-            <a:r>
-              <a:rPr lang="en-US" sz="3200" dirty="0" smtClean="0">
-                <a:latin typeface="Times New Roman" panose="02020603050405020304" pitchFamily="18" charset="0"/>
-                <a:cs typeface="Times New Roman" panose="02020603050405020304" pitchFamily="18" charset="0"/>
-              </a:rPr>
-              <a:t>[3/6</a:t>
-            </a:r>
-            <a:r>
-              <a:rPr lang="en-US" sz="3200" dirty="0">
-                <a:latin typeface="Times New Roman" panose="02020603050405020304" pitchFamily="18" charset="0"/>
-                <a:cs typeface="Times New Roman" panose="02020603050405020304" pitchFamily="18" charset="0"/>
-              </a:rPr>
-              <a:t>]</a:t>
+              <a:t>Literature Review [3/6]</a:t>
             </a:r>
             <a:endParaRPr lang="en-GB" sz="3200" dirty="0"/>
           </a:p>
@@ -14013,7 +13979,7 @@
               <a:buSzPts val="3200"/>
             </a:pPr>
             <a:r>
-              <a:rPr lang="en-US" sz="2300" b="1" dirty="0" smtClean="0">
+              <a:rPr lang="en-US" sz="2300" b="1" dirty="0">
                 <a:latin typeface="Times New Roman" panose="02020603050405020304" pitchFamily="18" charset="0"/>
                 <a:ea typeface="Calibri" panose="020F0502020204030204" pitchFamily="34" charset="0"/>
                 <a:cs typeface="Times New Roman" panose="02020603050405020304" pitchFamily="18" charset="0"/>
@@ -14021,7 +13987,7 @@
               <a:t>Total Daily Energy Expenditure (TDEE) </a:t>
             </a:r>
             <a:r>
-              <a:rPr lang="en-US" sz="2300" dirty="0" smtClean="0">
+              <a:rPr lang="en-US" sz="2300" dirty="0">
                 <a:latin typeface="Times New Roman" panose="02020603050405020304" pitchFamily="18" charset="0"/>
                 <a:ea typeface="Calibri" panose="020F0502020204030204" pitchFamily="34" charset="0"/>
                 <a:cs typeface="Times New Roman" panose="02020603050405020304" pitchFamily="18" charset="0"/>
@@ -14037,7 +14003,7 @@
               <a:buSzPts val="3200"/>
             </a:pPr>
             <a:r>
-              <a:rPr lang="en-US" sz="2300" dirty="0" smtClean="0">
+              <a:rPr lang="en-US" sz="2300" dirty="0">
                 <a:latin typeface="Times New Roman" panose="02020603050405020304" pitchFamily="18" charset="0"/>
                 <a:ea typeface="Calibri" panose="020F0502020204030204" pitchFamily="34" charset="0"/>
                 <a:cs typeface="Times New Roman" panose="02020603050405020304" pitchFamily="18" charset="0"/>
@@ -14053,7 +14019,7 @@
               <a:buSzPts val="3200"/>
             </a:pPr>
             <a:r>
-              <a:rPr lang="en-US" sz="2300" dirty="0" smtClean="0">
+              <a:rPr lang="en-US" sz="2300" dirty="0">
                 <a:latin typeface="Times New Roman" panose="02020603050405020304" pitchFamily="18" charset="0"/>
                 <a:ea typeface="Calibri" panose="020F0502020204030204" pitchFamily="34" charset="0"/>
                 <a:cs typeface="Times New Roman" panose="02020603050405020304" pitchFamily="18" charset="0"/>
@@ -14069,7 +14035,7 @@
               <a:buSzPts val="3200"/>
             </a:pPr>
             <a:r>
-              <a:rPr lang="en-US" sz="2300" dirty="0" smtClean="0">
+              <a:rPr lang="en-US" sz="2300" dirty="0">
                 <a:latin typeface="Times New Roman" panose="02020603050405020304" pitchFamily="18" charset="0"/>
                 <a:ea typeface="Calibri" panose="020F0502020204030204" pitchFamily="34" charset="0"/>
                 <a:cs typeface="Times New Roman" panose="02020603050405020304" pitchFamily="18" charset="0"/>
@@ -14085,7 +14051,7 @@
               <a:buSzPts val="3200"/>
             </a:pPr>
             <a:r>
-              <a:rPr lang="en-US" sz="2300" dirty="0" smtClean="0">
+              <a:rPr lang="en-US" sz="2300" dirty="0">
                 <a:latin typeface="Times New Roman" panose="02020603050405020304" pitchFamily="18" charset="0"/>
                 <a:ea typeface="Calibri" panose="020F0502020204030204" pitchFamily="34" charset="0"/>
                 <a:cs typeface="Times New Roman" panose="02020603050405020304" pitchFamily="18" charset="0"/>
@@ -14101,7 +14067,7 @@
               <a:buSzPts val="3200"/>
             </a:pPr>
             <a:r>
-              <a:rPr lang="en-US" sz="2300" dirty="0" smtClean="0">
+              <a:rPr lang="en-US" sz="2300" dirty="0">
                 <a:latin typeface="Times New Roman" panose="02020603050405020304" pitchFamily="18" charset="0"/>
                 <a:ea typeface="Calibri" panose="020F0502020204030204" pitchFamily="34" charset="0"/>
                 <a:cs typeface="Times New Roman" panose="02020603050405020304" pitchFamily="18" charset="0"/>
@@ -14117,7 +14083,7 @@
               <a:buSzPts val="3200"/>
             </a:pPr>
             <a:r>
-              <a:rPr lang="en-US" sz="2300" dirty="0" smtClean="0">
+              <a:rPr lang="en-US" sz="2300" dirty="0">
                 <a:latin typeface="Times New Roman" panose="02020603050405020304" pitchFamily="18" charset="0"/>
                 <a:ea typeface="Calibri" panose="020F0502020204030204" pitchFamily="34" charset="0"/>
                 <a:cs typeface="Times New Roman" panose="02020603050405020304" pitchFamily="18" charset="0"/>
@@ -14133,18 +14099,13 @@
               <a:buSzPts val="3200"/>
             </a:pPr>
             <a:r>
-              <a:rPr lang="en-US" sz="2300" dirty="0" smtClean="0">
+              <a:rPr lang="en-US" sz="2300" dirty="0">
                 <a:latin typeface="Times New Roman" panose="02020603050405020304" pitchFamily="18" charset="0"/>
                 <a:ea typeface="Calibri" panose="020F0502020204030204" pitchFamily="34" charset="0"/>
                 <a:cs typeface="Times New Roman" panose="02020603050405020304" pitchFamily="18" charset="0"/>
               </a:rPr>
               <a:t>Extra active (very hard exercise, training twice a day): REE × 1.9</a:t>
             </a:r>
-            <a:endParaRPr lang="en-US" sz="2300" dirty="0">
-              <a:latin typeface="Times New Roman" panose="02020603050405020304" pitchFamily="18" charset="0"/>
-              <a:ea typeface="Calibri" panose="020F0502020204030204" pitchFamily="34" charset="0"/>
-              <a:cs typeface="Times New Roman" panose="02020603050405020304" pitchFamily="18" charset="0"/>
-            </a:endParaRPr>
           </a:p>
         </p:txBody>
       </p:sp>
@@ -14191,7 +14152,7 @@
                 <a:hlinkClick r:id="rId2">
                   <a:extLst>
                     <a:ext uri="{A12FA001-AC4F-418D-AE19-62706E023703}">
-                      <ahyp:hlinkClr xmlns:lc="http://schemas.openxmlformats.org/drawingml/2006/lockedCanvas" xmlns:ahyp="http://schemas.microsoft.com/office/drawing/2018/hyperlinkcolor" xmlns="" val="tx"/>
+                      <ahyp:hlinkClr xmlns:ahyp="http://schemas.microsoft.com/office/drawing/2018/hyperlinkcolor" val="tx"/>
                     </a:ext>
                   </a:extLst>
                 </a:hlinkClick>
@@ -14259,21 +14220,7 @@
                 <a:latin typeface="Times New Roman" panose="02020603050405020304" pitchFamily="18" charset="0"/>
                 <a:cs typeface="Times New Roman" panose="02020603050405020304" pitchFamily="18" charset="0"/>
               </a:rPr>
-              <a:t>Literature Review </a:t>
-            </a:r>
-            <a:r>
-              <a:rPr lang="en-US" sz="3200" dirty="0" smtClean="0">
-                <a:latin typeface="Times New Roman" panose="02020603050405020304" pitchFamily="18" charset="0"/>
-                <a:cs typeface="Times New Roman" panose="02020603050405020304" pitchFamily="18" charset="0"/>
-              </a:rPr>
-              <a:t>[4/6</a:t>
-            </a:r>
-            <a:r>
-              <a:rPr lang="en-US" sz="3200" dirty="0">
-                <a:latin typeface="Times New Roman" panose="02020603050405020304" pitchFamily="18" charset="0"/>
-                <a:cs typeface="Times New Roman" panose="02020603050405020304" pitchFamily="18" charset="0"/>
-              </a:rPr>
-              <a:t>]</a:t>
+              <a:t>Literature Review [4/6]</a:t>
             </a:r>
             <a:endParaRPr lang="en-GB" sz="3200" dirty="0"/>
           </a:p>
@@ -14501,7 +14448,7 @@
                 <a:hlinkClick r:id="rId2">
                   <a:extLst>
                     <a:ext uri="{A12FA001-AC4F-418D-AE19-62706E023703}">
-                      <ahyp:hlinkClr xmlns:lc="http://schemas.openxmlformats.org/drawingml/2006/lockedCanvas" xmlns:ahyp="http://schemas.microsoft.com/office/drawing/2018/hyperlinkcolor" xmlns="" val="tx"/>
+                      <ahyp:hlinkClr xmlns:ahyp="http://schemas.microsoft.com/office/drawing/2018/hyperlinkcolor" val="tx"/>
                     </a:ext>
                   </a:extLst>
                 </a:hlinkClick>
@@ -14565,7 +14512,7 @@
           <a:lstStyle/>
           <a:p>
             <a:r>
-              <a:rPr lang="en-US" sz="3200" dirty="0" smtClean="0">
+              <a:rPr lang="en-US" sz="3200" dirty="0">
                 <a:latin typeface="Times New Roman" panose="02020603050405020304" pitchFamily="18" charset="0"/>
                 <a:cs typeface="Times New Roman" panose="02020603050405020304" pitchFamily="18" charset="0"/>
               </a:rPr>
@@ -14828,20 +14775,16 @@
                     <a:lstStyle/>
                     <a:p>
                       <a:r>
-                        <a:rPr lang="en-GB" sz="1200" dirty="0" smtClean="0"/>
+                        <a:rPr lang="en-GB" sz="1200" dirty="0"/>
                         <a:t>Giving</a:t>
                       </a:r>
                       <a:r>
-                        <a:rPr lang="en-GB" sz="1200" baseline="0" dirty="0" smtClean="0"/>
+                        <a:rPr lang="en-GB" sz="1200" baseline="0" dirty="0"/>
                         <a:t> </a:t>
                       </a:r>
                       <a:r>
-                        <a:rPr lang="en-GB" sz="1200" dirty="0" smtClean="0"/>
-                        <a:t>diet </a:t>
-                      </a:r>
-                      <a:r>
                         <a:rPr lang="en-GB" sz="1200" dirty="0"/>
-                        <a:t>plans</a:t>
+                        <a:t>diet plans</a:t>
                       </a:r>
                     </a:p>
                   </a:txBody>
@@ -15028,21 +14971,7 @@
                 <a:latin typeface="Times New Roman" panose="02020603050405020304" pitchFamily="18" charset="0"/>
                 <a:cs typeface="Times New Roman" panose="02020603050405020304" pitchFamily="18" charset="0"/>
               </a:rPr>
-              <a:t>Literature Review </a:t>
-            </a:r>
-            <a:r>
-              <a:rPr lang="en-US" sz="3200" dirty="0" smtClean="0">
-                <a:latin typeface="Times New Roman" panose="02020603050405020304" pitchFamily="18" charset="0"/>
-                <a:cs typeface="Times New Roman" panose="02020603050405020304" pitchFamily="18" charset="0"/>
-              </a:rPr>
-              <a:t>[6/6</a:t>
-            </a:r>
-            <a:r>
-              <a:rPr lang="en-US" sz="3200" dirty="0">
-                <a:latin typeface="Times New Roman" panose="02020603050405020304" pitchFamily="18" charset="0"/>
-                <a:cs typeface="Times New Roman" panose="02020603050405020304" pitchFamily="18" charset="0"/>
-              </a:rPr>
-              <a:t>]</a:t>
+              <a:t>Literature Review [6/6]</a:t>
             </a:r>
             <a:endParaRPr lang="en-GB" sz="3200" dirty="0"/>
           </a:p>
@@ -15517,44 +15446,29 @@
               <a:buNone/>
             </a:pPr>
             <a:r>
-              <a:rPr lang="en-GB" sz="2600" dirty="0" smtClean="0">
-                <a:latin typeface="Times New Roman" panose="02020603050405020304" pitchFamily="18" charset="0"/>
-                <a:cs typeface="Times New Roman" panose="02020603050405020304" pitchFamily="18" charset="0"/>
-              </a:rPr>
-              <a:t> Obesity individuals </a:t>
-            </a:r>
-            <a:r>
               <a:rPr lang="en-GB" sz="2600" dirty="0">
                 <a:latin typeface="Times New Roman" panose="02020603050405020304" pitchFamily="18" charset="0"/>
                 <a:cs typeface="Times New Roman" panose="02020603050405020304" pitchFamily="18" charset="0"/>
               </a:rPr>
-              <a:t>face significant </a:t>
-            </a:r>
-            <a:r>
-              <a:rPr lang="en-GB" sz="2600" dirty="0" smtClean="0">
-                <a:latin typeface="Times New Roman" panose="02020603050405020304" pitchFamily="18" charset="0"/>
-                <a:cs typeface="Times New Roman" panose="02020603050405020304" pitchFamily="18" charset="0"/>
-              </a:rPr>
-              <a:t>challenges in maintaining </a:t>
+              <a:t> Obesity individuals face significant challenges in maintaining their diet effectively. Existing platform only focus on exercise and struggles in giving personalized diet plan. Existing platform do not recommend diet along with exercises </a:t>
             </a:r>
             <a:r>
               <a:rPr lang="en-GB" sz="2600" dirty="0">
-                <a:latin typeface="Times New Roman" panose="02020603050405020304" pitchFamily="18" charset="0"/>
-                <a:cs typeface="Times New Roman" panose="02020603050405020304" pitchFamily="18" charset="0"/>
-              </a:rPr>
-              <a:t>their diet </a:t>
-            </a:r>
-            <a:r>
-              <a:rPr lang="en-GB" sz="2600" dirty="0" smtClean="0">
-                <a:latin typeface="Times New Roman" panose="02020603050405020304" pitchFamily="18" charset="0"/>
-                <a:cs typeface="Times New Roman" panose="02020603050405020304" pitchFamily="18" charset="0"/>
-              </a:rPr>
-              <a:t>effectively. Existing platform only focus on exercise and struggles in giving personalized diet plan. Existing platform do not recommend diet along with exercises. They bound people to eat the food. They do not provide personalized diet plans according to user needs.    </a:t>
-            </a:r>
-            <a:endParaRPr lang="en-GB" sz="2600" dirty="0" smtClean="0">
-              <a:latin typeface="Times New Roman" panose="02020603050405020304" pitchFamily="18" charset="0"/>
-              <a:cs typeface="Times New Roman" panose="02020603050405020304" pitchFamily="18" charset="0"/>
-            </a:endParaRPr>
+                <a:solidFill>
+                  <a:srgbClr val="FF0000"/>
+                </a:solidFill>
+                <a:latin typeface="Times New Roman" panose="02020603050405020304" pitchFamily="18" charset="0"/>
+                <a:cs typeface="Times New Roman" panose="02020603050405020304" pitchFamily="18" charset="0"/>
+              </a:rPr>
+              <a:t>If they do they bound people with specific food item, which is difficult for people to have on regular basis.</a:t>
+            </a:r>
+            <a:r>
+              <a:rPr lang="en-GB" sz="2600" dirty="0">
+                <a:latin typeface="Times New Roman" panose="02020603050405020304" pitchFamily="18" charset="0"/>
+                <a:cs typeface="Times New Roman" panose="02020603050405020304" pitchFamily="18" charset="0"/>
+              </a:rPr>
+              <a:t> They do not provide personalized diet plans according to user needs.    </a:t>
+            </a:r>
           </a:p>
         </p:txBody>
       </p:sp>
@@ -15599,10 +15513,9 @@
           <a:lstStyle/>
           <a:p>
             <a:r>
-              <a:rPr lang="en-GB" dirty="0" smtClean="0"/>
+              <a:rPr lang="en-GB" dirty="0"/>
               <a:t>Requirement and Design Summary</a:t>
             </a:r>
-            <a:endParaRPr lang="en-GB" dirty="0"/>
           </a:p>
         </p:txBody>
       </p:sp>
@@ -15730,18 +15643,11 @@
               <a:buNone/>
             </a:pPr>
             <a:r>
-              <a:rPr lang="en-GB" sz="2400" dirty="0" smtClean="0">
-                <a:latin typeface="Times New Roman" panose="02020603050405020304" pitchFamily="18" charset="0"/>
-                <a:cs typeface="Times New Roman" panose="02020603050405020304" pitchFamily="18" charset="0"/>
-              </a:rPr>
-              <a:t>             In </a:t>
-            </a:r>
-            <a:r>
               <a:rPr lang="en-GB" sz="2400" dirty="0">
                 <a:latin typeface="Times New Roman" panose="02020603050405020304" pitchFamily="18" charset="0"/>
                 <a:cs typeface="Times New Roman" panose="02020603050405020304" pitchFamily="18" charset="0"/>
               </a:rPr>
-              <a:t>our system the user have </a:t>
+              <a:t>             In our system the user have </a:t>
             </a:r>
             <a:r>
               <a:rPr lang="en-GB" sz="2400" b="1" dirty="0">
@@ -15770,14 +15676,7 @@
                 <a:latin typeface="Times New Roman" panose="02020603050405020304" pitchFamily="18" charset="0"/>
                 <a:cs typeface="Times New Roman" panose="02020603050405020304" pitchFamily="18" charset="0"/>
               </a:rPr>
-              <a:t>Admin Functional </a:t>
-            </a:r>
-            <a:r>
-              <a:rPr lang="en-GB" sz="2400" b="1" u="sng" dirty="0" smtClean="0">
-                <a:latin typeface="Times New Roman" panose="02020603050405020304" pitchFamily="18" charset="0"/>
-                <a:cs typeface="Times New Roman" panose="02020603050405020304" pitchFamily="18" charset="0"/>
-              </a:rPr>
-              <a:t>requirement:</a:t>
+              <a:t>Admin Functional requirement:</a:t>
             </a:r>
           </a:p>
           <a:p>
@@ -15785,18 +15684,11 @@
               <a:buNone/>
             </a:pPr>
             <a:r>
-              <a:rPr lang="en-GB" sz="2400" dirty="0" smtClean="0">
-                <a:latin typeface="Times New Roman" panose="02020603050405020304" pitchFamily="18" charset="0"/>
-                <a:cs typeface="Times New Roman" panose="02020603050405020304" pitchFamily="18" charset="0"/>
-              </a:rPr>
-              <a:t>              In </a:t>
-            </a:r>
-            <a:r>
               <a:rPr lang="en-GB" sz="2400" dirty="0">
                 <a:latin typeface="Times New Roman" panose="02020603050405020304" pitchFamily="18" charset="0"/>
                 <a:cs typeface="Times New Roman" panose="02020603050405020304" pitchFamily="18" charset="0"/>
               </a:rPr>
-              <a:t>our system the user have </a:t>
+              <a:t>              In our system the user have </a:t>
             </a:r>
             <a:r>
               <a:rPr lang="en-GB" sz="2400" b="1" dirty="0">
@@ -15977,26 +15869,15 @@
                 <a:latin typeface="Times New Roman" panose="02020603050405020304" pitchFamily="18" charset="0"/>
                 <a:cs typeface="Times New Roman" panose="02020603050405020304" pitchFamily="18" charset="0"/>
               </a:rPr>
-              <a:t>Methodology </a:t>
-            </a:r>
-            <a:r>
-              <a:rPr lang="en-GB" sz="2400" dirty="0" smtClean="0">
-                <a:latin typeface="Times New Roman" panose="02020603050405020304" pitchFamily="18" charset="0"/>
-                <a:cs typeface="Times New Roman" panose="02020603050405020304" pitchFamily="18" charset="0"/>
-              </a:rPr>
-              <a:t>Diagram</a:t>
-            </a:r>
-            <a:endParaRPr lang="en-GB" sz="2400" dirty="0">
-              <a:latin typeface="Times New Roman" panose="02020603050405020304" pitchFamily="18" charset="0"/>
-              <a:cs typeface="Times New Roman" panose="02020603050405020304" pitchFamily="18" charset="0"/>
-            </a:endParaRPr>
+              <a:t>Methodology Diagram</a:t>
+            </a:r>
           </a:p>
           <a:p>
             <a:pPr marL="342900">
               <a:buAutoNum type="arabicParenR"/>
             </a:pPr>
             <a:r>
-              <a:rPr lang="en-GB" sz="2400" dirty="0" smtClean="0">
+              <a:rPr lang="en-GB" sz="2400" dirty="0">
                 <a:latin typeface="Times New Roman" panose="02020603050405020304" pitchFamily="18" charset="0"/>
                 <a:cs typeface="Times New Roman" panose="02020603050405020304" pitchFamily="18" charset="0"/>
               </a:rPr>
@@ -16008,16 +15889,12 @@
               <a:buAutoNum type="arabicParenR"/>
             </a:pPr>
             <a:r>
-              <a:rPr lang="en-GB" sz="2400" dirty="0" smtClean="0">
+              <a:rPr lang="en-GB" sz="2400" dirty="0">
                 <a:latin typeface="Times New Roman" panose="02020603050405020304" pitchFamily="18" charset="0"/>
                 <a:cs typeface="Times New Roman" panose="02020603050405020304" pitchFamily="18" charset="0"/>
               </a:rPr>
               <a:t>Database schema Diagram</a:t>
             </a:r>
-            <a:endParaRPr lang="en-GB" sz="2400" dirty="0">
-              <a:latin typeface="Times New Roman" panose="02020603050405020304" pitchFamily="18" charset="0"/>
-              <a:cs typeface="Times New Roman" panose="02020603050405020304" pitchFamily="18" charset="0"/>
-            </a:endParaRPr>
           </a:p>
         </p:txBody>
       </p:sp>
@@ -16077,7 +15954,7 @@
           <a:p>
             <a:pPr lvl="0"/>
             <a:r>
-              <a:rPr lang="en-US" dirty="0" smtClean="0"/>
+              <a:rPr lang="en-US" dirty="0"/>
               <a:t>Methodology And Proposed Solution</a:t>
             </a:r>
             <a:endParaRPr dirty="0"/>
@@ -16230,28 +16107,7 @@
                 <a:latin typeface="Times New Roman" panose="02020603050405020304" pitchFamily="18" charset="0"/>
                 <a:cs typeface="Times New Roman" panose="02020603050405020304" pitchFamily="18" charset="0"/>
               </a:rPr>
-              <a:t> </a:t>
-            </a:r>
-            <a:r>
-              <a:rPr lang="en-US" sz="2800" dirty="0">
-                <a:latin typeface="Times New Roman" panose="02020603050405020304" pitchFamily="18" charset="0"/>
-                <a:cs typeface="Times New Roman" panose="02020603050405020304" pitchFamily="18" charset="0"/>
-              </a:rPr>
-              <a:t>A</a:t>
-            </a:r>
-            <a:r>
-              <a:rPr lang="en-US" sz="2800" dirty="0" smtClean="0">
-                <a:latin typeface="Times New Roman" panose="02020603050405020304" pitchFamily="18" charset="0"/>
-                <a:cs typeface="Times New Roman" panose="02020603050405020304" pitchFamily="18" charset="0"/>
-              </a:rPr>
-              <a:t>bideen </a:t>
-            </a:r>
-            <a:r>
-              <a:rPr lang="en-US" sz="2800" dirty="0">
-                <a:latin typeface="Times New Roman" panose="02020603050405020304" pitchFamily="18" charset="0"/>
-                <a:cs typeface="Times New Roman" panose="02020603050405020304" pitchFamily="18" charset="0"/>
-              </a:rPr>
-              <a:t>(35515)</a:t>
+              <a:t> Abideen (35515)</a:t>
             </a:r>
           </a:p>
           <a:p>
@@ -16360,28 +16216,28 @@
       </p:sp>
       <p:pic>
         <p:nvPicPr>
-          <p:cNvPr id="3" name="Picture 2"/>
+          <p:cNvPr id="4" name="Picture 3">
+            <a:extLst>
+              <a:ext uri="{FF2B5EF4-FFF2-40B4-BE49-F238E27FC236}">
+                <a16:creationId xmlns:a16="http://schemas.microsoft.com/office/drawing/2014/main" id="{9A91D876-87F7-FB0F-6A0C-8D6F0D617BD1}"/>
+              </a:ext>
+            </a:extLst>
+          </p:cNvPr>
           <p:cNvPicPr>
             <a:picLocks noChangeAspect="1"/>
           </p:cNvPicPr>
           <p:nvPr/>
         </p:nvPicPr>
         <p:blipFill>
-          <a:blip r:embed="rId3">
-            <a:extLst>
-              <a:ext uri="{28A0092B-C50C-407E-A947-70E740481C1C}">
-                <a14:useLocalDpi xmlns:a14="http://schemas.microsoft.com/office/drawing/2010/main" val="0"/>
-              </a:ext>
-            </a:extLst>
-          </a:blip>
+          <a:blip r:embed="rId3"/>
           <a:stretch>
             <a:fillRect/>
           </a:stretch>
         </p:blipFill>
         <p:spPr>
           <a:xfrm>
-            <a:off x="806116" y="1207681"/>
-            <a:ext cx="7880684" cy="4435442"/>
+            <a:off x="582385" y="1417638"/>
+            <a:ext cx="7979229" cy="4489352"/>
           </a:xfrm>
           <a:prstGeom prst="rect">
             <a:avLst/>
@@ -16464,63 +16320,36 @@
           </a:p>
         </p:txBody>
       </p:sp>
-      <p:graphicFrame>
-        <p:nvGraphicFramePr>
-          <p:cNvPr id="2" name="Object 1"/>
-          <p:cNvGraphicFramePr>
-            <a:graphicFrameLocks noChangeAspect="1"/>
-          </p:cNvGraphicFramePr>
-          <p:nvPr>
-            <p:extLst>
-              <p:ext uri="{D42A27DB-BD31-4B8C-83A1-F6EECF244321}">
-                <p14:modId xmlns:p14="http://schemas.microsoft.com/office/powerpoint/2010/main" val="801482356"/>
-              </p:ext>
-            </p:extLst>
-          </p:nvPr>
-        </p:nvGraphicFramePr>
-        <p:xfrm>
-          <a:off x="919214" y="1144248"/>
-          <a:ext cx="7767586" cy="4838559"/>
-        </p:xfrm>
-        <a:graphic>
-          <a:graphicData uri="http://schemas.openxmlformats.org/presentationml/2006/ole">
-            <mc:AlternateContent xmlns:mc="http://schemas.openxmlformats.org/markup-compatibility/2006">
-              <mc:Choice xmlns:v="urn:schemas-microsoft-com:vml" Requires="v">
-                <p:oleObj spid="_x0000_s1030" name="Visio" r:id="rId4" imgW="9702593" imgH="6045015" progId="Visio.Drawing.15">
-                  <p:embed/>
-                </p:oleObj>
-              </mc:Choice>
-              <mc:Fallback>
-                <p:oleObj name="Visio" r:id="rId4" imgW="9702593" imgH="6045015" progId="Visio.Drawing.15">
-                  <p:embed/>
-                  <p:pic>
-                    <p:nvPicPr>
-                      <p:cNvPr id="0" name=""/>
-                      <p:cNvPicPr/>
-                      <p:nvPr/>
-                    </p:nvPicPr>
-                    <p:blipFill>
-                      <a:blip r:embed="rId5"/>
-                      <a:stretch>
-                        <a:fillRect/>
-                      </a:stretch>
-                    </p:blipFill>
-                    <p:spPr>
-                      <a:xfrm>
-                        <a:off x="919214" y="1144248"/>
-                        <a:ext cx="7767586" cy="4838559"/>
-                      </a:xfrm>
-                      <a:prstGeom prst="rect">
-                        <a:avLst/>
-                      </a:prstGeom>
-                    </p:spPr>
-                  </p:pic>
-                </p:oleObj>
-              </mc:Fallback>
-            </mc:AlternateContent>
-          </a:graphicData>
-        </a:graphic>
-      </p:graphicFrame>
+      <p:pic>
+        <p:nvPicPr>
+          <p:cNvPr id="4" name="Picture 3">
+            <a:extLst>
+              <a:ext uri="{FF2B5EF4-FFF2-40B4-BE49-F238E27FC236}">
+                <a16:creationId xmlns:a16="http://schemas.microsoft.com/office/drawing/2014/main" id="{4BD7D776-FCAB-69F7-D312-C713DB65EDD9}"/>
+              </a:ext>
+            </a:extLst>
+          </p:cNvPr>
+          <p:cNvPicPr>
+            <a:picLocks noChangeAspect="1"/>
+          </p:cNvPicPr>
+          <p:nvPr/>
+        </p:nvPicPr>
+        <p:blipFill>
+          <a:blip r:embed="rId3"/>
+          <a:stretch>
+            <a:fillRect/>
+          </a:stretch>
+        </p:blipFill>
+        <p:spPr>
+          <a:xfrm>
+            <a:off x="566057" y="1417639"/>
+            <a:ext cx="8011886" cy="4384448"/>
+          </a:xfrm>
+          <a:prstGeom prst="rect">
+            <a:avLst/>
+          </a:prstGeom>
+        </p:spPr>
+      </p:pic>
     </p:spTree>
   </p:cSld>
   <p:clrMapOvr>
@@ -16562,10 +16391,9 @@
           <a:lstStyle/>
           <a:p>
             <a:r>
-              <a:rPr lang="en-GB" dirty="0" smtClean="0"/>
+              <a:rPr lang="en-GB" dirty="0"/>
               <a:t>Implementation Summary</a:t>
             </a:r>
-            <a:endParaRPr lang="en-GB" dirty="0"/>
           </a:p>
         </p:txBody>
       </p:sp>
@@ -16720,19 +16548,8 @@
                 <a:latin typeface="Times New Roman" panose="02020603050405020304" pitchFamily="18" charset="0"/>
                 <a:cs typeface="Times New Roman" panose="02020603050405020304" pitchFamily="18" charset="0"/>
               </a:rPr>
-              <a:t> (for a responsive and dynamic user interface</a:t>
-            </a:r>
-            <a:r>
-              <a:rPr lang="en-US" sz="2500" dirty="0" smtClean="0">
-                <a:latin typeface="Times New Roman" panose="02020603050405020304" pitchFamily="18" charset="0"/>
-                <a:cs typeface="Times New Roman" panose="02020603050405020304" pitchFamily="18" charset="0"/>
-              </a:rPr>
-              <a:t>).</a:t>
-            </a:r>
-            <a:endParaRPr lang="en-US" sz="2500" dirty="0">
-              <a:latin typeface="Times New Roman" panose="02020603050405020304" pitchFamily="18" charset="0"/>
-              <a:cs typeface="Times New Roman" panose="02020603050405020304" pitchFamily="18" charset="0"/>
-            </a:endParaRPr>
+              <a:t> (for a responsive and dynamic user interface).</a:t>
+            </a:r>
           </a:p>
           <a:p>
             <a:pPr marL="285750" lvl="0" indent="-285750">
@@ -17474,14 +17291,7 @@
                 <a:latin typeface="Times New Roman" panose="02020603050405020304" pitchFamily="18" charset="0"/>
                 <a:cs typeface="Times New Roman" panose="02020603050405020304" pitchFamily="18" charset="0"/>
               </a:rPr>
-              <a:t>Experiments and Results </a:t>
-            </a:r>
-            <a:r>
-              <a:rPr lang="en-US" sz="3200" dirty="0" smtClean="0">
-                <a:latin typeface="Times New Roman" panose="02020603050405020304" pitchFamily="18" charset="0"/>
-                <a:cs typeface="Times New Roman" panose="02020603050405020304" pitchFamily="18" charset="0"/>
-              </a:rPr>
-              <a:t>Summary[1/7]</a:t>
+              <a:t>Experiments and Results Summary[1/7]</a:t>
             </a:r>
             <a:endParaRPr lang="en-PK" sz="3200" dirty="0">
               <a:latin typeface="Times New Roman" panose="02020603050405020304" pitchFamily="18" charset="0"/>
@@ -17515,42 +17325,42 @@
               <a:buNone/>
             </a:pPr>
             <a:r>
-              <a:rPr lang="en-GB" sz="2800" dirty="0" smtClean="0">
+              <a:rPr lang="en-GB" sz="2800" dirty="0">
                 <a:latin typeface="Times New Roman" panose="02020603050405020304" pitchFamily="18" charset="0"/>
                 <a:cs typeface="Times New Roman" panose="02020603050405020304" pitchFamily="18" charset="0"/>
               </a:rPr>
               <a:t>In our proposed model there are three phases: </a:t>
             </a:r>
             <a:r>
-              <a:rPr lang="en-GB" sz="2800" b="1" dirty="0" smtClean="0">
+              <a:rPr lang="en-GB" sz="2800" b="1" dirty="0">
                 <a:latin typeface="Times New Roman" panose="02020603050405020304" pitchFamily="18" charset="0"/>
                 <a:cs typeface="Times New Roman" panose="02020603050405020304" pitchFamily="18" charset="0"/>
               </a:rPr>
               <a:t>Clustering</a:t>
             </a:r>
             <a:r>
-              <a:rPr lang="en-GB" sz="2800" dirty="0" smtClean="0">
+              <a:rPr lang="en-GB" sz="2800" dirty="0">
                 <a:latin typeface="Times New Roman" panose="02020603050405020304" pitchFamily="18" charset="0"/>
                 <a:cs typeface="Times New Roman" panose="02020603050405020304" pitchFamily="18" charset="0"/>
               </a:rPr>
               <a:t>, </a:t>
             </a:r>
             <a:r>
-              <a:rPr lang="en-GB" sz="2800" b="1" dirty="0" smtClean="0">
+              <a:rPr lang="en-GB" sz="2800" b="1" dirty="0">
                 <a:latin typeface="Times New Roman" panose="02020603050405020304" pitchFamily="18" charset="0"/>
                 <a:cs typeface="Times New Roman" panose="02020603050405020304" pitchFamily="18" charset="0"/>
               </a:rPr>
               <a:t>Classification</a:t>
             </a:r>
             <a:r>
-              <a:rPr lang="en-GB" sz="2800" dirty="0" smtClean="0">
+              <a:rPr lang="en-GB" sz="2800" dirty="0">
                 <a:latin typeface="Times New Roman" panose="02020603050405020304" pitchFamily="18" charset="0"/>
                 <a:cs typeface="Times New Roman" panose="02020603050405020304" pitchFamily="18" charset="0"/>
               </a:rPr>
               <a:t> and </a:t>
             </a:r>
             <a:r>
-              <a:rPr lang="en-GB" sz="2800" b="1" dirty="0" smtClean="0">
+              <a:rPr lang="en-GB" sz="2800" b="1" dirty="0">
                 <a:latin typeface="Times New Roman" panose="02020603050405020304" pitchFamily="18" charset="0"/>
                 <a:cs typeface="Times New Roman" panose="02020603050405020304" pitchFamily="18" charset="0"/>
               </a:rPr>
@@ -17561,7 +17371,7 @@
             <a:pPr marL="114300" indent="0">
               <a:buNone/>
             </a:pPr>
-            <a:endParaRPr lang="en-GB" sz="2800" b="1" dirty="0" smtClean="0">
+            <a:endParaRPr lang="en-GB" sz="2800" b="1" dirty="0">
               <a:latin typeface="Times New Roman" panose="02020603050405020304" pitchFamily="18" charset="0"/>
               <a:cs typeface="Times New Roman" panose="02020603050405020304" pitchFamily="18" charset="0"/>
             </a:endParaRPr>
@@ -17572,7 +17382,7 @@
               <a:buAutoNum type="arabicPeriod"/>
             </a:pPr>
             <a:r>
-              <a:rPr lang="en-GB" sz="2800" b="1" dirty="0" smtClean="0">
+              <a:rPr lang="en-GB" sz="2800" b="1" dirty="0">
                 <a:latin typeface="Times New Roman" panose="02020603050405020304" pitchFamily="18" charset="0"/>
                 <a:cs typeface="Times New Roman" panose="02020603050405020304" pitchFamily="18" charset="0"/>
               </a:rPr>
@@ -17585,14 +17395,14 @@
               <a:buChar char="§"/>
             </a:pPr>
             <a:r>
-              <a:rPr lang="en-GB" sz="2400" b="1" dirty="0" smtClean="0">
+              <a:rPr lang="en-GB" sz="2400" b="1" dirty="0">
                 <a:latin typeface="Times New Roman" panose="02020603050405020304" pitchFamily="18" charset="0"/>
                 <a:cs typeface="Times New Roman" panose="02020603050405020304" pitchFamily="18" charset="0"/>
               </a:rPr>
               <a:t> Dataset: </a:t>
             </a:r>
             <a:r>
-              <a:rPr lang="en-GB" sz="2400" dirty="0" smtClean="0">
+              <a:rPr lang="en-GB" sz="2400" dirty="0">
                 <a:latin typeface="Times New Roman" panose="02020603050405020304" pitchFamily="18" charset="0"/>
                 <a:cs typeface="Times New Roman" panose="02020603050405020304" pitchFamily="18" charset="0"/>
               </a:rPr>
@@ -17605,14 +17415,14 @@
               <a:buChar char="§"/>
             </a:pPr>
             <a:r>
-              <a:rPr lang="en-GB" sz="2400" b="1" dirty="0" smtClean="0">
+              <a:rPr lang="en-GB" sz="2400" b="1" dirty="0">
                 <a:latin typeface="Times New Roman" panose="02020603050405020304" pitchFamily="18" charset="0"/>
                 <a:cs typeface="Times New Roman" panose="02020603050405020304" pitchFamily="18" charset="0"/>
               </a:rPr>
               <a:t>Data Pre-processing: </a:t>
             </a:r>
             <a:r>
-              <a:rPr lang="en-GB" sz="2400" dirty="0" smtClean="0">
+              <a:rPr lang="en-GB" sz="2400" dirty="0">
                 <a:latin typeface="Times New Roman" panose="02020603050405020304" pitchFamily="18" charset="0"/>
                 <a:cs typeface="Times New Roman" panose="02020603050405020304" pitchFamily="18" charset="0"/>
               </a:rPr>
@@ -17689,21 +17499,7 @@
                 <a:latin typeface="Times New Roman" panose="02020603050405020304" pitchFamily="18" charset="0"/>
                 <a:cs typeface="Times New Roman" panose="02020603050405020304" pitchFamily="18" charset="0"/>
               </a:rPr>
-              <a:t>Experiments and Results </a:t>
-            </a:r>
-            <a:r>
-              <a:rPr lang="en-US" sz="3200" dirty="0" smtClean="0">
-                <a:latin typeface="Times New Roman" panose="02020603050405020304" pitchFamily="18" charset="0"/>
-                <a:cs typeface="Times New Roman" panose="02020603050405020304" pitchFamily="18" charset="0"/>
-              </a:rPr>
-              <a:t>Summary[2/7</a:t>
-            </a:r>
-            <a:r>
-              <a:rPr lang="en-US" sz="3200" dirty="0">
-                <a:latin typeface="Times New Roman" panose="02020603050405020304" pitchFamily="18" charset="0"/>
-                <a:cs typeface="Times New Roman" panose="02020603050405020304" pitchFamily="18" charset="0"/>
-              </a:rPr>
-              <a:t>]</a:t>
+              <a:t>Experiments and Results Summary[2/7]</a:t>
             </a:r>
             <a:endParaRPr lang="en-GB" sz="3200" dirty="0"/>
           </a:p>
@@ -17745,31 +17541,17 @@
                 <a:latin typeface="Times New Roman" panose="02020603050405020304" pitchFamily="18" charset="0"/>
                 <a:cs typeface="Times New Roman" panose="02020603050405020304" pitchFamily="18" charset="0"/>
               </a:rPr>
-              <a:t> </a:t>
-            </a:r>
-            <a:r>
-              <a:rPr lang="en-GB" sz="2400" dirty="0" smtClean="0">
-                <a:latin typeface="Times New Roman" panose="02020603050405020304" pitchFamily="18" charset="0"/>
-                <a:cs typeface="Times New Roman" panose="02020603050405020304" pitchFamily="18" charset="0"/>
-              </a:rPr>
-              <a:t>using </a:t>
+              <a:t> using </a:t>
             </a:r>
             <a:r>
               <a:rPr lang="en-GB" sz="2400" b="1" dirty="0">
                 <a:latin typeface="Times New Roman" panose="02020603050405020304" pitchFamily="18" charset="0"/>
                 <a:cs typeface="Times New Roman" panose="02020603050405020304" pitchFamily="18" charset="0"/>
               </a:rPr>
-              <a:t>Elbow </a:t>
-            </a:r>
-            <a:r>
-              <a:rPr lang="en-GB" sz="2400" b="1" dirty="0" smtClean="0">
-                <a:latin typeface="Times New Roman" panose="02020603050405020304" pitchFamily="18" charset="0"/>
-                <a:cs typeface="Times New Roman" panose="02020603050405020304" pitchFamily="18" charset="0"/>
-              </a:rPr>
-              <a:t>Method </a:t>
-            </a:r>
-            <a:r>
-              <a:rPr lang="en-GB" sz="2400" dirty="0" smtClean="0">
+              <a:t>Elbow Method </a:t>
+            </a:r>
+            <a:r>
+              <a:rPr lang="en-GB" sz="2400" dirty="0">
                 <a:latin typeface="Times New Roman" panose="02020603050405020304" pitchFamily="18" charset="0"/>
                 <a:cs typeface="Times New Roman" panose="02020603050405020304" pitchFamily="18" charset="0"/>
               </a:rPr>
@@ -17780,55 +17562,40 @@
                 <a:latin typeface="Times New Roman" panose="02020603050405020304" pitchFamily="18" charset="0"/>
                 <a:cs typeface="Times New Roman" panose="02020603050405020304" pitchFamily="18" charset="0"/>
               </a:rPr>
-              <a:t>Silhouette </a:t>
-            </a:r>
-            <a:r>
-              <a:rPr lang="en-GB" sz="2400" b="1" dirty="0" smtClean="0">
-                <a:latin typeface="Times New Roman" panose="02020603050405020304" pitchFamily="18" charset="0"/>
-                <a:cs typeface="Times New Roman" panose="02020603050405020304" pitchFamily="18" charset="0"/>
-              </a:rPr>
-              <a:t>Score</a:t>
+              <a:t>Silhouette Score</a:t>
             </a:r>
             <a:r>
               <a:rPr lang="en-GB" sz="2400" dirty="0"/>
-              <a:t> </a:t>
-            </a:r>
-            <a:r>
-              <a:rPr lang="en-GB" sz="2400" dirty="0" smtClean="0"/>
-              <a:t>they give result K = 14</a:t>
-            </a:r>
-            <a:endParaRPr lang="en-GB" sz="2400" b="1" dirty="0" smtClean="0">
-              <a:latin typeface="Times New Roman" panose="02020603050405020304" pitchFamily="18" charset="0"/>
-              <a:cs typeface="Times New Roman" panose="02020603050405020304" pitchFamily="18" charset="0"/>
-            </a:endParaRPr>
-          </a:p>
-          <a:p>
-            <a:pPr marL="571500" lvl="1" indent="0">
-              <a:buNone/>
-            </a:pPr>
-            <a:r>
-              <a:rPr lang="en-GB" sz="2400" b="1" dirty="0" smtClean="0">
-                <a:latin typeface="Times New Roman" panose="02020603050405020304" pitchFamily="18" charset="0"/>
-                <a:cs typeface="Times New Roman" panose="02020603050405020304" pitchFamily="18" charset="0"/>
-              </a:rPr>
-              <a:t>            </a:t>
-            </a:r>
-          </a:p>
-          <a:p>
-            <a:pPr marL="571500" lvl="1" indent="0">
-              <a:buNone/>
-            </a:pPr>
-            <a:r>
-              <a:rPr lang="en-GB" sz="2400" b="1" dirty="0" smtClean="0">
-                <a:latin typeface="Times New Roman" panose="02020603050405020304" pitchFamily="18" charset="0"/>
-                <a:cs typeface="Times New Roman" panose="02020603050405020304" pitchFamily="18" charset="0"/>
-              </a:rPr>
-              <a:t>                             </a:t>
+              <a:t> they give result K = 14</a:t>
             </a:r>
             <a:endParaRPr lang="en-GB" sz="2400" b="1" dirty="0">
               <a:latin typeface="Times New Roman" panose="02020603050405020304" pitchFamily="18" charset="0"/>
               <a:cs typeface="Times New Roman" panose="02020603050405020304" pitchFamily="18" charset="0"/>
             </a:endParaRPr>
+          </a:p>
+          <a:p>
+            <a:pPr marL="571500" lvl="1" indent="0">
+              <a:buNone/>
+            </a:pPr>
+            <a:r>
+              <a:rPr lang="en-GB" sz="2400" b="1" dirty="0">
+                <a:latin typeface="Times New Roman" panose="02020603050405020304" pitchFamily="18" charset="0"/>
+                <a:cs typeface="Times New Roman" panose="02020603050405020304" pitchFamily="18" charset="0"/>
+              </a:rPr>
+              <a:t>            </a:t>
+            </a:r>
+          </a:p>
+          <a:p>
+            <a:pPr marL="571500" lvl="1" indent="0">
+              <a:buNone/>
+            </a:pPr>
+            <a:r>
+              <a:rPr lang="en-GB" sz="2400" b="1" dirty="0">
+                <a:latin typeface="Times New Roman" panose="02020603050405020304" pitchFamily="18" charset="0"/>
+                <a:cs typeface="Times New Roman" panose="02020603050405020304" pitchFamily="18" charset="0"/>
+              </a:rPr>
+              <a:t>                             </a:t>
+            </a:r>
           </a:p>
         </p:txBody>
       </p:sp>
@@ -18117,14 +17884,7 @@
                 <a:latin typeface="Times New Roman" panose="02020603050405020304" pitchFamily="18" charset="0"/>
                 <a:cs typeface="Times New Roman" panose="02020603050405020304" pitchFamily="18" charset="0"/>
               </a:rPr>
-              <a:t>Problem </a:t>
-            </a:r>
-            <a:r>
-              <a:rPr lang="en-US" sz="2200" dirty="0" smtClean="0">
-                <a:latin typeface="Times New Roman" panose="02020603050405020304" pitchFamily="18" charset="0"/>
-                <a:cs typeface="Times New Roman" panose="02020603050405020304" pitchFamily="18" charset="0"/>
-              </a:rPr>
-              <a:t>Statement</a:t>
+              <a:t>Problem Statement</a:t>
             </a:r>
             <a:endParaRPr sz="2200" dirty="0">
               <a:latin typeface="Times New Roman" panose="02020603050405020304" pitchFamily="18" charset="0"/>
@@ -18287,14 +18047,7 @@
                 <a:latin typeface="Times New Roman" panose="02020603050405020304" pitchFamily="18" charset="0"/>
                 <a:cs typeface="Times New Roman" panose="02020603050405020304" pitchFamily="18" charset="0"/>
               </a:rPr>
-              <a:t>Testing </a:t>
-            </a:r>
-            <a:r>
-              <a:rPr lang="en-US" sz="2200" dirty="0" smtClean="0">
-                <a:latin typeface="Times New Roman" panose="02020603050405020304" pitchFamily="18" charset="0"/>
-                <a:cs typeface="Times New Roman" panose="02020603050405020304" pitchFamily="18" charset="0"/>
-              </a:rPr>
-              <a:t>Summary</a:t>
+              <a:t>Testing Summary</a:t>
             </a:r>
             <a:endParaRPr sz="2200" dirty="0">
               <a:latin typeface="Times New Roman" panose="02020603050405020304" pitchFamily="18" charset="0"/>
@@ -18348,21 +18101,7 @@
                 <a:latin typeface="Times New Roman" panose="02020603050405020304" pitchFamily="18" charset="0"/>
                 <a:cs typeface="Times New Roman" panose="02020603050405020304" pitchFamily="18" charset="0"/>
               </a:rPr>
-              <a:t>Experiments and Results </a:t>
-            </a:r>
-            <a:r>
-              <a:rPr lang="en-US" sz="3200" dirty="0" smtClean="0">
-                <a:latin typeface="Times New Roman" panose="02020603050405020304" pitchFamily="18" charset="0"/>
-                <a:cs typeface="Times New Roman" panose="02020603050405020304" pitchFamily="18" charset="0"/>
-              </a:rPr>
-              <a:t>Summary[3/7</a:t>
-            </a:r>
-            <a:r>
-              <a:rPr lang="en-US" sz="3200" dirty="0">
-                <a:latin typeface="Times New Roman" panose="02020603050405020304" pitchFamily="18" charset="0"/>
-                <a:cs typeface="Times New Roman" panose="02020603050405020304" pitchFamily="18" charset="0"/>
-              </a:rPr>
-              <a:t>]</a:t>
+              <a:t>Experiments and Results Summary[3/7]</a:t>
             </a:r>
             <a:endParaRPr lang="en-GB" sz="3200" dirty="0"/>
           </a:p>
@@ -18393,37 +18132,33 @@
               <a:buChar char="§"/>
             </a:pPr>
             <a:r>
-              <a:rPr lang="en-GB" sz="2500" b="1" dirty="0" smtClean="0">
+              <a:rPr lang="en-GB" sz="2500" b="1" dirty="0">
                 <a:latin typeface="Times New Roman" panose="02020603050405020304" pitchFamily="18" charset="0"/>
                 <a:cs typeface="Times New Roman" panose="02020603050405020304" pitchFamily="18" charset="0"/>
               </a:rPr>
               <a:t>Model and Result: </a:t>
             </a:r>
             <a:r>
-              <a:rPr lang="en-GB" sz="2500" dirty="0" smtClean="0">
+              <a:rPr lang="en-GB" sz="2500" dirty="0">
                 <a:latin typeface="Times New Roman" panose="02020603050405020304" pitchFamily="18" charset="0"/>
                 <a:cs typeface="Times New Roman" panose="02020603050405020304" pitchFamily="18" charset="0"/>
               </a:rPr>
               <a:t>we use </a:t>
             </a:r>
             <a:r>
-              <a:rPr lang="en-GB" sz="2500" b="1" dirty="0" smtClean="0">
+              <a:rPr lang="en-GB" sz="2500" b="1" dirty="0">
                 <a:latin typeface="Times New Roman" panose="02020603050405020304" pitchFamily="18" charset="0"/>
                 <a:cs typeface="Times New Roman" panose="02020603050405020304" pitchFamily="18" charset="0"/>
               </a:rPr>
               <a:t>k means Clustering</a:t>
             </a:r>
             <a:r>
-              <a:rPr lang="en-GB" sz="2500" dirty="0" smtClean="0">
+              <a:rPr lang="en-GB" sz="2500" dirty="0">
                 <a:latin typeface="Times New Roman" panose="02020603050405020304" pitchFamily="18" charset="0"/>
                 <a:cs typeface="Times New Roman" panose="02020603050405020304" pitchFamily="18" charset="0"/>
               </a:rPr>
               <a:t> algorithm to make the clusters of dataset</a:t>
             </a:r>
-            <a:endParaRPr lang="en-GB" sz="2500" dirty="0">
-              <a:latin typeface="Times New Roman" panose="02020603050405020304" pitchFamily="18" charset="0"/>
-              <a:cs typeface="Times New Roman" panose="02020603050405020304" pitchFamily="18" charset="0"/>
-            </a:endParaRPr>
           </a:p>
         </p:txBody>
       </p:sp>
@@ -18505,21 +18240,7 @@
                 <a:latin typeface="Times New Roman" panose="02020603050405020304" pitchFamily="18" charset="0"/>
                 <a:cs typeface="Times New Roman" panose="02020603050405020304" pitchFamily="18" charset="0"/>
               </a:rPr>
-              <a:t>Experiments and Results </a:t>
-            </a:r>
-            <a:r>
-              <a:rPr lang="en-US" sz="3200" dirty="0" smtClean="0">
-                <a:latin typeface="Times New Roman" panose="02020603050405020304" pitchFamily="18" charset="0"/>
-                <a:cs typeface="Times New Roman" panose="02020603050405020304" pitchFamily="18" charset="0"/>
-              </a:rPr>
-              <a:t>Summary[4/7</a:t>
-            </a:r>
-            <a:r>
-              <a:rPr lang="en-US" sz="3200" dirty="0">
-                <a:latin typeface="Times New Roman" panose="02020603050405020304" pitchFamily="18" charset="0"/>
-                <a:cs typeface="Times New Roman" panose="02020603050405020304" pitchFamily="18" charset="0"/>
-              </a:rPr>
-              <a:t>]</a:t>
+              <a:t>Experiments and Results Summary[4/7]</a:t>
             </a:r>
             <a:endParaRPr lang="en-GB" sz="3200" dirty="0"/>
           </a:p>
@@ -18544,16 +18265,12 @@
               <a:buNone/>
             </a:pPr>
             <a:r>
-              <a:rPr lang="en-GB" b="1" dirty="0" smtClean="0">
+              <a:rPr lang="en-GB" b="1" dirty="0">
                 <a:latin typeface="Times New Roman" panose="02020603050405020304" pitchFamily="18" charset="0"/>
                 <a:cs typeface="Times New Roman" panose="02020603050405020304" pitchFamily="18" charset="0"/>
               </a:rPr>
               <a:t>2. Classification</a:t>
             </a:r>
-            <a:endParaRPr lang="en-GB" b="1" dirty="0">
-              <a:latin typeface="Times New Roman" panose="02020603050405020304" pitchFamily="18" charset="0"/>
-              <a:cs typeface="Times New Roman" panose="02020603050405020304" pitchFamily="18" charset="0"/>
-            </a:endParaRPr>
           </a:p>
           <a:p>
             <a:pPr lvl="1">
@@ -18561,28 +18278,28 @@
               <a:buChar char="§"/>
             </a:pPr>
             <a:r>
-              <a:rPr lang="en-GB" sz="2500" b="1" dirty="0" smtClean="0">
+              <a:rPr lang="en-GB" sz="2500" b="1" dirty="0">
                 <a:latin typeface="Times New Roman" panose="02020603050405020304" pitchFamily="18" charset="0"/>
                 <a:cs typeface="Times New Roman" panose="02020603050405020304" pitchFamily="18" charset="0"/>
               </a:rPr>
               <a:t>Synthetic Dataset: </a:t>
             </a:r>
             <a:r>
-              <a:rPr lang="en-GB" sz="2500" dirty="0" smtClean="0">
+              <a:rPr lang="en-GB" sz="2500" dirty="0">
                 <a:latin typeface="Times New Roman" panose="02020603050405020304" pitchFamily="18" charset="0"/>
                 <a:cs typeface="Times New Roman" panose="02020603050405020304" pitchFamily="18" charset="0"/>
               </a:rPr>
               <a:t>we make a synthetic dataset of 20000 people using </a:t>
             </a:r>
             <a:r>
-              <a:rPr lang="en-GB" sz="2500" b="1" dirty="0" smtClean="0">
+              <a:rPr lang="en-GB" sz="2500" b="1" dirty="0">
                 <a:latin typeface="Times New Roman" panose="02020603050405020304" pitchFamily="18" charset="0"/>
                 <a:cs typeface="Times New Roman" panose="02020603050405020304" pitchFamily="18" charset="0"/>
               </a:rPr>
               <a:t>CTGAN </a:t>
             </a:r>
             <a:r>
-              <a:rPr lang="en-GB" sz="2500" dirty="0" smtClean="0">
+              <a:rPr lang="en-GB" sz="2500" dirty="0">
                 <a:latin typeface="Times New Roman" panose="02020603050405020304" pitchFamily="18" charset="0"/>
                 <a:cs typeface="Times New Roman" panose="02020603050405020304" pitchFamily="18" charset="0"/>
               </a:rPr>
@@ -18593,21 +18310,14 @@
                 <a:latin typeface="Times New Roman" panose="02020603050405020304" pitchFamily="18" charset="0"/>
                 <a:cs typeface="Times New Roman" panose="02020603050405020304" pitchFamily="18" charset="0"/>
               </a:rPr>
-              <a:t>80% for training and 20% for testing</a:t>
-            </a:r>
-            <a:r>
-              <a:rPr lang="en-US" sz="2500" dirty="0" smtClean="0">
-                <a:latin typeface="Times New Roman" panose="02020603050405020304" pitchFamily="18" charset="0"/>
-                <a:cs typeface="Times New Roman" panose="02020603050405020304" pitchFamily="18" charset="0"/>
-              </a:rPr>
-              <a:t>.</a:t>
+              <a:t>80% for training and 20% for testing.</a:t>
             </a:r>
           </a:p>
           <a:p>
             <a:pPr marL="571500" lvl="1" indent="0">
               <a:buNone/>
             </a:pPr>
-            <a:endParaRPr lang="en-US" sz="2500" dirty="0" smtClean="0">
+            <a:endParaRPr lang="en-US" sz="2500" dirty="0">
               <a:latin typeface="Times New Roman" panose="02020603050405020304" pitchFamily="18" charset="0"/>
               <a:cs typeface="Times New Roman" panose="02020603050405020304" pitchFamily="18" charset="0"/>
             </a:endParaRPr>
@@ -18618,62 +18328,127 @@
               <a:buChar char="§"/>
             </a:pPr>
             <a:r>
-              <a:rPr lang="en-US" sz="2500" b="1" dirty="0" smtClean="0">
+              <a:rPr lang="en-US" sz="2500" b="1" dirty="0">
                 <a:latin typeface="Times New Roman" panose="02020603050405020304" pitchFamily="18" charset="0"/>
                 <a:cs typeface="Times New Roman" panose="02020603050405020304" pitchFamily="18" charset="0"/>
               </a:rPr>
               <a:t>Model training and Result: </a:t>
             </a:r>
             <a:r>
-              <a:rPr lang="en-US" sz="2500" dirty="0" smtClean="0">
-                <a:latin typeface="Times New Roman" panose="02020603050405020304" pitchFamily="18" charset="0"/>
-                <a:cs typeface="Times New Roman" panose="02020603050405020304" pitchFamily="18" charset="0"/>
-              </a:rPr>
-              <a:t>We use ensemble technique to ensemble the two models </a:t>
-            </a:r>
-            <a:r>
-              <a:rPr lang="en-US" sz="2500" b="1" dirty="0" smtClean="0">
+              <a:rPr lang="en-US" sz="2500" dirty="0">
+                <a:latin typeface="Times New Roman" panose="02020603050405020304" pitchFamily="18" charset="0"/>
+                <a:cs typeface="Times New Roman" panose="02020603050405020304" pitchFamily="18" charset="0"/>
+              </a:rPr>
+              <a:t>After</a:t>
+            </a:r>
+            <a:r>
+              <a:rPr lang="en-US" sz="2500" b="1" dirty="0">
+                <a:latin typeface="Times New Roman" panose="02020603050405020304" pitchFamily="18" charset="0"/>
+                <a:cs typeface="Times New Roman" panose="02020603050405020304" pitchFamily="18" charset="0"/>
+              </a:rPr>
+              <a:t> Comparative Analysis, </a:t>
+            </a:r>
+            <a:r>
+              <a:rPr lang="en-US" sz="2500" dirty="0">
+                <a:latin typeface="Times New Roman" panose="02020603050405020304" pitchFamily="18" charset="0"/>
+                <a:cs typeface="Times New Roman" panose="02020603050405020304" pitchFamily="18" charset="0"/>
+              </a:rPr>
+              <a:t>we selects two model </a:t>
+            </a:r>
+            <a:r>
+              <a:rPr lang="en-US" sz="2500" b="1" dirty="0">
                 <a:latin typeface="Times New Roman" panose="02020603050405020304" pitchFamily="18" charset="0"/>
                 <a:cs typeface="Times New Roman" panose="02020603050405020304" pitchFamily="18" charset="0"/>
               </a:rPr>
               <a:t>Random forest </a:t>
             </a:r>
             <a:r>
-              <a:rPr lang="en-US" sz="2500" dirty="0" smtClean="0">
+              <a:rPr lang="en-US" sz="2500" dirty="0">
                 <a:latin typeface="Times New Roman" panose="02020603050405020304" pitchFamily="18" charset="0"/>
                 <a:cs typeface="Times New Roman" panose="02020603050405020304" pitchFamily="18" charset="0"/>
               </a:rPr>
               <a:t>and </a:t>
             </a:r>
             <a:r>
-              <a:rPr lang="en-US" sz="2500" b="1" dirty="0" smtClean="0">
-                <a:latin typeface="Times New Roman" panose="02020603050405020304" pitchFamily="18" charset="0"/>
-                <a:cs typeface="Times New Roman" panose="02020603050405020304" pitchFamily="18" charset="0"/>
-              </a:rPr>
-              <a:t>XGBoost </a:t>
-            </a:r>
-            <a:r>
-              <a:rPr lang="en-US" sz="2500" dirty="0" smtClean="0">
-                <a:latin typeface="Times New Roman" panose="02020603050405020304" pitchFamily="18" charset="0"/>
-                <a:cs typeface="Times New Roman" panose="02020603050405020304" pitchFamily="18" charset="0"/>
-              </a:rPr>
-              <a:t>along</a:t>
-            </a:r>
-            <a:r>
-              <a:rPr lang="en-US" sz="2500" b="1" dirty="0" smtClean="0">
+              <a:rPr lang="en-US" sz="2500" b="1" dirty="0" err="1">
+                <a:latin typeface="Times New Roman" panose="02020603050405020304" pitchFamily="18" charset="0"/>
+                <a:cs typeface="Times New Roman" panose="02020603050405020304" pitchFamily="18" charset="0"/>
+              </a:rPr>
+              <a:t>XGBoost</a:t>
+            </a:r>
+            <a:r>
+              <a:rPr lang="en-US" sz="2500" b="1" dirty="0">
                 <a:latin typeface="Times New Roman" panose="02020603050405020304" pitchFamily="18" charset="0"/>
                 <a:cs typeface="Times New Roman" panose="02020603050405020304" pitchFamily="18" charset="0"/>
               </a:rPr>
               <a:t> </a:t>
             </a:r>
             <a:r>
-              <a:rPr lang="en-US" sz="2500" dirty="0" smtClean="0">
-                <a:latin typeface="Times New Roman" panose="02020603050405020304" pitchFamily="18" charset="0"/>
-                <a:cs typeface="Times New Roman" panose="02020603050405020304" pitchFamily="18" charset="0"/>
-              </a:rPr>
-              <a:t>with  meta learner of gradient boosting.</a:t>
-            </a:r>
-            <a:endParaRPr lang="en-GB" sz="2500" dirty="0" smtClean="0">
+              <a:rPr lang="en-US" sz="2500" dirty="0">
+                <a:latin typeface="Times New Roman" panose="02020603050405020304" pitchFamily="18" charset="0"/>
+                <a:cs typeface="Times New Roman" panose="02020603050405020304" pitchFamily="18" charset="0"/>
+              </a:rPr>
+              <a:t>and </a:t>
+            </a:r>
+            <a:r>
+              <a:rPr lang="en-US" sz="2500" b="1" dirty="0">
+                <a:solidFill>
+                  <a:srgbClr val="FF0000"/>
+                </a:solidFill>
+                <a:latin typeface="Times New Roman" panose="02020603050405020304" pitchFamily="18" charset="0"/>
+                <a:cs typeface="Times New Roman" panose="02020603050405020304" pitchFamily="18" charset="0"/>
+              </a:rPr>
+              <a:t>Ensemble</a:t>
+            </a:r>
+            <a:r>
+              <a:rPr lang="en-US" sz="2500" dirty="0">
+                <a:latin typeface="Times New Roman" panose="02020603050405020304" pitchFamily="18" charset="0"/>
+                <a:cs typeface="Times New Roman" panose="02020603050405020304" pitchFamily="18" charset="0"/>
+              </a:rPr>
+              <a:t> them</a:t>
+            </a:r>
+            <a:r>
+              <a:rPr lang="en-US" sz="2500" b="1" dirty="0">
+                <a:latin typeface="Times New Roman" panose="02020603050405020304" pitchFamily="18" charset="0"/>
+                <a:cs typeface="Times New Roman" panose="02020603050405020304" pitchFamily="18" charset="0"/>
+              </a:rPr>
+              <a:t> </a:t>
+            </a:r>
+            <a:r>
+              <a:rPr lang="en-US" sz="2500" dirty="0">
+                <a:latin typeface="Times New Roman" panose="02020603050405020304" pitchFamily="18" charset="0"/>
+                <a:cs typeface="Times New Roman" panose="02020603050405020304" pitchFamily="18" charset="0"/>
+              </a:rPr>
+              <a:t>using  meta learner technique for ensemble on two base models </a:t>
+            </a:r>
+          </a:p>
+          <a:p>
+            <a:pPr lvl="1">
+              <a:buFont typeface="Wingdings" panose="05000000000000000000" pitchFamily="2" charset="2"/>
+              <a:buChar char="§"/>
+            </a:pPr>
+            <a:r>
+              <a:rPr lang="en-US" sz="2500" dirty="0">
+                <a:latin typeface="Times New Roman" panose="02020603050405020304" pitchFamily="18" charset="0"/>
+                <a:cs typeface="Times New Roman" panose="02020603050405020304" pitchFamily="18" charset="0"/>
+              </a:rPr>
+              <a:t>Utilizing </a:t>
+            </a:r>
+            <a:r>
+              <a:rPr lang="en-US" sz="2500" b="1" dirty="0">
+                <a:latin typeface="Times New Roman" panose="02020603050405020304" pitchFamily="18" charset="0"/>
+                <a:cs typeface="Times New Roman" panose="02020603050405020304" pitchFamily="18" charset="0"/>
+              </a:rPr>
+              <a:t>gradient boosting </a:t>
+            </a:r>
+            <a:r>
+              <a:rPr lang="en-US" sz="2500" dirty="0">
+                <a:latin typeface="Times New Roman" panose="02020603050405020304" pitchFamily="18" charset="0"/>
+                <a:cs typeface="Times New Roman" panose="02020603050405020304" pitchFamily="18" charset="0"/>
+              </a:rPr>
+              <a:t>model in mete learner.</a:t>
+            </a:r>
+            <a:endParaRPr lang="en-GB" sz="2500" dirty="0">
               <a:latin typeface="Times New Roman" panose="02020603050405020304" pitchFamily="18" charset="0"/>
               <a:cs typeface="Times New Roman" panose="02020603050405020304" pitchFamily="18" charset="0"/>
             </a:endParaRPr>
@@ -18712,6 +18487,141 @@
       </p:grpSpPr>
       <p:sp>
         <p:nvSpPr>
+          <p:cNvPr id="4" name="Title 1">
+            <a:extLst>
+              <a:ext uri="{FF2B5EF4-FFF2-40B4-BE49-F238E27FC236}">
+                <a16:creationId xmlns:a16="http://schemas.microsoft.com/office/drawing/2014/main" id="{0EB01CA0-41D4-6639-BF70-930856AAEF8A}"/>
+              </a:ext>
+            </a:extLst>
+          </p:cNvPr>
+          <p:cNvSpPr>
+            <a:spLocks noGrp="1"/>
+          </p:cNvSpPr>
+          <p:nvPr>
+            <p:ph type="title"/>
+          </p:nvPr>
+        </p:nvSpPr>
+        <p:spPr>
+          <a:xfrm>
+            <a:off x="457200" y="274638"/>
+            <a:ext cx="8229600" cy="1143000"/>
+          </a:xfrm>
+        </p:spPr>
+        <p:txBody>
+          <a:bodyPr/>
+          <a:lstStyle/>
+          <a:p>
+            <a:r>
+              <a:rPr lang="en-US" sz="3200" dirty="0">
+                <a:latin typeface="Times New Roman" panose="02020603050405020304" pitchFamily="18" charset="0"/>
+                <a:cs typeface="Times New Roman" panose="02020603050405020304" pitchFamily="18" charset="0"/>
+              </a:rPr>
+              <a:t>Experiments and Results Summary[5/8]</a:t>
+            </a:r>
+            <a:endParaRPr lang="en-GB" sz="3200" dirty="0"/>
+          </a:p>
+        </p:txBody>
+      </p:sp>
+      <p:pic>
+        <p:nvPicPr>
+          <p:cNvPr id="5" name="Picture 4">
+            <a:extLst>
+              <a:ext uri="{FF2B5EF4-FFF2-40B4-BE49-F238E27FC236}">
+                <a16:creationId xmlns:a16="http://schemas.microsoft.com/office/drawing/2014/main" id="{3993B955-E35F-AAE0-07F1-94048F5F51C2}"/>
+              </a:ext>
+            </a:extLst>
+          </p:cNvPr>
+          <p:cNvPicPr>
+            <a:picLocks noChangeAspect="1"/>
+          </p:cNvPicPr>
+          <p:nvPr/>
+        </p:nvPicPr>
+        <p:blipFill>
+          <a:blip r:embed="rId2"/>
+          <a:stretch>
+            <a:fillRect/>
+          </a:stretch>
+        </p:blipFill>
+        <p:spPr>
+          <a:xfrm>
+            <a:off x="1240971" y="1940858"/>
+            <a:ext cx="7293428" cy="3872113"/>
+          </a:xfrm>
+          <a:prstGeom prst="rect">
+            <a:avLst/>
+          </a:prstGeom>
+        </p:spPr>
+      </p:pic>
+      <p:sp>
+        <p:nvSpPr>
+          <p:cNvPr id="6" name="TextBox 5">
+            <a:extLst>
+              <a:ext uri="{FF2B5EF4-FFF2-40B4-BE49-F238E27FC236}">
+                <a16:creationId xmlns:a16="http://schemas.microsoft.com/office/drawing/2014/main" id="{04F78C1A-1380-E6D1-3D94-C1CD6863E5A8}"/>
+              </a:ext>
+            </a:extLst>
+          </p:cNvPr>
+          <p:cNvSpPr txBox="1"/>
+          <p:nvPr/>
+        </p:nvSpPr>
+        <p:spPr>
+          <a:xfrm>
+            <a:off x="925286" y="1417638"/>
+            <a:ext cx="5377543" cy="523220"/>
+          </a:xfrm>
+          <a:prstGeom prst="rect">
+            <a:avLst/>
+          </a:prstGeom>
+          <a:noFill/>
+        </p:spPr>
+        <p:txBody>
+          <a:bodyPr wrap="square" rtlCol="0">
+            <a:spAutoFit/>
+          </a:bodyPr>
+          <a:lstStyle/>
+          <a:p>
+            <a:r>
+              <a:rPr lang="en-US" sz="2800" b="1" dirty="0">
+                <a:latin typeface="Times New Roman" panose="02020603050405020304" pitchFamily="18" charset="0"/>
+                <a:cs typeface="Times New Roman" panose="02020603050405020304" pitchFamily="18" charset="0"/>
+              </a:rPr>
+              <a:t>Comparative Analysis</a:t>
+            </a:r>
+          </a:p>
+        </p:txBody>
+      </p:sp>
+    </p:spTree>
+    <p:extLst>
+      <p:ext uri="{BB962C8B-B14F-4D97-AF65-F5344CB8AC3E}">
+        <p14:creationId xmlns:p14="http://schemas.microsoft.com/office/powerpoint/2010/main" val="2874184697"/>
+      </p:ext>
+    </p:extLst>
+  </p:cSld>
+  <p:clrMapOvr>
+    <a:masterClrMapping/>
+  </p:clrMapOvr>
+</p:sld>
+</file>
+
+<file path=ppt/slides/slide33.xml><?xml version="1.0" encoding="utf-8"?>
+<p:sld xmlns:a="http://schemas.openxmlformats.org/drawingml/2006/main" xmlns:r="http://schemas.openxmlformats.org/officeDocument/2006/relationships" xmlns:p="http://schemas.openxmlformats.org/presentationml/2006/main">
+  <p:cSld>
+    <p:spTree>
+      <p:nvGrpSpPr>
+        <p:cNvPr id="1" name=""/>
+        <p:cNvGrpSpPr/>
+        <p:nvPr/>
+      </p:nvGrpSpPr>
+      <p:grpSpPr>
+        <a:xfrm>
+          <a:off x="0" y="0"/>
+          <a:ext cx="0" cy="0"/>
+          <a:chOff x="0" y="0"/>
+          <a:chExt cx="0" cy="0"/>
+        </a:xfrm>
+      </p:grpSpPr>
+      <p:sp>
+        <p:nvSpPr>
           <p:cNvPr id="2" name="Title 1"/>
           <p:cNvSpPr>
             <a:spLocks noGrp="1"/>
@@ -18730,21 +18640,7 @@
                 <a:latin typeface="Times New Roman" panose="02020603050405020304" pitchFamily="18" charset="0"/>
                 <a:cs typeface="Times New Roman" panose="02020603050405020304" pitchFamily="18" charset="0"/>
               </a:rPr>
-              <a:t>Experiments and Results </a:t>
-            </a:r>
-            <a:r>
-              <a:rPr lang="en-US" sz="3200" dirty="0" smtClean="0">
-                <a:latin typeface="Times New Roman" panose="02020603050405020304" pitchFamily="18" charset="0"/>
-                <a:cs typeface="Times New Roman" panose="02020603050405020304" pitchFamily="18" charset="0"/>
-              </a:rPr>
-              <a:t>Summary[5/7</a:t>
-            </a:r>
-            <a:r>
-              <a:rPr lang="en-US" sz="3200" dirty="0">
-                <a:latin typeface="Times New Roman" panose="02020603050405020304" pitchFamily="18" charset="0"/>
-                <a:cs typeface="Times New Roman" panose="02020603050405020304" pitchFamily="18" charset="0"/>
-              </a:rPr>
-              <a:t>]</a:t>
+              <a:t>Experiments and Results Summary[5/7]</a:t>
             </a:r>
             <a:endParaRPr lang="en-GB" sz="3200" dirty="0"/>
           </a:p>
@@ -18775,10 +18671,9 @@
               <a:buChar char="§"/>
             </a:pPr>
             <a:r>
-              <a:rPr lang="en-GB" dirty="0" smtClean="0"/>
+              <a:rPr lang="en-GB" dirty="0"/>
               <a:t>Result:</a:t>
             </a:r>
-            <a:endParaRPr lang="en-GB" dirty="0"/>
           </a:p>
         </p:txBody>
       </p:sp>
@@ -18823,252 +18718,6 @@
 </p:sld>
 </file>
 
-<file path=ppt/slides/slide33.xml><?xml version="1.0" encoding="utf-8"?>
-<p:sld xmlns:a="http://schemas.openxmlformats.org/drawingml/2006/main" xmlns:r="http://schemas.openxmlformats.org/officeDocument/2006/relationships" xmlns:p="http://schemas.openxmlformats.org/presentationml/2006/main">
-  <p:cSld>
-    <p:spTree>
-      <p:nvGrpSpPr>
-        <p:cNvPr id="1" name=""/>
-        <p:cNvGrpSpPr/>
-        <p:nvPr/>
-      </p:nvGrpSpPr>
-      <p:grpSpPr>
-        <a:xfrm>
-          <a:off x="0" y="0"/>
-          <a:ext cx="0" cy="0"/>
-          <a:chOff x="0" y="0"/>
-          <a:chExt cx="0" cy="0"/>
-        </a:xfrm>
-      </p:grpSpPr>
-      <p:sp>
-        <p:nvSpPr>
-          <p:cNvPr id="2" name="Title 1"/>
-          <p:cNvSpPr>
-            <a:spLocks noGrp="1"/>
-          </p:cNvSpPr>
-          <p:nvPr>
-            <p:ph type="title"/>
-          </p:nvPr>
-        </p:nvSpPr>
-        <p:spPr/>
-        <p:txBody>
-          <a:bodyPr/>
-          <a:lstStyle/>
-          <a:p>
-            <a:r>
-              <a:rPr lang="en-US" sz="3200" dirty="0">
-                <a:latin typeface="Times New Roman" panose="02020603050405020304" pitchFamily="18" charset="0"/>
-                <a:cs typeface="Times New Roman" panose="02020603050405020304" pitchFamily="18" charset="0"/>
-              </a:rPr>
-              <a:t>Experiments and Results </a:t>
-            </a:r>
-            <a:r>
-              <a:rPr lang="en-US" sz="3200" dirty="0" smtClean="0">
-                <a:latin typeface="Times New Roman" panose="02020603050405020304" pitchFamily="18" charset="0"/>
-                <a:cs typeface="Times New Roman" panose="02020603050405020304" pitchFamily="18" charset="0"/>
-              </a:rPr>
-              <a:t>Summary[6/7</a:t>
-            </a:r>
-            <a:r>
-              <a:rPr lang="en-US" sz="3200" dirty="0">
-                <a:latin typeface="Times New Roman" panose="02020603050405020304" pitchFamily="18" charset="0"/>
-                <a:cs typeface="Times New Roman" panose="02020603050405020304" pitchFamily="18" charset="0"/>
-              </a:rPr>
-              <a:t>]</a:t>
-            </a:r>
-            <a:endParaRPr lang="en-GB" sz="3200" dirty="0"/>
-          </a:p>
-        </p:txBody>
-      </p:sp>
-      <p:sp>
-        <p:nvSpPr>
-          <p:cNvPr id="3" name="Text Placeholder 2"/>
-          <p:cNvSpPr>
-            <a:spLocks noGrp="1"/>
-          </p:cNvSpPr>
-          <p:nvPr>
-            <p:ph type="body" idx="1"/>
-          </p:nvPr>
-        </p:nvSpPr>
-        <p:spPr/>
-        <p:txBody>
-          <a:bodyPr/>
-          <a:lstStyle/>
-          <a:p>
-            <a:pPr marL="114300" indent="0">
-              <a:buNone/>
-            </a:pPr>
-            <a:r>
-              <a:rPr lang="en-GB" b="1" dirty="0" smtClean="0"/>
-              <a:t>3</a:t>
-            </a:r>
-            <a:r>
-              <a:rPr lang="en-GB" b="1" dirty="0" smtClean="0">
-                <a:latin typeface="Times New Roman" panose="02020603050405020304" pitchFamily="18" charset="0"/>
-                <a:cs typeface="Times New Roman" panose="02020603050405020304" pitchFamily="18" charset="0"/>
-              </a:rPr>
-              <a:t>. Regression</a:t>
-            </a:r>
-          </a:p>
-          <a:p>
-            <a:pPr lvl="2">
-              <a:buFont typeface="Wingdings" panose="05000000000000000000" pitchFamily="2" charset="2"/>
-              <a:buChar char="§"/>
-            </a:pPr>
-            <a:r>
-              <a:rPr lang="en-GB" sz="2500" b="1" dirty="0" smtClean="0">
-                <a:latin typeface="Times New Roman" panose="02020603050405020304" pitchFamily="18" charset="0"/>
-                <a:cs typeface="Times New Roman" panose="02020603050405020304" pitchFamily="18" charset="0"/>
-              </a:rPr>
-              <a:t>Dataset: </a:t>
-            </a:r>
-            <a:r>
-              <a:rPr lang="en-GB" sz="2500" dirty="0" smtClean="0">
-                <a:latin typeface="Times New Roman" panose="02020603050405020304" pitchFamily="18" charset="0"/>
-                <a:cs typeface="Times New Roman" panose="02020603050405020304" pitchFamily="18" charset="0"/>
-              </a:rPr>
-              <a:t>We use food nutrition data such as protein, carbohydrates, fats and calories etc. and split dataset </a:t>
-            </a:r>
-            <a:r>
-              <a:rPr lang="en-US" sz="2500" dirty="0">
-                <a:latin typeface="Times New Roman" panose="02020603050405020304" pitchFamily="18" charset="0"/>
-                <a:cs typeface="Times New Roman" panose="02020603050405020304" pitchFamily="18" charset="0"/>
-              </a:rPr>
-              <a:t> training 80% and testing 20</a:t>
-            </a:r>
-            <a:r>
-              <a:rPr lang="en-US" sz="2500" dirty="0" smtClean="0">
-                <a:latin typeface="Times New Roman" panose="02020603050405020304" pitchFamily="18" charset="0"/>
-                <a:cs typeface="Times New Roman" panose="02020603050405020304" pitchFamily="18" charset="0"/>
-              </a:rPr>
-              <a:t>%.</a:t>
-            </a:r>
-          </a:p>
-          <a:p>
-            <a:pPr marL="1028700" lvl="2" indent="0">
-              <a:buNone/>
-            </a:pPr>
-            <a:endParaRPr lang="en-US" sz="2500" dirty="0" smtClean="0">
-              <a:latin typeface="Times New Roman" panose="02020603050405020304" pitchFamily="18" charset="0"/>
-              <a:cs typeface="Times New Roman" panose="02020603050405020304" pitchFamily="18" charset="0"/>
-            </a:endParaRPr>
-          </a:p>
-          <a:p>
-            <a:pPr lvl="2">
-              <a:buFont typeface="Wingdings" panose="05000000000000000000" pitchFamily="2" charset="2"/>
-              <a:buChar char="§"/>
-            </a:pPr>
-            <a:r>
-              <a:rPr lang="en-US" sz="2500" b="1" dirty="0" smtClean="0">
-                <a:latin typeface="Times New Roman" panose="02020603050405020304" pitchFamily="18" charset="0"/>
-                <a:cs typeface="Times New Roman" panose="02020603050405020304" pitchFamily="18" charset="0"/>
-              </a:rPr>
-              <a:t>Model Training and Result: </a:t>
-            </a:r>
-            <a:r>
-              <a:rPr lang="en-US" sz="2500" dirty="0" smtClean="0">
-                <a:latin typeface="Times New Roman" panose="02020603050405020304" pitchFamily="18" charset="0"/>
-                <a:cs typeface="Times New Roman" panose="02020603050405020304" pitchFamily="18" charset="0"/>
-              </a:rPr>
-              <a:t>We use Ensemble technique to Ensemble </a:t>
-            </a:r>
-            <a:r>
-              <a:rPr lang="en-US" sz="2500" b="1" dirty="0" smtClean="0">
-                <a:latin typeface="Times New Roman" panose="02020603050405020304" pitchFamily="18" charset="0"/>
-                <a:cs typeface="Times New Roman" panose="02020603050405020304" pitchFamily="18" charset="0"/>
-              </a:rPr>
-              <a:t>HGB</a:t>
-            </a:r>
-            <a:r>
-              <a:rPr lang="en-US" sz="2500" dirty="0" smtClean="0">
-                <a:latin typeface="Times New Roman" panose="02020603050405020304" pitchFamily="18" charset="0"/>
-                <a:cs typeface="Times New Roman" panose="02020603050405020304" pitchFamily="18" charset="0"/>
-              </a:rPr>
-              <a:t> and </a:t>
-            </a:r>
-            <a:r>
-              <a:rPr lang="en-US" sz="2500" b="1" dirty="0" smtClean="0">
-                <a:latin typeface="Times New Roman" panose="02020603050405020304" pitchFamily="18" charset="0"/>
-                <a:cs typeface="Times New Roman" panose="02020603050405020304" pitchFamily="18" charset="0"/>
-              </a:rPr>
-              <a:t>Ridge</a:t>
-            </a:r>
-            <a:r>
-              <a:rPr lang="en-US" sz="2500" dirty="0" smtClean="0">
-                <a:latin typeface="Times New Roman" panose="02020603050405020304" pitchFamily="18" charset="0"/>
-                <a:cs typeface="Times New Roman" panose="02020603050405020304" pitchFamily="18" charset="0"/>
-              </a:rPr>
-              <a:t> </a:t>
-            </a:r>
-            <a:r>
-              <a:rPr lang="en-US" sz="2500" b="1" dirty="0" smtClean="0">
-                <a:latin typeface="Times New Roman" panose="02020603050405020304" pitchFamily="18" charset="0"/>
-                <a:cs typeface="Times New Roman" panose="02020603050405020304" pitchFamily="18" charset="0"/>
-              </a:rPr>
-              <a:t>regression </a:t>
-            </a:r>
-            <a:r>
-              <a:rPr lang="en-US" sz="2500" dirty="0" smtClean="0">
-                <a:latin typeface="Times New Roman" panose="02020603050405020304" pitchFamily="18" charset="0"/>
-                <a:cs typeface="Times New Roman" panose="02020603050405020304" pitchFamily="18" charset="0"/>
-              </a:rPr>
-              <a:t>model with polynomial features.</a:t>
-            </a:r>
-            <a:endParaRPr lang="en-GB" sz="2500" dirty="0" smtClean="0">
-              <a:latin typeface="Times New Roman" panose="02020603050405020304" pitchFamily="18" charset="0"/>
-              <a:cs typeface="Times New Roman" panose="02020603050405020304" pitchFamily="18" charset="0"/>
-            </a:endParaRPr>
-          </a:p>
-          <a:p>
-            <a:pPr marL="3771900" lvl="8" indent="0">
-              <a:buNone/>
-            </a:pPr>
-            <a:endParaRPr lang="en-GB" dirty="0"/>
-          </a:p>
-          <a:p>
-            <a:pPr marL="114300" indent="0">
-              <a:buNone/>
-            </a:pPr>
-            <a:endParaRPr lang="en-GB" dirty="0">
-              <a:latin typeface="Times New Roman" panose="02020603050405020304" pitchFamily="18" charset="0"/>
-              <a:cs typeface="Times New Roman" panose="02020603050405020304" pitchFamily="18" charset="0"/>
-            </a:endParaRPr>
-          </a:p>
-          <a:p>
-            <a:pPr marL="114300" indent="0">
-              <a:buNone/>
-            </a:pPr>
-            <a:endParaRPr lang="en-GB" dirty="0" smtClean="0"/>
-          </a:p>
-          <a:p>
-            <a:pPr marL="114300" indent="0">
-              <a:buNone/>
-            </a:pPr>
-            <a:r>
-              <a:rPr lang="en-GB" dirty="0"/>
-              <a:t> </a:t>
-            </a:r>
-            <a:r>
-              <a:rPr lang="en-GB" dirty="0" smtClean="0"/>
-              <a:t>     </a:t>
-            </a:r>
-            <a:endParaRPr lang="en-GB" dirty="0"/>
-          </a:p>
-        </p:txBody>
-      </p:sp>
-    </p:spTree>
-    <p:extLst>
-      <p:ext uri="{BB962C8B-B14F-4D97-AF65-F5344CB8AC3E}">
-        <p14:creationId xmlns:p14="http://schemas.microsoft.com/office/powerpoint/2010/main" val="3093201424"/>
-      </p:ext>
-    </p:extLst>
-  </p:cSld>
-  <p:clrMapOvr>
-    <a:masterClrMapping/>
-  </p:clrMapOvr>
-</p:sld>
-</file>
-
 <file path=ppt/slides/slide34.xml><?xml version="1.0" encoding="utf-8"?>
 <p:sld xmlns:a="http://schemas.openxmlformats.org/drawingml/2006/main" xmlns:r="http://schemas.openxmlformats.org/officeDocument/2006/relationships" xmlns:p="http://schemas.openxmlformats.org/presentationml/2006/main">
   <p:cSld>
@@ -19106,21 +18755,227 @@
                 <a:latin typeface="Times New Roman" panose="02020603050405020304" pitchFamily="18" charset="0"/>
                 <a:cs typeface="Times New Roman" panose="02020603050405020304" pitchFamily="18" charset="0"/>
               </a:rPr>
-              <a:t>Experiments and Results </a:t>
-            </a:r>
-            <a:r>
-              <a:rPr lang="en-US" sz="3200" dirty="0" smtClean="0">
-                <a:latin typeface="Times New Roman" panose="02020603050405020304" pitchFamily="18" charset="0"/>
-                <a:cs typeface="Times New Roman" panose="02020603050405020304" pitchFamily="18" charset="0"/>
-              </a:rPr>
-              <a:t>Summary[7/7</a:t>
-            </a:r>
+              <a:t>Experiments and Results Summary[6/7]</a:t>
+            </a:r>
+            <a:endParaRPr lang="en-GB" sz="3200" dirty="0"/>
+          </a:p>
+        </p:txBody>
+      </p:sp>
+      <p:sp>
+        <p:nvSpPr>
+          <p:cNvPr id="3" name="Text Placeholder 2"/>
+          <p:cNvSpPr>
+            <a:spLocks noGrp="1"/>
+          </p:cNvSpPr>
+          <p:nvPr>
+            <p:ph type="body" idx="1"/>
+          </p:nvPr>
+        </p:nvSpPr>
+        <p:spPr/>
+        <p:txBody>
+          <a:bodyPr/>
+          <a:lstStyle/>
+          <a:p>
+            <a:pPr marL="114300" indent="0">
+              <a:buNone/>
+            </a:pPr>
+            <a:r>
+              <a:rPr lang="en-GB" b="1" dirty="0"/>
+              <a:t>3</a:t>
+            </a:r>
+            <a:r>
+              <a:rPr lang="en-GB" b="1" dirty="0">
+                <a:latin typeface="Times New Roman" panose="02020603050405020304" pitchFamily="18" charset="0"/>
+                <a:cs typeface="Times New Roman" panose="02020603050405020304" pitchFamily="18" charset="0"/>
+              </a:rPr>
+              <a:t>. Regression</a:t>
+            </a:r>
+          </a:p>
+          <a:p>
+            <a:pPr lvl="2">
+              <a:buFont typeface="Wingdings" panose="05000000000000000000" pitchFamily="2" charset="2"/>
+              <a:buChar char="§"/>
+            </a:pPr>
+            <a:r>
+              <a:rPr lang="en-GB" sz="2500" b="1" dirty="0">
+                <a:latin typeface="Times New Roman" panose="02020603050405020304" pitchFamily="18" charset="0"/>
+                <a:cs typeface="Times New Roman" panose="02020603050405020304" pitchFamily="18" charset="0"/>
+              </a:rPr>
+              <a:t>Dataset: </a:t>
+            </a:r>
+            <a:r>
+              <a:rPr lang="en-GB" sz="2500" dirty="0">
+                <a:latin typeface="Times New Roman" panose="02020603050405020304" pitchFamily="18" charset="0"/>
+                <a:cs typeface="Times New Roman" panose="02020603050405020304" pitchFamily="18" charset="0"/>
+              </a:rPr>
+              <a:t>We use food nutrition data such as protein, carbohydrates, fats and calories etc. and split dataset </a:t>
+            </a:r>
+            <a:r>
+              <a:rPr lang="en-US" sz="2500" dirty="0">
+                <a:latin typeface="Times New Roman" panose="02020603050405020304" pitchFamily="18" charset="0"/>
+                <a:cs typeface="Times New Roman" panose="02020603050405020304" pitchFamily="18" charset="0"/>
+              </a:rPr>
+              <a:t> training 80% and testing 20%.</a:t>
+            </a:r>
+          </a:p>
+          <a:p>
+            <a:pPr marL="1028700" lvl="2" indent="0">
+              <a:buNone/>
+            </a:pPr>
+            <a:endParaRPr lang="en-US" sz="2500" dirty="0">
+              <a:latin typeface="Times New Roman" panose="02020603050405020304" pitchFamily="18" charset="0"/>
+              <a:cs typeface="Times New Roman" panose="02020603050405020304" pitchFamily="18" charset="0"/>
+            </a:endParaRPr>
+          </a:p>
+          <a:p>
+            <a:pPr lvl="2">
+              <a:buFont typeface="Wingdings" panose="05000000000000000000" pitchFamily="2" charset="2"/>
+              <a:buChar char="§"/>
+            </a:pPr>
+            <a:r>
+              <a:rPr lang="en-US" sz="2500" b="1" dirty="0">
+                <a:latin typeface="Times New Roman" panose="02020603050405020304" pitchFamily="18" charset="0"/>
+                <a:cs typeface="Times New Roman" panose="02020603050405020304" pitchFamily="18" charset="0"/>
+              </a:rPr>
+              <a:t>Model Training and Result: </a:t>
+            </a:r>
+            <a:r>
+              <a:rPr lang="en-US" sz="2500" dirty="0">
+                <a:latin typeface="Times New Roman" panose="02020603050405020304" pitchFamily="18" charset="0"/>
+                <a:cs typeface="Times New Roman" panose="02020603050405020304" pitchFamily="18" charset="0"/>
+              </a:rPr>
+              <a:t>We use Ensemble technique to Ensemble </a:t>
+            </a:r>
+            <a:r>
+              <a:rPr lang="en-US" sz="2500" b="1" dirty="0">
+                <a:latin typeface="Times New Roman" panose="02020603050405020304" pitchFamily="18" charset="0"/>
+                <a:cs typeface="Times New Roman" panose="02020603050405020304" pitchFamily="18" charset="0"/>
+              </a:rPr>
+              <a:t>HGB</a:t>
+            </a:r>
+            <a:r>
+              <a:rPr lang="en-US" sz="2500" dirty="0">
+                <a:latin typeface="Times New Roman" panose="02020603050405020304" pitchFamily="18" charset="0"/>
+                <a:cs typeface="Times New Roman" panose="02020603050405020304" pitchFamily="18" charset="0"/>
+              </a:rPr>
+              <a:t> and </a:t>
+            </a:r>
+            <a:r>
+              <a:rPr lang="en-US" sz="2500" b="1" dirty="0">
+                <a:latin typeface="Times New Roman" panose="02020603050405020304" pitchFamily="18" charset="0"/>
+                <a:cs typeface="Times New Roman" panose="02020603050405020304" pitchFamily="18" charset="0"/>
+              </a:rPr>
+              <a:t>Ridge</a:t>
+            </a:r>
+            <a:r>
+              <a:rPr lang="en-US" sz="2500" dirty="0">
+                <a:latin typeface="Times New Roman" panose="02020603050405020304" pitchFamily="18" charset="0"/>
+                <a:cs typeface="Times New Roman" panose="02020603050405020304" pitchFamily="18" charset="0"/>
+              </a:rPr>
+              <a:t> </a:t>
+            </a:r>
+            <a:r>
+              <a:rPr lang="en-US" sz="2500" b="1" dirty="0">
+                <a:latin typeface="Times New Roman" panose="02020603050405020304" pitchFamily="18" charset="0"/>
+                <a:cs typeface="Times New Roman" panose="02020603050405020304" pitchFamily="18" charset="0"/>
+              </a:rPr>
+              <a:t>regression </a:t>
+            </a:r>
+            <a:r>
+              <a:rPr lang="en-US" sz="2500" dirty="0">
+                <a:latin typeface="Times New Roman" panose="02020603050405020304" pitchFamily="18" charset="0"/>
+                <a:cs typeface="Times New Roman" panose="02020603050405020304" pitchFamily="18" charset="0"/>
+              </a:rPr>
+              <a:t>model with polynomial features.</a:t>
+            </a:r>
+            <a:endParaRPr lang="en-GB" sz="2500" dirty="0">
+              <a:latin typeface="Times New Roman" panose="02020603050405020304" pitchFamily="18" charset="0"/>
+              <a:cs typeface="Times New Roman" panose="02020603050405020304" pitchFamily="18" charset="0"/>
+            </a:endParaRPr>
+          </a:p>
+          <a:p>
+            <a:pPr marL="3771900" lvl="8" indent="0">
+              <a:buNone/>
+            </a:pPr>
+            <a:endParaRPr lang="en-GB" dirty="0"/>
+          </a:p>
+          <a:p>
+            <a:pPr marL="114300" indent="0">
+              <a:buNone/>
+            </a:pPr>
+            <a:endParaRPr lang="en-GB" dirty="0">
+              <a:latin typeface="Times New Roman" panose="02020603050405020304" pitchFamily="18" charset="0"/>
+              <a:cs typeface="Times New Roman" panose="02020603050405020304" pitchFamily="18" charset="0"/>
+            </a:endParaRPr>
+          </a:p>
+          <a:p>
+            <a:pPr marL="114300" indent="0">
+              <a:buNone/>
+            </a:pPr>
+            <a:endParaRPr lang="en-GB" dirty="0"/>
+          </a:p>
+          <a:p>
+            <a:pPr marL="114300" indent="0">
+              <a:buNone/>
+            </a:pPr>
+            <a:r>
+              <a:rPr lang="en-GB" dirty="0"/>
+              <a:t>      </a:t>
+            </a:r>
+          </a:p>
+        </p:txBody>
+      </p:sp>
+    </p:spTree>
+    <p:extLst>
+      <p:ext uri="{BB962C8B-B14F-4D97-AF65-F5344CB8AC3E}">
+        <p14:creationId xmlns:p14="http://schemas.microsoft.com/office/powerpoint/2010/main" val="3093201424"/>
+      </p:ext>
+    </p:extLst>
+  </p:cSld>
+  <p:clrMapOvr>
+    <a:masterClrMapping/>
+  </p:clrMapOvr>
+</p:sld>
+</file>
+
+<file path=ppt/slides/slide35.xml><?xml version="1.0" encoding="utf-8"?>
+<p:sld xmlns:a="http://schemas.openxmlformats.org/drawingml/2006/main" xmlns:r="http://schemas.openxmlformats.org/officeDocument/2006/relationships" xmlns:p="http://schemas.openxmlformats.org/presentationml/2006/main">
+  <p:cSld>
+    <p:spTree>
+      <p:nvGrpSpPr>
+        <p:cNvPr id="1" name=""/>
+        <p:cNvGrpSpPr/>
+        <p:nvPr/>
+      </p:nvGrpSpPr>
+      <p:grpSpPr>
+        <a:xfrm>
+          <a:off x="0" y="0"/>
+          <a:ext cx="0" cy="0"/>
+          <a:chOff x="0" y="0"/>
+          <a:chExt cx="0" cy="0"/>
+        </a:xfrm>
+      </p:grpSpPr>
+      <p:sp>
+        <p:nvSpPr>
+          <p:cNvPr id="2" name="Title 1"/>
+          <p:cNvSpPr>
+            <a:spLocks noGrp="1"/>
+          </p:cNvSpPr>
+          <p:nvPr>
+            <p:ph type="title"/>
+          </p:nvPr>
+        </p:nvSpPr>
+        <p:spPr/>
+        <p:txBody>
+          <a:bodyPr/>
+          <a:lstStyle/>
+          <a:p>
             <a:r>
               <a:rPr lang="en-US" sz="3200" dirty="0">
                 <a:latin typeface="Times New Roman" panose="02020603050405020304" pitchFamily="18" charset="0"/>
                 <a:cs typeface="Times New Roman" panose="02020603050405020304" pitchFamily="18" charset="0"/>
               </a:rPr>
-              <a:t>]</a:t>
+              <a:t>Experiments and Results Summary[7/7]</a:t>
             </a:r>
             <a:endParaRPr lang="en-GB" sz="3200" dirty="0"/>
           </a:p>
@@ -19151,16 +19006,12 @@
               <a:buChar char="§"/>
             </a:pPr>
             <a:r>
-              <a:rPr lang="en-GB" sz="2500" b="1" dirty="0" smtClean="0">
+              <a:rPr lang="en-GB" sz="2500" b="1" dirty="0">
                 <a:latin typeface="Times New Roman" panose="02020603050405020304" pitchFamily="18" charset="0"/>
                 <a:cs typeface="Times New Roman" panose="02020603050405020304" pitchFamily="18" charset="0"/>
               </a:rPr>
               <a:t>Result</a:t>
             </a:r>
-            <a:endParaRPr lang="en-GB" sz="2500" b="1" dirty="0">
-              <a:latin typeface="Times New Roman" panose="02020603050405020304" pitchFamily="18" charset="0"/>
-              <a:cs typeface="Times New Roman" panose="02020603050405020304" pitchFamily="18" charset="0"/>
-            </a:endParaRPr>
           </a:p>
         </p:txBody>
       </p:sp>
@@ -19727,7 +19578,7 @@
 </p:sld>
 </file>
 
-<file path=ppt/slides/slide35.xml><?xml version="1.0" encoding="utf-8"?>
+<file path=ppt/slides/slide36.xml><?xml version="1.0" encoding="utf-8"?>
 <p:sld xmlns:a="http://schemas.openxmlformats.org/drawingml/2006/main" xmlns:r="http://schemas.openxmlformats.org/officeDocument/2006/relationships" xmlns:p="http://schemas.openxmlformats.org/presentationml/2006/main">
   <p:cSld>
     <p:spTree>
@@ -19760,10 +19611,9 @@
           <a:lstStyle/>
           <a:p>
             <a:r>
-              <a:rPr lang="en-GB" dirty="0" smtClean="0"/>
+              <a:rPr lang="en-GB" dirty="0"/>
               <a:t>Testing Summary</a:t>
             </a:r>
-            <a:endParaRPr lang="en-GB" dirty="0"/>
           </a:p>
         </p:txBody>
       </p:sp>
@@ -19780,7 +19630,7 @@
 </p:sld>
 </file>
 
-<file path=ppt/slides/slide36.xml><?xml version="1.0" encoding="utf-8"?>
+<file path=ppt/slides/slide37.xml><?xml version="1.0" encoding="utf-8"?>
 <p:sld xmlns:a="http://schemas.openxmlformats.org/drawingml/2006/main" xmlns:r="http://schemas.openxmlformats.org/officeDocument/2006/relationships" xmlns:p="http://schemas.openxmlformats.org/presentationml/2006/main">
   <p:cSld>
     <p:spTree>
@@ -19952,18 +19802,13 @@
                     <a:lstStyle/>
                     <a:p>
                       <a:r>
-                        <a:rPr lang="en-GB" dirty="0" smtClean="0">
+                        <a:rPr lang="en-GB" dirty="0">
                           <a:solidFill>
                             <a:schemeClr val="tx1"/>
                           </a:solidFill>
                         </a:rPr>
                         <a:t>Testing  Aspect</a:t>
                       </a:r>
-                      <a:endParaRPr lang="en-GB" dirty="0">
-                        <a:solidFill>
-                          <a:schemeClr val="tx1"/>
-                        </a:solidFill>
-                      </a:endParaRPr>
                     </a:p>
                   </a:txBody>
                   <a:tcPr/>
@@ -19974,18 +19819,13 @@
                     <a:lstStyle/>
                     <a:p>
                       <a:r>
-                        <a:rPr lang="en-GB" dirty="0" smtClean="0">
+                        <a:rPr lang="en-GB" dirty="0">
                           <a:solidFill>
                             <a:schemeClr val="tx1"/>
                           </a:solidFill>
                         </a:rPr>
                         <a:t>Summary</a:t>
                       </a:r>
-                      <a:endParaRPr lang="en-GB" dirty="0">
-                        <a:solidFill>
-                          <a:schemeClr val="tx1"/>
-                        </a:solidFill>
-                      </a:endParaRPr>
                     </a:p>
                   </a:txBody>
                   <a:tcPr/>
@@ -20003,10 +19843,9 @@
                     <a:lstStyle/>
                     <a:p>
                       <a:r>
-                        <a:rPr lang="en-GB" dirty="0" smtClean="0"/>
+                        <a:rPr lang="en-GB" dirty="0"/>
                         <a:t>Approach</a:t>
                       </a:r>
-                      <a:endParaRPr lang="en-GB" dirty="0"/>
                     </a:p>
                   </a:txBody>
                   <a:tcPr/>
@@ -20017,11 +19856,11 @@
                     <a:lstStyle/>
                     <a:p>
                       <a:r>
-                        <a:rPr lang="en-GB" dirty="0" smtClean="0"/>
+                        <a:rPr lang="en-GB" dirty="0"/>
                         <a:t>  Blackbox and</a:t>
                       </a:r>
                       <a:r>
-                        <a:rPr lang="en-GB" baseline="0" dirty="0" smtClean="0"/>
+                        <a:rPr lang="en-GB" baseline="0" dirty="0"/>
                         <a:t> Whitebox</a:t>
                       </a:r>
                       <a:endParaRPr lang="en-GB" dirty="0"/>
@@ -20042,10 +19881,9 @@
                     <a:lstStyle/>
                     <a:p>
                       <a:r>
-                        <a:rPr lang="en-GB" dirty="0" smtClean="0"/>
+                        <a:rPr lang="en-GB" dirty="0"/>
                         <a:t>Purpose</a:t>
                       </a:r>
-                      <a:endParaRPr lang="en-GB" dirty="0"/>
                     </a:p>
                   </a:txBody>
                   <a:tcPr/>
@@ -20056,11 +19894,11 @@
                     <a:lstStyle/>
                     <a:p>
                       <a:r>
-                        <a:rPr lang="en-GB" dirty="0" smtClean="0"/>
+                        <a:rPr lang="en-GB" dirty="0"/>
                         <a:t>To validate the functionalities</a:t>
                       </a:r>
                       <a:r>
-                        <a:rPr lang="en-GB" baseline="0" dirty="0" smtClean="0"/>
+                        <a:rPr lang="en-GB" baseline="0" dirty="0"/>
                         <a:t> of Fitessstan via input and output and by giving different user data.</a:t>
                       </a:r>
                     </a:p>
@@ -20080,11 +19918,11 @@
                     <a:lstStyle/>
                     <a:p>
                       <a:r>
-                        <a:rPr lang="en-GB" dirty="0" smtClean="0"/>
+                        <a:rPr lang="en-GB" dirty="0"/>
                         <a:t>Feature</a:t>
                       </a:r>
                       <a:r>
-                        <a:rPr lang="en-GB" baseline="0" dirty="0" smtClean="0"/>
+                        <a:rPr lang="en-GB" baseline="0" dirty="0"/>
                         <a:t> Tested</a:t>
                       </a:r>
                       <a:endParaRPr lang="en-GB" dirty="0"/>
@@ -20098,35 +19936,35 @@
                     <a:lstStyle/>
                     <a:p>
                       <a:r>
-                        <a:rPr lang="en-GB" dirty="0" smtClean="0"/>
+                        <a:rPr lang="en-GB" dirty="0"/>
                         <a:t>✔ User registration &amp; login</a:t>
                       </a:r>
                       <a:br>
-                        <a:rPr lang="en-GB" dirty="0" smtClean="0"/>
+                        <a:rPr lang="en-GB" dirty="0"/>
                       </a:br>
                       <a:r>
-                        <a:rPr lang="en-GB" dirty="0" smtClean="0"/>
+                        <a:rPr lang="en-GB" dirty="0"/>
                         <a:t>✔ Password recovery &amp; OTP</a:t>
                       </a:r>
                       <a:br>
-                        <a:rPr lang="en-GB" dirty="0" smtClean="0"/>
+                        <a:rPr lang="en-GB" dirty="0"/>
                       </a:br>
                       <a:r>
-                        <a:rPr lang="en-GB" dirty="0" smtClean="0"/>
+                        <a:rPr lang="en-GB" dirty="0"/>
                         <a:t>✔ Input forms</a:t>
                       </a:r>
                       <a:br>
-                        <a:rPr lang="en-GB" dirty="0" smtClean="0"/>
+                        <a:rPr lang="en-GB" dirty="0"/>
                       </a:br>
                       <a:r>
-                        <a:rPr lang="en-GB" dirty="0" smtClean="0"/>
+                        <a:rPr lang="en-GB" dirty="0"/>
                         <a:t>✔ Diet plans</a:t>
                       </a:r>
                       <a:br>
-                        <a:rPr lang="en-GB" dirty="0" smtClean="0"/>
+                        <a:rPr lang="en-GB" dirty="0"/>
                       </a:br>
                       <a:r>
-                        <a:rPr lang="en-GB" dirty="0" smtClean="0"/>
+                        <a:rPr lang="en-GB" dirty="0"/>
                         <a:t>✔ Admin management</a:t>
                       </a:r>
                     </a:p>
@@ -20151,14 +19989,14 @@
                         <a:defRPr/>
                       </a:pPr>
                       <a:r>
-                        <a:rPr lang="en-GB" dirty="0" smtClean="0"/>
+                        <a:rPr lang="en-GB" dirty="0"/>
                         <a:t>✔Model</a:t>
                       </a:r>
                       <a:r>
-                        <a:rPr lang="en-GB" baseline="0" dirty="0" smtClean="0"/>
+                        <a:rPr lang="en-GB" baseline="0" dirty="0"/>
                         <a:t> Testing</a:t>
                       </a:r>
-                      <a:endParaRPr lang="en-GB" dirty="0" smtClean="0"/>
+                      <a:endParaRPr lang="en-GB" dirty="0"/>
                     </a:p>
                   </a:txBody>
                   <a:tcPr/>
@@ -20176,10 +20014,9 @@
                     <a:lstStyle/>
                     <a:p>
                       <a:r>
-                        <a:rPr lang="en-GB" dirty="0" smtClean="0"/>
+                        <a:rPr lang="en-GB" dirty="0"/>
                         <a:t>Result</a:t>
                       </a:r>
-                      <a:endParaRPr lang="en-GB" dirty="0"/>
                     </a:p>
                   </a:txBody>
                   <a:tcPr/>
@@ -20190,24 +20027,23 @@
                     <a:lstStyle/>
                     <a:p>
                       <a:r>
-                        <a:rPr lang="en-GB" dirty="0" smtClean="0"/>
+                        <a:rPr lang="en-GB" dirty="0"/>
                         <a:t>✔ All critical test cases passed successfully</a:t>
                       </a:r>
                       <a:br>
-                        <a:rPr lang="en-GB" dirty="0" smtClean="0"/>
+                        <a:rPr lang="en-GB" dirty="0"/>
                       </a:br>
                       <a:r>
-                        <a:rPr lang="en-GB" dirty="0" smtClean="0"/>
+                        <a:rPr lang="en-GB" dirty="0"/>
                         <a:t>✔ Correct handling of all input types</a:t>
                       </a:r>
                       <a:br>
-                        <a:rPr lang="en-GB" dirty="0" smtClean="0"/>
+                        <a:rPr lang="en-GB" dirty="0"/>
                       </a:br>
                       <a:r>
-                        <a:rPr lang="en-GB" dirty="0" smtClean="0"/>
+                        <a:rPr lang="en-GB" dirty="0"/>
                         <a:t>✔ Confirmed user-friendly experience</a:t>
                       </a:r>
-                      <a:endParaRPr lang="en-GB" dirty="0"/>
                     </a:p>
                   </a:txBody>
                   <a:tcPr/>
@@ -20230,7 +20066,7 @@
 </p:sld>
 </file>
 
-<file path=ppt/slides/slide37.xml><?xml version="1.0" encoding="utf-8"?>
+<file path=ppt/slides/slide38.xml><?xml version="1.0" encoding="utf-8"?>
 <p:sld xmlns:a="http://schemas.openxmlformats.org/drawingml/2006/main" xmlns:r="http://schemas.openxmlformats.org/officeDocument/2006/relationships" xmlns:p="http://schemas.openxmlformats.org/presentationml/2006/main">
   <p:cSld>
     <p:spTree>
@@ -20301,7 +20137,7 @@
 </p:sld>
 </file>
 
-<file path=ppt/slides/slide38.xml><?xml version="1.0" encoding="utf-8"?>
+<file path=ppt/slides/slide39.xml><?xml version="1.0" encoding="utf-8"?>
 <p:sld xmlns:a="http://schemas.openxmlformats.org/drawingml/2006/main" xmlns:r="http://schemas.openxmlformats.org/officeDocument/2006/relationships" xmlns:p="http://schemas.openxmlformats.org/presentationml/2006/main">
   <p:cSld>
     <p:spTree>
@@ -20357,7 +20193,7 @@
               <a:buNone/>
             </a:pPr>
             <a:r>
-              <a:rPr lang="en-US" sz="3200" dirty="0" smtClean="0">
+              <a:rPr lang="en-US" sz="3200" dirty="0">
                 <a:latin typeface="Times New Roman" panose="02020603050405020304" pitchFamily="18" charset="0"/>
                 <a:cs typeface="Times New Roman" panose="02020603050405020304" pitchFamily="18" charset="0"/>
               </a:rPr>
@@ -20382,7 +20218,7 @@
         </p:nvSpPr>
         <p:spPr>
           <a:xfrm>
-            <a:off x="457200" y="1275347"/>
+            <a:off x="457200" y="1090285"/>
             <a:ext cx="8229600" cy="4878565"/>
           </a:xfrm>
           <a:prstGeom prst="rect">
@@ -20406,18 +20242,11 @@
               <a:buSzPts val="3200"/>
             </a:pPr>
             <a:r>
-              <a:rPr lang="en-US" sz="2500" dirty="0" smtClean="0">
-                <a:latin typeface="Times New Roman" panose="02020603050405020304" pitchFamily="18" charset="0"/>
-                <a:cs typeface="Times New Roman" panose="02020603050405020304" pitchFamily="18" charset="0"/>
-              </a:rPr>
-              <a:t>Describe </a:t>
-            </a:r>
-            <a:r>
               <a:rPr lang="en-US" sz="2500" dirty="0">
                 <a:latin typeface="Times New Roman" panose="02020603050405020304" pitchFamily="18" charset="0"/>
                 <a:cs typeface="Times New Roman" panose="02020603050405020304" pitchFamily="18" charset="0"/>
               </a:rPr>
-              <a:t>roles of your team members</a:t>
+              <a:t>Describe roles of your team members</a:t>
             </a:r>
           </a:p>
           <a:p>
@@ -20636,16 +20465,12 @@
               <a:buSzPts val="3200"/>
             </a:pPr>
             <a:r>
-              <a:rPr lang="en-US" sz="1800" dirty="0" smtClean="0">
+              <a:rPr lang="en-US" sz="1800" dirty="0">
                 <a:latin typeface="Times New Roman" panose="02020603050405020304" pitchFamily="18" charset="0"/>
                 <a:cs typeface="Times New Roman" panose="02020603050405020304" pitchFamily="18" charset="0"/>
               </a:rPr>
               <a:t>Documentation</a:t>
             </a:r>
-            <a:endParaRPr lang="en-US" sz="1800" dirty="0">
-              <a:latin typeface="Times New Roman" panose="02020603050405020304" pitchFamily="18" charset="0"/>
-              <a:cs typeface="Times New Roman" panose="02020603050405020304" pitchFamily="18" charset="0"/>
-            </a:endParaRPr>
           </a:p>
           <a:p>
             <a:pPr marL="1117600" lvl="1" indent="-457200">
@@ -20659,14 +20484,7 @@
                 <a:latin typeface="Times New Roman" panose="02020603050405020304" pitchFamily="18" charset="0"/>
                 <a:cs typeface="Times New Roman" panose="02020603050405020304" pitchFamily="18" charset="0"/>
               </a:rPr>
-              <a:t>Gap </a:t>
-            </a:r>
-            <a:r>
-              <a:rPr lang="en-US" sz="1800" dirty="0" smtClean="0">
-                <a:latin typeface="Times New Roman" panose="02020603050405020304" pitchFamily="18" charset="0"/>
-                <a:cs typeface="Times New Roman" panose="02020603050405020304" pitchFamily="18" charset="0"/>
-              </a:rPr>
-              <a:t>Analysis</a:t>
+              <a:t>Gap Analysis</a:t>
             </a:r>
           </a:p>
           <a:p>
@@ -20681,19 +20499,8 @@
                 <a:latin typeface="Times New Roman" panose="02020603050405020304" pitchFamily="18" charset="0"/>
                 <a:cs typeface="Times New Roman" panose="02020603050405020304" pitchFamily="18" charset="0"/>
               </a:rPr>
-              <a:t>Literature </a:t>
-            </a:r>
-            <a:r>
-              <a:rPr lang="en-US" sz="1800" dirty="0" smtClean="0">
-                <a:latin typeface="Times New Roman" panose="02020603050405020304" pitchFamily="18" charset="0"/>
-                <a:cs typeface="Times New Roman" panose="02020603050405020304" pitchFamily="18" charset="0"/>
-              </a:rPr>
-              <a:t>Review</a:t>
-            </a:r>
-            <a:endParaRPr lang="en-US" sz="1800" dirty="0" smtClean="0">
-              <a:latin typeface="Times New Roman" panose="02020603050405020304" pitchFamily="18" charset="0"/>
-              <a:cs typeface="Times New Roman" panose="02020603050405020304" pitchFamily="18" charset="0"/>
-            </a:endParaRPr>
+              <a:t>Literature Review</a:t>
+            </a:r>
           </a:p>
           <a:p>
             <a:pPr marL="1117600" lvl="1" indent="-457200">
@@ -20762,225 +20569,6 @@
         </p:txBody>
       </p:sp>
     </p:spTree>
-  </p:cSld>
-  <p:clrMapOvr>
-    <a:masterClrMapping/>
-  </p:clrMapOvr>
-</p:sld>
-</file>
-
-<file path=ppt/slides/slide39.xml><?xml version="1.0" encoding="utf-8"?>
-<p:sld xmlns:a="http://schemas.openxmlformats.org/drawingml/2006/main" xmlns:r="http://schemas.openxmlformats.org/officeDocument/2006/relationships" xmlns:p="http://schemas.openxmlformats.org/presentationml/2006/main">
-  <p:cSld>
-    <p:spTree>
-      <p:nvGrpSpPr>
-        <p:cNvPr id="1" name=""/>
-        <p:cNvGrpSpPr/>
-        <p:nvPr/>
-      </p:nvGrpSpPr>
-      <p:grpSpPr>
-        <a:xfrm>
-          <a:off x="0" y="0"/>
-          <a:ext cx="0" cy="0"/>
-          <a:chOff x="0" y="0"/>
-          <a:chExt cx="0" cy="0"/>
-        </a:xfrm>
-      </p:grpSpPr>
-      <p:sp>
-        <p:nvSpPr>
-          <p:cNvPr id="2" name="Title 1"/>
-          <p:cNvSpPr>
-            <a:spLocks noGrp="1"/>
-          </p:cNvSpPr>
-          <p:nvPr>
-            <p:ph type="title"/>
-          </p:nvPr>
-        </p:nvSpPr>
-        <p:spPr/>
-        <p:txBody>
-          <a:bodyPr/>
-          <a:lstStyle/>
-          <a:p>
-            <a:r>
-              <a:rPr lang="en-US" dirty="0" smtClean="0">
-                <a:latin typeface="Times New Roman" panose="02020603050405020304" pitchFamily="18" charset="0"/>
-                <a:cs typeface="Times New Roman" panose="02020603050405020304" pitchFamily="18" charset="0"/>
-              </a:rPr>
-              <a:t>Endeavour[2/2</a:t>
-            </a:r>
-            <a:r>
-              <a:rPr lang="en-US" dirty="0">
-                <a:latin typeface="Times New Roman" panose="02020603050405020304" pitchFamily="18" charset="0"/>
-                <a:cs typeface="Times New Roman" panose="02020603050405020304" pitchFamily="18" charset="0"/>
-              </a:rPr>
-              <a:t>]</a:t>
-            </a:r>
-            <a:endParaRPr lang="en-GB" dirty="0"/>
-          </a:p>
-        </p:txBody>
-      </p:sp>
-      <p:sp>
-        <p:nvSpPr>
-          <p:cNvPr id="3" name="Text Placeholder 2"/>
-          <p:cNvSpPr>
-            <a:spLocks noGrp="1"/>
-          </p:cNvSpPr>
-          <p:nvPr>
-            <p:ph type="body" idx="1"/>
-          </p:nvPr>
-        </p:nvSpPr>
-        <p:spPr/>
-        <p:txBody>
-          <a:bodyPr/>
-          <a:lstStyle/>
-          <a:p>
-            <a:pPr marL="114300" indent="0">
-              <a:buNone/>
-            </a:pPr>
-            <a:r>
-              <a:rPr lang="en-US" b="1" dirty="0">
-                <a:sym typeface="+mn-ea"/>
-              </a:rPr>
-              <a:t>Describe your way of working as a team</a:t>
-            </a:r>
-          </a:p>
-          <a:p>
-            <a:r>
-              <a:rPr lang="en-US" sz="2200" b="1" dirty="0">
-                <a:latin typeface="Times New Roman" panose="02020603050405020304" pitchFamily="18" charset="0"/>
-                <a:cs typeface="Times New Roman" panose="02020603050405020304" pitchFamily="18" charset="0"/>
-              </a:rPr>
-              <a:t>Clear Role Assignments: </a:t>
-            </a:r>
-            <a:r>
-              <a:rPr lang="en-US" sz="2200" dirty="0">
-                <a:latin typeface="Times New Roman" panose="02020603050405020304" pitchFamily="18" charset="0"/>
-                <a:cs typeface="Times New Roman" panose="02020603050405020304" pitchFamily="18" charset="0"/>
-              </a:rPr>
-              <a:t>Tasks are assigned based </a:t>
-            </a:r>
-            <a:r>
-              <a:rPr lang="en-US" sz="2200" dirty="0" smtClean="0">
-                <a:latin typeface="Times New Roman" panose="02020603050405020304" pitchFamily="18" charset="0"/>
-                <a:cs typeface="Times New Roman" panose="02020603050405020304" pitchFamily="18" charset="0"/>
-              </a:rPr>
-              <a:t>By </a:t>
-            </a:r>
-            <a:r>
-              <a:rPr lang="en-US" sz="2200" b="1" dirty="0" smtClean="0">
-                <a:latin typeface="Times New Roman" panose="02020603050405020304" pitchFamily="18" charset="0"/>
-                <a:cs typeface="Times New Roman" panose="02020603050405020304" pitchFamily="18" charset="0"/>
-              </a:rPr>
-              <a:t>Team Leader</a:t>
-            </a:r>
-            <a:r>
-              <a:rPr lang="en-US" sz="2200" dirty="0" smtClean="0">
-                <a:latin typeface="Times New Roman" panose="02020603050405020304" pitchFamily="18" charset="0"/>
-                <a:cs typeface="Times New Roman" panose="02020603050405020304" pitchFamily="18" charset="0"/>
-              </a:rPr>
-              <a:t>.</a:t>
-            </a:r>
-            <a:r>
-              <a:rPr lang="en-US" sz="1800" dirty="0">
-                <a:latin typeface="Times New Roman" panose="02020603050405020304" pitchFamily="18" charset="0"/>
-                <a:cs typeface="Times New Roman" panose="02020603050405020304" pitchFamily="18" charset="0"/>
-              </a:rPr>
-              <a:t>						</a:t>
-            </a:r>
-          </a:p>
-          <a:p>
-            <a:r>
-              <a:rPr lang="en-US" sz="2200" b="1" dirty="0">
-                <a:latin typeface="Times New Roman" panose="02020603050405020304" pitchFamily="18" charset="0"/>
-                <a:cs typeface="Times New Roman" panose="02020603050405020304" pitchFamily="18" charset="0"/>
-              </a:rPr>
-              <a:t>Communication:</a:t>
-            </a:r>
-            <a:endParaRPr lang="en-US" sz="2200" dirty="0">
-              <a:latin typeface="Times New Roman" panose="02020603050405020304" pitchFamily="18" charset="0"/>
-              <a:cs typeface="Times New Roman" panose="02020603050405020304" pitchFamily="18" charset="0"/>
-            </a:endParaRPr>
-          </a:p>
-          <a:p>
-            <a:pPr lvl="1"/>
-            <a:r>
-              <a:rPr lang="en-US" sz="2200" dirty="0">
-                <a:latin typeface="Times New Roman" panose="02020603050405020304" pitchFamily="18" charset="0"/>
-                <a:cs typeface="Times New Roman" panose="02020603050405020304" pitchFamily="18" charset="0"/>
-              </a:rPr>
-              <a:t>Held regular meetings to review progress, address challenges, and plan next steps.</a:t>
-            </a:r>
-          </a:p>
-          <a:p>
-            <a:pPr lvl="1"/>
-            <a:r>
-              <a:rPr lang="en-US" sz="2200" dirty="0">
-                <a:latin typeface="Times New Roman" panose="02020603050405020304" pitchFamily="18" charset="0"/>
-                <a:cs typeface="Times New Roman" panose="02020603050405020304" pitchFamily="18" charset="0"/>
-              </a:rPr>
-              <a:t>Leveraged tools like </a:t>
-            </a:r>
-            <a:r>
-              <a:rPr lang="en-US" sz="2200" b="1" dirty="0">
-                <a:latin typeface="Times New Roman" panose="02020603050405020304" pitchFamily="18" charset="0"/>
-                <a:cs typeface="Times New Roman" panose="02020603050405020304" pitchFamily="18" charset="0"/>
-              </a:rPr>
-              <a:t>GitHub for version control </a:t>
-            </a:r>
-            <a:r>
-              <a:rPr lang="en-US" sz="2200" dirty="0">
-                <a:latin typeface="Times New Roman" panose="02020603050405020304" pitchFamily="18" charset="0"/>
-                <a:cs typeface="Times New Roman" panose="02020603050405020304" pitchFamily="18" charset="0"/>
-              </a:rPr>
-              <a:t>and collaborative development</a:t>
-            </a:r>
-            <a:r>
-              <a:rPr lang="en-US" sz="1600" dirty="0"/>
-              <a:t>.</a:t>
-            </a:r>
-          </a:p>
-          <a:p>
-            <a:pPr>
-              <a:buFont typeface="Arial" panose="020B0604020202020204" pitchFamily="34" charset="0"/>
-              <a:buChar char="•"/>
-            </a:pPr>
-            <a:r>
-              <a:rPr lang="en-US" sz="2000" b="1" dirty="0">
-                <a:latin typeface="Times New Roman" panose="02020603050405020304" pitchFamily="18" charset="0"/>
-                <a:cs typeface="Times New Roman" panose="02020603050405020304" pitchFamily="18" charset="0"/>
-              </a:rPr>
-              <a:t>Efficiency Focus:</a:t>
-            </a:r>
-            <a:r>
-              <a:rPr lang="en-US" sz="2000" dirty="0">
-                <a:latin typeface="Times New Roman" panose="02020603050405020304" pitchFamily="18" charset="0"/>
-                <a:cs typeface="Times New Roman" panose="02020603050405020304" pitchFamily="18" charset="0"/>
-              </a:rPr>
-              <a:t> Optimizing processes for real-time results and smooth </a:t>
-            </a:r>
-            <a:r>
-              <a:rPr lang="en-US" sz="2200" dirty="0">
-                <a:latin typeface="Times New Roman" panose="02020603050405020304" pitchFamily="18" charset="0"/>
-                <a:cs typeface="Times New Roman" panose="02020603050405020304" pitchFamily="18" charset="0"/>
-              </a:rPr>
-              <a:t>integration</a:t>
-            </a:r>
-            <a:r>
-              <a:rPr lang="en-US" sz="2000" dirty="0">
-                <a:latin typeface="Times New Roman" panose="02020603050405020304" pitchFamily="18" charset="0"/>
-                <a:cs typeface="Times New Roman" panose="02020603050405020304" pitchFamily="18" charset="0"/>
-              </a:rPr>
-              <a:t>.</a:t>
-            </a:r>
-          </a:p>
-        </p:txBody>
-      </p:sp>
-    </p:spTree>
-    <p:extLst>
-      <p:ext uri="{BB962C8B-B14F-4D97-AF65-F5344CB8AC3E}">
-        <p14:creationId xmlns:p14="http://schemas.microsoft.com/office/powerpoint/2010/main" val="3692856438"/>
-      </p:ext>
-    </p:extLst>
   </p:cSld>
   <p:clrMapOvr>
     <a:masterClrMapping/>
@@ -21078,6 +20666,32 @@
       </p:grpSpPr>
       <p:sp>
         <p:nvSpPr>
+          <p:cNvPr id="2" name="Title 1"/>
+          <p:cNvSpPr>
+            <a:spLocks noGrp="1"/>
+          </p:cNvSpPr>
+          <p:nvPr>
+            <p:ph type="title"/>
+          </p:nvPr>
+        </p:nvSpPr>
+        <p:spPr/>
+        <p:txBody>
+          <a:bodyPr/>
+          <a:lstStyle/>
+          <a:p>
+            <a:r>
+              <a:rPr lang="en-US" dirty="0">
+                <a:latin typeface="Times New Roman" panose="02020603050405020304" pitchFamily="18" charset="0"/>
+                <a:cs typeface="Times New Roman" panose="02020603050405020304" pitchFamily="18" charset="0"/>
+              </a:rPr>
+              <a:t>Endeavour[2/2]</a:t>
+            </a:r>
+            <a:endParaRPr lang="en-GB" dirty="0"/>
+          </a:p>
+        </p:txBody>
+      </p:sp>
+      <p:sp>
+        <p:nvSpPr>
           <p:cNvPr id="3" name="Text Placeholder 2"/>
           <p:cNvSpPr>
             <a:spLocks noGrp="1"/>
@@ -21086,12 +20700,7 @@
             <p:ph type="body" idx="1"/>
           </p:nvPr>
         </p:nvSpPr>
-        <p:spPr>
-          <a:xfrm>
-            <a:off x="529388" y="4018547"/>
-            <a:ext cx="8097253" cy="1265406"/>
-          </a:xfrm>
-        </p:spPr>
+        <p:spPr/>
         <p:txBody>
           <a:bodyPr/>
           <a:lstStyle/>
@@ -21100,23 +20709,166 @@
               <a:buNone/>
             </a:pPr>
             <a:r>
-              <a:rPr lang="en-GB" dirty="0" smtClean="0"/>
-              <a:t>		</a:t>
-            </a:r>
-            <a:r>
-              <a:rPr lang="en-GB" sz="4500" dirty="0" smtClean="0">
-                <a:latin typeface="Times New Roman" panose="02020603050405020304" pitchFamily="18" charset="0"/>
-                <a:cs typeface="Times New Roman" panose="02020603050405020304" pitchFamily="18" charset="0"/>
-              </a:rPr>
-              <a:t>	Thank You</a:t>
-            </a:r>
-            <a:endParaRPr lang="en-GB" sz="4500" dirty="0">
+              <a:rPr lang="en-US" b="1" dirty="0">
+                <a:sym typeface="+mn-ea"/>
+              </a:rPr>
+              <a:t>Describe your way of working as a team</a:t>
+            </a:r>
+          </a:p>
+          <a:p>
+            <a:r>
+              <a:rPr lang="en-US" sz="2200" b="1" dirty="0">
+                <a:latin typeface="Times New Roman" panose="02020603050405020304" pitchFamily="18" charset="0"/>
+                <a:cs typeface="Times New Roman" panose="02020603050405020304" pitchFamily="18" charset="0"/>
+              </a:rPr>
+              <a:t>Clear Role Assignments: </a:t>
+            </a:r>
+            <a:r>
+              <a:rPr lang="en-US" sz="2200" dirty="0">
+                <a:latin typeface="Times New Roman" panose="02020603050405020304" pitchFamily="18" charset="0"/>
+                <a:cs typeface="Times New Roman" panose="02020603050405020304" pitchFamily="18" charset="0"/>
+              </a:rPr>
+              <a:t>Tasks are assigned based By </a:t>
+            </a:r>
+            <a:r>
+              <a:rPr lang="en-US" sz="2200" b="1" dirty="0">
+                <a:latin typeface="Times New Roman" panose="02020603050405020304" pitchFamily="18" charset="0"/>
+                <a:cs typeface="Times New Roman" panose="02020603050405020304" pitchFamily="18" charset="0"/>
+              </a:rPr>
+              <a:t>Team Leader</a:t>
+            </a:r>
+            <a:r>
+              <a:rPr lang="en-US" sz="2200" dirty="0">
+                <a:latin typeface="Times New Roman" panose="02020603050405020304" pitchFamily="18" charset="0"/>
+                <a:cs typeface="Times New Roman" panose="02020603050405020304" pitchFamily="18" charset="0"/>
+              </a:rPr>
+              <a:t>.</a:t>
+            </a:r>
+            <a:r>
+              <a:rPr lang="en-US" sz="1800" dirty="0">
+                <a:latin typeface="Times New Roman" panose="02020603050405020304" pitchFamily="18" charset="0"/>
+                <a:cs typeface="Times New Roman" panose="02020603050405020304" pitchFamily="18" charset="0"/>
+              </a:rPr>
+              <a:t>						</a:t>
+            </a:r>
+          </a:p>
+          <a:p>
+            <a:r>
+              <a:rPr lang="en-US" sz="2200" b="1" dirty="0">
+                <a:latin typeface="Times New Roman" panose="02020603050405020304" pitchFamily="18" charset="0"/>
+                <a:cs typeface="Times New Roman" panose="02020603050405020304" pitchFamily="18" charset="0"/>
+              </a:rPr>
+              <a:t>Communication:</a:t>
+            </a:r>
+            <a:endParaRPr lang="en-US" sz="2200" dirty="0">
               <a:latin typeface="Times New Roman" panose="02020603050405020304" pitchFamily="18" charset="0"/>
               <a:cs typeface="Times New Roman" panose="02020603050405020304" pitchFamily="18" charset="0"/>
             </a:endParaRPr>
           </a:p>
+          <a:p>
+            <a:pPr lvl="1"/>
+            <a:r>
+              <a:rPr lang="en-US" sz="2200" dirty="0">
+                <a:latin typeface="Times New Roman" panose="02020603050405020304" pitchFamily="18" charset="0"/>
+                <a:cs typeface="Times New Roman" panose="02020603050405020304" pitchFamily="18" charset="0"/>
+              </a:rPr>
+              <a:t>Held regular meetings to review progress, address challenges, and plan next steps.</a:t>
+            </a:r>
+          </a:p>
+          <a:p>
+            <a:pPr lvl="1"/>
+            <a:r>
+              <a:rPr lang="en-US" sz="2200" dirty="0">
+                <a:latin typeface="Times New Roman" panose="02020603050405020304" pitchFamily="18" charset="0"/>
+                <a:cs typeface="Times New Roman" panose="02020603050405020304" pitchFamily="18" charset="0"/>
+              </a:rPr>
+              <a:t>Leveraged tools like </a:t>
+            </a:r>
+            <a:r>
+              <a:rPr lang="en-US" sz="2200" b="1" dirty="0">
+                <a:latin typeface="Times New Roman" panose="02020603050405020304" pitchFamily="18" charset="0"/>
+                <a:cs typeface="Times New Roman" panose="02020603050405020304" pitchFamily="18" charset="0"/>
+              </a:rPr>
+              <a:t>GitHub for version control </a:t>
+            </a:r>
+            <a:r>
+              <a:rPr lang="en-US" sz="2200" dirty="0">
+                <a:latin typeface="Times New Roman" panose="02020603050405020304" pitchFamily="18" charset="0"/>
+                <a:cs typeface="Times New Roman" panose="02020603050405020304" pitchFamily="18" charset="0"/>
+              </a:rPr>
+              <a:t>and collaborative development</a:t>
+            </a:r>
+            <a:r>
+              <a:rPr lang="en-US" sz="1600" dirty="0"/>
+              <a:t>.</a:t>
+            </a:r>
+          </a:p>
+          <a:p>
+            <a:pPr>
+              <a:buFont typeface="Arial" panose="020B0604020202020204" pitchFamily="34" charset="0"/>
+              <a:buChar char="•"/>
+            </a:pPr>
+            <a:r>
+              <a:rPr lang="en-US" sz="2000" b="1" dirty="0">
+                <a:latin typeface="Times New Roman" panose="02020603050405020304" pitchFamily="18" charset="0"/>
+                <a:cs typeface="Times New Roman" panose="02020603050405020304" pitchFamily="18" charset="0"/>
+              </a:rPr>
+              <a:t>Efficiency Focus:</a:t>
+            </a:r>
+            <a:r>
+              <a:rPr lang="en-US" sz="2000" dirty="0">
+                <a:latin typeface="Times New Roman" panose="02020603050405020304" pitchFamily="18" charset="0"/>
+                <a:cs typeface="Times New Roman" panose="02020603050405020304" pitchFamily="18" charset="0"/>
+              </a:rPr>
+              <a:t> Optimizing processes for real-time results and smooth </a:t>
+            </a:r>
+            <a:r>
+              <a:rPr lang="en-US" sz="2200" dirty="0">
+                <a:latin typeface="Times New Roman" panose="02020603050405020304" pitchFamily="18" charset="0"/>
+                <a:cs typeface="Times New Roman" panose="02020603050405020304" pitchFamily="18" charset="0"/>
+              </a:rPr>
+              <a:t>integration</a:t>
+            </a:r>
+            <a:r>
+              <a:rPr lang="en-US" sz="2000" dirty="0">
+                <a:latin typeface="Times New Roman" panose="02020603050405020304" pitchFamily="18" charset="0"/>
+                <a:cs typeface="Times New Roman" panose="02020603050405020304" pitchFamily="18" charset="0"/>
+              </a:rPr>
+              <a:t>.</a:t>
+            </a:r>
+          </a:p>
         </p:txBody>
       </p:sp>
+    </p:spTree>
+    <p:extLst>
+      <p:ext uri="{BB962C8B-B14F-4D97-AF65-F5344CB8AC3E}">
+        <p14:creationId xmlns:p14="http://schemas.microsoft.com/office/powerpoint/2010/main" val="3692856438"/>
+      </p:ext>
+    </p:extLst>
+  </p:cSld>
+  <p:clrMapOvr>
+    <a:masterClrMapping/>
+  </p:clrMapOvr>
+</p:sld>
+</file>
+
+<file path=ppt/slides/slide41.xml><?xml version="1.0" encoding="utf-8"?>
+<p:sld xmlns:a="http://schemas.openxmlformats.org/drawingml/2006/main" xmlns:r="http://schemas.openxmlformats.org/officeDocument/2006/relationships" xmlns:p="http://schemas.openxmlformats.org/presentationml/2006/main">
+  <p:cSld>
+    <p:spTree>
+      <p:nvGrpSpPr>
+        <p:cNvPr id="1" name=""/>
+        <p:cNvGrpSpPr/>
+        <p:nvPr/>
+      </p:nvGrpSpPr>
+      <p:grpSpPr>
+        <a:xfrm>
+          <a:off x="0" y="0"/>
+          <a:ext cx="0" cy="0"/>
+          <a:chOff x="0" y="0"/>
+          <a:chExt cx="0" cy="0"/>
+        </a:xfrm>
+      </p:grpSpPr>
       <p:pic>
         <p:nvPicPr>
           <p:cNvPr id="4" name="Picture 3">
@@ -21138,8 +20890,8 @@
         </p:blipFill>
         <p:spPr>
           <a:xfrm>
-            <a:off x="1160650" y="1078944"/>
-            <a:ext cx="7015205" cy="2939603"/>
+            <a:off x="-193494" y="1432100"/>
+            <a:ext cx="9530987" cy="3993799"/>
           </a:xfrm>
           <a:prstGeom prst="rect">
             <a:avLst/>
@@ -21215,7 +20967,7 @@
               <a:buNone/>
             </a:pPr>
             <a:r>
-              <a:rPr lang="en-US" sz="3200" dirty="0" smtClean="0">
+              <a:rPr lang="en-US" sz="3200" dirty="0">
                 <a:latin typeface="Times New Roman" panose="02020603050405020304" pitchFamily="18" charset="0"/>
                 <a:cs typeface="Times New Roman" panose="02020603050405020304" pitchFamily="18" charset="0"/>
               </a:rPr>
@@ -21291,21 +21043,8 @@
                 <a:ea typeface="Calibri" panose="020F0502020204030204" pitchFamily="34" charset="0"/>
                 <a:cs typeface="Times New Roman" panose="02020603050405020304" pitchFamily="18" charset="0"/>
               </a:rPr>
-              <a:t>Fitness is a state of health and well-being that allows a person to perform daily activities with vigor, alertness, and minimal fatigue</a:t>
-            </a:r>
-            <a:r>
-              <a:rPr lang="en-US" sz="2000" dirty="0" smtClean="0">
-                <a:latin typeface="Times New Roman" panose="02020603050405020304" pitchFamily="18" charset="0"/>
-                <a:ea typeface="Calibri" panose="020F0502020204030204" pitchFamily="34" charset="0"/>
-                <a:cs typeface="Times New Roman" panose="02020603050405020304" pitchFamily="18" charset="0"/>
-              </a:rPr>
-              <a:t>.[1]</a:t>
-            </a:r>
-            <a:endParaRPr lang="en-US" sz="2000" dirty="0">
-              <a:latin typeface="Times New Roman" panose="02020603050405020304" pitchFamily="18" charset="0"/>
-              <a:ea typeface="Calibri" panose="020F0502020204030204" pitchFamily="34" charset="0"/>
-              <a:cs typeface="Times New Roman" panose="02020603050405020304" pitchFamily="18" charset="0"/>
-            </a:endParaRPr>
+              <a:t>Fitness is a state of health and well-being that allows a person to perform daily activities with vigor, alertness, and minimal fatigue.[1]</a:t>
+            </a:r>
           </a:p>
           <a:p>
             <a:pPr marL="546100" algn="just">
@@ -21356,14 +21095,7 @@
                 <a:latin typeface="Times New Roman" panose="02020603050405020304" pitchFamily="18" charset="0"/>
                 <a:cs typeface="Times New Roman" panose="02020603050405020304" pitchFamily="18" charset="0"/>
               </a:rPr>
-              <a:t> is a specific selection of food and drink designed to meet health or fitness goals. It is often short-term and tailored to address immediate needs like weight loss or muscle gain</a:t>
-            </a:r>
-            <a:r>
-              <a:rPr lang="en-GB" sz="2000" dirty="0" smtClean="0">
-                <a:latin typeface="Times New Roman" panose="02020603050405020304" pitchFamily="18" charset="0"/>
-                <a:cs typeface="Times New Roman" panose="02020603050405020304" pitchFamily="18" charset="0"/>
-              </a:rPr>
-              <a:t>.[1]</a:t>
+              <a:t> is a specific selection of food and drink designed to meet health or fitness goals. It is often short-term and tailored to address immediate needs like weight loss or muscle gain.[1]</a:t>
             </a:r>
             <a:endParaRPr lang="en-US" sz="2000" dirty="0">
               <a:latin typeface="Times New Roman" panose="02020603050405020304" pitchFamily="18" charset="0"/>
@@ -21426,7 +21158,7 @@
                 <a:hlinkClick r:id="rId3">
                   <a:extLst>
                     <a:ext uri="{A12FA001-AC4F-418D-AE19-62706E023703}">
-                      <ahyp:hlinkClr xmlns:lc="http://schemas.openxmlformats.org/drawingml/2006/lockedCanvas" xmlns="" xmlns:ahyp="http://schemas.microsoft.com/office/drawing/2018/hyperlinkcolor" val="tx"/>
+                      <ahyp:hlinkClr xmlns:ahyp="http://schemas.microsoft.com/office/drawing/2018/hyperlinkcolor" val="tx"/>
                     </a:ext>
                   </a:extLst>
                 </a:hlinkClick>
@@ -21441,7 +21173,7 @@
                 <a:hlinkClick r:id="rId3">
                   <a:extLst>
                     <a:ext uri="{A12FA001-AC4F-418D-AE19-62706E023703}">
-                      <ahyp:hlinkClr xmlns:lc="http://schemas.openxmlformats.org/drawingml/2006/lockedCanvas" xmlns="" xmlns:ahyp="http://schemas.microsoft.com/office/drawing/2018/hyperlinkcolor" val="tx"/>
+                      <ahyp:hlinkClr xmlns:ahyp="http://schemas.microsoft.com/office/drawing/2018/hyperlinkcolor" val="tx"/>
                     </a:ext>
                   </a:extLst>
                 </a:hlinkClick>
@@ -21501,21 +21233,7 @@
                 <a:latin typeface="Times New Roman" panose="02020603050405020304" pitchFamily="18" charset="0"/>
                 <a:cs typeface="Times New Roman" panose="02020603050405020304" pitchFamily="18" charset="0"/>
               </a:rPr>
-              <a:t>Background and </a:t>
-            </a:r>
-            <a:r>
-              <a:rPr lang="en-US" sz="3200" dirty="0" smtClean="0">
-                <a:latin typeface="Times New Roman" panose="02020603050405020304" pitchFamily="18" charset="0"/>
-                <a:cs typeface="Times New Roman" panose="02020603050405020304" pitchFamily="18" charset="0"/>
-              </a:rPr>
-              <a:t>Introduction[2/2</a:t>
-            </a:r>
-            <a:r>
-              <a:rPr lang="en-US" sz="3200" dirty="0">
-                <a:latin typeface="Times New Roman" panose="02020603050405020304" pitchFamily="18" charset="0"/>
-                <a:cs typeface="Times New Roman" panose="02020603050405020304" pitchFamily="18" charset="0"/>
-              </a:rPr>
-              <a:t>]</a:t>
+              <a:t>Background and Introduction[2/2]</a:t>
             </a:r>
             <a:endParaRPr lang="en-GB" sz="3200" dirty="0">
               <a:latin typeface="Times New Roman" panose="02020603050405020304" pitchFamily="18" charset="0"/>
@@ -21540,60 +21258,18 @@
           <a:lstStyle/>
           <a:p>
             <a:r>
-              <a:rPr lang="en-GB" sz="2500" b="1" dirty="0" smtClean="0">
+              <a:rPr lang="en-GB" sz="2500" b="1" dirty="0">
                 <a:latin typeface="Times New Roman" panose="02020603050405020304" pitchFamily="18" charset="0"/>
                 <a:cs typeface="Times New Roman" panose="02020603050405020304" pitchFamily="18" charset="0"/>
               </a:rPr>
               <a:t>Fitnessstan</a:t>
             </a:r>
             <a:r>
-              <a:rPr lang="en-GB" sz="2500" dirty="0" smtClean="0">
-                <a:latin typeface="Times New Roman" panose="02020603050405020304" pitchFamily="18" charset="0"/>
-                <a:cs typeface="Times New Roman" panose="02020603050405020304" pitchFamily="18" charset="0"/>
-              </a:rPr>
-              <a:t> </a:t>
-            </a:r>
-            <a:r>
               <a:rPr lang="en-GB" sz="2500" dirty="0">
                 <a:latin typeface="Times New Roman" panose="02020603050405020304" pitchFamily="18" charset="0"/>
                 <a:cs typeface="Times New Roman" panose="02020603050405020304" pitchFamily="18" charset="0"/>
               </a:rPr>
-              <a:t>is an AI-powered web </a:t>
-            </a:r>
-            <a:r>
-              <a:rPr lang="en-GB" sz="2500" dirty="0" smtClean="0">
-                <a:latin typeface="Times New Roman" panose="02020603050405020304" pitchFamily="18" charset="0"/>
-                <a:cs typeface="Times New Roman" panose="02020603050405020304" pitchFamily="18" charset="0"/>
-              </a:rPr>
-              <a:t>platform </a:t>
-            </a:r>
-            <a:r>
-              <a:rPr lang="en-GB" sz="2500" dirty="0">
-                <a:latin typeface="Times New Roman" panose="02020603050405020304" pitchFamily="18" charset="0"/>
-                <a:cs typeface="Times New Roman" panose="02020603050405020304" pitchFamily="18" charset="0"/>
-              </a:rPr>
-              <a:t>that provides personalized fitness solutions for health-conscious individuals, including those managing conditions like </a:t>
-            </a:r>
-            <a:r>
-              <a:rPr lang="en-GB" sz="2500" dirty="0" smtClean="0">
-                <a:latin typeface="Times New Roman" panose="02020603050405020304" pitchFamily="18" charset="0"/>
-                <a:cs typeface="Times New Roman" panose="02020603050405020304" pitchFamily="18" charset="0"/>
-              </a:rPr>
-              <a:t>obesity</a:t>
-            </a:r>
-            <a:r>
-              <a:rPr lang="en-GB" sz="2500" dirty="0" smtClean="0">
-                <a:latin typeface="Times New Roman" panose="02020603050405020304" pitchFamily="18" charset="0"/>
-                <a:cs typeface="Times New Roman" panose="02020603050405020304" pitchFamily="18" charset="0"/>
-              </a:rPr>
-              <a:t>. </a:t>
-            </a:r>
-            <a:r>
-              <a:rPr lang="en-GB" sz="2500" dirty="0">
-                <a:latin typeface="Times New Roman" panose="02020603050405020304" pitchFamily="18" charset="0"/>
-                <a:cs typeface="Times New Roman" panose="02020603050405020304" pitchFamily="18" charset="0"/>
-              </a:rPr>
-              <a:t>By integrating tailored workout and diet recommendations, the platform ensures a balanced and comprehensive approach to achieving fitness goals. Its user-friendly design and accessibility aim to make fitness achievable for everyone.</a:t>
+              <a:t> is an AI-powered web platform that provides personalized fitness solutions for health-conscious individuals, including those managing conditions like obesity. By integrating tailored workout and diet recommendations, the platform ensures a balanced and comprehensive approach to achieving fitness goals. Its user-friendly design and accessibility aim to make fitness achievable for everyone.</a:t>
             </a:r>
           </a:p>
           <a:p>
@@ -21745,14 +21421,7 @@
                 <a:latin typeface="Times New Roman" panose="02020603050405020304" pitchFamily="18" charset="0"/>
                 <a:cs typeface="Times New Roman" panose="02020603050405020304" pitchFamily="18" charset="0"/>
               </a:rPr>
-              <a:t>Literature </a:t>
-            </a:r>
-            <a:r>
-              <a:rPr lang="en-US" sz="3200" dirty="0" smtClean="0">
-                <a:latin typeface="Times New Roman" panose="02020603050405020304" pitchFamily="18" charset="0"/>
-                <a:cs typeface="Times New Roman" panose="02020603050405020304" pitchFamily="18" charset="0"/>
-              </a:rPr>
-              <a:t>Review [1/6]</a:t>
+              <a:t>Literature Review [1/6]</a:t>
             </a:r>
             <a:endParaRPr sz="3200" dirty="0">
               <a:latin typeface="Times New Roman" panose="02020603050405020304" pitchFamily="18" charset="0"/>
@@ -21802,31 +21471,7 @@
                 <a:ea typeface="Calibri" panose="020F0502020204030204" pitchFamily="34" charset="0"/>
                 <a:cs typeface="Times New Roman" panose="02020603050405020304" pitchFamily="18" charset="0"/>
               </a:rPr>
-              <a:t>There's been a substantial increase in the usage of fitness </a:t>
-            </a:r>
-            <a:r>
-              <a:rPr lang="en-US" sz="2500" dirty="0" smtClean="0">
-                <a:latin typeface="Times New Roman" panose="02020603050405020304" pitchFamily="18" charset="0"/>
-                <a:ea typeface="Calibri" panose="020F0502020204030204" pitchFamily="34" charset="0"/>
-                <a:cs typeface="Times New Roman" panose="02020603050405020304" pitchFamily="18" charset="0"/>
-              </a:rPr>
-              <a:t>platforms </a:t>
-            </a:r>
-            <a:r>
-              <a:rPr lang="en-US" sz="2500" dirty="0" smtClean="0">
-                <a:latin typeface="Times New Roman" panose="02020603050405020304" pitchFamily="18" charset="0"/>
-                <a:ea typeface="Calibri" panose="020F0502020204030204" pitchFamily="34" charset="0"/>
-                <a:cs typeface="Times New Roman" panose="02020603050405020304" pitchFamily="18" charset="0"/>
-              </a:rPr>
-              <a:t>using </a:t>
-            </a:r>
-            <a:r>
-              <a:rPr lang="en-US" sz="2500" dirty="0">
-                <a:latin typeface="Times New Roman" panose="02020603050405020304" pitchFamily="18" charset="0"/>
-                <a:ea typeface="Calibri" panose="020F0502020204030204" pitchFamily="34" charset="0"/>
-                <a:cs typeface="Times New Roman" panose="02020603050405020304" pitchFamily="18" charset="0"/>
-              </a:rPr>
-              <a:t>AI, with an annual growth rate of 17%. [1]</a:t>
+              <a:t>There's been a substantial increase in the usage of fitness platforms using AI, with an annual growth rate of 17%. [1]</a:t>
             </a:r>
           </a:p>
           <a:p>
@@ -21922,7 +21567,7 @@
                 <a:hlinkClick r:id="rId3">
                   <a:extLst>
                     <a:ext uri="{A12FA001-AC4F-418D-AE19-62706E023703}">
-                      <ahyp:hlinkClr xmlns:lc="http://schemas.openxmlformats.org/drawingml/2006/lockedCanvas" xmlns:ahyp="http://schemas.microsoft.com/office/drawing/2018/hyperlinkcolor" xmlns="" val="tx"/>
+                      <ahyp:hlinkClr xmlns:ahyp="http://schemas.microsoft.com/office/drawing/2018/hyperlinkcolor" val="tx"/>
                     </a:ext>
                   </a:extLst>
                 </a:hlinkClick>
@@ -21961,7 +21606,7 @@
                 <a:hlinkClick r:id="rId4">
                   <a:extLst>
                     <a:ext uri="{A12FA001-AC4F-418D-AE19-62706E023703}">
-                      <ahyp:hlinkClr xmlns:lc="http://schemas.openxmlformats.org/drawingml/2006/lockedCanvas" xmlns:ahyp="http://schemas.microsoft.com/office/drawing/2018/hyperlinkcolor" xmlns="" val="tx"/>
+                      <ahyp:hlinkClr xmlns:ahyp="http://schemas.microsoft.com/office/drawing/2018/hyperlinkcolor" val="tx"/>
                     </a:ext>
                   </a:extLst>
                 </a:hlinkClick>
@@ -22000,7 +21645,7 @@
                 <a:hlinkClick r:id="rId5">
                   <a:extLst>
                     <a:ext uri="{A12FA001-AC4F-418D-AE19-62706E023703}">
-                      <ahyp:hlinkClr xmlns:lc="http://schemas.openxmlformats.org/drawingml/2006/lockedCanvas" xmlns:ahyp="http://schemas.microsoft.com/office/drawing/2018/hyperlinkcolor" xmlns="" val="tx"/>
+                      <ahyp:hlinkClr xmlns:ahyp="http://schemas.microsoft.com/office/drawing/2018/hyperlinkcolor" val="tx"/>
                     </a:ext>
                   </a:extLst>
                 </a:hlinkClick>
@@ -22063,21 +21708,7 @@
                 <a:latin typeface="Times New Roman" panose="02020603050405020304" pitchFamily="18" charset="0"/>
                 <a:cs typeface="Times New Roman" panose="02020603050405020304" pitchFamily="18" charset="0"/>
               </a:rPr>
-              <a:t>Literature Review </a:t>
-            </a:r>
-            <a:r>
-              <a:rPr lang="en-US" sz="3200" dirty="0" smtClean="0">
-                <a:latin typeface="Times New Roman" panose="02020603050405020304" pitchFamily="18" charset="0"/>
-                <a:cs typeface="Times New Roman" panose="02020603050405020304" pitchFamily="18" charset="0"/>
-              </a:rPr>
-              <a:t>[2/6</a:t>
-            </a:r>
-            <a:r>
-              <a:rPr lang="en-US" sz="3200" dirty="0">
-                <a:latin typeface="Times New Roman" panose="02020603050405020304" pitchFamily="18" charset="0"/>
-                <a:cs typeface="Times New Roman" panose="02020603050405020304" pitchFamily="18" charset="0"/>
-              </a:rPr>
-              <a:t>]</a:t>
+              <a:t>Literature Review [2/6]</a:t>
             </a:r>
             <a:endParaRPr lang="en-GB" sz="3200" dirty="0">
               <a:latin typeface="Times New Roman" panose="02020603050405020304" pitchFamily="18" charset="0"/>
@@ -22277,7 +21908,7 @@
                 <a:hlinkClick r:id="rId2">
                   <a:extLst>
                     <a:ext uri="{A12FA001-AC4F-418D-AE19-62706E023703}">
-                      <ahyp:hlinkClr xmlns:lc="http://schemas.openxmlformats.org/drawingml/2006/lockedCanvas" xmlns:ahyp="http://schemas.microsoft.com/office/drawing/2018/hyperlinkcolor" xmlns="" val="tx"/>
+                      <ahyp:hlinkClr xmlns:ahyp="http://schemas.microsoft.com/office/drawing/2018/hyperlinkcolor" val="tx"/>
                     </a:ext>
                   </a:extLst>
                 </a:hlinkClick>

--- a/fitnesstan-documentation/FItnessstan_Final Presentation_Part 2.pptx
+++ b/fitnesstan-documentation/FItnessstan_Final Presentation_Part 2.pptx
@@ -5,50 +5,24 @@
     <p:sldMasterId id="2147483648" r:id="rId1"/>
   </p:sldMasterIdLst>
   <p:notesMasterIdLst>
-    <p:notesMasterId r:id="rId43"/>
+    <p:notesMasterId r:id="rId17"/>
   </p:notesMasterIdLst>
   <p:sldIdLst>
     <p:sldId id="256" r:id="rId2"/>
     <p:sldId id="257" r:id="rId3"/>
-    <p:sldId id="258" r:id="rId4"/>
-    <p:sldId id="259" r:id="rId5"/>
-    <p:sldId id="260" r:id="rId6"/>
-    <p:sldId id="277" r:id="rId7"/>
-    <p:sldId id="261" r:id="rId8"/>
-    <p:sldId id="262" r:id="rId9"/>
-    <p:sldId id="278" r:id="rId10"/>
-    <p:sldId id="279" r:id="rId11"/>
-    <p:sldId id="280" r:id="rId12"/>
-    <p:sldId id="281" r:id="rId13"/>
-    <p:sldId id="282" r:id="rId14"/>
-    <p:sldId id="263" r:id="rId15"/>
-    <p:sldId id="264" r:id="rId16"/>
-    <p:sldId id="283" r:id="rId17"/>
-    <p:sldId id="274" r:id="rId18"/>
-    <p:sldId id="269" r:id="rId19"/>
-    <p:sldId id="267" r:id="rId20"/>
-    <p:sldId id="275" r:id="rId21"/>
-    <p:sldId id="268" r:id="rId22"/>
-    <p:sldId id="284" r:id="rId23"/>
-    <p:sldId id="270" r:id="rId24"/>
-    <p:sldId id="285" r:id="rId25"/>
-    <p:sldId id="286" r:id="rId26"/>
-    <p:sldId id="287" r:id="rId27"/>
-    <p:sldId id="294" r:id="rId28"/>
-    <p:sldId id="276" r:id="rId29"/>
-    <p:sldId id="288" r:id="rId30"/>
-    <p:sldId id="289" r:id="rId31"/>
-    <p:sldId id="290" r:id="rId32"/>
-    <p:sldId id="298" r:id="rId33"/>
-    <p:sldId id="291" r:id="rId34"/>
-    <p:sldId id="292" r:id="rId35"/>
-    <p:sldId id="293" r:id="rId36"/>
-    <p:sldId id="296" r:id="rId37"/>
-    <p:sldId id="271" r:id="rId38"/>
-    <p:sldId id="265" r:id="rId39"/>
-    <p:sldId id="266" r:id="rId40"/>
-    <p:sldId id="295" r:id="rId41"/>
-    <p:sldId id="297" r:id="rId42"/>
+    <p:sldId id="259" r:id="rId4"/>
+    <p:sldId id="277" r:id="rId5"/>
+    <p:sldId id="261" r:id="rId6"/>
+    <p:sldId id="262" r:id="rId7"/>
+    <p:sldId id="278" r:id="rId8"/>
+    <p:sldId id="279" r:id="rId9"/>
+    <p:sldId id="280" r:id="rId10"/>
+    <p:sldId id="263" r:id="rId11"/>
+    <p:sldId id="264" r:id="rId12"/>
+    <p:sldId id="267" r:id="rId13"/>
+    <p:sldId id="275" r:id="rId14"/>
+    <p:sldId id="268" r:id="rId15"/>
+    <p:sldId id="297" r:id="rId16"/>
   </p:sldIdLst>
   <p:sldSz cx="9144000" cy="6858000" type="screen4x3"/>
   <p:notesSz cx="7315200" cy="9601200"/>
@@ -853,427 +827,6 @@
   <p:cSld>
     <p:spTree>
       <p:nvGrpSpPr>
-        <p:cNvPr id="1" name="Shape 129"/>
-        <p:cNvGrpSpPr/>
-        <p:nvPr/>
-      </p:nvGrpSpPr>
-      <p:grpSpPr>
-        <a:xfrm>
-          <a:off x="0" y="0"/>
-          <a:ext cx="0" cy="0"/>
-          <a:chOff x="0" y="0"/>
-          <a:chExt cx="0" cy="0"/>
-        </a:xfrm>
-      </p:grpSpPr>
-      <p:sp>
-        <p:nvSpPr>
-          <p:cNvPr id="130" name="Google Shape;130;p9:notes"/>
-          <p:cNvSpPr txBox="1">
-            <a:spLocks noGrp="1"/>
-          </p:cNvSpPr>
-          <p:nvPr>
-            <p:ph type="body" idx="1"/>
-          </p:nvPr>
-        </p:nvSpPr>
-        <p:spPr>
-          <a:xfrm>
-            <a:off x="731500" y="4560550"/>
-            <a:ext cx="5852150" cy="4320525"/>
-          </a:xfrm>
-          <a:prstGeom prst="rect">
-            <a:avLst/>
-          </a:prstGeom>
-        </p:spPr>
-        <p:txBody>
-          <a:bodyPr spcFirstLastPara="1" wrap="square" lIns="91425" tIns="91425" rIns="91425" bIns="91425" anchor="t" anchorCtr="0">
-            <a:noAutofit/>
-          </a:bodyPr>
-          <a:lstStyle/>
-          <a:p>
-            <a:pPr marL="0" lvl="0" indent="0" algn="l" rtl="0">
-              <a:spcBef>
-                <a:spcPts val="0"/>
-              </a:spcBef>
-              <a:spcAft>
-                <a:spcPts val="0"/>
-              </a:spcAft>
-              <a:buNone/>
-            </a:pPr>
-            <a:endParaRPr/>
-          </a:p>
-        </p:txBody>
-      </p:sp>
-      <p:sp>
-        <p:nvSpPr>
-          <p:cNvPr id="131" name="Google Shape;131;p9:notes"/>
-          <p:cNvSpPr>
-            <a:spLocks noGrp="1" noRot="1" noChangeAspect="1"/>
-          </p:cNvSpPr>
-          <p:nvPr>
-            <p:ph type="sldImg" idx="2"/>
-          </p:nvPr>
-        </p:nvSpPr>
-        <p:spPr>
-          <a:xfrm>
-            <a:off x="1257300" y="720725"/>
-            <a:ext cx="4800600" cy="3600450"/>
-          </a:xfrm>
-          <a:custGeom>
-            <a:avLst/>
-            <a:gdLst/>
-            <a:ahLst/>
-            <a:cxnLst/>
-            <a:rect l="l" t="t" r="r" b="b"/>
-            <a:pathLst>
-              <a:path w="120000" h="120000" extrusionOk="0">
-                <a:moveTo>
-                  <a:pt x="0" y="0"/>
-                </a:moveTo>
-                <a:lnTo>
-                  <a:pt x="120000" y="0"/>
-                </a:lnTo>
-                <a:lnTo>
-                  <a:pt x="120000" y="120000"/>
-                </a:lnTo>
-                <a:lnTo>
-                  <a:pt x="0" y="120000"/>
-                </a:lnTo>
-                <a:close/>
-              </a:path>
-            </a:pathLst>
-          </a:custGeom>
-        </p:spPr>
-      </p:sp>
-    </p:spTree>
-  </p:cSld>
-  <p:clrMapOvr>
-    <a:masterClrMapping/>
-  </p:clrMapOvr>
-</p:notes>
-</file>
-
-<file path=ppt/notesSlides/notesSlide11.xml><?xml version="1.0" encoding="utf-8"?>
-<p:notes xmlns:a="http://schemas.openxmlformats.org/drawingml/2006/main" xmlns:r="http://schemas.openxmlformats.org/officeDocument/2006/relationships" xmlns:p="http://schemas.openxmlformats.org/presentationml/2006/main" showMasterSp="0" showMasterPhAnim="0">
-  <p:cSld>
-    <p:spTree>
-      <p:nvGrpSpPr>
-        <p:cNvPr id="1" name="Shape 153"/>
-        <p:cNvGrpSpPr/>
-        <p:nvPr/>
-      </p:nvGrpSpPr>
-      <p:grpSpPr>
-        <a:xfrm>
-          <a:off x="0" y="0"/>
-          <a:ext cx="0" cy="0"/>
-          <a:chOff x="0" y="0"/>
-          <a:chExt cx="0" cy="0"/>
-        </a:xfrm>
-      </p:grpSpPr>
-      <p:sp>
-        <p:nvSpPr>
-          <p:cNvPr id="154" name="Google Shape;154;p13:notes"/>
-          <p:cNvSpPr txBox="1">
-            <a:spLocks noGrp="1"/>
-          </p:cNvSpPr>
-          <p:nvPr>
-            <p:ph type="body" idx="1"/>
-          </p:nvPr>
-        </p:nvSpPr>
-        <p:spPr>
-          <a:xfrm>
-            <a:off x="731500" y="4560550"/>
-            <a:ext cx="5852150" cy="4320525"/>
-          </a:xfrm>
-          <a:prstGeom prst="rect">
-            <a:avLst/>
-          </a:prstGeom>
-        </p:spPr>
-        <p:txBody>
-          <a:bodyPr spcFirstLastPara="1" wrap="square" lIns="91425" tIns="91425" rIns="91425" bIns="91425" anchor="t" anchorCtr="0">
-            <a:noAutofit/>
-          </a:bodyPr>
-          <a:lstStyle/>
-          <a:p>
-            <a:pPr marL="0" lvl="0" indent="0" algn="l" rtl="0">
-              <a:spcBef>
-                <a:spcPts val="0"/>
-              </a:spcBef>
-              <a:spcAft>
-                <a:spcPts val="0"/>
-              </a:spcAft>
-              <a:buNone/>
-            </a:pPr>
-            <a:endParaRPr/>
-          </a:p>
-        </p:txBody>
-      </p:sp>
-      <p:sp>
-        <p:nvSpPr>
-          <p:cNvPr id="155" name="Google Shape;155;p13:notes"/>
-          <p:cNvSpPr>
-            <a:spLocks noGrp="1" noRot="1" noChangeAspect="1"/>
-          </p:cNvSpPr>
-          <p:nvPr>
-            <p:ph type="sldImg" idx="2"/>
-          </p:nvPr>
-        </p:nvSpPr>
-        <p:spPr>
-          <a:xfrm>
-            <a:off x="1257300" y="720725"/>
-            <a:ext cx="4800600" cy="3600450"/>
-          </a:xfrm>
-          <a:custGeom>
-            <a:avLst/>
-            <a:gdLst/>
-            <a:ahLst/>
-            <a:cxnLst/>
-            <a:rect l="l" t="t" r="r" b="b"/>
-            <a:pathLst>
-              <a:path w="120000" h="120000" extrusionOk="0">
-                <a:moveTo>
-                  <a:pt x="0" y="0"/>
-                </a:moveTo>
-                <a:lnTo>
-                  <a:pt x="120000" y="0"/>
-                </a:lnTo>
-                <a:lnTo>
-                  <a:pt x="120000" y="120000"/>
-                </a:lnTo>
-                <a:lnTo>
-                  <a:pt x="0" y="120000"/>
-                </a:lnTo>
-                <a:close/>
-              </a:path>
-            </a:pathLst>
-          </a:custGeom>
-        </p:spPr>
-      </p:sp>
-    </p:spTree>
-    <p:extLst>
-      <p:ext uri="{BB962C8B-B14F-4D97-AF65-F5344CB8AC3E}">
-        <p14:creationId xmlns:p14="http://schemas.microsoft.com/office/powerpoint/2010/main" val="3788806518"/>
-      </p:ext>
-    </p:extLst>
-  </p:cSld>
-  <p:clrMapOvr>
-    <a:masterClrMapping/>
-  </p:clrMapOvr>
-</p:notes>
-</file>
-
-<file path=ppt/notesSlides/notesSlide12.xml><?xml version="1.0" encoding="utf-8"?>
-<p:notes xmlns:a="http://schemas.openxmlformats.org/drawingml/2006/main" xmlns:r="http://schemas.openxmlformats.org/officeDocument/2006/relationships" xmlns:p="http://schemas.openxmlformats.org/presentationml/2006/main" showMasterSp="0" showMasterPhAnim="0">
-  <p:cSld>
-    <p:spTree>
-      <p:nvGrpSpPr>
-        <p:cNvPr id="1" name="Shape 159"/>
-        <p:cNvGrpSpPr/>
-        <p:nvPr/>
-      </p:nvGrpSpPr>
-      <p:grpSpPr>
-        <a:xfrm>
-          <a:off x="0" y="0"/>
-          <a:ext cx="0" cy="0"/>
-          <a:chOff x="0" y="0"/>
-          <a:chExt cx="0" cy="0"/>
-        </a:xfrm>
-      </p:grpSpPr>
-      <p:sp>
-        <p:nvSpPr>
-          <p:cNvPr id="160" name="Google Shape;160;p14:notes"/>
-          <p:cNvSpPr txBox="1">
-            <a:spLocks noGrp="1"/>
-          </p:cNvSpPr>
-          <p:nvPr>
-            <p:ph type="body" idx="1"/>
-          </p:nvPr>
-        </p:nvSpPr>
-        <p:spPr>
-          <a:xfrm>
-            <a:off x="731500" y="4560550"/>
-            <a:ext cx="5852150" cy="4320525"/>
-          </a:xfrm>
-          <a:prstGeom prst="rect">
-            <a:avLst/>
-          </a:prstGeom>
-        </p:spPr>
-        <p:txBody>
-          <a:bodyPr spcFirstLastPara="1" wrap="square" lIns="91425" tIns="91425" rIns="91425" bIns="91425" anchor="t" anchorCtr="0">
-            <a:noAutofit/>
-          </a:bodyPr>
-          <a:lstStyle/>
-          <a:p>
-            <a:pPr marL="0" lvl="0" indent="0" algn="l" rtl="0">
-              <a:spcBef>
-                <a:spcPts val="0"/>
-              </a:spcBef>
-              <a:spcAft>
-                <a:spcPts val="0"/>
-              </a:spcAft>
-              <a:buNone/>
-            </a:pPr>
-            <a:endParaRPr/>
-          </a:p>
-        </p:txBody>
-      </p:sp>
-      <p:sp>
-        <p:nvSpPr>
-          <p:cNvPr id="161" name="Google Shape;161;p14:notes"/>
-          <p:cNvSpPr>
-            <a:spLocks noGrp="1" noRot="1" noChangeAspect="1"/>
-          </p:cNvSpPr>
-          <p:nvPr>
-            <p:ph type="sldImg" idx="2"/>
-          </p:nvPr>
-        </p:nvSpPr>
-        <p:spPr>
-          <a:xfrm>
-            <a:off x="1257300" y="720725"/>
-            <a:ext cx="4800600" cy="3600450"/>
-          </a:xfrm>
-          <a:custGeom>
-            <a:avLst/>
-            <a:gdLst/>
-            <a:ahLst/>
-            <a:cxnLst/>
-            <a:rect l="l" t="t" r="r" b="b"/>
-            <a:pathLst>
-              <a:path w="120000" h="120000" extrusionOk="0">
-                <a:moveTo>
-                  <a:pt x="0" y="0"/>
-                </a:moveTo>
-                <a:lnTo>
-                  <a:pt x="120000" y="0"/>
-                </a:lnTo>
-                <a:lnTo>
-                  <a:pt x="120000" y="120000"/>
-                </a:lnTo>
-                <a:lnTo>
-                  <a:pt x="0" y="120000"/>
-                </a:lnTo>
-                <a:close/>
-              </a:path>
-            </a:pathLst>
-          </a:custGeom>
-        </p:spPr>
-      </p:sp>
-    </p:spTree>
-  </p:cSld>
-  <p:clrMapOvr>
-    <a:masterClrMapping/>
-  </p:clrMapOvr>
-</p:notes>
-</file>
-
-<file path=ppt/notesSlides/notesSlide13.xml><?xml version="1.0" encoding="utf-8"?>
-<p:notes xmlns:a="http://schemas.openxmlformats.org/drawingml/2006/main" xmlns:r="http://schemas.openxmlformats.org/officeDocument/2006/relationships" xmlns:p="http://schemas.openxmlformats.org/presentationml/2006/main" showMasterSp="0" showMasterPhAnim="0">
-  <p:cSld>
-    <p:spTree>
-      <p:nvGrpSpPr>
-        <p:cNvPr id="1" name="Shape 147"/>
-        <p:cNvGrpSpPr/>
-        <p:nvPr/>
-      </p:nvGrpSpPr>
-      <p:grpSpPr>
-        <a:xfrm>
-          <a:off x="0" y="0"/>
-          <a:ext cx="0" cy="0"/>
-          <a:chOff x="0" y="0"/>
-          <a:chExt cx="0" cy="0"/>
-        </a:xfrm>
-      </p:grpSpPr>
-      <p:sp>
-        <p:nvSpPr>
-          <p:cNvPr id="148" name="Google Shape;148;p12:notes"/>
-          <p:cNvSpPr txBox="1">
-            <a:spLocks noGrp="1"/>
-          </p:cNvSpPr>
-          <p:nvPr>
-            <p:ph type="body" idx="1"/>
-          </p:nvPr>
-        </p:nvSpPr>
-        <p:spPr>
-          <a:xfrm>
-            <a:off x="731500" y="4560550"/>
-            <a:ext cx="5852150" cy="4320525"/>
-          </a:xfrm>
-          <a:prstGeom prst="rect">
-            <a:avLst/>
-          </a:prstGeom>
-        </p:spPr>
-        <p:txBody>
-          <a:bodyPr spcFirstLastPara="1" wrap="square" lIns="91425" tIns="91425" rIns="91425" bIns="91425" anchor="t" anchorCtr="0">
-            <a:noAutofit/>
-          </a:bodyPr>
-          <a:lstStyle/>
-          <a:p>
-            <a:pPr marL="0" lvl="0" indent="0" algn="l" rtl="0">
-              <a:spcBef>
-                <a:spcPts val="0"/>
-              </a:spcBef>
-              <a:spcAft>
-                <a:spcPts val="0"/>
-              </a:spcAft>
-              <a:buNone/>
-            </a:pPr>
-            <a:endParaRPr/>
-          </a:p>
-        </p:txBody>
-      </p:sp>
-      <p:sp>
-        <p:nvSpPr>
-          <p:cNvPr id="149" name="Google Shape;149;p12:notes"/>
-          <p:cNvSpPr>
-            <a:spLocks noGrp="1" noRot="1" noChangeAspect="1"/>
-          </p:cNvSpPr>
-          <p:nvPr>
-            <p:ph type="sldImg" idx="2"/>
-          </p:nvPr>
-        </p:nvSpPr>
-        <p:spPr>
-          <a:xfrm>
-            <a:off x="1257300" y="720725"/>
-            <a:ext cx="4800600" cy="3600450"/>
-          </a:xfrm>
-          <a:custGeom>
-            <a:avLst/>
-            <a:gdLst/>
-            <a:ahLst/>
-            <a:cxnLst/>
-            <a:rect l="l" t="t" r="r" b="b"/>
-            <a:pathLst>
-              <a:path w="120000" h="120000" extrusionOk="0">
-                <a:moveTo>
-                  <a:pt x="0" y="0"/>
-                </a:moveTo>
-                <a:lnTo>
-                  <a:pt x="120000" y="0"/>
-                </a:lnTo>
-                <a:lnTo>
-                  <a:pt x="120000" y="120000"/>
-                </a:lnTo>
-                <a:lnTo>
-                  <a:pt x="0" y="120000"/>
-                </a:lnTo>
-                <a:close/>
-              </a:path>
-            </a:pathLst>
-          </a:custGeom>
-        </p:spPr>
-      </p:sp>
-    </p:spTree>
-  </p:cSld>
-  <p:clrMapOvr>
-    <a:masterClrMapping/>
-  </p:clrMapOvr>
-</p:notes>
-</file>
-
-<file path=ppt/notesSlides/notesSlide14.xml><?xml version="1.0" encoding="utf-8"?>
-<p:notes xmlns:a="http://schemas.openxmlformats.org/drawingml/2006/main" xmlns:r="http://schemas.openxmlformats.org/officeDocument/2006/relationships" xmlns:p="http://schemas.openxmlformats.org/presentationml/2006/main" showMasterSp="0" showMasterPhAnim="0">
-  <p:cSld>
-    <p:spTree>
-      <p:nvGrpSpPr>
         <p:cNvPr id="1" name="Shape 159"/>
         <p:cNvGrpSpPr/>
         <p:nvPr/>
@@ -1378,7 +931,7 @@
 </p:notes>
 </file>
 
-<file path=ppt/notesSlides/notesSlide15.xml><?xml version="1.0" encoding="utf-8"?>
+<file path=ppt/notesSlides/notesSlide11.xml><?xml version="1.0" encoding="utf-8"?>
 <p:notes xmlns:a="http://schemas.openxmlformats.org/drawingml/2006/main" xmlns:r="http://schemas.openxmlformats.org/officeDocument/2006/relationships" xmlns:p="http://schemas.openxmlformats.org/presentationml/2006/main" showMasterSp="0" showMasterPhAnim="0">
   <p:cSld>
     <p:spTree>
@@ -1436,384 +989,6 @@
       <p:sp>
         <p:nvSpPr>
           <p:cNvPr id="155" name="Google Shape;155;p13:notes"/>
-          <p:cNvSpPr>
-            <a:spLocks noGrp="1" noRot="1" noChangeAspect="1"/>
-          </p:cNvSpPr>
-          <p:nvPr>
-            <p:ph type="sldImg" idx="2"/>
-          </p:nvPr>
-        </p:nvSpPr>
-        <p:spPr>
-          <a:xfrm>
-            <a:off x="1257300" y="720725"/>
-            <a:ext cx="4800600" cy="3600450"/>
-          </a:xfrm>
-          <a:custGeom>
-            <a:avLst/>
-            <a:gdLst/>
-            <a:ahLst/>
-            <a:cxnLst/>
-            <a:rect l="l" t="t" r="r" b="b"/>
-            <a:pathLst>
-              <a:path w="120000" h="120000" extrusionOk="0">
-                <a:moveTo>
-                  <a:pt x="0" y="0"/>
-                </a:moveTo>
-                <a:lnTo>
-                  <a:pt x="120000" y="0"/>
-                </a:lnTo>
-                <a:lnTo>
-                  <a:pt x="120000" y="120000"/>
-                </a:lnTo>
-                <a:lnTo>
-                  <a:pt x="0" y="120000"/>
-                </a:lnTo>
-                <a:close/>
-              </a:path>
-            </a:pathLst>
-          </a:custGeom>
-        </p:spPr>
-      </p:sp>
-    </p:spTree>
-  </p:cSld>
-  <p:clrMapOvr>
-    <a:masterClrMapping/>
-  </p:clrMapOvr>
-</p:notes>
-</file>
-
-<file path=ppt/notesSlides/notesSlide16.xml><?xml version="1.0" encoding="utf-8"?>
-<p:notes xmlns:a="http://schemas.openxmlformats.org/drawingml/2006/main" xmlns:r="http://schemas.openxmlformats.org/officeDocument/2006/relationships" xmlns:p="http://schemas.openxmlformats.org/presentationml/2006/main" showMasterSp="0" showMasterPhAnim="0">
-  <p:cSld>
-    <p:spTree>
-      <p:nvGrpSpPr>
-        <p:cNvPr id="1" name="Shape 165"/>
-        <p:cNvGrpSpPr/>
-        <p:nvPr/>
-      </p:nvGrpSpPr>
-      <p:grpSpPr>
-        <a:xfrm>
-          <a:off x="0" y="0"/>
-          <a:ext cx="0" cy="0"/>
-          <a:chOff x="0" y="0"/>
-          <a:chExt cx="0" cy="0"/>
-        </a:xfrm>
-      </p:grpSpPr>
-      <p:sp>
-        <p:nvSpPr>
-          <p:cNvPr id="166" name="Google Shape;166;p15:notes"/>
-          <p:cNvSpPr txBox="1">
-            <a:spLocks noGrp="1"/>
-          </p:cNvSpPr>
-          <p:nvPr>
-            <p:ph type="body" idx="1"/>
-          </p:nvPr>
-        </p:nvSpPr>
-        <p:spPr>
-          <a:xfrm>
-            <a:off x="731500" y="4560550"/>
-            <a:ext cx="5852150" cy="4320525"/>
-          </a:xfrm>
-          <a:prstGeom prst="rect">
-            <a:avLst/>
-          </a:prstGeom>
-        </p:spPr>
-        <p:txBody>
-          <a:bodyPr spcFirstLastPara="1" wrap="square" lIns="91425" tIns="91425" rIns="91425" bIns="91425" anchor="t" anchorCtr="0">
-            <a:noAutofit/>
-          </a:bodyPr>
-          <a:lstStyle/>
-          <a:p>
-            <a:pPr marL="0" lvl="0" indent="0" algn="l" rtl="0">
-              <a:spcBef>
-                <a:spcPts val="0"/>
-              </a:spcBef>
-              <a:spcAft>
-                <a:spcPts val="0"/>
-              </a:spcAft>
-              <a:buNone/>
-            </a:pPr>
-            <a:endParaRPr/>
-          </a:p>
-        </p:txBody>
-      </p:sp>
-      <p:sp>
-        <p:nvSpPr>
-          <p:cNvPr id="167" name="Google Shape;167;p15:notes"/>
-          <p:cNvSpPr>
-            <a:spLocks noGrp="1" noRot="1" noChangeAspect="1"/>
-          </p:cNvSpPr>
-          <p:nvPr>
-            <p:ph type="sldImg" idx="2"/>
-          </p:nvPr>
-        </p:nvSpPr>
-        <p:spPr>
-          <a:xfrm>
-            <a:off x="1257300" y="720725"/>
-            <a:ext cx="4800600" cy="3600450"/>
-          </a:xfrm>
-          <a:custGeom>
-            <a:avLst/>
-            <a:gdLst/>
-            <a:ahLst/>
-            <a:cxnLst/>
-            <a:rect l="l" t="t" r="r" b="b"/>
-            <a:pathLst>
-              <a:path w="120000" h="120000" extrusionOk="0">
-                <a:moveTo>
-                  <a:pt x="0" y="0"/>
-                </a:moveTo>
-                <a:lnTo>
-                  <a:pt x="120000" y="0"/>
-                </a:lnTo>
-                <a:lnTo>
-                  <a:pt x="120000" y="120000"/>
-                </a:lnTo>
-                <a:lnTo>
-                  <a:pt x="0" y="120000"/>
-                </a:lnTo>
-                <a:close/>
-              </a:path>
-            </a:pathLst>
-          </a:custGeom>
-        </p:spPr>
-      </p:sp>
-    </p:spTree>
-  </p:cSld>
-  <p:clrMapOvr>
-    <a:masterClrMapping/>
-  </p:clrMapOvr>
-</p:notes>
-</file>
-
-<file path=ppt/notesSlides/notesSlide17.xml><?xml version="1.0" encoding="utf-8"?>
-<p:notes xmlns:a="http://schemas.openxmlformats.org/drawingml/2006/main" xmlns:r="http://schemas.openxmlformats.org/officeDocument/2006/relationships" xmlns:p="http://schemas.openxmlformats.org/presentationml/2006/main">
-  <p:cSld>
-    <p:spTree>
-      <p:nvGrpSpPr>
-        <p:cNvPr id="1" name=""/>
-        <p:cNvGrpSpPr/>
-        <p:nvPr/>
-      </p:nvGrpSpPr>
-      <p:grpSpPr>
-        <a:xfrm>
-          <a:off x="0" y="0"/>
-          <a:ext cx="0" cy="0"/>
-          <a:chOff x="0" y="0"/>
-          <a:chExt cx="0" cy="0"/>
-        </a:xfrm>
-      </p:grpSpPr>
-      <p:sp>
-        <p:nvSpPr>
-          <p:cNvPr id="2" name="Slide Image Placeholder 1"/>
-          <p:cNvSpPr>
-            <a:spLocks noGrp="1" noRot="1" noChangeAspect="1"/>
-          </p:cNvSpPr>
-          <p:nvPr>
-            <p:ph type="sldImg"/>
-          </p:nvPr>
-        </p:nvSpPr>
-        <p:spPr>
-          <a:xfrm>
-            <a:off x="1257300" y="720725"/>
-            <a:ext cx="4800600" cy="3600450"/>
-          </a:xfrm>
-        </p:spPr>
-      </p:sp>
-      <p:sp>
-        <p:nvSpPr>
-          <p:cNvPr id="3" name="Notes Placeholder 2"/>
-          <p:cNvSpPr>
-            <a:spLocks noGrp="1"/>
-          </p:cNvSpPr>
-          <p:nvPr>
-            <p:ph type="body" idx="1"/>
-          </p:nvPr>
-        </p:nvSpPr>
-        <p:spPr/>
-        <p:txBody>
-          <a:bodyPr/>
-          <a:lstStyle/>
-          <a:p>
-            <a:endParaRPr lang="en-GB" dirty="0"/>
-          </a:p>
-        </p:txBody>
-      </p:sp>
-    </p:spTree>
-    <p:extLst>
-      <p:ext uri="{BB962C8B-B14F-4D97-AF65-F5344CB8AC3E}">
-        <p14:creationId xmlns:p14="http://schemas.microsoft.com/office/powerpoint/2010/main" val="2632209161"/>
-      </p:ext>
-    </p:extLst>
-  </p:cSld>
-  <p:clrMapOvr>
-    <a:masterClrMapping/>
-  </p:clrMapOvr>
-</p:notes>
-</file>
-
-<file path=ppt/notesSlides/notesSlide18.xml><?xml version="1.0" encoding="utf-8"?>
-<p:notes xmlns:a="http://schemas.openxmlformats.org/drawingml/2006/main" xmlns:r="http://schemas.openxmlformats.org/officeDocument/2006/relationships" xmlns:p="http://schemas.openxmlformats.org/presentationml/2006/main" showMasterSp="0" showMasterPhAnim="0">
-  <p:cSld>
-    <p:spTree>
-      <p:nvGrpSpPr>
-        <p:cNvPr id="1" name="Shape 171"/>
-        <p:cNvGrpSpPr/>
-        <p:nvPr/>
-      </p:nvGrpSpPr>
-      <p:grpSpPr>
-        <a:xfrm>
-          <a:off x="0" y="0"/>
-          <a:ext cx="0" cy="0"/>
-          <a:chOff x="0" y="0"/>
-          <a:chExt cx="0" cy="0"/>
-        </a:xfrm>
-      </p:grpSpPr>
-      <p:sp>
-        <p:nvSpPr>
-          <p:cNvPr id="172" name="Google Shape;172;p16:notes"/>
-          <p:cNvSpPr txBox="1">
-            <a:spLocks noGrp="1"/>
-          </p:cNvSpPr>
-          <p:nvPr>
-            <p:ph type="body" idx="1"/>
-          </p:nvPr>
-        </p:nvSpPr>
-        <p:spPr>
-          <a:xfrm>
-            <a:off x="731500" y="4560550"/>
-            <a:ext cx="5852150" cy="4320525"/>
-          </a:xfrm>
-          <a:prstGeom prst="rect">
-            <a:avLst/>
-          </a:prstGeom>
-        </p:spPr>
-        <p:txBody>
-          <a:bodyPr spcFirstLastPara="1" wrap="square" lIns="91425" tIns="91425" rIns="91425" bIns="91425" anchor="t" anchorCtr="0">
-            <a:noAutofit/>
-          </a:bodyPr>
-          <a:lstStyle/>
-          <a:p>
-            <a:pPr marL="0" lvl="0" indent="0" algn="l" rtl="0">
-              <a:spcBef>
-                <a:spcPts val="0"/>
-              </a:spcBef>
-              <a:spcAft>
-                <a:spcPts val="0"/>
-              </a:spcAft>
-              <a:buNone/>
-            </a:pPr>
-            <a:endParaRPr/>
-          </a:p>
-        </p:txBody>
-      </p:sp>
-      <p:sp>
-        <p:nvSpPr>
-          <p:cNvPr id="173" name="Google Shape;173;p16:notes"/>
-          <p:cNvSpPr>
-            <a:spLocks noGrp="1" noRot="1" noChangeAspect="1"/>
-          </p:cNvSpPr>
-          <p:nvPr>
-            <p:ph type="sldImg" idx="2"/>
-          </p:nvPr>
-        </p:nvSpPr>
-        <p:spPr>
-          <a:xfrm>
-            <a:off x="1257300" y="720725"/>
-            <a:ext cx="4800600" cy="3600450"/>
-          </a:xfrm>
-          <a:custGeom>
-            <a:avLst/>
-            <a:gdLst/>
-            <a:ahLst/>
-            <a:cxnLst/>
-            <a:rect l="l" t="t" r="r" b="b"/>
-            <a:pathLst>
-              <a:path w="120000" h="120000" extrusionOk="0">
-                <a:moveTo>
-                  <a:pt x="0" y="0"/>
-                </a:moveTo>
-                <a:lnTo>
-                  <a:pt x="120000" y="0"/>
-                </a:lnTo>
-                <a:lnTo>
-                  <a:pt x="120000" y="120000"/>
-                </a:lnTo>
-                <a:lnTo>
-                  <a:pt x="0" y="120000"/>
-                </a:lnTo>
-                <a:close/>
-              </a:path>
-            </a:pathLst>
-          </a:custGeom>
-        </p:spPr>
-      </p:sp>
-    </p:spTree>
-  </p:cSld>
-  <p:clrMapOvr>
-    <a:masterClrMapping/>
-  </p:clrMapOvr>
-</p:notes>
-</file>
-
-<file path=ppt/notesSlides/notesSlide19.xml><?xml version="1.0" encoding="utf-8"?>
-<p:notes xmlns:a="http://schemas.openxmlformats.org/drawingml/2006/main" xmlns:r="http://schemas.openxmlformats.org/officeDocument/2006/relationships" xmlns:p="http://schemas.openxmlformats.org/presentationml/2006/main" showMasterSp="0" showMasterPhAnim="0">
-  <p:cSld>
-    <p:spTree>
-      <p:nvGrpSpPr>
-        <p:cNvPr id="1" name="Shape 135"/>
-        <p:cNvGrpSpPr/>
-        <p:nvPr/>
-      </p:nvGrpSpPr>
-      <p:grpSpPr>
-        <a:xfrm>
-          <a:off x="0" y="0"/>
-          <a:ext cx="0" cy="0"/>
-          <a:chOff x="0" y="0"/>
-          <a:chExt cx="0" cy="0"/>
-        </a:xfrm>
-      </p:grpSpPr>
-      <p:sp>
-        <p:nvSpPr>
-          <p:cNvPr id="136" name="Google Shape;136;p10:notes"/>
-          <p:cNvSpPr txBox="1">
-            <a:spLocks noGrp="1"/>
-          </p:cNvSpPr>
-          <p:nvPr>
-            <p:ph type="body" idx="1"/>
-          </p:nvPr>
-        </p:nvSpPr>
-        <p:spPr>
-          <a:xfrm>
-            <a:off x="731500" y="4560550"/>
-            <a:ext cx="5852150" cy="4320525"/>
-          </a:xfrm>
-          <a:prstGeom prst="rect">
-            <a:avLst/>
-          </a:prstGeom>
-        </p:spPr>
-        <p:txBody>
-          <a:bodyPr spcFirstLastPara="1" wrap="square" lIns="91425" tIns="91425" rIns="91425" bIns="91425" anchor="t" anchorCtr="0">
-            <a:noAutofit/>
-          </a:bodyPr>
-          <a:lstStyle/>
-          <a:p>
-            <a:pPr marL="0" lvl="0" indent="0" algn="l" rtl="0">
-              <a:spcBef>
-                <a:spcPts val="0"/>
-              </a:spcBef>
-              <a:spcAft>
-                <a:spcPts val="0"/>
-              </a:spcAft>
-              <a:buNone/>
-            </a:pPr>
-            <a:endParaRPr/>
-          </a:p>
-        </p:txBody>
-      </p:sp>
-      <p:sp>
-        <p:nvSpPr>
-          <p:cNvPr id="137" name="Google Shape;137;p10:notes"/>
           <p:cNvSpPr>
             <a:spLocks noGrp="1" noRot="1" noChangeAspect="1"/>
           </p:cNvSpPr>
@@ -1964,215 +1139,7 @@
 </p:notes>
 </file>
 
-<file path=ppt/notesSlides/notesSlide20.xml><?xml version="1.0" encoding="utf-8"?>
-<p:notes xmlns:a="http://schemas.openxmlformats.org/drawingml/2006/main" xmlns:r="http://schemas.openxmlformats.org/officeDocument/2006/relationships" xmlns:p="http://schemas.openxmlformats.org/presentationml/2006/main" showMasterSp="0" showMasterPhAnim="0">
-  <p:cSld>
-    <p:spTree>
-      <p:nvGrpSpPr>
-        <p:cNvPr id="1" name="Shape 141"/>
-        <p:cNvGrpSpPr/>
-        <p:nvPr/>
-      </p:nvGrpSpPr>
-      <p:grpSpPr>
-        <a:xfrm>
-          <a:off x="0" y="0"/>
-          <a:ext cx="0" cy="0"/>
-          <a:chOff x="0" y="0"/>
-          <a:chExt cx="0" cy="0"/>
-        </a:xfrm>
-      </p:grpSpPr>
-      <p:sp>
-        <p:nvSpPr>
-          <p:cNvPr id="142" name="Google Shape;142;p11:notes"/>
-          <p:cNvSpPr txBox="1">
-            <a:spLocks noGrp="1"/>
-          </p:cNvSpPr>
-          <p:nvPr>
-            <p:ph type="body" idx="1"/>
-          </p:nvPr>
-        </p:nvSpPr>
-        <p:spPr>
-          <a:xfrm>
-            <a:off x="731500" y="4560550"/>
-            <a:ext cx="5852150" cy="4320525"/>
-          </a:xfrm>
-          <a:prstGeom prst="rect">
-            <a:avLst/>
-          </a:prstGeom>
-        </p:spPr>
-        <p:txBody>
-          <a:bodyPr spcFirstLastPara="1" wrap="square" lIns="91425" tIns="91425" rIns="91425" bIns="91425" anchor="t" anchorCtr="0">
-            <a:noAutofit/>
-          </a:bodyPr>
-          <a:lstStyle/>
-          <a:p>
-            <a:pPr marL="0" lvl="0" indent="0" algn="l" rtl="0">
-              <a:spcBef>
-                <a:spcPts val="0"/>
-              </a:spcBef>
-              <a:spcAft>
-                <a:spcPts val="0"/>
-              </a:spcAft>
-              <a:buNone/>
-            </a:pPr>
-            <a:endParaRPr/>
-          </a:p>
-        </p:txBody>
-      </p:sp>
-      <p:sp>
-        <p:nvSpPr>
-          <p:cNvPr id="143" name="Google Shape;143;p11:notes"/>
-          <p:cNvSpPr>
-            <a:spLocks noGrp="1" noRot="1" noChangeAspect="1"/>
-          </p:cNvSpPr>
-          <p:nvPr>
-            <p:ph type="sldImg" idx="2"/>
-          </p:nvPr>
-        </p:nvSpPr>
-        <p:spPr>
-          <a:xfrm>
-            <a:off x="1257300" y="720725"/>
-            <a:ext cx="4800600" cy="3600450"/>
-          </a:xfrm>
-          <a:custGeom>
-            <a:avLst/>
-            <a:gdLst/>
-            <a:ahLst/>
-            <a:cxnLst/>
-            <a:rect l="l" t="t" r="r" b="b"/>
-            <a:pathLst>
-              <a:path w="120000" h="120000" extrusionOk="0">
-                <a:moveTo>
-                  <a:pt x="0" y="0"/>
-                </a:moveTo>
-                <a:lnTo>
-                  <a:pt x="120000" y="0"/>
-                </a:lnTo>
-                <a:lnTo>
-                  <a:pt x="120000" y="120000"/>
-                </a:lnTo>
-                <a:lnTo>
-                  <a:pt x="0" y="120000"/>
-                </a:lnTo>
-                <a:close/>
-              </a:path>
-            </a:pathLst>
-          </a:custGeom>
-        </p:spPr>
-      </p:sp>
-    </p:spTree>
-  </p:cSld>
-  <p:clrMapOvr>
-    <a:masterClrMapping/>
-  </p:clrMapOvr>
-</p:notes>
-</file>
-
 <file path=ppt/notesSlides/notesSlide3.xml><?xml version="1.0" encoding="utf-8"?>
-<p:notes xmlns:a="http://schemas.openxmlformats.org/drawingml/2006/main" xmlns:r="http://schemas.openxmlformats.org/officeDocument/2006/relationships" xmlns:p="http://schemas.openxmlformats.org/presentationml/2006/main" showMasterSp="0" showMasterPhAnim="0">
-  <p:cSld>
-    <p:spTree>
-      <p:nvGrpSpPr>
-        <p:cNvPr id="1" name="Shape 93"/>
-        <p:cNvGrpSpPr/>
-        <p:nvPr/>
-      </p:nvGrpSpPr>
-      <p:grpSpPr>
-        <a:xfrm>
-          <a:off x="0" y="0"/>
-          <a:ext cx="0" cy="0"/>
-          <a:chOff x="0" y="0"/>
-          <a:chExt cx="0" cy="0"/>
-        </a:xfrm>
-      </p:grpSpPr>
-      <p:sp>
-        <p:nvSpPr>
-          <p:cNvPr id="94" name="Google Shape;94;p3:notes"/>
-          <p:cNvSpPr txBox="1">
-            <a:spLocks noGrp="1"/>
-          </p:cNvSpPr>
-          <p:nvPr>
-            <p:ph type="body" idx="1"/>
-          </p:nvPr>
-        </p:nvSpPr>
-        <p:spPr>
-          <a:xfrm>
-            <a:off x="731500" y="4560550"/>
-            <a:ext cx="5852150" cy="4320525"/>
-          </a:xfrm>
-          <a:prstGeom prst="rect">
-            <a:avLst/>
-          </a:prstGeom>
-        </p:spPr>
-        <p:txBody>
-          <a:bodyPr spcFirstLastPara="1" wrap="square" lIns="91425" tIns="91425" rIns="91425" bIns="91425" anchor="t" anchorCtr="0">
-            <a:noAutofit/>
-          </a:bodyPr>
-          <a:lstStyle/>
-          <a:p>
-            <a:pPr marL="0" lvl="0" indent="0" algn="l" rtl="0">
-              <a:spcBef>
-                <a:spcPts val="0"/>
-              </a:spcBef>
-              <a:spcAft>
-                <a:spcPts val="0"/>
-              </a:spcAft>
-              <a:buNone/>
-            </a:pPr>
-            <a:endParaRPr/>
-          </a:p>
-        </p:txBody>
-      </p:sp>
-      <p:sp>
-        <p:nvSpPr>
-          <p:cNvPr id="95" name="Google Shape;95;p3:notes"/>
-          <p:cNvSpPr>
-            <a:spLocks noGrp="1" noRot="1" noChangeAspect="1"/>
-          </p:cNvSpPr>
-          <p:nvPr>
-            <p:ph type="sldImg" idx="2"/>
-          </p:nvPr>
-        </p:nvSpPr>
-        <p:spPr>
-          <a:xfrm>
-            <a:off x="1257300" y="720725"/>
-            <a:ext cx="4800600" cy="3600450"/>
-          </a:xfrm>
-          <a:custGeom>
-            <a:avLst/>
-            <a:gdLst/>
-            <a:ahLst/>
-            <a:cxnLst/>
-            <a:rect l="l" t="t" r="r" b="b"/>
-            <a:pathLst>
-              <a:path w="120000" h="120000" extrusionOk="0">
-                <a:moveTo>
-                  <a:pt x="0" y="0"/>
-                </a:moveTo>
-                <a:lnTo>
-                  <a:pt x="120000" y="0"/>
-                </a:lnTo>
-                <a:lnTo>
-                  <a:pt x="120000" y="120000"/>
-                </a:lnTo>
-                <a:lnTo>
-                  <a:pt x="0" y="120000"/>
-                </a:lnTo>
-                <a:close/>
-              </a:path>
-            </a:pathLst>
-          </a:custGeom>
-        </p:spPr>
-      </p:sp>
-    </p:spTree>
-  </p:cSld>
-  <p:clrMapOvr>
-    <a:masterClrMapping/>
-  </p:clrMapOvr>
-</p:notes>
-</file>
-
-<file path=ppt/notesSlides/notesSlide4.xml><?xml version="1.0" encoding="utf-8"?>
 <p:notes xmlns:a="http://schemas.openxmlformats.org/drawingml/2006/main" xmlns:r="http://schemas.openxmlformats.org/officeDocument/2006/relationships" xmlns:p="http://schemas.openxmlformats.org/presentationml/2006/main" showMasterSp="0" showMasterPhAnim="0">
   <p:cSld>
     <p:spTree>
@@ -2276,111 +1243,7 @@
 </p:notes>
 </file>
 
-<file path=ppt/notesSlides/notesSlide5.xml><?xml version="1.0" encoding="utf-8"?>
-<p:notes xmlns:a="http://schemas.openxmlformats.org/drawingml/2006/main" xmlns:r="http://schemas.openxmlformats.org/officeDocument/2006/relationships" xmlns:p="http://schemas.openxmlformats.org/presentationml/2006/main" showMasterSp="0" showMasterPhAnim="0">
-  <p:cSld>
-    <p:spTree>
-      <p:nvGrpSpPr>
-        <p:cNvPr id="1" name="Shape 105"/>
-        <p:cNvGrpSpPr/>
-        <p:nvPr/>
-      </p:nvGrpSpPr>
-      <p:grpSpPr>
-        <a:xfrm>
-          <a:off x="0" y="0"/>
-          <a:ext cx="0" cy="0"/>
-          <a:chOff x="0" y="0"/>
-          <a:chExt cx="0" cy="0"/>
-        </a:xfrm>
-      </p:grpSpPr>
-      <p:sp>
-        <p:nvSpPr>
-          <p:cNvPr id="106" name="Google Shape;106;p5:notes"/>
-          <p:cNvSpPr txBox="1">
-            <a:spLocks noGrp="1"/>
-          </p:cNvSpPr>
-          <p:nvPr>
-            <p:ph type="body" idx="1"/>
-          </p:nvPr>
-        </p:nvSpPr>
-        <p:spPr>
-          <a:xfrm>
-            <a:off x="731500" y="4560550"/>
-            <a:ext cx="5852150" cy="4320525"/>
-          </a:xfrm>
-          <a:prstGeom prst="rect">
-            <a:avLst/>
-          </a:prstGeom>
-        </p:spPr>
-        <p:txBody>
-          <a:bodyPr spcFirstLastPara="1" wrap="square" lIns="91425" tIns="91425" rIns="91425" bIns="91425" anchor="t" anchorCtr="0">
-            <a:noAutofit/>
-          </a:bodyPr>
-          <a:lstStyle/>
-          <a:p>
-            <a:pPr marL="0" lvl="0" indent="0" algn="l" rtl="0">
-              <a:spcBef>
-                <a:spcPts val="0"/>
-              </a:spcBef>
-              <a:spcAft>
-                <a:spcPts val="0"/>
-              </a:spcAft>
-              <a:buNone/>
-            </a:pPr>
-            <a:endParaRPr/>
-          </a:p>
-        </p:txBody>
-      </p:sp>
-      <p:sp>
-        <p:nvSpPr>
-          <p:cNvPr id="107" name="Google Shape;107;p5:notes"/>
-          <p:cNvSpPr>
-            <a:spLocks noGrp="1" noRot="1" noChangeAspect="1"/>
-          </p:cNvSpPr>
-          <p:nvPr>
-            <p:ph type="sldImg" idx="2"/>
-          </p:nvPr>
-        </p:nvSpPr>
-        <p:spPr>
-          <a:xfrm>
-            <a:off x="1257300" y="720725"/>
-            <a:ext cx="4800600" cy="3600450"/>
-          </a:xfrm>
-          <a:custGeom>
-            <a:avLst/>
-            <a:gdLst/>
-            <a:ahLst/>
-            <a:cxnLst/>
-            <a:rect l="l" t="t" r="r" b="b"/>
-            <a:pathLst>
-              <a:path w="120000" h="120000" extrusionOk="0">
-                <a:moveTo>
-                  <a:pt x="0" y="0"/>
-                </a:moveTo>
-                <a:lnTo>
-                  <a:pt x="120000" y="0"/>
-                </a:lnTo>
-                <a:lnTo>
-                  <a:pt x="120000" y="120000"/>
-                </a:lnTo>
-                <a:lnTo>
-                  <a:pt x="0" y="120000"/>
-                </a:lnTo>
-                <a:close/>
-              </a:path>
-            </a:pathLst>
-          </a:custGeom>
-        </p:spPr>
-      </p:sp>
-    </p:spTree>
-  </p:cSld>
-  <p:clrMapOvr>
-    <a:masterClrMapping/>
-  </p:clrMapOvr>
-</p:notes>
-</file>
-
-<file path=ppt/notesSlides/notesSlide6.xml><?xml version="1.0" encoding="utf-8"?>
+<file path=ppt/notesSlides/notesSlide4.xml><?xml version="1.0" encoding="utf-8"?>
 <p:notes xmlns:a="http://schemas.openxmlformats.org/drawingml/2006/main" xmlns:r="http://schemas.openxmlformats.org/officeDocument/2006/relationships" xmlns:p="http://schemas.openxmlformats.org/presentationml/2006/main">
   <p:cSld>
     <p:spTree>
@@ -2446,7 +1309,7 @@
 </p:notes>
 </file>
 
-<file path=ppt/notesSlides/notesSlide7.xml><?xml version="1.0" encoding="utf-8"?>
+<file path=ppt/notesSlides/notesSlide5.xml><?xml version="1.0" encoding="utf-8"?>
 <p:notes xmlns:a="http://schemas.openxmlformats.org/drawingml/2006/main" xmlns:r="http://schemas.openxmlformats.org/officeDocument/2006/relationships" xmlns:p="http://schemas.openxmlformats.org/presentationml/2006/main" showMasterSp="0" showMasterPhAnim="0">
   <p:cSld>
     <p:spTree>
@@ -2550,7 +1413,7 @@
 </p:notes>
 </file>
 
-<file path=ppt/notesSlides/notesSlide8.xml><?xml version="1.0" encoding="utf-8"?>
+<file path=ppt/notesSlides/notesSlide6.xml><?xml version="1.0" encoding="utf-8"?>
 <p:notes xmlns:a="http://schemas.openxmlformats.org/drawingml/2006/main" xmlns:r="http://schemas.openxmlformats.org/officeDocument/2006/relationships" xmlns:p="http://schemas.openxmlformats.org/presentationml/2006/main" showMasterSp="0" showMasterPhAnim="0">
   <p:cSld>
     <p:spTree>
@@ -2654,7 +1517,7 @@
 </p:notes>
 </file>
 
-<file path=ppt/notesSlides/notesSlide9.xml><?xml version="1.0" encoding="utf-8"?>
+<file path=ppt/notesSlides/notesSlide7.xml><?xml version="1.0" encoding="utf-8"?>
 <p:notes xmlns:a="http://schemas.openxmlformats.org/drawingml/2006/main" xmlns:r="http://schemas.openxmlformats.org/officeDocument/2006/relationships" xmlns:p="http://schemas.openxmlformats.org/presentationml/2006/main" showMasterSp="0" showMasterPhAnim="0">
   <p:cSld>
     <p:spTree>
@@ -2712,6 +1575,214 @@
       <p:sp>
         <p:nvSpPr>
           <p:cNvPr id="125" name="Google Shape;125;p8:notes"/>
+          <p:cNvSpPr>
+            <a:spLocks noGrp="1" noRot="1" noChangeAspect="1"/>
+          </p:cNvSpPr>
+          <p:nvPr>
+            <p:ph type="sldImg" idx="2"/>
+          </p:nvPr>
+        </p:nvSpPr>
+        <p:spPr>
+          <a:xfrm>
+            <a:off x="1257300" y="720725"/>
+            <a:ext cx="4800600" cy="3600450"/>
+          </a:xfrm>
+          <a:custGeom>
+            <a:avLst/>
+            <a:gdLst/>
+            <a:ahLst/>
+            <a:cxnLst/>
+            <a:rect l="l" t="t" r="r" b="b"/>
+            <a:pathLst>
+              <a:path w="120000" h="120000" extrusionOk="0">
+                <a:moveTo>
+                  <a:pt x="0" y="0"/>
+                </a:moveTo>
+                <a:lnTo>
+                  <a:pt x="120000" y="0"/>
+                </a:lnTo>
+                <a:lnTo>
+                  <a:pt x="120000" y="120000"/>
+                </a:lnTo>
+                <a:lnTo>
+                  <a:pt x="0" y="120000"/>
+                </a:lnTo>
+                <a:close/>
+              </a:path>
+            </a:pathLst>
+          </a:custGeom>
+        </p:spPr>
+      </p:sp>
+    </p:spTree>
+  </p:cSld>
+  <p:clrMapOvr>
+    <a:masterClrMapping/>
+  </p:clrMapOvr>
+</p:notes>
+</file>
+
+<file path=ppt/notesSlides/notesSlide8.xml><?xml version="1.0" encoding="utf-8"?>
+<p:notes xmlns:a="http://schemas.openxmlformats.org/drawingml/2006/main" xmlns:r="http://schemas.openxmlformats.org/officeDocument/2006/relationships" xmlns:p="http://schemas.openxmlformats.org/presentationml/2006/main" showMasterSp="0" showMasterPhAnim="0">
+  <p:cSld>
+    <p:spTree>
+      <p:nvGrpSpPr>
+        <p:cNvPr id="1" name="Shape 129"/>
+        <p:cNvGrpSpPr/>
+        <p:nvPr/>
+      </p:nvGrpSpPr>
+      <p:grpSpPr>
+        <a:xfrm>
+          <a:off x="0" y="0"/>
+          <a:ext cx="0" cy="0"/>
+          <a:chOff x="0" y="0"/>
+          <a:chExt cx="0" cy="0"/>
+        </a:xfrm>
+      </p:grpSpPr>
+      <p:sp>
+        <p:nvSpPr>
+          <p:cNvPr id="130" name="Google Shape;130;p9:notes"/>
+          <p:cNvSpPr txBox="1">
+            <a:spLocks noGrp="1"/>
+          </p:cNvSpPr>
+          <p:nvPr>
+            <p:ph type="body" idx="1"/>
+          </p:nvPr>
+        </p:nvSpPr>
+        <p:spPr>
+          <a:xfrm>
+            <a:off x="731500" y="4560550"/>
+            <a:ext cx="5852150" cy="4320525"/>
+          </a:xfrm>
+          <a:prstGeom prst="rect">
+            <a:avLst/>
+          </a:prstGeom>
+        </p:spPr>
+        <p:txBody>
+          <a:bodyPr spcFirstLastPara="1" wrap="square" lIns="91425" tIns="91425" rIns="91425" bIns="91425" anchor="t" anchorCtr="0">
+            <a:noAutofit/>
+          </a:bodyPr>
+          <a:lstStyle/>
+          <a:p>
+            <a:pPr marL="0" lvl="0" indent="0" algn="l" rtl="0">
+              <a:spcBef>
+                <a:spcPts val="0"/>
+              </a:spcBef>
+              <a:spcAft>
+                <a:spcPts val="0"/>
+              </a:spcAft>
+              <a:buNone/>
+            </a:pPr>
+            <a:endParaRPr/>
+          </a:p>
+        </p:txBody>
+      </p:sp>
+      <p:sp>
+        <p:nvSpPr>
+          <p:cNvPr id="131" name="Google Shape;131;p9:notes"/>
+          <p:cNvSpPr>
+            <a:spLocks noGrp="1" noRot="1" noChangeAspect="1"/>
+          </p:cNvSpPr>
+          <p:nvPr>
+            <p:ph type="sldImg" idx="2"/>
+          </p:nvPr>
+        </p:nvSpPr>
+        <p:spPr>
+          <a:xfrm>
+            <a:off x="1257300" y="720725"/>
+            <a:ext cx="4800600" cy="3600450"/>
+          </a:xfrm>
+          <a:custGeom>
+            <a:avLst/>
+            <a:gdLst/>
+            <a:ahLst/>
+            <a:cxnLst/>
+            <a:rect l="l" t="t" r="r" b="b"/>
+            <a:pathLst>
+              <a:path w="120000" h="120000" extrusionOk="0">
+                <a:moveTo>
+                  <a:pt x="0" y="0"/>
+                </a:moveTo>
+                <a:lnTo>
+                  <a:pt x="120000" y="0"/>
+                </a:lnTo>
+                <a:lnTo>
+                  <a:pt x="120000" y="120000"/>
+                </a:lnTo>
+                <a:lnTo>
+                  <a:pt x="0" y="120000"/>
+                </a:lnTo>
+                <a:close/>
+              </a:path>
+            </a:pathLst>
+          </a:custGeom>
+        </p:spPr>
+      </p:sp>
+    </p:spTree>
+  </p:cSld>
+  <p:clrMapOvr>
+    <a:masterClrMapping/>
+  </p:clrMapOvr>
+</p:notes>
+</file>
+
+<file path=ppt/notesSlides/notesSlide9.xml><?xml version="1.0" encoding="utf-8"?>
+<p:notes xmlns:a="http://schemas.openxmlformats.org/drawingml/2006/main" xmlns:r="http://schemas.openxmlformats.org/officeDocument/2006/relationships" xmlns:p="http://schemas.openxmlformats.org/presentationml/2006/main" showMasterSp="0" showMasterPhAnim="0">
+  <p:cSld>
+    <p:spTree>
+      <p:nvGrpSpPr>
+        <p:cNvPr id="1" name="Shape 147"/>
+        <p:cNvGrpSpPr/>
+        <p:nvPr/>
+      </p:nvGrpSpPr>
+      <p:grpSpPr>
+        <a:xfrm>
+          <a:off x="0" y="0"/>
+          <a:ext cx="0" cy="0"/>
+          <a:chOff x="0" y="0"/>
+          <a:chExt cx="0" cy="0"/>
+        </a:xfrm>
+      </p:grpSpPr>
+      <p:sp>
+        <p:nvSpPr>
+          <p:cNvPr id="148" name="Google Shape;148;p12:notes"/>
+          <p:cNvSpPr txBox="1">
+            <a:spLocks noGrp="1"/>
+          </p:cNvSpPr>
+          <p:nvPr>
+            <p:ph type="body" idx="1"/>
+          </p:nvPr>
+        </p:nvSpPr>
+        <p:spPr>
+          <a:xfrm>
+            <a:off x="731500" y="4560550"/>
+            <a:ext cx="5852150" cy="4320525"/>
+          </a:xfrm>
+          <a:prstGeom prst="rect">
+            <a:avLst/>
+          </a:prstGeom>
+        </p:spPr>
+        <p:txBody>
+          <a:bodyPr spcFirstLastPara="1" wrap="square" lIns="91425" tIns="91425" rIns="91425" bIns="91425" anchor="t" anchorCtr="0">
+            <a:noAutofit/>
+          </a:bodyPr>
+          <a:lstStyle/>
+          <a:p>
+            <a:pPr marL="0" lvl="0" indent="0" algn="l" rtl="0">
+              <a:spcBef>
+                <a:spcPts val="0"/>
+              </a:spcBef>
+              <a:spcAft>
+                <a:spcPts val="0"/>
+              </a:spcAft>
+              <a:buNone/>
+            </a:pPr>
+            <a:endParaRPr/>
+          </a:p>
+        </p:txBody>
+      </p:sp>
+      <p:sp>
+        <p:nvSpPr>
+          <p:cNvPr id="149" name="Google Shape;149;p12:notes"/>
           <p:cNvSpPr>
             <a:spLocks noGrp="1" noRot="1" noChangeAspect="1"/>
           </p:cNvSpPr>
@@ -13919,1367 +12990,6 @@
   <p:cSld>
     <p:spTree>
       <p:nvGrpSpPr>
-        <p:cNvPr id="1" name=""/>
-        <p:cNvGrpSpPr/>
-        <p:nvPr/>
-      </p:nvGrpSpPr>
-      <p:grpSpPr>
-        <a:xfrm>
-          <a:off x="0" y="0"/>
-          <a:ext cx="0" cy="0"/>
-          <a:chOff x="0" y="0"/>
-          <a:chExt cx="0" cy="0"/>
-        </a:xfrm>
-      </p:grpSpPr>
-      <p:sp>
-        <p:nvSpPr>
-          <p:cNvPr id="2" name="Title 1"/>
-          <p:cNvSpPr>
-            <a:spLocks noGrp="1"/>
-          </p:cNvSpPr>
-          <p:nvPr>
-            <p:ph type="title"/>
-          </p:nvPr>
-        </p:nvSpPr>
-        <p:spPr/>
-        <p:txBody>
-          <a:bodyPr/>
-          <a:lstStyle/>
-          <a:p>
-            <a:r>
-              <a:rPr lang="en-US" sz="3200" dirty="0">
-                <a:latin typeface="Times New Roman" panose="02020603050405020304" pitchFamily="18" charset="0"/>
-                <a:cs typeface="Times New Roman" panose="02020603050405020304" pitchFamily="18" charset="0"/>
-              </a:rPr>
-              <a:t>Literature Review [3/6]</a:t>
-            </a:r>
-            <a:endParaRPr lang="en-GB" sz="3200" dirty="0"/>
-          </a:p>
-        </p:txBody>
-      </p:sp>
-      <p:sp>
-        <p:nvSpPr>
-          <p:cNvPr id="3" name="Text Placeholder 2"/>
-          <p:cNvSpPr>
-            <a:spLocks noGrp="1"/>
-          </p:cNvSpPr>
-          <p:nvPr>
-            <p:ph type="body" idx="1"/>
-          </p:nvPr>
-        </p:nvSpPr>
-        <p:spPr/>
-        <p:txBody>
-          <a:bodyPr/>
-          <a:lstStyle/>
-          <a:p>
-            <a:pPr marL="660400" indent="-457200" algn="just">
-              <a:spcBef>
-                <a:spcPts val="0"/>
-              </a:spcBef>
-              <a:buSzPts val="3200"/>
-            </a:pPr>
-            <a:r>
-              <a:rPr lang="en-US" sz="2300" b="1" dirty="0">
-                <a:latin typeface="Times New Roman" panose="02020603050405020304" pitchFamily="18" charset="0"/>
-                <a:ea typeface="Calibri" panose="020F0502020204030204" pitchFamily="34" charset="0"/>
-                <a:cs typeface="Times New Roman" panose="02020603050405020304" pitchFamily="18" charset="0"/>
-              </a:rPr>
-              <a:t>Total Daily Energy Expenditure (TDEE) </a:t>
-            </a:r>
-            <a:r>
-              <a:rPr lang="en-US" sz="2300" dirty="0">
-                <a:latin typeface="Times New Roman" panose="02020603050405020304" pitchFamily="18" charset="0"/>
-                <a:ea typeface="Calibri" panose="020F0502020204030204" pitchFamily="34" charset="0"/>
-                <a:cs typeface="Times New Roman" panose="02020603050405020304" pitchFamily="18" charset="0"/>
-              </a:rPr>
-              <a:t>[1]</a:t>
-            </a:r>
-          </a:p>
-          <a:p>
-            <a:pPr marL="1117600" lvl="1" indent="-457200" algn="just">
-              <a:spcBef>
-                <a:spcPts val="0"/>
-              </a:spcBef>
-              <a:buSzPts val="3200"/>
-            </a:pPr>
-            <a:r>
-              <a:rPr lang="en-US" sz="2300" dirty="0">
-                <a:latin typeface="Times New Roman" panose="02020603050405020304" pitchFamily="18" charset="0"/>
-                <a:ea typeface="Calibri" panose="020F0502020204030204" pitchFamily="34" charset="0"/>
-                <a:cs typeface="Times New Roman" panose="02020603050405020304" pitchFamily="18" charset="0"/>
-              </a:rPr>
-              <a:t> the total number of calories that your body burns in a day, encompassing all activities and physiological functions</a:t>
-            </a:r>
-          </a:p>
-          <a:p>
-            <a:pPr marL="660400" indent="-457200" algn="just">
-              <a:spcBef>
-                <a:spcPts val="0"/>
-              </a:spcBef>
-              <a:buSzPts val="3200"/>
-            </a:pPr>
-            <a:r>
-              <a:rPr lang="en-US" sz="2300" dirty="0">
-                <a:latin typeface="Times New Roman" panose="02020603050405020304" pitchFamily="18" charset="0"/>
-                <a:ea typeface="Calibri" panose="020F0502020204030204" pitchFamily="34" charset="0"/>
-                <a:cs typeface="Times New Roman" panose="02020603050405020304" pitchFamily="18" charset="0"/>
-              </a:rPr>
-              <a:t>TDEE is crucial for weight management [1]</a:t>
-            </a:r>
-          </a:p>
-          <a:p>
-            <a:pPr marL="1117600" lvl="1" indent="-457200" algn="just">
-              <a:spcBef>
-                <a:spcPts val="0"/>
-              </a:spcBef>
-              <a:buSzPts val="3200"/>
-            </a:pPr>
-            <a:r>
-              <a:rPr lang="en-US" sz="2300" dirty="0">
-                <a:latin typeface="Times New Roman" panose="02020603050405020304" pitchFamily="18" charset="0"/>
-                <a:ea typeface="Calibri" panose="020F0502020204030204" pitchFamily="34" charset="0"/>
-                <a:cs typeface="Times New Roman" panose="02020603050405020304" pitchFamily="18" charset="0"/>
-              </a:rPr>
-              <a:t>Sedentary (little or no exercise): REE × 1.2</a:t>
-            </a:r>
-          </a:p>
-          <a:p>
-            <a:pPr marL="1117600" lvl="1" indent="-457200" algn="just">
-              <a:spcBef>
-                <a:spcPts val="0"/>
-              </a:spcBef>
-              <a:buSzPts val="3200"/>
-            </a:pPr>
-            <a:r>
-              <a:rPr lang="en-US" sz="2300" dirty="0">
-                <a:latin typeface="Times New Roman" panose="02020603050405020304" pitchFamily="18" charset="0"/>
-                <a:ea typeface="Calibri" panose="020F0502020204030204" pitchFamily="34" charset="0"/>
-                <a:cs typeface="Times New Roman" panose="02020603050405020304" pitchFamily="18" charset="0"/>
-              </a:rPr>
-              <a:t>Lightly active (sports 1-3 days/week): REE × 1.375</a:t>
-            </a:r>
-          </a:p>
-          <a:p>
-            <a:pPr marL="1117600" lvl="1" indent="-457200" algn="just">
-              <a:spcBef>
-                <a:spcPts val="0"/>
-              </a:spcBef>
-              <a:buSzPts val="3200"/>
-            </a:pPr>
-            <a:r>
-              <a:rPr lang="en-US" sz="2300" dirty="0">
-                <a:latin typeface="Times New Roman" panose="02020603050405020304" pitchFamily="18" charset="0"/>
-                <a:ea typeface="Calibri" panose="020F0502020204030204" pitchFamily="34" charset="0"/>
-                <a:cs typeface="Times New Roman" panose="02020603050405020304" pitchFamily="18" charset="0"/>
-              </a:rPr>
-              <a:t>Moderately active (sports 3-5 days/week): REE × 1.55</a:t>
-            </a:r>
-          </a:p>
-          <a:p>
-            <a:pPr marL="1117600" lvl="1" indent="-457200" algn="just">
-              <a:spcBef>
-                <a:spcPts val="0"/>
-              </a:spcBef>
-              <a:buSzPts val="3200"/>
-            </a:pPr>
-            <a:r>
-              <a:rPr lang="en-US" sz="2300" dirty="0">
-                <a:latin typeface="Times New Roman" panose="02020603050405020304" pitchFamily="18" charset="0"/>
-                <a:ea typeface="Calibri" panose="020F0502020204030204" pitchFamily="34" charset="0"/>
-                <a:cs typeface="Times New Roman" panose="02020603050405020304" pitchFamily="18" charset="0"/>
-              </a:rPr>
-              <a:t>Very active (sports 6-7 days a week): REE × 1.725</a:t>
-            </a:r>
-          </a:p>
-          <a:p>
-            <a:pPr marL="1117600" lvl="1" indent="-457200" algn="just">
-              <a:spcBef>
-                <a:spcPts val="0"/>
-              </a:spcBef>
-              <a:buSzPts val="3200"/>
-            </a:pPr>
-            <a:r>
-              <a:rPr lang="en-US" sz="2300" dirty="0">
-                <a:latin typeface="Times New Roman" panose="02020603050405020304" pitchFamily="18" charset="0"/>
-                <a:ea typeface="Calibri" panose="020F0502020204030204" pitchFamily="34" charset="0"/>
-                <a:cs typeface="Times New Roman" panose="02020603050405020304" pitchFamily="18" charset="0"/>
-              </a:rPr>
-              <a:t>Extra active (very hard exercise, training twice a day): REE × 1.9</a:t>
-            </a:r>
-          </a:p>
-        </p:txBody>
-      </p:sp>
-      <p:sp>
-        <p:nvSpPr>
-          <p:cNvPr id="4" name="Rectangle 3"/>
-          <p:cNvSpPr/>
-          <p:nvPr/>
-        </p:nvSpPr>
-        <p:spPr>
-          <a:xfrm>
-            <a:off x="2298474" y="6154836"/>
-            <a:ext cx="3728906" cy="307777"/>
-          </a:xfrm>
-          <a:prstGeom prst="rect">
-            <a:avLst/>
-          </a:prstGeom>
-        </p:spPr>
-        <p:txBody>
-          <a:bodyPr wrap="none">
-            <a:spAutoFit/>
-          </a:bodyPr>
-          <a:lstStyle/>
-          <a:p>
-            <a:r>
-              <a:rPr lang="en-US" dirty="0">
-                <a:solidFill>
-                  <a:schemeClr val="bg1"/>
-                </a:solidFill>
-                <a:latin typeface="Calibri" panose="020F0502020204030204" pitchFamily="34" charset="0"/>
-                <a:ea typeface="Calibri" panose="020F0502020204030204" pitchFamily="34" charset="0"/>
-                <a:cs typeface="Calibri" panose="020F0502020204030204" pitchFamily="34" charset="0"/>
-              </a:rPr>
-              <a:t>[1] </a:t>
-            </a:r>
-            <a:r>
-              <a:rPr lang="en-US" dirty="0">
-                <a:solidFill>
-                  <a:schemeClr val="bg1"/>
-                </a:solidFill>
-                <a:latin typeface="Calibri" panose="020F0502020204030204" pitchFamily="34" charset="0"/>
-                <a:ea typeface="Calibri" panose="020F0502020204030204" pitchFamily="34" charset="0"/>
-                <a:cs typeface="Calibri" panose="020F0502020204030204" pitchFamily="34" charset="0"/>
-                <a:hlinkClick r:id="rId2">
-                  <a:extLst>
-                    <a:ext uri="{A12FA001-AC4F-418D-AE19-62706E023703}">
-                      <ahyp:hlinkClr xmlns:ahyp="http://schemas.microsoft.com/office/drawing/2018/hyperlinkcolor" val="tx"/>
-                    </a:ext>
-                  </a:extLst>
-                </a:hlinkClick>
-              </a:rPr>
-              <a:t>https://pubmed.ncbi.nlm.nih.gov/16020440/</a:t>
-            </a:r>
-            <a:endParaRPr lang="en-US" dirty="0">
-              <a:solidFill>
-                <a:schemeClr val="bg1"/>
-              </a:solidFill>
-              <a:latin typeface="Calibri" panose="020F0502020204030204" pitchFamily="34" charset="0"/>
-              <a:ea typeface="Calibri" panose="020F0502020204030204" pitchFamily="34" charset="0"/>
-              <a:cs typeface="Calibri" panose="020F0502020204030204" pitchFamily="34" charset="0"/>
-            </a:endParaRPr>
-          </a:p>
-        </p:txBody>
-      </p:sp>
-    </p:spTree>
-    <p:extLst>
-      <p:ext uri="{BB962C8B-B14F-4D97-AF65-F5344CB8AC3E}">
-        <p14:creationId xmlns:p14="http://schemas.microsoft.com/office/powerpoint/2010/main" val="3309318512"/>
-      </p:ext>
-    </p:extLst>
-  </p:cSld>
-  <p:clrMapOvr>
-    <a:masterClrMapping/>
-  </p:clrMapOvr>
-</p:sld>
-</file>
-
-<file path=ppt/slides/slide11.xml><?xml version="1.0" encoding="utf-8"?>
-<p:sld xmlns:a="http://schemas.openxmlformats.org/drawingml/2006/main" xmlns:r="http://schemas.openxmlformats.org/officeDocument/2006/relationships" xmlns:p="http://schemas.openxmlformats.org/presentationml/2006/main">
-  <p:cSld>
-    <p:spTree>
-      <p:nvGrpSpPr>
-        <p:cNvPr id="1" name=""/>
-        <p:cNvGrpSpPr/>
-        <p:nvPr/>
-      </p:nvGrpSpPr>
-      <p:grpSpPr>
-        <a:xfrm>
-          <a:off x="0" y="0"/>
-          <a:ext cx="0" cy="0"/>
-          <a:chOff x="0" y="0"/>
-          <a:chExt cx="0" cy="0"/>
-        </a:xfrm>
-      </p:grpSpPr>
-      <p:sp>
-        <p:nvSpPr>
-          <p:cNvPr id="2" name="Title 1"/>
-          <p:cNvSpPr>
-            <a:spLocks noGrp="1"/>
-          </p:cNvSpPr>
-          <p:nvPr>
-            <p:ph type="title"/>
-          </p:nvPr>
-        </p:nvSpPr>
-        <p:spPr/>
-        <p:txBody>
-          <a:bodyPr/>
-          <a:lstStyle/>
-          <a:p>
-            <a:r>
-              <a:rPr lang="en-US" sz="3200" dirty="0">
-                <a:latin typeface="Times New Roman" panose="02020603050405020304" pitchFamily="18" charset="0"/>
-                <a:cs typeface="Times New Roman" panose="02020603050405020304" pitchFamily="18" charset="0"/>
-              </a:rPr>
-              <a:t>Literature Review [4/6]</a:t>
-            </a:r>
-            <a:endParaRPr lang="en-GB" sz="3200" dirty="0"/>
-          </a:p>
-        </p:txBody>
-      </p:sp>
-      <p:sp>
-        <p:nvSpPr>
-          <p:cNvPr id="3" name="Text Placeholder 2"/>
-          <p:cNvSpPr>
-            <a:spLocks noGrp="1"/>
-          </p:cNvSpPr>
-          <p:nvPr>
-            <p:ph type="body" idx="1"/>
-          </p:nvPr>
-        </p:nvSpPr>
-        <p:spPr/>
-        <p:txBody>
-          <a:bodyPr/>
-          <a:lstStyle/>
-          <a:p>
-            <a:pPr marL="660400" indent="-457200">
-              <a:spcBef>
-                <a:spcPts val="0"/>
-              </a:spcBef>
-              <a:buSzPts val="3200"/>
-            </a:pPr>
-            <a:r>
-              <a:rPr lang="en-US" sz="2400" b="1" dirty="0">
-                <a:latin typeface="Times New Roman" panose="02020603050405020304" pitchFamily="18" charset="0"/>
-                <a:ea typeface="Calibri" panose="020F0502020204030204" pitchFamily="34" charset="0"/>
-                <a:cs typeface="Times New Roman" panose="02020603050405020304" pitchFamily="18" charset="0"/>
-              </a:rPr>
-              <a:t>Weight loss [1]</a:t>
-            </a:r>
-          </a:p>
-          <a:p>
-            <a:pPr marL="1117600" lvl="1" indent="-457200">
-              <a:spcBef>
-                <a:spcPts val="0"/>
-              </a:spcBef>
-              <a:buSzPts val="3200"/>
-            </a:pPr>
-            <a:r>
-              <a:rPr lang="en-US" sz="2400" dirty="0">
-                <a:latin typeface="Times New Roman" panose="02020603050405020304" pitchFamily="18" charset="0"/>
-                <a:ea typeface="Calibri" panose="020F0502020204030204" pitchFamily="34" charset="0"/>
-                <a:cs typeface="Times New Roman" panose="02020603050405020304" pitchFamily="18" charset="0"/>
-              </a:rPr>
-              <a:t>At moderate Pace: </a:t>
-            </a:r>
-            <a:r>
-              <a:rPr lang="en-US" sz="2400" b="1" i="1" dirty="0">
-                <a:latin typeface="Times New Roman" panose="02020603050405020304" pitchFamily="18" charset="0"/>
-                <a:ea typeface="Calibri" panose="020F0502020204030204" pitchFamily="34" charset="0"/>
-                <a:cs typeface="Times New Roman" panose="02020603050405020304" pitchFamily="18" charset="0"/>
-              </a:rPr>
-              <a:t>Calories Intake=TDEE−500 </a:t>
-            </a:r>
-          </a:p>
-          <a:p>
-            <a:pPr marL="1117600" lvl="1" indent="-457200">
-              <a:spcBef>
-                <a:spcPts val="0"/>
-              </a:spcBef>
-              <a:buSzPts val="3200"/>
-            </a:pPr>
-            <a:r>
-              <a:rPr lang="en-US" sz="2400" dirty="0">
-                <a:latin typeface="Times New Roman" panose="02020603050405020304" pitchFamily="18" charset="0"/>
-                <a:ea typeface="Calibri" panose="020F0502020204030204" pitchFamily="34" charset="0"/>
-                <a:cs typeface="Times New Roman" panose="02020603050405020304" pitchFamily="18" charset="0"/>
-              </a:rPr>
-              <a:t>At faster Pace: </a:t>
-            </a:r>
-            <a:r>
-              <a:rPr lang="en-US" sz="2400" b="1" i="1" dirty="0">
-                <a:latin typeface="Times New Roman" panose="02020603050405020304" pitchFamily="18" charset="0"/>
-                <a:ea typeface="Calibri" panose="020F0502020204030204" pitchFamily="34" charset="0"/>
-                <a:cs typeface="Times New Roman" panose="02020603050405020304" pitchFamily="18" charset="0"/>
-              </a:rPr>
-              <a:t>Calories Intake=TDEE−1000</a:t>
-            </a:r>
-          </a:p>
-          <a:p>
-            <a:pPr marL="660400" indent="-457200">
-              <a:spcBef>
-                <a:spcPts val="0"/>
-              </a:spcBef>
-              <a:buSzPts val="3200"/>
-            </a:pPr>
-            <a:r>
-              <a:rPr lang="en-US" sz="2400" b="1" dirty="0">
-                <a:latin typeface="Times New Roman" panose="02020603050405020304" pitchFamily="18" charset="0"/>
-                <a:ea typeface="Calibri" panose="020F0502020204030204" pitchFamily="34" charset="0"/>
-                <a:cs typeface="Times New Roman" panose="02020603050405020304" pitchFamily="18" charset="0"/>
-              </a:rPr>
-              <a:t>Weight Gain [1]</a:t>
-            </a:r>
-          </a:p>
-          <a:p>
-            <a:pPr marL="1117600" lvl="1" indent="-457200">
-              <a:spcBef>
-                <a:spcPts val="0"/>
-              </a:spcBef>
-              <a:buSzPts val="3200"/>
-            </a:pPr>
-            <a:r>
-              <a:rPr lang="en-US" sz="2400" dirty="0">
-                <a:latin typeface="Times New Roman" panose="02020603050405020304" pitchFamily="18" charset="0"/>
-                <a:ea typeface="Calibri" panose="020F0502020204030204" pitchFamily="34" charset="0"/>
-                <a:cs typeface="Times New Roman" panose="02020603050405020304" pitchFamily="18" charset="0"/>
-              </a:rPr>
-              <a:t>At moderate Pace: </a:t>
-            </a:r>
-            <a:r>
-              <a:rPr lang="en-US" sz="2400" b="1" i="1" dirty="0">
-                <a:latin typeface="Times New Roman" panose="02020603050405020304" pitchFamily="18" charset="0"/>
-                <a:ea typeface="Calibri" panose="020F0502020204030204" pitchFamily="34" charset="0"/>
-                <a:cs typeface="Times New Roman" panose="02020603050405020304" pitchFamily="18" charset="0"/>
-              </a:rPr>
-              <a:t>Calories Intake=TDEE+500 </a:t>
-            </a:r>
-          </a:p>
-          <a:p>
-            <a:pPr marL="1117600" lvl="1" indent="-457200">
-              <a:spcBef>
-                <a:spcPts val="0"/>
-              </a:spcBef>
-              <a:buSzPts val="3200"/>
-            </a:pPr>
-            <a:r>
-              <a:rPr lang="en-US" sz="2400" dirty="0">
-                <a:latin typeface="Times New Roman" panose="02020603050405020304" pitchFamily="18" charset="0"/>
-                <a:ea typeface="Calibri" panose="020F0502020204030204" pitchFamily="34" charset="0"/>
-                <a:cs typeface="Times New Roman" panose="02020603050405020304" pitchFamily="18" charset="0"/>
-              </a:rPr>
-              <a:t>At faster Pace: </a:t>
-            </a:r>
-            <a:r>
-              <a:rPr lang="en-US" sz="2400" b="1" i="1" dirty="0">
-                <a:latin typeface="Times New Roman" panose="02020603050405020304" pitchFamily="18" charset="0"/>
-                <a:ea typeface="Calibri" panose="020F0502020204030204" pitchFamily="34" charset="0"/>
-                <a:cs typeface="Times New Roman" panose="02020603050405020304" pitchFamily="18" charset="0"/>
-              </a:rPr>
-              <a:t>Calories Intake=TDEE+1000</a:t>
-            </a:r>
-          </a:p>
-          <a:p>
-            <a:pPr marL="660400" indent="-457200">
-              <a:spcBef>
-                <a:spcPts val="0"/>
-              </a:spcBef>
-              <a:buSzPts val="3200"/>
-            </a:pPr>
-            <a:r>
-              <a:rPr lang="en-US" sz="2400" b="1" dirty="0">
-                <a:latin typeface="Times New Roman" panose="02020603050405020304" pitchFamily="18" charset="0"/>
-                <a:ea typeface="Calibri" panose="020F0502020204030204" pitchFamily="34" charset="0"/>
-                <a:cs typeface="Times New Roman" panose="02020603050405020304" pitchFamily="18" charset="0"/>
-              </a:rPr>
-              <a:t>Maintenance [1]</a:t>
-            </a:r>
-          </a:p>
-          <a:p>
-            <a:pPr marL="1117600" lvl="1" indent="-457200">
-              <a:spcBef>
-                <a:spcPts val="0"/>
-              </a:spcBef>
-              <a:buSzPts val="3200"/>
-            </a:pPr>
-            <a:r>
-              <a:rPr lang="en-US" sz="2400" b="1" i="1" dirty="0">
-                <a:latin typeface="Times New Roman" panose="02020603050405020304" pitchFamily="18" charset="0"/>
-                <a:ea typeface="Calibri" panose="020F0502020204030204" pitchFamily="34" charset="0"/>
-                <a:cs typeface="Times New Roman" panose="02020603050405020304" pitchFamily="18" charset="0"/>
-              </a:rPr>
-              <a:t>Calories Intake=TDEE</a:t>
-            </a:r>
-          </a:p>
-          <a:p>
-            <a:endParaRPr lang="en-GB" dirty="0"/>
-          </a:p>
-        </p:txBody>
-      </p:sp>
-      <p:sp>
-        <p:nvSpPr>
-          <p:cNvPr id="4" name="Rectangle 3"/>
-          <p:cNvSpPr/>
-          <p:nvPr/>
-        </p:nvSpPr>
-        <p:spPr>
-          <a:xfrm>
-            <a:off x="2322537" y="6308725"/>
-            <a:ext cx="3728906" cy="307777"/>
-          </a:xfrm>
-          <a:prstGeom prst="rect">
-            <a:avLst/>
-          </a:prstGeom>
-        </p:spPr>
-        <p:txBody>
-          <a:bodyPr wrap="none">
-            <a:spAutoFit/>
-          </a:bodyPr>
-          <a:lstStyle/>
-          <a:p>
-            <a:r>
-              <a:rPr lang="en-US" dirty="0">
-                <a:solidFill>
-                  <a:schemeClr val="bg1"/>
-                </a:solidFill>
-                <a:latin typeface="Calibri" panose="020F0502020204030204" pitchFamily="34" charset="0"/>
-                <a:ea typeface="Calibri" panose="020F0502020204030204" pitchFamily="34" charset="0"/>
-                <a:cs typeface="Calibri" panose="020F0502020204030204" pitchFamily="34" charset="0"/>
-              </a:rPr>
-              <a:t>[1] </a:t>
-            </a:r>
-            <a:r>
-              <a:rPr lang="en-US" dirty="0">
-                <a:solidFill>
-                  <a:schemeClr val="bg1"/>
-                </a:solidFill>
-                <a:latin typeface="Calibri" panose="020F0502020204030204" pitchFamily="34" charset="0"/>
-                <a:ea typeface="Calibri" panose="020F0502020204030204" pitchFamily="34" charset="0"/>
-                <a:cs typeface="Calibri" panose="020F0502020204030204" pitchFamily="34" charset="0"/>
-                <a:hlinkClick r:id="rId2">
-                  <a:extLst>
-                    <a:ext uri="{A12FA001-AC4F-418D-AE19-62706E023703}">
-                      <ahyp:hlinkClr xmlns:ahyp="http://schemas.microsoft.com/office/drawing/2018/hyperlinkcolor" val="tx"/>
-                    </a:ext>
-                  </a:extLst>
-                </a:hlinkClick>
-              </a:rPr>
-              <a:t>https://pubmed.ncbi.nlm.nih.gov/16020440/</a:t>
-            </a:r>
-            <a:endParaRPr lang="en-US" dirty="0">
-              <a:solidFill>
-                <a:schemeClr val="bg1"/>
-              </a:solidFill>
-              <a:latin typeface="Calibri" panose="020F0502020204030204" pitchFamily="34" charset="0"/>
-              <a:ea typeface="Calibri" panose="020F0502020204030204" pitchFamily="34" charset="0"/>
-              <a:cs typeface="Calibri" panose="020F0502020204030204" pitchFamily="34" charset="0"/>
-            </a:endParaRPr>
-          </a:p>
-        </p:txBody>
-      </p:sp>
-    </p:spTree>
-    <p:extLst>
-      <p:ext uri="{BB962C8B-B14F-4D97-AF65-F5344CB8AC3E}">
-        <p14:creationId xmlns:p14="http://schemas.microsoft.com/office/powerpoint/2010/main" val="324375236"/>
-      </p:ext>
-    </p:extLst>
-  </p:cSld>
-  <p:clrMapOvr>
-    <a:masterClrMapping/>
-  </p:clrMapOvr>
-</p:sld>
-</file>
-
-<file path=ppt/slides/slide12.xml><?xml version="1.0" encoding="utf-8"?>
-<p:sld xmlns:a="http://schemas.openxmlformats.org/drawingml/2006/main" xmlns:r="http://schemas.openxmlformats.org/officeDocument/2006/relationships" xmlns:p="http://schemas.openxmlformats.org/presentationml/2006/main">
-  <p:cSld>
-    <p:spTree>
-      <p:nvGrpSpPr>
-        <p:cNvPr id="1" name=""/>
-        <p:cNvGrpSpPr/>
-        <p:nvPr/>
-      </p:nvGrpSpPr>
-      <p:grpSpPr>
-        <a:xfrm>
-          <a:off x="0" y="0"/>
-          <a:ext cx="0" cy="0"/>
-          <a:chOff x="0" y="0"/>
-          <a:chExt cx="0" cy="0"/>
-        </a:xfrm>
-      </p:grpSpPr>
-      <p:sp>
-        <p:nvSpPr>
-          <p:cNvPr id="2" name="Title 1"/>
-          <p:cNvSpPr>
-            <a:spLocks noGrp="1"/>
-          </p:cNvSpPr>
-          <p:nvPr>
-            <p:ph type="title"/>
-          </p:nvPr>
-        </p:nvSpPr>
-        <p:spPr/>
-        <p:txBody>
-          <a:bodyPr/>
-          <a:lstStyle/>
-          <a:p>
-            <a:r>
-              <a:rPr lang="en-US" sz="3200" dirty="0">
-                <a:latin typeface="Times New Roman" panose="02020603050405020304" pitchFamily="18" charset="0"/>
-                <a:cs typeface="Times New Roman" panose="02020603050405020304" pitchFamily="18" charset="0"/>
-              </a:rPr>
-              <a:t>Literature Review [5/6]</a:t>
-            </a:r>
-            <a:endParaRPr lang="en-GB" sz="3200" dirty="0"/>
-          </a:p>
-        </p:txBody>
-      </p:sp>
-      <p:graphicFrame>
-        <p:nvGraphicFramePr>
-          <p:cNvPr id="5" name="Table 4"/>
-          <p:cNvGraphicFramePr>
-            <a:graphicFrameLocks noGrp="1"/>
-          </p:cNvGraphicFramePr>
-          <p:nvPr>
-            <p:extLst>
-              <p:ext uri="{D42A27DB-BD31-4B8C-83A1-F6EECF244321}">
-                <p14:modId xmlns:p14="http://schemas.microsoft.com/office/powerpoint/2010/main" val="18840931"/>
-              </p:ext>
-            </p:extLst>
-          </p:nvPr>
-        </p:nvGraphicFramePr>
-        <p:xfrm>
-          <a:off x="517358" y="1417638"/>
-          <a:ext cx="8169442" cy="3884867"/>
-        </p:xfrm>
-        <a:graphic>
-          <a:graphicData uri="http://schemas.openxmlformats.org/drawingml/2006/table">
-            <a:tbl>
-              <a:tblPr>
-                <a:tableStyleId>{3C2FFA5D-87B4-456A-9821-1D502468CF0F}</a:tableStyleId>
-              </a:tblPr>
-              <a:tblGrid>
-                <a:gridCol w="532651">
-                  <a:extLst>
-                    <a:ext uri="{9D8B030D-6E8A-4147-A177-3AD203B41FA5}">
-                      <a16:colId xmlns:a16="http://schemas.microsoft.com/office/drawing/2014/main" val="1405165925"/>
-                    </a:ext>
-                  </a:extLst>
-                </a:gridCol>
-                <a:gridCol w="1801475">
-                  <a:extLst>
-                    <a:ext uri="{9D8B030D-6E8A-4147-A177-3AD203B41FA5}">
-                      <a16:colId xmlns:a16="http://schemas.microsoft.com/office/drawing/2014/main" val="2357314824"/>
-                    </a:ext>
-                  </a:extLst>
-                </a:gridCol>
-                <a:gridCol w="1289606">
-                  <a:extLst>
-                    <a:ext uri="{9D8B030D-6E8A-4147-A177-3AD203B41FA5}">
-                      <a16:colId xmlns:a16="http://schemas.microsoft.com/office/drawing/2014/main" val="2254286288"/>
-                    </a:ext>
-                  </a:extLst>
-                </a:gridCol>
-                <a:gridCol w="997091">
-                  <a:extLst>
-                    <a:ext uri="{9D8B030D-6E8A-4147-A177-3AD203B41FA5}">
-                      <a16:colId xmlns:a16="http://schemas.microsoft.com/office/drawing/2014/main" val="826431937"/>
-                    </a:ext>
-                  </a:extLst>
-                </a:gridCol>
-                <a:gridCol w="1214491">
-                  <a:extLst>
-                    <a:ext uri="{9D8B030D-6E8A-4147-A177-3AD203B41FA5}">
-                      <a16:colId xmlns:a16="http://schemas.microsoft.com/office/drawing/2014/main" val="4132389230"/>
-                    </a:ext>
-                  </a:extLst>
-                </a:gridCol>
-                <a:gridCol w="1167064">
-                  <a:extLst>
-                    <a:ext uri="{9D8B030D-6E8A-4147-A177-3AD203B41FA5}">
-                      <a16:colId xmlns:a16="http://schemas.microsoft.com/office/drawing/2014/main" val="4068328300"/>
-                    </a:ext>
-                  </a:extLst>
-                </a:gridCol>
-                <a:gridCol w="1167064">
-                  <a:extLst>
-                    <a:ext uri="{9D8B030D-6E8A-4147-A177-3AD203B41FA5}">
-                      <a16:colId xmlns:a16="http://schemas.microsoft.com/office/drawing/2014/main" val="4030771702"/>
-                    </a:ext>
-                  </a:extLst>
-                </a:gridCol>
-              </a:tblGrid>
-              <a:tr h="254829">
-                <a:tc>
-                  <a:txBody>
-                    <a:bodyPr/>
-                    <a:lstStyle/>
-                    <a:p>
-                      <a:r>
-                        <a:rPr lang="en-GB" sz="1200" dirty="0"/>
-                        <a:t>No.</a:t>
-                      </a:r>
-                      <a:endParaRPr lang="en-GB" sz="1200" b="1" dirty="0"/>
-                    </a:p>
-                  </a:txBody>
-                  <a:tcPr marL="41145" marR="41145" marT="20573" marB="20573" anchor="ctr"/>
-                </a:tc>
-                <a:tc>
-                  <a:txBody>
-                    <a:bodyPr/>
-                    <a:lstStyle/>
-                    <a:p>
-                      <a:r>
-                        <a:rPr lang="en-GB" sz="1200" dirty="0"/>
-                        <a:t>Name, Reference</a:t>
-                      </a:r>
-                      <a:endParaRPr lang="en-GB" sz="1200" b="1" dirty="0"/>
-                    </a:p>
-                  </a:txBody>
-                  <a:tcPr marL="41145" marR="41145" marT="20573" marB="20573" anchor="ctr"/>
-                </a:tc>
-                <a:tc>
-                  <a:txBody>
-                    <a:bodyPr/>
-                    <a:lstStyle/>
-                    <a:p>
-                      <a:r>
-                        <a:rPr lang="en-GB" sz="1200" dirty="0"/>
-                        <a:t>Inventor/Authors</a:t>
-                      </a:r>
-                      <a:endParaRPr lang="en-GB" sz="1200" b="1" dirty="0"/>
-                    </a:p>
-                  </a:txBody>
-                  <a:tcPr marL="41145" marR="41145" marT="20573" marB="20573" anchor="ctr"/>
-                </a:tc>
-                <a:tc>
-                  <a:txBody>
-                    <a:bodyPr/>
-                    <a:lstStyle/>
-                    <a:p>
-                      <a:r>
-                        <a:rPr lang="en-GB" sz="1200" dirty="0"/>
-                        <a:t>Year</a:t>
-                      </a:r>
-                      <a:endParaRPr lang="en-GB" sz="1200" b="1" dirty="0"/>
-                    </a:p>
-                  </a:txBody>
-                  <a:tcPr marL="41145" marR="41145" marT="20573" marB="20573" anchor="ctr"/>
-                </a:tc>
-                <a:tc>
-                  <a:txBody>
-                    <a:bodyPr/>
-                    <a:lstStyle/>
-                    <a:p>
-                      <a:r>
-                        <a:rPr lang="en-GB" sz="1200" dirty="0"/>
-                        <a:t>Input</a:t>
-                      </a:r>
-                      <a:endParaRPr lang="en-GB" sz="1200" b="1" dirty="0"/>
-                    </a:p>
-                  </a:txBody>
-                  <a:tcPr marL="41145" marR="41145" marT="20573" marB="20573" anchor="ctr"/>
-                </a:tc>
-                <a:tc>
-                  <a:txBody>
-                    <a:bodyPr/>
-                    <a:lstStyle/>
-                    <a:p>
-                      <a:r>
-                        <a:rPr lang="en-GB" sz="1200" dirty="0"/>
-                        <a:t>Output</a:t>
-                      </a:r>
-                      <a:endParaRPr lang="en-GB" sz="1200" b="1" dirty="0"/>
-                    </a:p>
-                  </a:txBody>
-                  <a:tcPr marL="41145" marR="41145" marT="20573" marB="20573" anchor="ctr"/>
-                </a:tc>
-                <a:tc>
-                  <a:txBody>
-                    <a:bodyPr/>
-                    <a:lstStyle/>
-                    <a:p>
-                      <a:r>
-                        <a:rPr lang="en-GB" sz="1200" dirty="0"/>
-                        <a:t>Description</a:t>
-                      </a:r>
-                      <a:endParaRPr lang="en-GB" sz="1200" b="1" dirty="0"/>
-                    </a:p>
-                  </a:txBody>
-                  <a:tcPr marL="41145" marR="41145" marT="20573" marB="20573" anchor="ctr"/>
-                </a:tc>
-                <a:extLst>
-                  <a:ext uri="{0D108BD9-81ED-4DB2-BD59-A6C34878D82A}">
-                    <a16:rowId xmlns:a16="http://schemas.microsoft.com/office/drawing/2014/main" val="4183202681"/>
-                  </a:ext>
-                </a:extLst>
-              </a:tr>
-              <a:tr h="1711006">
-                <a:tc>
-                  <a:txBody>
-                    <a:bodyPr/>
-                    <a:lstStyle/>
-                    <a:p>
-                      <a:r>
-                        <a:rPr lang="en-GB" sz="1200" dirty="0"/>
-                        <a:t>1</a:t>
-                      </a:r>
-                      <a:endParaRPr lang="en-GB" sz="1200" b="1" dirty="0"/>
-                    </a:p>
-                  </a:txBody>
-                  <a:tcPr marL="41145" marR="41145" marT="20573" marB="20573" anchor="ctr"/>
-                </a:tc>
-                <a:tc>
-                  <a:txBody>
-                    <a:bodyPr/>
-                    <a:lstStyle/>
-                    <a:p>
-                      <a:r>
-                        <a:rPr lang="en-GB" sz="1200" dirty="0"/>
-                        <a:t>Diet Recommendation System Using Machine Learning</a:t>
-                      </a:r>
-                    </a:p>
-                  </a:txBody>
-                  <a:tcPr marL="41145" marR="41145" marT="20573" marB="20573" anchor="ctr"/>
-                </a:tc>
-                <a:tc>
-                  <a:txBody>
-                    <a:bodyPr/>
-                    <a:lstStyle/>
-                    <a:p>
-                      <a:r>
-                        <a:rPr lang="en-GB" sz="1200"/>
-                        <a:t>Reema Golagana, V. Sravani, T. Mohan Reddy, CH Kavitha</a:t>
-                      </a:r>
-                    </a:p>
-                  </a:txBody>
-                  <a:tcPr marL="41145" marR="41145" marT="20573" marB="20573" anchor="ctr"/>
-                </a:tc>
-                <a:tc>
-                  <a:txBody>
-                    <a:bodyPr/>
-                    <a:lstStyle/>
-                    <a:p>
-                      <a:r>
-                        <a:rPr lang="en-GB" sz="1200"/>
-                        <a:t>2023</a:t>
-                      </a:r>
-                    </a:p>
-                  </a:txBody>
-                  <a:tcPr marL="41145" marR="41145" marT="20573" marB="20573" anchor="ctr"/>
-                </a:tc>
-                <a:tc>
-                  <a:txBody>
-                    <a:bodyPr/>
-                    <a:lstStyle/>
-                    <a:p>
-                      <a:r>
-                        <a:rPr lang="en-GB" sz="1200" dirty="0"/>
-                        <a:t>User data (BMI, preferences)</a:t>
-                      </a:r>
-                    </a:p>
-                  </a:txBody>
-                  <a:tcPr marL="41145" marR="41145" marT="20573" marB="20573" anchor="ctr"/>
-                </a:tc>
-                <a:tc>
-                  <a:txBody>
-                    <a:bodyPr/>
-                    <a:lstStyle/>
-                    <a:p>
-                      <a:r>
-                        <a:rPr lang="en-GB" sz="1200" dirty="0"/>
-                        <a:t>Giving</a:t>
-                      </a:r>
-                      <a:r>
-                        <a:rPr lang="en-GB" sz="1200" baseline="0" dirty="0"/>
-                        <a:t> </a:t>
-                      </a:r>
-                      <a:r>
-                        <a:rPr lang="en-GB" sz="1200" dirty="0"/>
-                        <a:t>diet plans</a:t>
-                      </a:r>
-                    </a:p>
-                  </a:txBody>
-                  <a:tcPr marL="41145" marR="41145" marT="20573" marB="20573" anchor="ctr"/>
-                </a:tc>
-                <a:tc>
-                  <a:txBody>
-                    <a:bodyPr/>
-                    <a:lstStyle/>
-                    <a:p>
-                      <a:r>
-                        <a:rPr lang="en-GB" sz="1200" dirty="0"/>
-                        <a:t>Uses Random Forest, K-Means, and LSTM for generating tailored diet recommendations.</a:t>
-                      </a:r>
-                    </a:p>
-                  </a:txBody>
-                  <a:tcPr marL="41145" marR="41145" marT="20573" marB="20573" anchor="ctr"/>
-                </a:tc>
-                <a:extLst>
-                  <a:ext uri="{0D108BD9-81ED-4DB2-BD59-A6C34878D82A}">
-                    <a16:rowId xmlns:a16="http://schemas.microsoft.com/office/drawing/2014/main" val="632372133"/>
-                  </a:ext>
-                </a:extLst>
-              </a:tr>
-              <a:tr h="1919032">
-                <a:tc>
-                  <a:txBody>
-                    <a:bodyPr/>
-                    <a:lstStyle/>
-                    <a:p>
-                      <a:r>
-                        <a:rPr lang="en-GB" sz="1200" dirty="0"/>
-                        <a:t>2</a:t>
-                      </a:r>
-                      <a:endParaRPr lang="en-GB" sz="1200" b="1" dirty="0"/>
-                    </a:p>
-                  </a:txBody>
-                  <a:tcPr marL="41145" marR="41145" marT="20573" marB="20573" anchor="ctr"/>
-                </a:tc>
-                <a:tc>
-                  <a:txBody>
-                    <a:bodyPr/>
-                    <a:lstStyle/>
-                    <a:p>
-                      <a:r>
-                        <a:rPr lang="en-GB" sz="1200" dirty="0"/>
-                        <a:t>Multi-Choice Diet Recommendation Application for Indian Scenario</a:t>
-                      </a:r>
-                    </a:p>
-                  </a:txBody>
-                  <a:tcPr marL="41145" marR="41145" marT="20573" marB="20573" anchor="ctr"/>
-                </a:tc>
-                <a:tc>
-                  <a:txBody>
-                    <a:bodyPr/>
-                    <a:lstStyle/>
-                    <a:p>
-                      <a:r>
-                        <a:rPr lang="en-GB" sz="1200" dirty="0" err="1"/>
-                        <a:t>Karthika</a:t>
-                      </a:r>
-                      <a:r>
-                        <a:rPr lang="en-GB" sz="1200" dirty="0"/>
-                        <a:t> </a:t>
-                      </a:r>
-                      <a:r>
-                        <a:rPr lang="en-GB" sz="1200" dirty="0" err="1"/>
-                        <a:t>Subbaraj</a:t>
-                      </a:r>
-                      <a:endParaRPr lang="en-GB" sz="1200" dirty="0"/>
-                    </a:p>
-                  </a:txBody>
-                  <a:tcPr marL="41145" marR="41145" marT="20573" marB="20573" anchor="ctr"/>
-                </a:tc>
-                <a:tc>
-                  <a:txBody>
-                    <a:bodyPr/>
-                    <a:lstStyle/>
-                    <a:p>
-                      <a:r>
-                        <a:rPr lang="en-GB" sz="1200" dirty="0"/>
-                        <a:t>2024</a:t>
-                      </a:r>
-                    </a:p>
-                  </a:txBody>
-                  <a:tcPr marL="41145" marR="41145" marT="20573" marB="20573" anchor="ctr"/>
-                </a:tc>
-                <a:tc>
-                  <a:txBody>
-                    <a:bodyPr/>
-                    <a:lstStyle/>
-                    <a:p>
-                      <a:r>
-                        <a:rPr lang="en-GB" sz="1200" dirty="0"/>
-                        <a:t>BMI, TDEE, and Indian food dataset</a:t>
-                      </a:r>
-                    </a:p>
-                  </a:txBody>
-                  <a:tcPr marL="41145" marR="41145" marT="20573" marB="20573" anchor="ctr"/>
-                </a:tc>
-                <a:tc>
-                  <a:txBody>
-                    <a:bodyPr/>
-                    <a:lstStyle/>
-                    <a:p>
-                      <a:r>
-                        <a:rPr lang="en-GB" sz="1200" dirty="0"/>
-                        <a:t>Calorie-specific meal plans</a:t>
-                      </a:r>
-                    </a:p>
-                  </a:txBody>
-                  <a:tcPr marL="41145" marR="41145" marT="20573" marB="20573" anchor="ctr"/>
-                </a:tc>
-                <a:tc>
-                  <a:txBody>
-                    <a:bodyPr/>
-                    <a:lstStyle/>
-                    <a:p>
-                      <a:r>
-                        <a:rPr lang="en-GB" sz="1200" dirty="0"/>
-                        <a:t>Utilizes Random Forest for meal classification and KNN for alternative suggestions, achieving 91% accuracy.</a:t>
-                      </a:r>
-                    </a:p>
-                  </a:txBody>
-                  <a:tcPr marL="41145" marR="41145" marT="20573" marB="20573" anchor="ctr"/>
-                </a:tc>
-                <a:extLst>
-                  <a:ext uri="{0D108BD9-81ED-4DB2-BD59-A6C34878D82A}">
-                    <a16:rowId xmlns:a16="http://schemas.microsoft.com/office/drawing/2014/main" val="929211136"/>
-                  </a:ext>
-                </a:extLst>
-              </a:tr>
-            </a:tbl>
-          </a:graphicData>
-        </a:graphic>
-      </p:graphicFrame>
-    </p:spTree>
-    <p:extLst>
-      <p:ext uri="{BB962C8B-B14F-4D97-AF65-F5344CB8AC3E}">
-        <p14:creationId xmlns:p14="http://schemas.microsoft.com/office/powerpoint/2010/main" val="1462743549"/>
-      </p:ext>
-    </p:extLst>
-  </p:cSld>
-  <p:clrMapOvr>
-    <a:masterClrMapping/>
-  </p:clrMapOvr>
-</p:sld>
-</file>
-
-<file path=ppt/slides/slide13.xml><?xml version="1.0" encoding="utf-8"?>
-<p:sld xmlns:a="http://schemas.openxmlformats.org/drawingml/2006/main" xmlns:r="http://schemas.openxmlformats.org/officeDocument/2006/relationships" xmlns:p="http://schemas.openxmlformats.org/presentationml/2006/main">
-  <p:cSld>
-    <p:spTree>
-      <p:nvGrpSpPr>
-        <p:cNvPr id="1" name=""/>
-        <p:cNvGrpSpPr/>
-        <p:nvPr/>
-      </p:nvGrpSpPr>
-      <p:grpSpPr>
-        <a:xfrm>
-          <a:off x="0" y="0"/>
-          <a:ext cx="0" cy="0"/>
-          <a:chOff x="0" y="0"/>
-          <a:chExt cx="0" cy="0"/>
-        </a:xfrm>
-      </p:grpSpPr>
-      <p:sp>
-        <p:nvSpPr>
-          <p:cNvPr id="2" name="Title 1"/>
-          <p:cNvSpPr>
-            <a:spLocks noGrp="1"/>
-          </p:cNvSpPr>
-          <p:nvPr>
-            <p:ph type="title"/>
-          </p:nvPr>
-        </p:nvSpPr>
-        <p:spPr/>
-        <p:txBody>
-          <a:bodyPr/>
-          <a:lstStyle/>
-          <a:p>
-            <a:r>
-              <a:rPr lang="en-US" sz="3200" dirty="0">
-                <a:latin typeface="Times New Roman" panose="02020603050405020304" pitchFamily="18" charset="0"/>
-                <a:cs typeface="Times New Roman" panose="02020603050405020304" pitchFamily="18" charset="0"/>
-              </a:rPr>
-              <a:t>Literature Review [6/6]</a:t>
-            </a:r>
-            <a:endParaRPr lang="en-GB" sz="3200" dirty="0"/>
-          </a:p>
-        </p:txBody>
-      </p:sp>
-      <p:graphicFrame>
-        <p:nvGraphicFramePr>
-          <p:cNvPr id="4" name="Table 3"/>
-          <p:cNvGraphicFramePr>
-            <a:graphicFrameLocks noGrp="1"/>
-          </p:cNvGraphicFramePr>
-          <p:nvPr>
-            <p:extLst>
-              <p:ext uri="{D42A27DB-BD31-4B8C-83A1-F6EECF244321}">
-                <p14:modId xmlns:p14="http://schemas.microsoft.com/office/powerpoint/2010/main" val="253603129"/>
-              </p:ext>
-            </p:extLst>
-          </p:nvPr>
-        </p:nvGraphicFramePr>
-        <p:xfrm>
-          <a:off x="374905" y="1417638"/>
-          <a:ext cx="8394190" cy="4029320"/>
-        </p:xfrm>
-        <a:graphic>
-          <a:graphicData uri="http://schemas.openxmlformats.org/drawingml/2006/table">
-            <a:tbl>
-              <a:tblPr>
-                <a:tableStyleId>{3C2FFA5D-87B4-456A-9821-1D502468CF0F}</a:tableStyleId>
-              </a:tblPr>
-              <a:tblGrid>
-                <a:gridCol w="557783">
-                  <a:extLst>
-                    <a:ext uri="{9D8B030D-6E8A-4147-A177-3AD203B41FA5}">
-                      <a16:colId xmlns:a16="http://schemas.microsoft.com/office/drawing/2014/main" val="1405165925"/>
-                    </a:ext>
-                  </a:extLst>
-                </a:gridCol>
-                <a:gridCol w="1563624">
-                  <a:extLst>
-                    <a:ext uri="{9D8B030D-6E8A-4147-A177-3AD203B41FA5}">
-                      <a16:colId xmlns:a16="http://schemas.microsoft.com/office/drawing/2014/main" val="2357314824"/>
-                    </a:ext>
-                  </a:extLst>
-                </a:gridCol>
-                <a:gridCol w="1476103">
-                  <a:extLst>
-                    <a:ext uri="{9D8B030D-6E8A-4147-A177-3AD203B41FA5}">
-                      <a16:colId xmlns:a16="http://schemas.microsoft.com/office/drawing/2014/main" val="2254286288"/>
-                    </a:ext>
-                  </a:extLst>
-                </a:gridCol>
-                <a:gridCol w="928769">
-                  <a:extLst>
-                    <a:ext uri="{9D8B030D-6E8A-4147-A177-3AD203B41FA5}">
-                      <a16:colId xmlns:a16="http://schemas.microsoft.com/office/drawing/2014/main" val="826431937"/>
-                    </a:ext>
-                  </a:extLst>
-                </a:gridCol>
-                <a:gridCol w="1469571">
-                  <a:extLst>
-                    <a:ext uri="{9D8B030D-6E8A-4147-A177-3AD203B41FA5}">
-                      <a16:colId xmlns:a16="http://schemas.microsoft.com/office/drawing/2014/main" val="4132389230"/>
-                    </a:ext>
-                  </a:extLst>
-                </a:gridCol>
-                <a:gridCol w="1045029">
-                  <a:extLst>
-                    <a:ext uri="{9D8B030D-6E8A-4147-A177-3AD203B41FA5}">
-                      <a16:colId xmlns:a16="http://schemas.microsoft.com/office/drawing/2014/main" val="4068328300"/>
-                    </a:ext>
-                  </a:extLst>
-                </a:gridCol>
-                <a:gridCol w="1353311">
-                  <a:extLst>
-                    <a:ext uri="{9D8B030D-6E8A-4147-A177-3AD203B41FA5}">
-                      <a16:colId xmlns:a16="http://schemas.microsoft.com/office/drawing/2014/main" val="4030771702"/>
-                    </a:ext>
-                  </a:extLst>
-                </a:gridCol>
-              </a:tblGrid>
-              <a:tr h="1952470">
-                <a:tc>
-                  <a:txBody>
-                    <a:bodyPr/>
-                    <a:lstStyle/>
-                    <a:p>
-                      <a:r>
-                        <a:rPr lang="en-GB" sz="1400" dirty="0"/>
-                        <a:t>3</a:t>
-                      </a:r>
-                      <a:endParaRPr lang="en-GB" sz="1400" b="1" dirty="0"/>
-                    </a:p>
-                  </a:txBody>
-                  <a:tcPr marL="41145" marR="41145" marT="20573" marB="20573" anchor="ctr"/>
-                </a:tc>
-                <a:tc>
-                  <a:txBody>
-                    <a:bodyPr/>
-                    <a:lstStyle/>
-                    <a:p>
-                      <a:r>
-                        <a:rPr lang="en-GB" sz="1400" dirty="0"/>
-                        <a:t>A Hybrid Healthy Diet Recommender System</a:t>
-                      </a:r>
-                    </a:p>
-                  </a:txBody>
-                  <a:tcPr marL="41145" marR="41145" marT="20573" marB="20573" anchor="ctr"/>
-                </a:tc>
-                <a:tc>
-                  <a:txBody>
-                    <a:bodyPr/>
-                    <a:lstStyle/>
-                    <a:p>
-                      <a:r>
-                        <a:rPr lang="en-GB" sz="1400"/>
-                        <a:t>Sara Sweidan, S.S. Askar, Mohamed Abouhawwash, Elsayed Badr</a:t>
-                      </a:r>
-                    </a:p>
-                  </a:txBody>
-                  <a:tcPr marL="41145" marR="41145" marT="20573" marB="20573" anchor="ctr"/>
-                </a:tc>
-                <a:tc>
-                  <a:txBody>
-                    <a:bodyPr/>
-                    <a:lstStyle/>
-                    <a:p>
-                      <a:r>
-                        <a:rPr lang="en-GB" sz="1400"/>
-                        <a:t>2024</a:t>
-                      </a:r>
-                    </a:p>
-                  </a:txBody>
-                  <a:tcPr marL="41145" marR="41145" marT="20573" marB="20573" anchor="ctr"/>
-                </a:tc>
-                <a:tc>
-                  <a:txBody>
-                    <a:bodyPr/>
-                    <a:lstStyle/>
-                    <a:p>
-                      <a:r>
-                        <a:rPr lang="en-GB" sz="1400"/>
-                        <a:t>Anthropometric and clinical measurements</a:t>
-                      </a:r>
-                    </a:p>
-                  </a:txBody>
-                  <a:tcPr marL="41145" marR="41145" marT="20573" marB="20573" anchor="ctr"/>
-                </a:tc>
-                <a:tc>
-                  <a:txBody>
-                    <a:bodyPr/>
-                    <a:lstStyle/>
-                    <a:p>
-                      <a:r>
-                        <a:rPr lang="en-GB" sz="1400" dirty="0"/>
-                        <a:t>Calorie and nutrient estimations</a:t>
-                      </a:r>
-                    </a:p>
-                  </a:txBody>
-                  <a:tcPr marL="41145" marR="41145" marT="20573" marB="20573" anchor="ctr"/>
-                </a:tc>
-                <a:tc>
-                  <a:txBody>
-                    <a:bodyPr/>
-                    <a:lstStyle/>
-                    <a:p>
-                      <a:r>
-                        <a:rPr lang="en-GB" sz="1400" dirty="0"/>
-                        <a:t>Combines SVR, LR, and DTR models to generate calorie estimates with R=0.985 for obesity treatment.</a:t>
-                      </a:r>
-                    </a:p>
-                  </a:txBody>
-                  <a:tcPr marL="41145" marR="41145" marT="20573" marB="20573" anchor="ctr"/>
-                </a:tc>
-                <a:extLst>
-                  <a:ext uri="{0D108BD9-81ED-4DB2-BD59-A6C34878D82A}">
-                    <a16:rowId xmlns:a16="http://schemas.microsoft.com/office/drawing/2014/main" val="1671885194"/>
-                  </a:ext>
-                </a:extLst>
-              </a:tr>
-              <a:tr h="2076850">
-                <a:tc>
-                  <a:txBody>
-                    <a:bodyPr/>
-                    <a:lstStyle/>
-                    <a:p>
-                      <a:r>
-                        <a:rPr lang="en-GB" sz="1400" dirty="0"/>
-                        <a:t>4</a:t>
-                      </a:r>
-                      <a:endParaRPr lang="en-GB" sz="1400" b="1" dirty="0"/>
-                    </a:p>
-                  </a:txBody>
-                  <a:tcPr marL="41145" marR="41145" marT="20573" marB="20573" anchor="ctr"/>
-                </a:tc>
-                <a:tc>
-                  <a:txBody>
-                    <a:bodyPr/>
-                    <a:lstStyle/>
-                    <a:p>
-                      <a:r>
-                        <a:rPr lang="en-GB" sz="1400" dirty="0"/>
-                        <a:t>Personalized Diet Recommendation System Using Machine Learning</a:t>
-                      </a:r>
-                    </a:p>
-                  </a:txBody>
-                  <a:tcPr marL="41145" marR="41145" marT="20573" marB="20573" anchor="ctr"/>
-                </a:tc>
-                <a:tc>
-                  <a:txBody>
-                    <a:bodyPr/>
-                    <a:lstStyle/>
-                    <a:p>
-                      <a:r>
-                        <a:rPr lang="fi-FI" sz="1400"/>
-                        <a:t>D. Navya Narayana Kumari, T. Praveen Satya, B. Manikanta, et al.</a:t>
-                      </a:r>
-                    </a:p>
-                  </a:txBody>
-                  <a:tcPr marL="41145" marR="41145" marT="20573" marB="20573" anchor="ctr"/>
-                </a:tc>
-                <a:tc>
-                  <a:txBody>
-                    <a:bodyPr/>
-                    <a:lstStyle/>
-                    <a:p>
-                      <a:r>
-                        <a:rPr lang="en-GB" sz="1400"/>
-                        <a:t>Not specified</a:t>
-                      </a:r>
-                    </a:p>
-                  </a:txBody>
-                  <a:tcPr marL="41145" marR="41145" marT="20573" marB="20573" anchor="ctr"/>
-                </a:tc>
-                <a:tc>
-                  <a:txBody>
-                    <a:bodyPr/>
-                    <a:lstStyle/>
-                    <a:p>
-                      <a:r>
-                        <a:rPr lang="en-GB" sz="1400" dirty="0"/>
-                        <a:t>User preferences </a:t>
-                      </a:r>
-                    </a:p>
-                  </a:txBody>
-                  <a:tcPr marL="41145" marR="41145" marT="20573" marB="20573" anchor="ctr"/>
-                </a:tc>
-                <a:tc>
-                  <a:txBody>
-                    <a:bodyPr/>
-                    <a:lstStyle/>
-                    <a:p>
-                      <a:r>
-                        <a:rPr lang="en-GB" sz="1400"/>
-                        <a:t>Meal recommendations and preparation details</a:t>
-                      </a:r>
-                    </a:p>
-                  </a:txBody>
-                  <a:tcPr marL="41145" marR="41145" marT="20573" marB="20573" anchor="ctr"/>
-                </a:tc>
-                <a:tc>
-                  <a:txBody>
-                    <a:bodyPr/>
-                    <a:lstStyle/>
-                    <a:p>
-                      <a:r>
-                        <a:rPr lang="en-GB" sz="1400" dirty="0"/>
-                        <a:t>Employs Nearest </a:t>
-                      </a:r>
-                      <a:r>
-                        <a:rPr lang="en-GB" sz="1400" dirty="0" err="1"/>
-                        <a:t>Neighbors</a:t>
-                      </a:r>
-                      <a:r>
-                        <a:rPr lang="en-GB" sz="1400" dirty="0"/>
-                        <a:t> with cosine similarity for content-based filtering tailored to user preferences.</a:t>
-                      </a:r>
-                    </a:p>
-                  </a:txBody>
-                  <a:tcPr marL="41145" marR="41145" marT="20573" marB="20573" anchor="ctr"/>
-                </a:tc>
-                <a:extLst>
-                  <a:ext uri="{0D108BD9-81ED-4DB2-BD59-A6C34878D82A}">
-                    <a16:rowId xmlns:a16="http://schemas.microsoft.com/office/drawing/2014/main" val="1861572465"/>
-                  </a:ext>
-                </a:extLst>
-              </a:tr>
-            </a:tbl>
-          </a:graphicData>
-        </a:graphic>
-      </p:graphicFrame>
-    </p:spTree>
-    <p:extLst>
-      <p:ext uri="{BB962C8B-B14F-4D97-AF65-F5344CB8AC3E}">
-        <p14:creationId xmlns:p14="http://schemas.microsoft.com/office/powerpoint/2010/main" val="3409850838"/>
-      </p:ext>
-    </p:extLst>
-  </p:cSld>
-  <p:clrMapOvr>
-    <a:masterClrMapping/>
-  </p:clrMapOvr>
-</p:sld>
-</file>
-
-<file path=ppt/slides/slide14.xml><?xml version="1.0" encoding="utf-8"?>
-<p:sld xmlns:a="http://schemas.openxmlformats.org/drawingml/2006/main" xmlns:r="http://schemas.openxmlformats.org/officeDocument/2006/relationships" xmlns:p="http://schemas.openxmlformats.org/presentationml/2006/main">
-  <p:cSld>
-    <p:spTree>
-      <p:nvGrpSpPr>
         <p:cNvPr id="1" name="Shape 126"/>
         <p:cNvGrpSpPr/>
         <p:nvPr/>
@@ -15346,7 +13056,7 @@
 </p:sld>
 </file>
 
-<file path=ppt/slides/slide15.xml><?xml version="1.0" encoding="utf-8"?>
+<file path=ppt/slides/slide11.xml><?xml version="1.0" encoding="utf-8"?>
 <p:sld xmlns:a="http://schemas.openxmlformats.org/drawingml/2006/main" xmlns:r="http://schemas.openxmlformats.org/officeDocument/2006/relationships" xmlns:p="http://schemas.openxmlformats.org/presentationml/2006/main">
   <p:cSld>
     <p:spTree>
@@ -15480,433 +13190,7 @@
 </p:sld>
 </file>
 
-<file path=ppt/slides/slide16.xml><?xml version="1.0" encoding="utf-8"?>
-<p:sld xmlns:a="http://schemas.openxmlformats.org/drawingml/2006/main" xmlns:r="http://schemas.openxmlformats.org/officeDocument/2006/relationships" xmlns:p="http://schemas.openxmlformats.org/presentationml/2006/main">
-  <p:cSld>
-    <p:spTree>
-      <p:nvGrpSpPr>
-        <p:cNvPr id="1" name=""/>
-        <p:cNvGrpSpPr/>
-        <p:nvPr/>
-      </p:nvGrpSpPr>
-      <p:grpSpPr>
-        <a:xfrm>
-          <a:off x="0" y="0"/>
-          <a:ext cx="0" cy="0"/>
-          <a:chOff x="0" y="0"/>
-          <a:chExt cx="0" cy="0"/>
-        </a:xfrm>
-      </p:grpSpPr>
-      <p:sp>
-        <p:nvSpPr>
-          <p:cNvPr id="2" name="Title 1"/>
-          <p:cNvSpPr>
-            <a:spLocks noGrp="1"/>
-          </p:cNvSpPr>
-          <p:nvPr>
-            <p:ph type="title"/>
-          </p:nvPr>
-        </p:nvSpPr>
-        <p:spPr/>
-        <p:txBody>
-          <a:bodyPr/>
-          <a:lstStyle/>
-          <a:p>
-            <a:r>
-              <a:rPr lang="en-GB" dirty="0"/>
-              <a:t>Requirement and Design Summary</a:t>
-            </a:r>
-          </a:p>
-        </p:txBody>
-      </p:sp>
-    </p:spTree>
-    <p:extLst>
-      <p:ext uri="{BB962C8B-B14F-4D97-AF65-F5344CB8AC3E}">
-        <p14:creationId xmlns:p14="http://schemas.microsoft.com/office/powerpoint/2010/main" val="1937456791"/>
-      </p:ext>
-    </p:extLst>
-  </p:cSld>
-  <p:clrMapOvr>
-    <a:masterClrMapping/>
-  </p:clrMapOvr>
-</p:sld>
-</file>
-
-<file path=ppt/slides/slide17.xml><?xml version="1.0" encoding="utf-8"?>
-<p:sld xmlns:a="http://schemas.openxmlformats.org/drawingml/2006/main" xmlns:r="http://schemas.openxmlformats.org/officeDocument/2006/relationships" xmlns:p="http://schemas.openxmlformats.org/presentationml/2006/main">
-  <p:cSld>
-    <p:spTree>
-      <p:nvGrpSpPr>
-        <p:cNvPr id="1" name="Shape 156"/>
-        <p:cNvGrpSpPr/>
-        <p:nvPr/>
-      </p:nvGrpSpPr>
-      <p:grpSpPr>
-        <a:xfrm>
-          <a:off x="0" y="0"/>
-          <a:ext cx="0" cy="0"/>
-          <a:chOff x="0" y="0"/>
-          <a:chExt cx="0" cy="0"/>
-        </a:xfrm>
-      </p:grpSpPr>
-      <p:sp>
-        <p:nvSpPr>
-          <p:cNvPr id="157" name="Google Shape;157;p13"/>
-          <p:cNvSpPr txBox="1">
-            <a:spLocks noGrp="1"/>
-          </p:cNvSpPr>
-          <p:nvPr>
-            <p:ph type="title"/>
-          </p:nvPr>
-        </p:nvSpPr>
-        <p:spPr>
-          <a:xfrm>
-            <a:off x="457200" y="274638"/>
-            <a:ext cx="8229600" cy="1143000"/>
-          </a:xfrm>
-          <a:prstGeom prst="rect">
-            <a:avLst/>
-          </a:prstGeom>
-          <a:noFill/>
-          <a:ln>
-            <a:noFill/>
-          </a:ln>
-        </p:spPr>
-        <p:txBody>
-          <a:bodyPr spcFirstLastPara="1" wrap="square" lIns="91425" tIns="45700" rIns="91425" bIns="45700" anchor="ctr" anchorCtr="0">
-            <a:noAutofit/>
-          </a:bodyPr>
-          <a:lstStyle/>
-          <a:p>
-            <a:pPr marL="0" lvl="0" indent="0" algn="ctr" rtl="0">
-              <a:spcBef>
-                <a:spcPts val="0"/>
-              </a:spcBef>
-              <a:spcAft>
-                <a:spcPts val="0"/>
-              </a:spcAft>
-              <a:buNone/>
-            </a:pPr>
-            <a:r>
-              <a:rPr lang="en-US" sz="3200" dirty="0">
-                <a:latin typeface="Times New Roman" panose="02020603050405020304" pitchFamily="18" charset="0"/>
-                <a:cs typeface="Times New Roman" panose="02020603050405020304" pitchFamily="18" charset="0"/>
-              </a:rPr>
-              <a:t>Requirements Summary</a:t>
-            </a:r>
-            <a:endParaRPr sz="3200" dirty="0">
-              <a:latin typeface="Times New Roman" panose="02020603050405020304" pitchFamily="18" charset="0"/>
-              <a:cs typeface="Times New Roman" panose="02020603050405020304" pitchFamily="18" charset="0"/>
-            </a:endParaRPr>
-          </a:p>
-        </p:txBody>
-      </p:sp>
-      <p:sp>
-        <p:nvSpPr>
-          <p:cNvPr id="158" name="Google Shape;158;p13"/>
-          <p:cNvSpPr txBox="1">
-            <a:spLocks noGrp="1"/>
-          </p:cNvSpPr>
-          <p:nvPr>
-            <p:ph type="body" idx="1"/>
-          </p:nvPr>
-        </p:nvSpPr>
-        <p:spPr>
-          <a:xfrm>
-            <a:off x="457200" y="1600200"/>
-            <a:ext cx="8229600" cy="4525963"/>
-          </a:xfrm>
-          <a:prstGeom prst="rect">
-            <a:avLst/>
-          </a:prstGeom>
-          <a:noFill/>
-          <a:ln>
-            <a:noFill/>
-          </a:ln>
-        </p:spPr>
-        <p:txBody>
-          <a:bodyPr spcFirstLastPara="1" wrap="square" lIns="91425" tIns="45700" rIns="91425" bIns="45700" anchor="t" anchorCtr="0">
-            <a:noAutofit/>
-          </a:bodyPr>
-          <a:lstStyle/>
-          <a:p>
-            <a:r>
-              <a:rPr lang="en-GB" sz="2400" b="1" u="sng" dirty="0">
-                <a:latin typeface="Times New Roman" panose="02020603050405020304" pitchFamily="18" charset="0"/>
-                <a:cs typeface="Times New Roman" panose="02020603050405020304" pitchFamily="18" charset="0"/>
-              </a:rPr>
-              <a:t>User Functional requirement:</a:t>
-            </a:r>
-          </a:p>
-          <a:p>
-            <a:pPr marL="114300" indent="0">
-              <a:buNone/>
-            </a:pPr>
-            <a:r>
-              <a:rPr lang="en-GB" sz="2400" dirty="0">
-                <a:latin typeface="Times New Roman" panose="02020603050405020304" pitchFamily="18" charset="0"/>
-                <a:cs typeface="Times New Roman" panose="02020603050405020304" pitchFamily="18" charset="0"/>
-              </a:rPr>
-              <a:t>             In our system the user have </a:t>
-            </a:r>
-            <a:r>
-              <a:rPr lang="en-GB" sz="2400" b="1" dirty="0">
-                <a:latin typeface="Times New Roman" panose="02020603050405020304" pitchFamily="18" charset="0"/>
-                <a:cs typeface="Times New Roman" panose="02020603050405020304" pitchFamily="18" charset="0"/>
-              </a:rPr>
-              <a:t>Nine</a:t>
-            </a:r>
-            <a:r>
-              <a:rPr lang="en-GB" sz="2400" dirty="0">
-                <a:latin typeface="Times New Roman" panose="02020603050405020304" pitchFamily="18" charset="0"/>
-                <a:cs typeface="Times New Roman" panose="02020603050405020304" pitchFamily="18" charset="0"/>
-              </a:rPr>
-              <a:t> functional requirements.</a:t>
-            </a:r>
-          </a:p>
-          <a:p>
-            <a:endParaRPr lang="en-GB" sz="2400" dirty="0">
-              <a:latin typeface="Times New Roman" panose="02020603050405020304" pitchFamily="18" charset="0"/>
-              <a:cs typeface="Times New Roman" panose="02020603050405020304" pitchFamily="18" charset="0"/>
-            </a:endParaRPr>
-          </a:p>
-          <a:p>
-            <a:r>
-              <a:rPr lang="en-GB" sz="2400" b="1" u="sng" dirty="0">
-                <a:latin typeface="Times New Roman" panose="02020603050405020304" pitchFamily="18" charset="0"/>
-                <a:cs typeface="Times New Roman" panose="02020603050405020304" pitchFamily="18" charset="0"/>
-              </a:rPr>
-              <a:t>Admin Functional requirement:</a:t>
-            </a:r>
-          </a:p>
-          <a:p>
-            <a:pPr marL="114300" indent="0">
-              <a:buNone/>
-            </a:pPr>
-            <a:r>
-              <a:rPr lang="en-GB" sz="2400" dirty="0">
-                <a:latin typeface="Times New Roman" panose="02020603050405020304" pitchFamily="18" charset="0"/>
-                <a:cs typeface="Times New Roman" panose="02020603050405020304" pitchFamily="18" charset="0"/>
-              </a:rPr>
-              <a:t>              In our system the user have </a:t>
-            </a:r>
-            <a:r>
-              <a:rPr lang="en-GB" sz="2400" b="1" dirty="0">
-                <a:latin typeface="Times New Roman" panose="02020603050405020304" pitchFamily="18" charset="0"/>
-                <a:cs typeface="Times New Roman" panose="02020603050405020304" pitchFamily="18" charset="0"/>
-              </a:rPr>
-              <a:t>Nine</a:t>
-            </a:r>
-            <a:r>
-              <a:rPr lang="en-GB" sz="2400" dirty="0">
-                <a:latin typeface="Times New Roman" panose="02020603050405020304" pitchFamily="18" charset="0"/>
-                <a:cs typeface="Times New Roman" panose="02020603050405020304" pitchFamily="18" charset="0"/>
-              </a:rPr>
-              <a:t> functional requirements.</a:t>
-            </a:r>
-            <a:endParaRPr lang="en-GB" sz="2400" b="1" u="sng" dirty="0">
-              <a:latin typeface="Times New Roman" panose="02020603050405020304" pitchFamily="18" charset="0"/>
-              <a:cs typeface="Times New Roman" panose="02020603050405020304" pitchFamily="18" charset="0"/>
-            </a:endParaRPr>
-          </a:p>
-        </p:txBody>
-      </p:sp>
-    </p:spTree>
-    <p:extLst>
-      <p:ext uri="{BB962C8B-B14F-4D97-AF65-F5344CB8AC3E}">
-        <p14:creationId xmlns:p14="http://schemas.microsoft.com/office/powerpoint/2010/main" val="2916629998"/>
-      </p:ext>
-    </p:extLst>
-  </p:cSld>
-  <p:clrMapOvr>
-    <a:masterClrMapping/>
-  </p:clrMapOvr>
-</p:sld>
-</file>
-
-<file path=ppt/slides/slide18.xml><?xml version="1.0" encoding="utf-8"?>
-<p:sld xmlns:a="http://schemas.openxmlformats.org/drawingml/2006/main" xmlns:r="http://schemas.openxmlformats.org/officeDocument/2006/relationships" xmlns:p="http://schemas.openxmlformats.org/presentationml/2006/main">
-  <p:cSld>
-    <p:spTree>
-      <p:nvGrpSpPr>
-        <p:cNvPr id="1" name="Shape 162"/>
-        <p:cNvGrpSpPr/>
-        <p:nvPr/>
-      </p:nvGrpSpPr>
-      <p:grpSpPr>
-        <a:xfrm>
-          <a:off x="0" y="0"/>
-          <a:ext cx="0" cy="0"/>
-          <a:chOff x="0" y="0"/>
-          <a:chExt cx="0" cy="0"/>
-        </a:xfrm>
-      </p:grpSpPr>
-      <p:sp>
-        <p:nvSpPr>
-          <p:cNvPr id="163" name="Google Shape;163;p14"/>
-          <p:cNvSpPr txBox="1">
-            <a:spLocks noGrp="1"/>
-          </p:cNvSpPr>
-          <p:nvPr>
-            <p:ph type="title"/>
-          </p:nvPr>
-        </p:nvSpPr>
-        <p:spPr>
-          <a:xfrm>
-            <a:off x="457200" y="274638"/>
-            <a:ext cx="8229600" cy="1143000"/>
-          </a:xfrm>
-          <a:prstGeom prst="rect">
-            <a:avLst/>
-          </a:prstGeom>
-          <a:noFill/>
-          <a:ln>
-            <a:noFill/>
-          </a:ln>
-        </p:spPr>
-        <p:txBody>
-          <a:bodyPr spcFirstLastPara="1" wrap="square" lIns="91425" tIns="45700" rIns="91425" bIns="45700" anchor="ctr" anchorCtr="0">
-            <a:noAutofit/>
-          </a:bodyPr>
-          <a:lstStyle/>
-          <a:p>
-            <a:pPr marL="0" lvl="0" indent="0" algn="ctr" rtl="0">
-              <a:spcBef>
-                <a:spcPts val="0"/>
-              </a:spcBef>
-              <a:spcAft>
-                <a:spcPts val="0"/>
-              </a:spcAft>
-              <a:buNone/>
-            </a:pPr>
-            <a:r>
-              <a:rPr lang="en-US" sz="3200" dirty="0">
-                <a:latin typeface="Times New Roman" panose="02020603050405020304" pitchFamily="18" charset="0"/>
-                <a:cs typeface="Times New Roman" panose="02020603050405020304" pitchFamily="18" charset="0"/>
-              </a:rPr>
-              <a:t>Design Summary</a:t>
-            </a:r>
-            <a:endParaRPr sz="3200" dirty="0">
-              <a:latin typeface="Times New Roman" panose="02020603050405020304" pitchFamily="18" charset="0"/>
-              <a:cs typeface="Times New Roman" panose="02020603050405020304" pitchFamily="18" charset="0"/>
-            </a:endParaRPr>
-          </a:p>
-        </p:txBody>
-      </p:sp>
-      <p:sp>
-        <p:nvSpPr>
-          <p:cNvPr id="164" name="Google Shape;164;p14"/>
-          <p:cNvSpPr txBox="1">
-            <a:spLocks noGrp="1"/>
-          </p:cNvSpPr>
-          <p:nvPr>
-            <p:ph type="body" idx="1"/>
-          </p:nvPr>
-        </p:nvSpPr>
-        <p:spPr>
-          <a:xfrm>
-            <a:off x="457200" y="1600200"/>
-            <a:ext cx="8229600" cy="4525963"/>
-          </a:xfrm>
-          <a:prstGeom prst="rect">
-            <a:avLst/>
-          </a:prstGeom>
-          <a:noFill/>
-          <a:ln>
-            <a:noFill/>
-          </a:ln>
-        </p:spPr>
-        <p:txBody>
-          <a:bodyPr spcFirstLastPara="1" wrap="square" lIns="91425" tIns="45700" rIns="91425" bIns="45700" anchor="t" anchorCtr="0">
-            <a:noAutofit/>
-          </a:bodyPr>
-          <a:lstStyle/>
-          <a:p>
-            <a:r>
-              <a:rPr lang="en-GB" sz="2400" dirty="0">
-                <a:latin typeface="Times New Roman" panose="02020603050405020304" pitchFamily="18" charset="0"/>
-                <a:cs typeface="Times New Roman" panose="02020603050405020304" pitchFamily="18" charset="0"/>
-              </a:rPr>
-              <a:t>We implement the following diagrams in Design.</a:t>
-            </a:r>
-          </a:p>
-          <a:p>
-            <a:endParaRPr lang="en-GB" sz="2400" dirty="0">
-              <a:latin typeface="Times New Roman" panose="02020603050405020304" pitchFamily="18" charset="0"/>
-              <a:cs typeface="Times New Roman" panose="02020603050405020304" pitchFamily="18" charset="0"/>
-            </a:endParaRPr>
-          </a:p>
-          <a:p>
-            <a:pPr marL="342900">
-              <a:buAutoNum type="arabicParenR"/>
-            </a:pPr>
-            <a:r>
-              <a:rPr lang="en-GB" sz="2400" dirty="0">
-                <a:latin typeface="Times New Roman" panose="02020603050405020304" pitchFamily="18" charset="0"/>
-                <a:cs typeface="Times New Roman" panose="02020603050405020304" pitchFamily="18" charset="0"/>
-              </a:rPr>
-              <a:t>User Case Diagram</a:t>
-            </a:r>
-          </a:p>
-          <a:p>
-            <a:pPr marL="342900">
-              <a:buAutoNum type="arabicParenR"/>
-            </a:pPr>
-            <a:r>
-              <a:rPr lang="en-GB" sz="2400" dirty="0">
-                <a:latin typeface="Times New Roman" panose="02020603050405020304" pitchFamily="18" charset="0"/>
-                <a:cs typeface="Times New Roman" panose="02020603050405020304" pitchFamily="18" charset="0"/>
-              </a:rPr>
-              <a:t>System Architecture Diagram</a:t>
-            </a:r>
-          </a:p>
-          <a:p>
-            <a:pPr marL="342900">
-              <a:buAutoNum type="arabicParenR"/>
-            </a:pPr>
-            <a:r>
-              <a:rPr lang="en-GB" sz="2400" dirty="0">
-                <a:latin typeface="Times New Roman" panose="02020603050405020304" pitchFamily="18" charset="0"/>
-                <a:cs typeface="Times New Roman" panose="02020603050405020304" pitchFamily="18" charset="0"/>
-              </a:rPr>
-              <a:t>Methodology Diagram</a:t>
-            </a:r>
-          </a:p>
-          <a:p>
-            <a:pPr marL="342900">
-              <a:buAutoNum type="arabicParenR"/>
-            </a:pPr>
-            <a:r>
-              <a:rPr lang="en-GB" sz="2400" dirty="0">
-                <a:latin typeface="Times New Roman" panose="02020603050405020304" pitchFamily="18" charset="0"/>
-                <a:cs typeface="Times New Roman" panose="02020603050405020304" pitchFamily="18" charset="0"/>
-              </a:rPr>
-              <a:t>Proposed Model Diagram</a:t>
-            </a:r>
-          </a:p>
-          <a:p>
-            <a:pPr marL="342900">
-              <a:buAutoNum type="arabicParenR"/>
-            </a:pPr>
-            <a:r>
-              <a:rPr lang="en-GB" sz="2400" dirty="0">
-                <a:latin typeface="Times New Roman" panose="02020603050405020304" pitchFamily="18" charset="0"/>
-                <a:cs typeface="Times New Roman" panose="02020603050405020304" pitchFamily="18" charset="0"/>
-              </a:rPr>
-              <a:t>Database schema Diagram</a:t>
-            </a:r>
-          </a:p>
-        </p:txBody>
-      </p:sp>
-    </p:spTree>
-  </p:cSld>
-  <p:clrMapOvr>
-    <a:masterClrMapping/>
-  </p:clrMapOvr>
-</p:sld>
-</file>
-
-<file path=ppt/slides/slide19.xml><?xml version="1.0" encoding="utf-8"?>
+<file path=ppt/slides/slide12.xml><?xml version="1.0" encoding="utf-8"?>
 <p:sld xmlns:a="http://schemas.openxmlformats.org/drawingml/2006/main" xmlns:r="http://schemas.openxmlformats.org/officeDocument/2006/relationships" xmlns:p="http://schemas.openxmlformats.org/presentationml/2006/main">
   <p:cSld>
     <p:spTree>
@@ -15969,189 +13253,7 @@
 </p:sld>
 </file>
 
-<file path=ppt/slides/slide2.xml><?xml version="1.0" encoding="utf-8"?>
-<p:sld xmlns:a="http://schemas.openxmlformats.org/drawingml/2006/main" xmlns:r="http://schemas.openxmlformats.org/officeDocument/2006/relationships" xmlns:p="http://schemas.openxmlformats.org/presentationml/2006/main">
-  <p:cSld>
-    <p:spTree>
-      <p:nvGrpSpPr>
-        <p:cNvPr id="1" name="Shape 90"/>
-        <p:cNvGrpSpPr/>
-        <p:nvPr/>
-      </p:nvGrpSpPr>
-      <p:grpSpPr>
-        <a:xfrm>
-          <a:off x="0" y="0"/>
-          <a:ext cx="0" cy="0"/>
-          <a:chOff x="0" y="0"/>
-          <a:chExt cx="0" cy="0"/>
-        </a:xfrm>
-      </p:grpSpPr>
-      <p:sp>
-        <p:nvSpPr>
-          <p:cNvPr id="91" name="Google Shape;91;p2"/>
-          <p:cNvSpPr txBox="1">
-            <a:spLocks noGrp="1"/>
-          </p:cNvSpPr>
-          <p:nvPr>
-            <p:ph type="title"/>
-          </p:nvPr>
-        </p:nvSpPr>
-        <p:spPr>
-          <a:xfrm>
-            <a:off x="457200" y="274638"/>
-            <a:ext cx="8229600" cy="1143000"/>
-          </a:xfrm>
-          <a:prstGeom prst="rect">
-            <a:avLst/>
-          </a:prstGeom>
-          <a:noFill/>
-          <a:ln>
-            <a:noFill/>
-          </a:ln>
-        </p:spPr>
-        <p:txBody>
-          <a:bodyPr spcFirstLastPara="1" wrap="square" lIns="91425" tIns="45700" rIns="91425" bIns="45700" anchor="ctr" anchorCtr="0">
-            <a:noAutofit/>
-          </a:bodyPr>
-          <a:lstStyle/>
-          <a:p>
-            <a:pPr marL="0" lvl="0" indent="0" algn="ctr" rtl="0">
-              <a:spcBef>
-                <a:spcPts val="0"/>
-              </a:spcBef>
-              <a:spcAft>
-                <a:spcPts val="0"/>
-              </a:spcAft>
-              <a:buNone/>
-            </a:pPr>
-            <a:r>
-              <a:rPr lang="en-US" sz="3200" dirty="0">
-                <a:latin typeface="Times New Roman" panose="02020603050405020304" pitchFamily="18" charset="0"/>
-                <a:cs typeface="Times New Roman" panose="02020603050405020304" pitchFamily="18" charset="0"/>
-              </a:rPr>
-              <a:t>Project Team</a:t>
-            </a:r>
-            <a:endParaRPr sz="3200" dirty="0">
-              <a:latin typeface="Times New Roman" panose="02020603050405020304" pitchFamily="18" charset="0"/>
-              <a:cs typeface="Times New Roman" panose="02020603050405020304" pitchFamily="18" charset="0"/>
-            </a:endParaRPr>
-          </a:p>
-        </p:txBody>
-      </p:sp>
-      <p:sp>
-        <p:nvSpPr>
-          <p:cNvPr id="92" name="Google Shape;92;p2"/>
-          <p:cNvSpPr txBox="1">
-            <a:spLocks noGrp="1"/>
-          </p:cNvSpPr>
-          <p:nvPr>
-            <p:ph type="body" idx="1"/>
-          </p:nvPr>
-        </p:nvSpPr>
-        <p:spPr>
-          <a:xfrm>
-            <a:off x="457200" y="1600200"/>
-            <a:ext cx="8229600" cy="4525963"/>
-          </a:xfrm>
-          <a:prstGeom prst="rect">
-            <a:avLst/>
-          </a:prstGeom>
-          <a:noFill/>
-          <a:ln>
-            <a:noFill/>
-          </a:ln>
-        </p:spPr>
-        <p:txBody>
-          <a:bodyPr spcFirstLastPara="1" wrap="square" lIns="91425" tIns="45700" rIns="91425" bIns="45700" anchor="t" anchorCtr="0">
-            <a:noAutofit/>
-          </a:bodyPr>
-          <a:lstStyle/>
-          <a:p>
-            <a:pPr marL="342900" lvl="0">
-              <a:spcBef>
-                <a:spcPts val="0"/>
-              </a:spcBef>
-              <a:buSzPts val="3200"/>
-            </a:pPr>
-            <a:r>
-              <a:rPr lang="en-US" sz="2800" dirty="0">
-                <a:latin typeface="Times New Roman" panose="02020603050405020304" pitchFamily="18" charset="0"/>
-                <a:cs typeface="Times New Roman" panose="02020603050405020304" pitchFamily="18" charset="0"/>
-              </a:rPr>
-              <a:t>Obaid-Ullah(35739)</a:t>
-            </a:r>
-          </a:p>
-          <a:p>
-            <a:pPr marL="342900" lvl="0">
-              <a:spcBef>
-                <a:spcPts val="640"/>
-              </a:spcBef>
-              <a:buSzPts val="3200"/>
-            </a:pPr>
-            <a:r>
-              <a:rPr lang="en-US" sz="2800" dirty="0">
-                <a:latin typeface="Times New Roman" panose="02020603050405020304" pitchFamily="18" charset="0"/>
-                <a:cs typeface="Times New Roman" panose="02020603050405020304" pitchFamily="18" charset="0"/>
-              </a:rPr>
-              <a:t>Zain </a:t>
-            </a:r>
-            <a:r>
-              <a:rPr lang="en-US" sz="2800" dirty="0" err="1">
-                <a:latin typeface="Times New Roman" panose="02020603050405020304" pitchFamily="18" charset="0"/>
-                <a:cs typeface="Times New Roman" panose="02020603050405020304" pitchFamily="18" charset="0"/>
-              </a:rPr>
-              <a:t>Ul</a:t>
-            </a:r>
-            <a:r>
-              <a:rPr lang="en-US" sz="2800" dirty="0">
-                <a:latin typeface="Times New Roman" panose="02020603050405020304" pitchFamily="18" charset="0"/>
-                <a:cs typeface="Times New Roman" panose="02020603050405020304" pitchFamily="18" charset="0"/>
-              </a:rPr>
-              <a:t> Abideen (35515)</a:t>
-            </a:r>
-          </a:p>
-          <a:p>
-            <a:pPr marL="342900" lvl="0">
-              <a:spcBef>
-                <a:spcPts val="640"/>
-              </a:spcBef>
-              <a:buSzPts val="3200"/>
-            </a:pPr>
-            <a:r>
-              <a:rPr lang="en-US" sz="2800" dirty="0">
-                <a:latin typeface="Times New Roman" panose="02020603050405020304" pitchFamily="18" charset="0"/>
-                <a:cs typeface="Times New Roman" panose="02020603050405020304" pitchFamily="18" charset="0"/>
-              </a:rPr>
-              <a:t>Huzaifa khan (35726)</a:t>
-            </a:r>
-          </a:p>
-          <a:p>
-            <a:pPr marL="342900" lvl="0" indent="-139700" algn="l" rtl="0">
-              <a:spcBef>
-                <a:spcPts val="640"/>
-              </a:spcBef>
-              <a:spcAft>
-                <a:spcPts val="0"/>
-              </a:spcAft>
-              <a:buClr>
-                <a:schemeClr val="dk1"/>
-              </a:buClr>
-              <a:buSzPts val="3200"/>
-              <a:buNone/>
-            </a:pPr>
-            <a:endParaRPr dirty="0"/>
-          </a:p>
-        </p:txBody>
-      </p:sp>
-    </p:spTree>
-  </p:cSld>
-  <p:clrMapOvr>
-    <a:masterClrMapping/>
-  </p:clrMapOvr>
-</p:sld>
-</file>
-
-<file path=ppt/slides/slide20.xml><?xml version="1.0" encoding="utf-8"?>
+<file path=ppt/slides/slide13.xml><?xml version="1.0" encoding="utf-8"?>
 <p:sld xmlns:a="http://schemas.openxmlformats.org/drawingml/2006/main" xmlns:r="http://schemas.openxmlformats.org/officeDocument/2006/relationships" xmlns:p="http://schemas.openxmlformats.org/presentationml/2006/main">
   <p:cSld>
     <p:spTree>
@@ -16257,7 +13359,7 @@
 </p:sld>
 </file>
 
-<file path=ppt/slides/slide21.xml><?xml version="1.0" encoding="utf-8"?>
+<file path=ppt/slides/slide14.xml><?xml version="1.0" encoding="utf-8"?>
 <p:sld xmlns:a="http://schemas.openxmlformats.org/drawingml/2006/main" xmlns:r="http://schemas.openxmlformats.org/officeDocument/2006/relationships" xmlns:p="http://schemas.openxmlformats.org/presentationml/2006/main">
   <p:cSld>
     <p:spTree>
@@ -16358,4501 +13460,7 @@
 </p:sld>
 </file>
 
-<file path=ppt/slides/slide22.xml><?xml version="1.0" encoding="utf-8"?>
-<p:sld xmlns:a="http://schemas.openxmlformats.org/drawingml/2006/main" xmlns:r="http://schemas.openxmlformats.org/officeDocument/2006/relationships" xmlns:p="http://schemas.openxmlformats.org/presentationml/2006/main">
-  <p:cSld>
-    <p:spTree>
-      <p:nvGrpSpPr>
-        <p:cNvPr id="1" name=""/>
-        <p:cNvGrpSpPr/>
-        <p:nvPr/>
-      </p:nvGrpSpPr>
-      <p:grpSpPr>
-        <a:xfrm>
-          <a:off x="0" y="0"/>
-          <a:ext cx="0" cy="0"/>
-          <a:chOff x="0" y="0"/>
-          <a:chExt cx="0" cy="0"/>
-        </a:xfrm>
-      </p:grpSpPr>
-      <p:sp>
-        <p:nvSpPr>
-          <p:cNvPr id="2" name="Title 1"/>
-          <p:cNvSpPr>
-            <a:spLocks noGrp="1"/>
-          </p:cNvSpPr>
-          <p:nvPr>
-            <p:ph type="title"/>
-          </p:nvPr>
-        </p:nvSpPr>
-        <p:spPr/>
-        <p:txBody>
-          <a:bodyPr/>
-          <a:lstStyle/>
-          <a:p>
-            <a:r>
-              <a:rPr lang="en-GB" dirty="0"/>
-              <a:t>Implementation Summary</a:t>
-            </a:r>
-          </a:p>
-        </p:txBody>
-      </p:sp>
-    </p:spTree>
-    <p:extLst>
-      <p:ext uri="{BB962C8B-B14F-4D97-AF65-F5344CB8AC3E}">
-        <p14:creationId xmlns:p14="http://schemas.microsoft.com/office/powerpoint/2010/main" val="534668543"/>
-      </p:ext>
-    </p:extLst>
-  </p:cSld>
-  <p:clrMapOvr>
-    <a:masterClrMapping/>
-  </p:clrMapOvr>
-</p:sld>
-</file>
-
-<file path=ppt/slides/slide23.xml><?xml version="1.0" encoding="utf-8"?>
-<p:sld xmlns:a="http://schemas.openxmlformats.org/drawingml/2006/main" xmlns:r="http://schemas.openxmlformats.org/officeDocument/2006/relationships" xmlns:p="http://schemas.openxmlformats.org/presentationml/2006/main">
-  <p:cSld>
-    <p:spTree>
-      <p:nvGrpSpPr>
-        <p:cNvPr id="1" name="Shape 168"/>
-        <p:cNvGrpSpPr/>
-        <p:nvPr/>
-      </p:nvGrpSpPr>
-      <p:grpSpPr>
-        <a:xfrm>
-          <a:off x="0" y="0"/>
-          <a:ext cx="0" cy="0"/>
-          <a:chOff x="0" y="0"/>
-          <a:chExt cx="0" cy="0"/>
-        </a:xfrm>
-      </p:grpSpPr>
-      <p:sp>
-        <p:nvSpPr>
-          <p:cNvPr id="169" name="Google Shape;169;p15"/>
-          <p:cNvSpPr txBox="1">
-            <a:spLocks noGrp="1"/>
-          </p:cNvSpPr>
-          <p:nvPr>
-            <p:ph type="title"/>
-          </p:nvPr>
-        </p:nvSpPr>
-        <p:spPr>
-          <a:xfrm>
-            <a:off x="457200" y="274638"/>
-            <a:ext cx="8229600" cy="1143000"/>
-          </a:xfrm>
-          <a:prstGeom prst="rect">
-            <a:avLst/>
-          </a:prstGeom>
-          <a:noFill/>
-          <a:ln>
-            <a:noFill/>
-          </a:ln>
-        </p:spPr>
-        <p:txBody>
-          <a:bodyPr spcFirstLastPara="1" wrap="square" lIns="91425" tIns="45700" rIns="91425" bIns="45700" anchor="ctr" anchorCtr="0">
-            <a:noAutofit/>
-          </a:bodyPr>
-          <a:lstStyle/>
-          <a:p>
-            <a:pPr lvl="0"/>
-            <a:r>
-              <a:rPr lang="en-US" sz="3200" dirty="0">
-                <a:latin typeface="Times New Roman" panose="02020603050405020304" pitchFamily="18" charset="0"/>
-                <a:cs typeface="Times New Roman" panose="02020603050405020304" pitchFamily="18" charset="0"/>
-              </a:rPr>
-              <a:t>Implementation [1/4] </a:t>
-            </a:r>
-            <a:endParaRPr sz="3200" dirty="0">
-              <a:latin typeface="Times New Roman" panose="02020603050405020304" pitchFamily="18" charset="0"/>
-              <a:cs typeface="Times New Roman" panose="02020603050405020304" pitchFamily="18" charset="0"/>
-            </a:endParaRPr>
-          </a:p>
-        </p:txBody>
-      </p:sp>
-      <p:sp>
-        <p:nvSpPr>
-          <p:cNvPr id="170" name="Google Shape;170;p15"/>
-          <p:cNvSpPr txBox="1">
-            <a:spLocks noGrp="1"/>
-          </p:cNvSpPr>
-          <p:nvPr>
-            <p:ph type="body" idx="1"/>
-          </p:nvPr>
-        </p:nvSpPr>
-        <p:spPr>
-          <a:xfrm>
-            <a:off x="457200" y="1600200"/>
-            <a:ext cx="8229600" cy="4525963"/>
-          </a:xfrm>
-          <a:prstGeom prst="rect">
-            <a:avLst/>
-          </a:prstGeom>
-          <a:noFill/>
-          <a:ln>
-            <a:noFill/>
-          </a:ln>
-        </p:spPr>
-        <p:txBody>
-          <a:bodyPr spcFirstLastPara="1" wrap="square" lIns="91425" tIns="45700" rIns="91425" bIns="45700" anchor="t" anchorCtr="0">
-            <a:noAutofit/>
-          </a:bodyPr>
-          <a:lstStyle/>
-          <a:p>
-            <a:pPr marL="0" lvl="0" indent="0">
-              <a:spcBef>
-                <a:spcPts val="0"/>
-              </a:spcBef>
-              <a:buSzPts val="3200"/>
-              <a:buNone/>
-            </a:pPr>
-            <a:r>
-              <a:rPr lang="en-US" sz="2500" b="1" dirty="0">
-                <a:latin typeface="Times New Roman" panose="02020603050405020304" pitchFamily="18" charset="0"/>
-                <a:cs typeface="Times New Roman" panose="02020603050405020304" pitchFamily="18" charset="0"/>
-              </a:rPr>
-              <a:t>List Development Tools &amp; Technologies</a:t>
-            </a:r>
-          </a:p>
-          <a:p>
-            <a:pPr marL="285750" lvl="0" indent="-285750">
-              <a:spcBef>
-                <a:spcPts val="640"/>
-              </a:spcBef>
-              <a:buSzPts val="3200"/>
-            </a:pPr>
-            <a:r>
-              <a:rPr lang="en-US" sz="2500" b="1" dirty="0">
-                <a:latin typeface="Times New Roman" panose="02020603050405020304" pitchFamily="18" charset="0"/>
-                <a:cs typeface="Times New Roman" panose="02020603050405020304" pitchFamily="18" charset="0"/>
-              </a:rPr>
-              <a:t>Frontend:</a:t>
-            </a:r>
-            <a:r>
-              <a:rPr lang="en-US" sz="2500" dirty="0">
-                <a:latin typeface="Times New Roman" panose="02020603050405020304" pitchFamily="18" charset="0"/>
-                <a:cs typeface="Times New Roman" panose="02020603050405020304" pitchFamily="18" charset="0"/>
-              </a:rPr>
-              <a:t> </a:t>
-            </a:r>
-            <a:r>
-              <a:rPr lang="en-US" sz="2500" b="1" dirty="0">
-                <a:latin typeface="Times New Roman" panose="02020603050405020304" pitchFamily="18" charset="0"/>
-                <a:cs typeface="Times New Roman" panose="02020603050405020304" pitchFamily="18" charset="0"/>
-              </a:rPr>
-              <a:t>React.js</a:t>
-            </a:r>
-            <a:r>
-              <a:rPr lang="en-US" sz="2500" dirty="0">
-                <a:latin typeface="Times New Roman" panose="02020603050405020304" pitchFamily="18" charset="0"/>
-                <a:cs typeface="Times New Roman" panose="02020603050405020304" pitchFamily="18" charset="0"/>
-              </a:rPr>
-              <a:t> (for a responsive and dynamic user interface).</a:t>
-            </a:r>
-          </a:p>
-          <a:p>
-            <a:pPr marL="285750" lvl="0" indent="-285750">
-              <a:spcBef>
-                <a:spcPts val="640"/>
-              </a:spcBef>
-              <a:buSzPts val="3200"/>
-            </a:pPr>
-            <a:r>
-              <a:rPr lang="en-US" sz="2500" b="1" dirty="0">
-                <a:latin typeface="Times New Roman" panose="02020603050405020304" pitchFamily="18" charset="0"/>
-                <a:cs typeface="Times New Roman" panose="02020603050405020304" pitchFamily="18" charset="0"/>
-              </a:rPr>
-              <a:t>Backend: Spring Boot</a:t>
-            </a:r>
-            <a:r>
-              <a:rPr lang="en-US" sz="2500" dirty="0">
-                <a:latin typeface="Times New Roman" panose="02020603050405020304" pitchFamily="18" charset="0"/>
-                <a:cs typeface="Times New Roman" panose="02020603050405020304" pitchFamily="18" charset="0"/>
-              </a:rPr>
-              <a:t>(for creating RESTful APIs).</a:t>
-            </a:r>
-          </a:p>
-          <a:p>
-            <a:pPr marL="285750" lvl="0" indent="-285750">
-              <a:spcBef>
-                <a:spcPts val="640"/>
-              </a:spcBef>
-              <a:buSzPts val="3200"/>
-            </a:pPr>
-            <a:r>
-              <a:rPr lang="en-US" sz="2500" b="1" dirty="0">
-                <a:latin typeface="Times New Roman" panose="02020603050405020304" pitchFamily="18" charset="0"/>
-                <a:cs typeface="Times New Roman" panose="02020603050405020304" pitchFamily="18" charset="0"/>
-              </a:rPr>
-              <a:t>Database:</a:t>
-            </a:r>
-            <a:r>
-              <a:rPr lang="en-US" sz="2500" dirty="0">
-                <a:latin typeface="Times New Roman" panose="02020603050405020304" pitchFamily="18" charset="0"/>
-                <a:cs typeface="Times New Roman" panose="02020603050405020304" pitchFamily="18" charset="0"/>
-              </a:rPr>
-              <a:t> </a:t>
-            </a:r>
-            <a:r>
-              <a:rPr lang="en-US" sz="2500" b="1" dirty="0">
-                <a:latin typeface="Times New Roman" panose="02020603050405020304" pitchFamily="18" charset="0"/>
-                <a:cs typeface="Times New Roman" panose="02020603050405020304" pitchFamily="18" charset="0"/>
-              </a:rPr>
-              <a:t>MongoDB</a:t>
-            </a:r>
-            <a:r>
-              <a:rPr lang="en-US" sz="2500" dirty="0">
-                <a:latin typeface="Times New Roman" panose="02020603050405020304" pitchFamily="18" charset="0"/>
-                <a:cs typeface="Times New Roman" panose="02020603050405020304" pitchFamily="18" charset="0"/>
-              </a:rPr>
-              <a:t> (for secure and efficient data storage).</a:t>
-            </a:r>
-          </a:p>
-          <a:p>
-            <a:pPr marL="285750" lvl="0" indent="-285750">
-              <a:spcBef>
-                <a:spcPts val="640"/>
-              </a:spcBef>
-              <a:buSzPts val="3200"/>
-            </a:pPr>
-            <a:r>
-              <a:rPr lang="en-US" sz="2500" b="1" dirty="0">
-                <a:latin typeface="Times New Roman" panose="02020603050405020304" pitchFamily="18" charset="0"/>
-                <a:cs typeface="Times New Roman" panose="02020603050405020304" pitchFamily="18" charset="0"/>
-              </a:rPr>
-              <a:t>Programming Languages:</a:t>
-            </a:r>
-            <a:r>
-              <a:rPr lang="en-US" sz="2500" dirty="0">
-                <a:latin typeface="Times New Roman" panose="02020603050405020304" pitchFamily="18" charset="0"/>
-                <a:cs typeface="Times New Roman" panose="02020603050405020304" pitchFamily="18" charset="0"/>
-              </a:rPr>
-              <a:t> Python, JavaScript, Java (for backend and frontend development).</a:t>
-            </a:r>
-          </a:p>
-          <a:p>
-            <a:pPr marL="285750" lvl="0" indent="-285750">
-              <a:spcBef>
-                <a:spcPts val="640"/>
-              </a:spcBef>
-              <a:buSzPts val="3200"/>
-            </a:pPr>
-            <a:r>
-              <a:rPr lang="en-US" sz="2500" b="1" dirty="0">
-                <a:latin typeface="Times New Roman" panose="02020603050405020304" pitchFamily="18" charset="0"/>
-                <a:cs typeface="Times New Roman" panose="02020603050405020304" pitchFamily="18" charset="0"/>
-              </a:rPr>
-              <a:t>Version Control:</a:t>
-            </a:r>
-            <a:r>
-              <a:rPr lang="en-US" sz="2500" dirty="0">
-                <a:latin typeface="Times New Roman" panose="02020603050405020304" pitchFamily="18" charset="0"/>
-                <a:cs typeface="Times New Roman" panose="02020603050405020304" pitchFamily="18" charset="0"/>
-              </a:rPr>
-              <a:t> GitHub (for collaboration version control and automation).</a:t>
-            </a:r>
-          </a:p>
-        </p:txBody>
-      </p:sp>
-    </p:spTree>
-  </p:cSld>
-  <p:clrMapOvr>
-    <a:masterClrMapping/>
-  </p:clrMapOvr>
-</p:sld>
-</file>
-
-<file path=ppt/slides/slide24.xml><?xml version="1.0" encoding="utf-8"?>
-<p:sld xmlns:a="http://schemas.openxmlformats.org/drawingml/2006/main" xmlns:r="http://schemas.openxmlformats.org/officeDocument/2006/relationships" xmlns:p="http://schemas.openxmlformats.org/presentationml/2006/main">
-  <p:cSld>
-    <p:spTree>
-      <p:nvGrpSpPr>
-        <p:cNvPr id="1" name=""/>
-        <p:cNvGrpSpPr/>
-        <p:nvPr/>
-      </p:nvGrpSpPr>
-      <p:grpSpPr>
-        <a:xfrm>
-          <a:off x="0" y="0"/>
-          <a:ext cx="0" cy="0"/>
-          <a:chOff x="0" y="0"/>
-          <a:chExt cx="0" cy="0"/>
-        </a:xfrm>
-      </p:grpSpPr>
-      <p:sp>
-        <p:nvSpPr>
-          <p:cNvPr id="2" name="Title 1"/>
-          <p:cNvSpPr>
-            <a:spLocks noGrp="1"/>
-          </p:cNvSpPr>
-          <p:nvPr>
-            <p:ph type="title"/>
-          </p:nvPr>
-        </p:nvSpPr>
-        <p:spPr/>
-        <p:txBody>
-          <a:bodyPr/>
-          <a:lstStyle/>
-          <a:p>
-            <a:r>
-              <a:rPr lang="en-US" sz="3200" dirty="0">
-                <a:latin typeface="Times New Roman" panose="02020603050405020304" pitchFamily="18" charset="0"/>
-                <a:cs typeface="Times New Roman" panose="02020603050405020304" pitchFamily="18" charset="0"/>
-                <a:sym typeface="+mn-ea"/>
-              </a:rPr>
-              <a:t>Implementation [2/4]</a:t>
-            </a:r>
-            <a:endParaRPr lang="en-GB" sz="3200" dirty="0">
-              <a:latin typeface="Times New Roman" panose="02020603050405020304" pitchFamily="18" charset="0"/>
-              <a:cs typeface="Times New Roman" panose="02020603050405020304" pitchFamily="18" charset="0"/>
-            </a:endParaRPr>
-          </a:p>
-        </p:txBody>
-      </p:sp>
-      <p:sp>
-        <p:nvSpPr>
-          <p:cNvPr id="3" name="Text Placeholder 2"/>
-          <p:cNvSpPr>
-            <a:spLocks noGrp="1"/>
-          </p:cNvSpPr>
-          <p:nvPr>
-            <p:ph type="body" idx="1"/>
-          </p:nvPr>
-        </p:nvSpPr>
-        <p:spPr/>
-        <p:txBody>
-          <a:bodyPr/>
-          <a:lstStyle/>
-          <a:p>
-            <a:pPr marL="114300" indent="0">
-              <a:buNone/>
-            </a:pPr>
-            <a:r>
-              <a:rPr lang="en-US" sz="2800" b="1" dirty="0">
-                <a:latin typeface="Times New Roman" panose="02020603050405020304" pitchFamily="18" charset="0"/>
-                <a:cs typeface="Times New Roman" panose="02020603050405020304" pitchFamily="18" charset="0"/>
-              </a:rPr>
-              <a:t>List of Libraries / Components / Web Services</a:t>
-            </a:r>
-          </a:p>
-          <a:p>
-            <a:pPr marL="114300" indent="0">
-              <a:buNone/>
-            </a:pPr>
-            <a:r>
-              <a:rPr lang="en-US" sz="2800" b="1" dirty="0">
-                <a:latin typeface="Times New Roman" panose="02020603050405020304" pitchFamily="18" charset="0"/>
-                <a:cs typeface="Times New Roman" panose="02020603050405020304" pitchFamily="18" charset="0"/>
-              </a:rPr>
-              <a:t>Frontend: </a:t>
-            </a:r>
-          </a:p>
-          <a:p>
-            <a:pPr lvl="1"/>
-            <a:r>
-              <a:rPr lang="en-US" sz="2400" dirty="0">
-                <a:latin typeface="Times New Roman" panose="02020603050405020304" pitchFamily="18" charset="0"/>
-                <a:cs typeface="Times New Roman" panose="02020603050405020304" pitchFamily="18" charset="0"/>
-              </a:rPr>
-              <a:t>React Bootstrap</a:t>
-            </a:r>
-            <a:endParaRPr lang="en-US" sz="2400" dirty="0">
-              <a:latin typeface="Times New Roman" panose="02020603050405020304" pitchFamily="18" charset="0"/>
-              <a:cs typeface="Times New Roman" panose="02020603050405020304" pitchFamily="18" charset="0"/>
-              <a:sym typeface="Wingdings" panose="05000000000000000000" pitchFamily="2" charset="2"/>
-            </a:endParaRPr>
-          </a:p>
-          <a:p>
-            <a:pPr lvl="1"/>
-            <a:r>
-              <a:rPr lang="en-US" sz="2400" dirty="0">
-                <a:latin typeface="Times New Roman" panose="02020603050405020304" pitchFamily="18" charset="0"/>
-                <a:cs typeface="Times New Roman" panose="02020603050405020304" pitchFamily="18" charset="0"/>
-              </a:rPr>
-              <a:t>React Router</a:t>
-            </a:r>
-            <a:endParaRPr lang="en-US" sz="2400" dirty="0">
-              <a:latin typeface="Times New Roman" panose="02020603050405020304" pitchFamily="18" charset="0"/>
-              <a:cs typeface="Times New Roman" panose="02020603050405020304" pitchFamily="18" charset="0"/>
-              <a:sym typeface="Wingdings" panose="05000000000000000000" pitchFamily="2" charset="2"/>
-            </a:endParaRPr>
-          </a:p>
-          <a:p>
-            <a:pPr lvl="1"/>
-            <a:r>
-              <a:rPr lang="en-US" sz="2400" dirty="0">
-                <a:latin typeface="Times New Roman" panose="02020603050405020304" pitchFamily="18" charset="0"/>
-                <a:cs typeface="Times New Roman" panose="02020603050405020304" pitchFamily="18" charset="0"/>
-              </a:rPr>
-              <a:t>React icons/Fa</a:t>
-            </a:r>
-            <a:endParaRPr lang="en-US" sz="2400" dirty="0">
-              <a:latin typeface="Times New Roman" panose="02020603050405020304" pitchFamily="18" charset="0"/>
-              <a:cs typeface="Times New Roman" panose="02020603050405020304" pitchFamily="18" charset="0"/>
-              <a:sym typeface="Wingdings" panose="05000000000000000000" pitchFamily="2" charset="2"/>
-            </a:endParaRPr>
-          </a:p>
-          <a:p>
-            <a:pPr lvl="1"/>
-            <a:r>
-              <a:rPr lang="en-US" sz="2400" dirty="0">
-                <a:latin typeface="Times New Roman" panose="02020603050405020304" pitchFamily="18" charset="0"/>
-                <a:cs typeface="Times New Roman" panose="02020603050405020304" pitchFamily="18" charset="0"/>
-              </a:rPr>
-              <a:t>uiverse.io for innovative designs</a:t>
-            </a:r>
-          </a:p>
-          <a:p>
-            <a:pPr lvl="1"/>
-            <a:r>
-              <a:rPr lang="en-US" sz="2400" dirty="0">
-                <a:latin typeface="Times New Roman" panose="02020603050405020304" pitchFamily="18" charset="0"/>
-                <a:cs typeface="Times New Roman" panose="02020603050405020304" pitchFamily="18" charset="0"/>
-              </a:rPr>
-              <a:t>Axios</a:t>
-            </a:r>
-          </a:p>
-        </p:txBody>
-      </p:sp>
-    </p:spTree>
-    <p:extLst>
-      <p:ext uri="{BB962C8B-B14F-4D97-AF65-F5344CB8AC3E}">
-        <p14:creationId xmlns:p14="http://schemas.microsoft.com/office/powerpoint/2010/main" val="3558366859"/>
-      </p:ext>
-    </p:extLst>
-  </p:cSld>
-  <p:clrMapOvr>
-    <a:masterClrMapping/>
-  </p:clrMapOvr>
-</p:sld>
-</file>
-
-<file path=ppt/slides/slide25.xml><?xml version="1.0" encoding="utf-8"?>
-<p:sld xmlns:a="http://schemas.openxmlformats.org/drawingml/2006/main" xmlns:r="http://schemas.openxmlformats.org/officeDocument/2006/relationships" xmlns:p="http://schemas.openxmlformats.org/presentationml/2006/main">
-  <p:cSld>
-    <p:spTree>
-      <p:nvGrpSpPr>
-        <p:cNvPr id="1" name=""/>
-        <p:cNvGrpSpPr/>
-        <p:nvPr/>
-      </p:nvGrpSpPr>
-      <p:grpSpPr>
-        <a:xfrm>
-          <a:off x="0" y="0"/>
-          <a:ext cx="0" cy="0"/>
-          <a:chOff x="0" y="0"/>
-          <a:chExt cx="0" cy="0"/>
-        </a:xfrm>
-      </p:grpSpPr>
-      <p:sp>
-        <p:nvSpPr>
-          <p:cNvPr id="2" name="Title 1"/>
-          <p:cNvSpPr>
-            <a:spLocks noGrp="1"/>
-          </p:cNvSpPr>
-          <p:nvPr>
-            <p:ph type="title"/>
-          </p:nvPr>
-        </p:nvSpPr>
-        <p:spPr/>
-        <p:txBody>
-          <a:bodyPr/>
-          <a:lstStyle/>
-          <a:p>
-            <a:r>
-              <a:rPr lang="en-US" sz="3200" dirty="0">
-                <a:latin typeface="Times New Roman" panose="02020603050405020304" pitchFamily="18" charset="0"/>
-                <a:cs typeface="Times New Roman" panose="02020603050405020304" pitchFamily="18" charset="0"/>
-                <a:sym typeface="+mn-ea"/>
-              </a:rPr>
-              <a:t>Implementation [3/4]</a:t>
-            </a:r>
-            <a:endParaRPr lang="en-GB" sz="3200" dirty="0">
-              <a:latin typeface="Times New Roman" panose="02020603050405020304" pitchFamily="18" charset="0"/>
-              <a:cs typeface="Times New Roman" panose="02020603050405020304" pitchFamily="18" charset="0"/>
-            </a:endParaRPr>
-          </a:p>
-        </p:txBody>
-      </p:sp>
-      <p:sp>
-        <p:nvSpPr>
-          <p:cNvPr id="3" name="Text Placeholder 2"/>
-          <p:cNvSpPr>
-            <a:spLocks noGrp="1"/>
-          </p:cNvSpPr>
-          <p:nvPr>
-            <p:ph type="body" idx="1"/>
-          </p:nvPr>
-        </p:nvSpPr>
-        <p:spPr/>
-        <p:txBody>
-          <a:bodyPr/>
-          <a:lstStyle/>
-          <a:p>
-            <a:pPr marL="114300" indent="0">
-              <a:buNone/>
-            </a:pPr>
-            <a:r>
-              <a:rPr lang="en-US" sz="2800" b="1" dirty="0">
-                <a:latin typeface="Times New Roman" panose="02020603050405020304" pitchFamily="18" charset="0"/>
-                <a:cs typeface="Times New Roman" panose="02020603050405020304" pitchFamily="18" charset="0"/>
-              </a:rPr>
-              <a:t>List of Libraries / Components / Web Services</a:t>
-            </a:r>
-          </a:p>
-          <a:p>
-            <a:pPr marL="114300" indent="0">
-              <a:buNone/>
-            </a:pPr>
-            <a:r>
-              <a:rPr lang="en-US" sz="2800" b="1" dirty="0">
-                <a:latin typeface="Times New Roman" panose="02020603050405020304" pitchFamily="18" charset="0"/>
-                <a:cs typeface="Times New Roman" panose="02020603050405020304" pitchFamily="18" charset="0"/>
-              </a:rPr>
-              <a:t>Backend:</a:t>
-            </a:r>
-          </a:p>
-          <a:p>
-            <a:pPr lvl="1"/>
-            <a:r>
-              <a:rPr lang="en-US" sz="2400" dirty="0">
-                <a:latin typeface="Times New Roman" panose="02020603050405020304" pitchFamily="18" charset="0"/>
-                <a:cs typeface="Times New Roman" panose="02020603050405020304" pitchFamily="18" charset="0"/>
-              </a:rPr>
-              <a:t>spring security</a:t>
-            </a:r>
-          </a:p>
-          <a:p>
-            <a:pPr lvl="1"/>
-            <a:r>
-              <a:rPr lang="en-US" sz="2400" dirty="0">
-                <a:latin typeface="Times New Roman" panose="02020603050405020304" pitchFamily="18" charset="0"/>
-                <a:cs typeface="Times New Roman" panose="02020603050405020304" pitchFamily="18" charset="0"/>
-              </a:rPr>
-              <a:t>bcrypt password</a:t>
-            </a:r>
-          </a:p>
-          <a:p>
-            <a:pPr lvl="1"/>
-            <a:r>
-              <a:rPr lang="en-US" sz="2400" dirty="0">
-                <a:latin typeface="Times New Roman" panose="02020603050405020304" pitchFamily="18" charset="0"/>
-                <a:cs typeface="Times New Roman" panose="02020603050405020304" pitchFamily="18" charset="0"/>
-              </a:rPr>
-              <a:t>CRUD APIs</a:t>
-            </a:r>
-          </a:p>
-          <a:p>
-            <a:pPr lvl="1"/>
-            <a:r>
-              <a:rPr lang="en-US" sz="2400" dirty="0">
-                <a:latin typeface="Times New Roman" panose="02020603050405020304" pitchFamily="18" charset="0"/>
-                <a:cs typeface="Times New Roman" panose="02020603050405020304" pitchFamily="18" charset="0"/>
-              </a:rPr>
-              <a:t>Annotations</a:t>
-            </a:r>
-          </a:p>
-          <a:p>
-            <a:pPr lvl="1"/>
-            <a:r>
-              <a:rPr lang="en-US" sz="2400" dirty="0">
-                <a:latin typeface="Times New Roman" panose="02020603050405020304" pitchFamily="18" charset="0"/>
-                <a:cs typeface="Times New Roman" panose="02020603050405020304" pitchFamily="18" charset="0"/>
-              </a:rPr>
-              <a:t>Lombok</a:t>
-            </a:r>
-          </a:p>
-          <a:p>
-            <a:pPr lvl="1"/>
-            <a:r>
-              <a:rPr lang="en-US" sz="2400" dirty="0">
-                <a:latin typeface="Times New Roman" panose="02020603050405020304" pitchFamily="18" charset="0"/>
-                <a:cs typeface="Times New Roman" panose="02020603050405020304" pitchFamily="18" charset="0"/>
-              </a:rPr>
-              <a:t>SMTP</a:t>
-            </a:r>
-          </a:p>
-          <a:p>
-            <a:pPr lvl="1"/>
-            <a:r>
-              <a:rPr lang="en-US" sz="2400" dirty="0">
-                <a:latin typeface="Times New Roman" panose="02020603050405020304" pitchFamily="18" charset="0"/>
-                <a:cs typeface="Times New Roman" panose="02020603050405020304" pitchFamily="18" charset="0"/>
-              </a:rPr>
-              <a:t>MongoDB</a:t>
-            </a:r>
-          </a:p>
-          <a:p>
-            <a:pPr lvl="1"/>
-            <a:r>
-              <a:rPr lang="en-US" sz="2400" dirty="0">
-                <a:latin typeface="Times New Roman" panose="02020603050405020304" pitchFamily="18" charset="0"/>
-                <a:cs typeface="Times New Roman" panose="02020603050405020304" pitchFamily="18" charset="0"/>
-              </a:rPr>
-              <a:t>OTP Store</a:t>
-            </a:r>
-          </a:p>
-        </p:txBody>
-      </p:sp>
-    </p:spTree>
-    <p:extLst>
-      <p:ext uri="{BB962C8B-B14F-4D97-AF65-F5344CB8AC3E}">
-        <p14:creationId xmlns:p14="http://schemas.microsoft.com/office/powerpoint/2010/main" val="3058849251"/>
-      </p:ext>
-    </p:extLst>
-  </p:cSld>
-  <p:clrMapOvr>
-    <a:masterClrMapping/>
-  </p:clrMapOvr>
-</p:sld>
-</file>
-
-<file path=ppt/slides/slide26.xml><?xml version="1.0" encoding="utf-8"?>
-<p:sld xmlns:a="http://schemas.openxmlformats.org/drawingml/2006/main" xmlns:r="http://schemas.openxmlformats.org/officeDocument/2006/relationships" xmlns:p="http://schemas.openxmlformats.org/presentationml/2006/main">
-  <p:cSld>
-    <p:spTree>
-      <p:nvGrpSpPr>
-        <p:cNvPr id="1" name=""/>
-        <p:cNvGrpSpPr/>
-        <p:nvPr/>
-      </p:nvGrpSpPr>
-      <p:grpSpPr>
-        <a:xfrm>
-          <a:off x="0" y="0"/>
-          <a:ext cx="0" cy="0"/>
-          <a:chOff x="0" y="0"/>
-          <a:chExt cx="0" cy="0"/>
-        </a:xfrm>
-      </p:grpSpPr>
-      <p:sp>
-        <p:nvSpPr>
-          <p:cNvPr id="2" name="Title 1"/>
-          <p:cNvSpPr>
-            <a:spLocks noGrp="1"/>
-          </p:cNvSpPr>
-          <p:nvPr>
-            <p:ph type="title"/>
-          </p:nvPr>
-        </p:nvSpPr>
-        <p:spPr/>
-        <p:txBody>
-          <a:bodyPr/>
-          <a:lstStyle/>
-          <a:p>
-            <a:r>
-              <a:rPr lang="en-US" sz="3200" dirty="0">
-                <a:latin typeface="Times New Roman" panose="02020603050405020304" pitchFamily="18" charset="0"/>
-                <a:cs typeface="Times New Roman" panose="02020603050405020304" pitchFamily="18" charset="0"/>
-                <a:sym typeface="+mn-ea"/>
-              </a:rPr>
-              <a:t>Implementation [4/4]</a:t>
-            </a:r>
-            <a:endParaRPr lang="en-GB" sz="3200" dirty="0">
-              <a:latin typeface="Times New Roman" panose="02020603050405020304" pitchFamily="18" charset="0"/>
-              <a:cs typeface="Times New Roman" panose="02020603050405020304" pitchFamily="18" charset="0"/>
-            </a:endParaRPr>
-          </a:p>
-        </p:txBody>
-      </p:sp>
-      <p:sp>
-        <p:nvSpPr>
-          <p:cNvPr id="3" name="Text Placeholder 2"/>
-          <p:cNvSpPr>
-            <a:spLocks noGrp="1"/>
-          </p:cNvSpPr>
-          <p:nvPr>
-            <p:ph type="body" idx="1"/>
-          </p:nvPr>
-        </p:nvSpPr>
-        <p:spPr/>
-        <p:txBody>
-          <a:bodyPr/>
-          <a:lstStyle/>
-          <a:p>
-            <a:pPr marL="114300" indent="0">
-              <a:buNone/>
-            </a:pPr>
-            <a:r>
-              <a:rPr lang="en-US" sz="2800" b="1" dirty="0">
-                <a:latin typeface="Times New Roman" panose="02020603050405020304" pitchFamily="18" charset="0"/>
-                <a:cs typeface="Times New Roman" panose="02020603050405020304" pitchFamily="18" charset="0"/>
-              </a:rPr>
-              <a:t>List of Libraries </a:t>
-            </a:r>
-          </a:p>
-          <a:p>
-            <a:pPr marL="114300" indent="0">
-              <a:buNone/>
-            </a:pPr>
-            <a:r>
-              <a:rPr lang="en-US" sz="2800" b="1" dirty="0">
-                <a:latin typeface="Times New Roman" panose="02020603050405020304" pitchFamily="18" charset="0"/>
-                <a:cs typeface="Times New Roman" panose="02020603050405020304" pitchFamily="18" charset="0"/>
-              </a:rPr>
-              <a:t>Machine Learning Libraries:</a:t>
-            </a:r>
-            <a:endParaRPr lang="en-US" sz="2800" dirty="0">
-              <a:latin typeface="Times New Roman" panose="02020603050405020304" pitchFamily="18" charset="0"/>
-              <a:cs typeface="Times New Roman" panose="02020603050405020304" pitchFamily="18" charset="0"/>
-            </a:endParaRPr>
-          </a:p>
-          <a:p>
-            <a:pPr marL="114300" indent="0">
-              <a:buNone/>
-            </a:pPr>
-            <a:r>
-              <a:rPr lang="en-US" b="1" dirty="0">
-                <a:latin typeface="Times New Roman" panose="02020603050405020304" pitchFamily="18" charset="0"/>
-                <a:cs typeface="Times New Roman" panose="02020603050405020304" pitchFamily="18" charset="0"/>
-              </a:rPr>
-              <a:t> - </a:t>
-            </a:r>
-            <a:r>
-              <a:rPr lang="en-GB" dirty="0">
-                <a:latin typeface="Times New Roman" panose="02020603050405020304" pitchFamily="18" charset="0"/>
-                <a:cs typeface="Times New Roman" panose="02020603050405020304" pitchFamily="18" charset="0"/>
-              </a:rPr>
-              <a:t>pandas, numpy</a:t>
-            </a:r>
-          </a:p>
-          <a:p>
-            <a:pPr marL="114300" indent="0">
-              <a:buNone/>
-            </a:pPr>
-            <a:r>
-              <a:rPr lang="en-GB" b="1" dirty="0">
-                <a:latin typeface="Times New Roman" panose="02020603050405020304" pitchFamily="18" charset="0"/>
-                <a:cs typeface="Times New Roman" panose="02020603050405020304" pitchFamily="18" charset="0"/>
-              </a:rPr>
-              <a:t> -  </a:t>
-            </a:r>
-            <a:r>
-              <a:rPr lang="en-GB" dirty="0">
-                <a:latin typeface="Times New Roman" panose="02020603050405020304" pitchFamily="18" charset="0"/>
-                <a:cs typeface="Times New Roman" panose="02020603050405020304" pitchFamily="18" charset="0"/>
-              </a:rPr>
-              <a:t>scikit-learn</a:t>
-            </a:r>
-          </a:p>
-          <a:p>
-            <a:pPr marL="114300" indent="0">
-              <a:buNone/>
-            </a:pPr>
-            <a:r>
-              <a:rPr lang="en-US" b="1" dirty="0">
-                <a:latin typeface="Times New Roman" panose="02020603050405020304" pitchFamily="18" charset="0"/>
-                <a:cs typeface="Times New Roman" panose="02020603050405020304" pitchFamily="18" charset="0"/>
-              </a:rPr>
-              <a:t> - </a:t>
-            </a:r>
-            <a:r>
-              <a:rPr lang="en-GB" dirty="0">
-                <a:latin typeface="Times New Roman" panose="02020603050405020304" pitchFamily="18" charset="0"/>
-                <a:cs typeface="Times New Roman" panose="02020603050405020304" pitchFamily="18" charset="0"/>
-              </a:rPr>
-              <a:t>matplotlib.pyplot</a:t>
-            </a:r>
-          </a:p>
-          <a:p>
-            <a:pPr marL="114300" indent="0">
-              <a:buNone/>
-            </a:pPr>
-            <a:r>
-              <a:rPr lang="en-GB" b="1" dirty="0">
-                <a:latin typeface="Times New Roman" panose="02020603050405020304" pitchFamily="18" charset="0"/>
-                <a:cs typeface="Times New Roman" panose="02020603050405020304" pitchFamily="18" charset="0"/>
-              </a:rPr>
-              <a:t> - </a:t>
-            </a:r>
-            <a:r>
-              <a:rPr lang="en-GB" dirty="0">
-                <a:latin typeface="Times New Roman" panose="02020603050405020304" pitchFamily="18" charset="0"/>
-                <a:cs typeface="Times New Roman" panose="02020603050405020304" pitchFamily="18" charset="0"/>
-              </a:rPr>
-              <a:t>pickle</a:t>
-            </a:r>
-            <a:endParaRPr lang="en-US" b="1" dirty="0">
-              <a:latin typeface="Times New Roman" panose="02020603050405020304" pitchFamily="18" charset="0"/>
-              <a:cs typeface="Times New Roman" panose="02020603050405020304" pitchFamily="18" charset="0"/>
-            </a:endParaRPr>
-          </a:p>
-        </p:txBody>
-      </p:sp>
-    </p:spTree>
-    <p:extLst>
-      <p:ext uri="{BB962C8B-B14F-4D97-AF65-F5344CB8AC3E}">
-        <p14:creationId xmlns:p14="http://schemas.microsoft.com/office/powerpoint/2010/main" val="3135144506"/>
-      </p:ext>
-    </p:extLst>
-  </p:cSld>
-  <p:clrMapOvr>
-    <a:masterClrMapping/>
-  </p:clrMapOvr>
-</p:sld>
-</file>
-
-<file path=ppt/slides/slide27.xml><?xml version="1.0" encoding="utf-8"?>
-<p:sld xmlns:a="http://schemas.openxmlformats.org/drawingml/2006/main" xmlns:r="http://schemas.openxmlformats.org/officeDocument/2006/relationships" xmlns:p="http://schemas.openxmlformats.org/presentationml/2006/main">
-  <p:cSld>
-    <p:spTree>
-      <p:nvGrpSpPr>
-        <p:cNvPr id="1" name=""/>
-        <p:cNvGrpSpPr/>
-        <p:nvPr/>
-      </p:nvGrpSpPr>
-      <p:grpSpPr>
-        <a:xfrm>
-          <a:off x="0" y="0"/>
-          <a:ext cx="0" cy="0"/>
-          <a:chOff x="0" y="0"/>
-          <a:chExt cx="0" cy="0"/>
-        </a:xfrm>
-      </p:grpSpPr>
-      <p:sp>
-        <p:nvSpPr>
-          <p:cNvPr id="2" name="Title 1"/>
-          <p:cNvSpPr>
-            <a:spLocks noGrp="1"/>
-          </p:cNvSpPr>
-          <p:nvPr>
-            <p:ph type="title"/>
-          </p:nvPr>
-        </p:nvSpPr>
-        <p:spPr/>
-        <p:txBody>
-          <a:bodyPr/>
-          <a:lstStyle/>
-          <a:p>
-            <a:r>
-              <a:rPr lang="en-US" dirty="0">
-                <a:latin typeface="Times New Roman" panose="02020603050405020304" pitchFamily="18" charset="0"/>
-                <a:cs typeface="Times New Roman" panose="02020603050405020304" pitchFamily="18" charset="0"/>
-              </a:rPr>
-              <a:t>Experiments and Results Summary</a:t>
-            </a:r>
-            <a:endParaRPr lang="en-GB" dirty="0"/>
-          </a:p>
-        </p:txBody>
-      </p:sp>
-    </p:spTree>
-    <p:extLst>
-      <p:ext uri="{BB962C8B-B14F-4D97-AF65-F5344CB8AC3E}">
-        <p14:creationId xmlns:p14="http://schemas.microsoft.com/office/powerpoint/2010/main" val="2428237433"/>
-      </p:ext>
-    </p:extLst>
-  </p:cSld>
-  <p:clrMapOvr>
-    <a:masterClrMapping/>
-  </p:clrMapOvr>
-</p:sld>
-</file>
-
-<file path=ppt/slides/slide28.xml><?xml version="1.0" encoding="utf-8"?>
-<p:sld xmlns:a="http://schemas.openxmlformats.org/drawingml/2006/main" xmlns:r="http://schemas.openxmlformats.org/officeDocument/2006/relationships" xmlns:p="http://schemas.openxmlformats.org/presentationml/2006/main">
-  <p:cSld>
-    <p:spTree>
-      <p:nvGrpSpPr>
-        <p:cNvPr id="1" name=""/>
-        <p:cNvGrpSpPr/>
-        <p:nvPr/>
-      </p:nvGrpSpPr>
-      <p:grpSpPr>
-        <a:xfrm>
-          <a:off x="0" y="0"/>
-          <a:ext cx="0" cy="0"/>
-          <a:chOff x="0" y="0"/>
-          <a:chExt cx="0" cy="0"/>
-        </a:xfrm>
-      </p:grpSpPr>
-      <p:sp>
-        <p:nvSpPr>
-          <p:cNvPr id="2" name="Title 1">
-            <a:extLst>
-              <a:ext uri="{FF2B5EF4-FFF2-40B4-BE49-F238E27FC236}">
-                <a16:creationId xmlns:a16="http://schemas.microsoft.com/office/drawing/2014/main" id="{35C20C53-AA21-809A-BBD4-F324A6B80359}"/>
-              </a:ext>
-            </a:extLst>
-          </p:cNvPr>
-          <p:cNvSpPr>
-            <a:spLocks noGrp="1"/>
-          </p:cNvSpPr>
-          <p:nvPr>
-            <p:ph type="title"/>
-          </p:nvPr>
-        </p:nvSpPr>
-        <p:spPr/>
-        <p:txBody>
-          <a:bodyPr/>
-          <a:lstStyle/>
-          <a:p>
-            <a:r>
-              <a:rPr lang="en-US" sz="3200" dirty="0">
-                <a:latin typeface="Times New Roman" panose="02020603050405020304" pitchFamily="18" charset="0"/>
-                <a:cs typeface="Times New Roman" panose="02020603050405020304" pitchFamily="18" charset="0"/>
-              </a:rPr>
-              <a:t>Experiments and Results Summary[1/7]</a:t>
-            </a:r>
-            <a:endParaRPr lang="en-PK" sz="3200" dirty="0">
-              <a:latin typeface="Times New Roman" panose="02020603050405020304" pitchFamily="18" charset="0"/>
-              <a:cs typeface="Times New Roman" panose="02020603050405020304" pitchFamily="18" charset="0"/>
-            </a:endParaRPr>
-          </a:p>
-        </p:txBody>
-      </p:sp>
-      <p:sp>
-        <p:nvSpPr>
-          <p:cNvPr id="3" name="Text Placeholder 2">
-            <a:extLst>
-              <a:ext uri="{FF2B5EF4-FFF2-40B4-BE49-F238E27FC236}">
-                <a16:creationId xmlns:a16="http://schemas.microsoft.com/office/drawing/2014/main" id="{F013A843-62EA-E47E-8852-8A07452A5B24}"/>
-              </a:ext>
-            </a:extLst>
-          </p:cNvPr>
-          <p:cNvSpPr>
-            <a:spLocks noGrp="1"/>
-          </p:cNvSpPr>
-          <p:nvPr>
-            <p:ph type="body" idx="1"/>
-          </p:nvPr>
-        </p:nvSpPr>
-        <p:spPr/>
-        <p:txBody>
-          <a:bodyPr/>
-          <a:lstStyle/>
-          <a:p>
-            <a:pPr marL="114300" indent="0">
-              <a:buNone/>
-            </a:pPr>
-            <a:r>
-              <a:rPr lang="en-GB" sz="2800" dirty="0">
-                <a:latin typeface="Times New Roman" panose="02020603050405020304" pitchFamily="18" charset="0"/>
-                <a:cs typeface="Times New Roman" panose="02020603050405020304" pitchFamily="18" charset="0"/>
-              </a:rPr>
-              <a:t>In our proposed model there are three phases: </a:t>
-            </a:r>
-            <a:r>
-              <a:rPr lang="en-GB" sz="2800" b="1" dirty="0">
-                <a:latin typeface="Times New Roman" panose="02020603050405020304" pitchFamily="18" charset="0"/>
-                <a:cs typeface="Times New Roman" panose="02020603050405020304" pitchFamily="18" charset="0"/>
-              </a:rPr>
-              <a:t>Clustering</a:t>
-            </a:r>
-            <a:r>
-              <a:rPr lang="en-GB" sz="2800" dirty="0">
-                <a:latin typeface="Times New Roman" panose="02020603050405020304" pitchFamily="18" charset="0"/>
-                <a:cs typeface="Times New Roman" panose="02020603050405020304" pitchFamily="18" charset="0"/>
-              </a:rPr>
-              <a:t>, </a:t>
-            </a:r>
-            <a:r>
-              <a:rPr lang="en-GB" sz="2800" b="1" dirty="0">
-                <a:latin typeface="Times New Roman" panose="02020603050405020304" pitchFamily="18" charset="0"/>
-                <a:cs typeface="Times New Roman" panose="02020603050405020304" pitchFamily="18" charset="0"/>
-              </a:rPr>
-              <a:t>Classification</a:t>
-            </a:r>
-            <a:r>
-              <a:rPr lang="en-GB" sz="2800" dirty="0">
-                <a:latin typeface="Times New Roman" panose="02020603050405020304" pitchFamily="18" charset="0"/>
-                <a:cs typeface="Times New Roman" panose="02020603050405020304" pitchFamily="18" charset="0"/>
-              </a:rPr>
-              <a:t> and </a:t>
-            </a:r>
-            <a:r>
-              <a:rPr lang="en-GB" sz="2800" b="1" dirty="0">
-                <a:latin typeface="Times New Roman" panose="02020603050405020304" pitchFamily="18" charset="0"/>
-                <a:cs typeface="Times New Roman" panose="02020603050405020304" pitchFamily="18" charset="0"/>
-              </a:rPr>
-              <a:t>Regression</a:t>
-            </a:r>
-          </a:p>
-          <a:p>
-            <a:pPr marL="114300" indent="0">
-              <a:buNone/>
-            </a:pPr>
-            <a:endParaRPr lang="en-GB" sz="2800" b="1" dirty="0">
-              <a:latin typeface="Times New Roman" panose="02020603050405020304" pitchFamily="18" charset="0"/>
-              <a:cs typeface="Times New Roman" panose="02020603050405020304" pitchFamily="18" charset="0"/>
-            </a:endParaRPr>
-          </a:p>
-          <a:p>
-            <a:pPr marL="628650" indent="-514350">
-              <a:buFont typeface="+mj-lt"/>
-              <a:buAutoNum type="arabicPeriod"/>
-            </a:pPr>
-            <a:r>
-              <a:rPr lang="en-GB" sz="2800" b="1" dirty="0">
-                <a:latin typeface="Times New Roman" panose="02020603050405020304" pitchFamily="18" charset="0"/>
-                <a:cs typeface="Times New Roman" panose="02020603050405020304" pitchFamily="18" charset="0"/>
-              </a:rPr>
-              <a:t>Clustering</a:t>
-            </a:r>
-          </a:p>
-          <a:p>
-            <a:pPr lvl="1">
-              <a:buFont typeface="Wingdings" panose="05000000000000000000" pitchFamily="2" charset="2"/>
-              <a:buChar char="§"/>
-            </a:pPr>
-            <a:r>
-              <a:rPr lang="en-GB" sz="2400" b="1" dirty="0">
-                <a:latin typeface="Times New Roman" panose="02020603050405020304" pitchFamily="18" charset="0"/>
-                <a:cs typeface="Times New Roman" panose="02020603050405020304" pitchFamily="18" charset="0"/>
-              </a:rPr>
-              <a:t> Dataset: </a:t>
-            </a:r>
-            <a:r>
-              <a:rPr lang="en-GB" sz="2400" dirty="0">
-                <a:latin typeface="Times New Roman" panose="02020603050405020304" pitchFamily="18" charset="0"/>
-                <a:cs typeface="Times New Roman" panose="02020603050405020304" pitchFamily="18" charset="0"/>
-              </a:rPr>
-              <a:t>Nutrition dataset source from kaggle which contains 8789 instances and 79 features.</a:t>
-            </a:r>
-          </a:p>
-          <a:p>
-            <a:pPr lvl="1">
-              <a:buFont typeface="Wingdings" panose="05000000000000000000" pitchFamily="2" charset="2"/>
-              <a:buChar char="§"/>
-            </a:pPr>
-            <a:r>
-              <a:rPr lang="en-GB" sz="2400" b="1" dirty="0">
-                <a:latin typeface="Times New Roman" panose="02020603050405020304" pitchFamily="18" charset="0"/>
-                <a:cs typeface="Times New Roman" panose="02020603050405020304" pitchFamily="18" charset="0"/>
-              </a:rPr>
-              <a:t>Data Pre-processing: </a:t>
-            </a:r>
-            <a:r>
-              <a:rPr lang="en-GB" sz="2400" dirty="0">
-                <a:latin typeface="Times New Roman" panose="02020603050405020304" pitchFamily="18" charset="0"/>
-                <a:cs typeface="Times New Roman" panose="02020603050405020304" pitchFamily="18" charset="0"/>
-              </a:rPr>
-              <a:t>Normalization , feature engineering and cleaning.</a:t>
-            </a:r>
-          </a:p>
-          <a:p>
-            <a:pPr marL="571500" lvl="1" indent="0">
-              <a:buNone/>
-            </a:pPr>
-            <a:endParaRPr lang="en-GB" sz="2400" b="1" dirty="0">
-              <a:latin typeface="Times New Roman" panose="02020603050405020304" pitchFamily="18" charset="0"/>
-              <a:cs typeface="Times New Roman" panose="02020603050405020304" pitchFamily="18" charset="0"/>
-            </a:endParaRPr>
-          </a:p>
-          <a:p>
-            <a:pPr marL="114300" indent="0">
-              <a:buNone/>
-            </a:pPr>
-            <a:endParaRPr lang="en-GB" sz="2800" dirty="0">
-              <a:latin typeface="Times New Roman" panose="02020603050405020304" pitchFamily="18" charset="0"/>
-              <a:cs typeface="Times New Roman" panose="02020603050405020304" pitchFamily="18" charset="0"/>
-            </a:endParaRPr>
-          </a:p>
-        </p:txBody>
-      </p:sp>
-    </p:spTree>
-    <p:extLst>
-      <p:ext uri="{BB962C8B-B14F-4D97-AF65-F5344CB8AC3E}">
-        <p14:creationId xmlns:p14="http://schemas.microsoft.com/office/powerpoint/2010/main" val="2853398257"/>
-      </p:ext>
-    </p:extLst>
-  </p:cSld>
-  <p:clrMapOvr>
-    <a:masterClrMapping/>
-  </p:clrMapOvr>
-</p:sld>
-</file>
-
-<file path=ppt/slides/slide29.xml><?xml version="1.0" encoding="utf-8"?>
-<p:sld xmlns:a="http://schemas.openxmlformats.org/drawingml/2006/main" xmlns:r="http://schemas.openxmlformats.org/officeDocument/2006/relationships" xmlns:p="http://schemas.openxmlformats.org/presentationml/2006/main">
-  <p:cSld>
-    <p:spTree>
-      <p:nvGrpSpPr>
-        <p:cNvPr id="1" name=""/>
-        <p:cNvGrpSpPr/>
-        <p:nvPr/>
-      </p:nvGrpSpPr>
-      <p:grpSpPr>
-        <a:xfrm>
-          <a:off x="0" y="0"/>
-          <a:ext cx="0" cy="0"/>
-          <a:chOff x="0" y="0"/>
-          <a:chExt cx="0" cy="0"/>
-        </a:xfrm>
-      </p:grpSpPr>
-      <p:sp>
-        <p:nvSpPr>
-          <p:cNvPr id="2" name="Title 1"/>
-          <p:cNvSpPr>
-            <a:spLocks noGrp="1"/>
-          </p:cNvSpPr>
-          <p:nvPr>
-            <p:ph type="title"/>
-          </p:nvPr>
-        </p:nvSpPr>
-        <p:spPr/>
-        <p:txBody>
-          <a:bodyPr/>
-          <a:lstStyle/>
-          <a:p>
-            <a:r>
-              <a:rPr lang="en-US" sz="3200" dirty="0">
-                <a:latin typeface="Times New Roman" panose="02020603050405020304" pitchFamily="18" charset="0"/>
-                <a:cs typeface="Times New Roman" panose="02020603050405020304" pitchFamily="18" charset="0"/>
-              </a:rPr>
-              <a:t>Experiments and Results Summary[2/7]</a:t>
-            </a:r>
-            <a:endParaRPr lang="en-GB" sz="3200" dirty="0"/>
-          </a:p>
-        </p:txBody>
-      </p:sp>
-      <p:sp>
-        <p:nvSpPr>
-          <p:cNvPr id="3" name="Text Placeholder 2"/>
-          <p:cNvSpPr>
-            <a:spLocks noGrp="1"/>
-          </p:cNvSpPr>
-          <p:nvPr>
-            <p:ph type="body" idx="1"/>
-          </p:nvPr>
-        </p:nvSpPr>
-        <p:spPr>
-          <a:xfrm>
-            <a:off x="0" y="1600201"/>
-            <a:ext cx="8686800" cy="926432"/>
-          </a:xfrm>
-        </p:spPr>
-        <p:txBody>
-          <a:bodyPr/>
-          <a:lstStyle/>
-          <a:p>
-            <a:pPr lvl="1">
-              <a:buFont typeface="Wingdings" panose="05000000000000000000" pitchFamily="2" charset="2"/>
-              <a:buChar char="§"/>
-            </a:pPr>
-            <a:r>
-              <a:rPr lang="en-GB" sz="2400" b="1" dirty="0">
-                <a:latin typeface="Times New Roman" panose="02020603050405020304" pitchFamily="18" charset="0"/>
-                <a:cs typeface="Times New Roman" panose="02020603050405020304" pitchFamily="18" charset="0"/>
-              </a:rPr>
-              <a:t>Finding number of clusters:</a:t>
-            </a:r>
-            <a:r>
-              <a:rPr lang="en-GB" sz="2400" dirty="0">
-                <a:latin typeface="Times New Roman" panose="02020603050405020304" pitchFamily="18" charset="0"/>
-                <a:cs typeface="Times New Roman" panose="02020603050405020304" pitchFamily="18" charset="0"/>
-              </a:rPr>
-              <a:t> using </a:t>
-            </a:r>
-            <a:r>
-              <a:rPr lang="en-GB" sz="2400" b="1" dirty="0">
-                <a:latin typeface="Times New Roman" panose="02020603050405020304" pitchFamily="18" charset="0"/>
-                <a:cs typeface="Times New Roman" panose="02020603050405020304" pitchFamily="18" charset="0"/>
-              </a:rPr>
-              <a:t>Elbow Method </a:t>
-            </a:r>
-            <a:r>
-              <a:rPr lang="en-GB" sz="2400" dirty="0">
-                <a:latin typeface="Times New Roman" panose="02020603050405020304" pitchFamily="18" charset="0"/>
-                <a:cs typeface="Times New Roman" panose="02020603050405020304" pitchFamily="18" charset="0"/>
-              </a:rPr>
-              <a:t>and the </a:t>
-            </a:r>
-            <a:r>
-              <a:rPr lang="en-GB" sz="2400" b="1" dirty="0">
-                <a:latin typeface="Times New Roman" panose="02020603050405020304" pitchFamily="18" charset="0"/>
-                <a:cs typeface="Times New Roman" panose="02020603050405020304" pitchFamily="18" charset="0"/>
-              </a:rPr>
-              <a:t>Silhouette Score</a:t>
-            </a:r>
-            <a:r>
-              <a:rPr lang="en-GB" sz="2400" dirty="0"/>
-              <a:t> they give result K = 14</a:t>
-            </a:r>
-            <a:endParaRPr lang="en-GB" sz="2400" b="1" dirty="0">
-              <a:latin typeface="Times New Roman" panose="02020603050405020304" pitchFamily="18" charset="0"/>
-              <a:cs typeface="Times New Roman" panose="02020603050405020304" pitchFamily="18" charset="0"/>
-            </a:endParaRPr>
-          </a:p>
-          <a:p>
-            <a:pPr marL="571500" lvl="1" indent="0">
-              <a:buNone/>
-            </a:pPr>
-            <a:r>
-              <a:rPr lang="en-GB" sz="2400" b="1" dirty="0">
-                <a:latin typeface="Times New Roman" panose="02020603050405020304" pitchFamily="18" charset="0"/>
-                <a:cs typeface="Times New Roman" panose="02020603050405020304" pitchFamily="18" charset="0"/>
-              </a:rPr>
-              <a:t>            </a:t>
-            </a:r>
-          </a:p>
-          <a:p>
-            <a:pPr marL="571500" lvl="1" indent="0">
-              <a:buNone/>
-            </a:pPr>
-            <a:r>
-              <a:rPr lang="en-GB" sz="2400" b="1" dirty="0">
-                <a:latin typeface="Times New Roman" panose="02020603050405020304" pitchFamily="18" charset="0"/>
-                <a:cs typeface="Times New Roman" panose="02020603050405020304" pitchFamily="18" charset="0"/>
-              </a:rPr>
-              <a:t>                             </a:t>
-            </a:r>
-          </a:p>
-        </p:txBody>
-      </p:sp>
-      <p:sp>
-        <p:nvSpPr>
-          <p:cNvPr id="6" name="Rectangle 4"/>
-          <p:cNvSpPr>
-            <a:spLocks noChangeArrowheads="1"/>
-          </p:cNvSpPr>
-          <p:nvPr/>
-        </p:nvSpPr>
-        <p:spPr bwMode="auto">
-          <a:xfrm>
-            <a:off x="733926" y="2526632"/>
-            <a:ext cx="8565019" cy="48803"/>
-          </a:xfrm>
-          <a:prstGeom prst="rect">
-            <a:avLst/>
-          </a:prstGeom>
-          <a:noFill/>
-          <a:ln>
-            <a:noFill/>
-          </a:ln>
-          <a:effectLst/>
-          <a:extLst>
-            <a:ext uri="{909E8E84-426E-40DD-AFC4-6F175D3DCCD1}">
-              <a14:hiddenFill xmlns:a14="http://schemas.microsoft.com/office/drawing/2010/main">
-                <a:solidFill>
-                  <a:schemeClr val="accent1"/>
-                </a:solidFill>
-              </a14:hiddenFill>
-            </a:ext>
-            <a:ext uri="{91240B29-F687-4F45-9708-019B960494DF}">
-              <a14:hiddenLine xmlns:a14="http://schemas.microsoft.com/office/drawing/2010/main" w="9525">
-                <a:solidFill>
-                  <a:schemeClr val="tx1"/>
-                </a:solidFill>
-                <a:miter lim="800000"/>
-                <a:headEnd/>
-                <a:tailEnd/>
-              </a14:hiddenLine>
-            </a:ext>
-            <a:ext uri="{AF507438-7753-43E0-B8FC-AC1667EBCBE1}">
-              <a14:hiddenEffects xmlns:a14="http://schemas.microsoft.com/office/drawing/2010/main">
-                <a:effectLst>
-                  <a:outerShdw dist="35921" dir="2700000" algn="ctr" rotWithShape="0">
-                    <a:schemeClr val="bg2"/>
-                  </a:outerShdw>
-                </a:effectLst>
-              </a14:hiddenEffects>
-            </a:ext>
-          </a:extLst>
-        </p:spPr>
-        <p:txBody>
-          <a:bodyPr vert="horz" wrap="square" lIns="91440" tIns="45720" rIns="91440" bIns="45720" numCol="1" anchor="ctr" anchorCtr="0" compatLnSpc="1">
-            <a:prstTxWarp prst="textNoShape">
-              <a:avLst/>
-            </a:prstTxWarp>
-            <a:spAutoFit/>
-          </a:bodyPr>
-          <a:lstStyle/>
-          <a:p>
-            <a:endParaRPr lang="en-GB"/>
-          </a:p>
-        </p:txBody>
-      </p:sp>
-      <p:pic>
-        <p:nvPicPr>
-          <p:cNvPr id="7" name="Picture 3" descr="Elbow_Silhouette_Graphs"/>
-          <p:cNvPicPr>
-            <a:picLocks noChangeAspect="1" noChangeArrowheads="1"/>
-          </p:cNvPicPr>
-          <p:nvPr/>
-        </p:nvPicPr>
-        <p:blipFill>
-          <a:blip r:embed="rId2">
-            <a:extLst>
-              <a:ext uri="{28A0092B-C50C-407E-A947-70E740481C1C}">
-                <a14:useLocalDpi xmlns:a14="http://schemas.microsoft.com/office/drawing/2010/main" val="0"/>
-              </a:ext>
-            </a:extLst>
-          </a:blip>
-          <a:srcRect/>
-          <a:stretch>
-            <a:fillRect/>
-          </a:stretch>
-        </p:blipFill>
-        <p:spPr bwMode="auto">
-          <a:xfrm>
-            <a:off x="733925" y="2526632"/>
-            <a:ext cx="8066337" cy="3236493"/>
-          </a:xfrm>
-          <a:prstGeom prst="rect">
-            <a:avLst/>
-          </a:prstGeom>
-          <a:noFill/>
-          <a:extLst>
-            <a:ext uri="{909E8E84-426E-40DD-AFC4-6F175D3DCCD1}">
-              <a14:hiddenFill xmlns:a14="http://schemas.microsoft.com/office/drawing/2010/main">
-                <a:solidFill>
-                  <a:srgbClr val="FFFFFF"/>
-                </a:solidFill>
-              </a14:hiddenFill>
-            </a:ext>
-          </a:extLst>
-        </p:spPr>
-      </p:pic>
-    </p:spTree>
-    <p:extLst>
-      <p:ext uri="{BB962C8B-B14F-4D97-AF65-F5344CB8AC3E}">
-        <p14:creationId xmlns:p14="http://schemas.microsoft.com/office/powerpoint/2010/main" val="2300632407"/>
-      </p:ext>
-    </p:extLst>
-  </p:cSld>
-  <p:clrMapOvr>
-    <a:masterClrMapping/>
-  </p:clrMapOvr>
-</p:sld>
-</file>
-
-<file path=ppt/slides/slide3.xml><?xml version="1.0" encoding="utf-8"?>
-<p:sld xmlns:a="http://schemas.openxmlformats.org/drawingml/2006/main" xmlns:r="http://schemas.openxmlformats.org/officeDocument/2006/relationships" xmlns:p="http://schemas.openxmlformats.org/presentationml/2006/main">
-  <p:cSld>
-    <p:spTree>
-      <p:nvGrpSpPr>
-        <p:cNvPr id="1" name="Shape 96"/>
-        <p:cNvGrpSpPr/>
-        <p:nvPr/>
-      </p:nvGrpSpPr>
-      <p:grpSpPr>
-        <a:xfrm>
-          <a:off x="0" y="0"/>
-          <a:ext cx="0" cy="0"/>
-          <a:chOff x="0" y="0"/>
-          <a:chExt cx="0" cy="0"/>
-        </a:xfrm>
-      </p:grpSpPr>
-      <p:sp>
-        <p:nvSpPr>
-          <p:cNvPr id="97" name="Google Shape;97;p3"/>
-          <p:cNvSpPr txBox="1">
-            <a:spLocks noGrp="1"/>
-          </p:cNvSpPr>
-          <p:nvPr>
-            <p:ph type="title"/>
-          </p:nvPr>
-        </p:nvSpPr>
-        <p:spPr>
-          <a:xfrm>
-            <a:off x="457200" y="274638"/>
-            <a:ext cx="8229600" cy="1143000"/>
-          </a:xfrm>
-          <a:prstGeom prst="rect">
-            <a:avLst/>
-          </a:prstGeom>
-          <a:noFill/>
-          <a:ln>
-            <a:noFill/>
-          </a:ln>
-        </p:spPr>
-        <p:txBody>
-          <a:bodyPr spcFirstLastPara="1" wrap="square" lIns="91425" tIns="45700" rIns="91425" bIns="45700" anchor="ctr" anchorCtr="0">
-            <a:noAutofit/>
-          </a:bodyPr>
-          <a:lstStyle/>
-          <a:p>
-            <a:pPr marL="0" lvl="0" indent="0" algn="ctr" rtl="0">
-              <a:spcBef>
-                <a:spcPts val="0"/>
-              </a:spcBef>
-              <a:spcAft>
-                <a:spcPts val="0"/>
-              </a:spcAft>
-              <a:buNone/>
-            </a:pPr>
-            <a:r>
-              <a:rPr lang="en-US" sz="3200" dirty="0">
-                <a:latin typeface="Times New Roman" panose="02020603050405020304" pitchFamily="18" charset="0"/>
-                <a:cs typeface="Times New Roman" panose="02020603050405020304" pitchFamily="18" charset="0"/>
-              </a:rPr>
-              <a:t>Table of Content</a:t>
-            </a:r>
-            <a:endParaRPr sz="3200" dirty="0">
-              <a:latin typeface="Times New Roman" panose="02020603050405020304" pitchFamily="18" charset="0"/>
-              <a:cs typeface="Times New Roman" panose="02020603050405020304" pitchFamily="18" charset="0"/>
-            </a:endParaRPr>
-          </a:p>
-        </p:txBody>
-      </p:sp>
-      <p:sp>
-        <p:nvSpPr>
-          <p:cNvPr id="98" name="Google Shape;98;p3"/>
-          <p:cNvSpPr txBox="1">
-            <a:spLocks noGrp="1"/>
-          </p:cNvSpPr>
-          <p:nvPr>
-            <p:ph type="body" idx="1"/>
-          </p:nvPr>
-        </p:nvSpPr>
-        <p:spPr>
-          <a:xfrm>
-            <a:off x="457200" y="1166018"/>
-            <a:ext cx="8229600" cy="4525963"/>
-          </a:xfrm>
-          <a:prstGeom prst="rect">
-            <a:avLst/>
-          </a:prstGeom>
-          <a:noFill/>
-          <a:ln>
-            <a:noFill/>
-          </a:ln>
-        </p:spPr>
-        <p:txBody>
-          <a:bodyPr spcFirstLastPara="1" wrap="square" lIns="91425" tIns="45700" rIns="91425" bIns="45700" anchor="t" anchorCtr="0">
-            <a:noAutofit/>
-          </a:bodyPr>
-          <a:lstStyle/>
-          <a:p>
-            <a:pPr marL="342900" lvl="0" indent="-342900" algn="l" rtl="0">
-              <a:spcBef>
-                <a:spcPts val="0"/>
-              </a:spcBef>
-              <a:spcAft>
-                <a:spcPts val="0"/>
-              </a:spcAft>
-              <a:buClr>
-                <a:schemeClr val="dk1"/>
-              </a:buClr>
-              <a:buSzPts val="2400"/>
-              <a:buChar char="•"/>
-            </a:pPr>
-            <a:r>
-              <a:rPr lang="en-US" sz="2200" dirty="0">
-                <a:latin typeface="Times New Roman" panose="02020603050405020304" pitchFamily="18" charset="0"/>
-                <a:cs typeface="Times New Roman" panose="02020603050405020304" pitchFamily="18" charset="0"/>
-              </a:rPr>
-              <a:t>Background and Introduction</a:t>
-            </a:r>
-            <a:endParaRPr sz="2200" dirty="0">
-              <a:latin typeface="Times New Roman" panose="02020603050405020304" pitchFamily="18" charset="0"/>
-              <a:cs typeface="Times New Roman" panose="02020603050405020304" pitchFamily="18" charset="0"/>
-            </a:endParaRPr>
-          </a:p>
-          <a:p>
-            <a:pPr marL="342900" lvl="0" indent="-342900" algn="l" rtl="0">
-              <a:spcBef>
-                <a:spcPts val="480"/>
-              </a:spcBef>
-              <a:spcAft>
-                <a:spcPts val="0"/>
-              </a:spcAft>
-              <a:buClr>
-                <a:schemeClr val="dk1"/>
-              </a:buClr>
-              <a:buSzPts val="2400"/>
-              <a:buChar char="•"/>
-            </a:pPr>
-            <a:r>
-              <a:rPr lang="en-US" sz="2200" dirty="0">
-                <a:latin typeface="Times New Roman" panose="02020603050405020304" pitchFamily="18" charset="0"/>
-                <a:cs typeface="Times New Roman" panose="02020603050405020304" pitchFamily="18" charset="0"/>
-              </a:rPr>
-              <a:t>Literature Review</a:t>
-            </a:r>
-            <a:endParaRPr sz="2200" dirty="0">
-              <a:latin typeface="Times New Roman" panose="02020603050405020304" pitchFamily="18" charset="0"/>
-              <a:cs typeface="Times New Roman" panose="02020603050405020304" pitchFamily="18" charset="0"/>
-            </a:endParaRPr>
-          </a:p>
-          <a:p>
-            <a:pPr marL="342900" lvl="0" indent="-342900" algn="l" rtl="0">
-              <a:spcBef>
-                <a:spcPts val="480"/>
-              </a:spcBef>
-              <a:spcAft>
-                <a:spcPts val="0"/>
-              </a:spcAft>
-              <a:buClr>
-                <a:schemeClr val="dk1"/>
-              </a:buClr>
-              <a:buSzPts val="2400"/>
-              <a:buChar char="•"/>
-            </a:pPr>
-            <a:r>
-              <a:rPr lang="en-US" sz="2200" dirty="0">
-                <a:latin typeface="Times New Roman" panose="02020603050405020304" pitchFamily="18" charset="0"/>
-                <a:cs typeface="Times New Roman" panose="02020603050405020304" pitchFamily="18" charset="0"/>
-              </a:rPr>
-              <a:t>Problem Statement</a:t>
-            </a:r>
-            <a:endParaRPr sz="2200" dirty="0">
-              <a:latin typeface="Times New Roman" panose="02020603050405020304" pitchFamily="18" charset="0"/>
-              <a:cs typeface="Times New Roman" panose="02020603050405020304" pitchFamily="18" charset="0"/>
-            </a:endParaRPr>
-          </a:p>
-          <a:p>
-            <a:pPr marL="342900" lvl="0" indent="-342900" algn="l" rtl="0">
-              <a:spcBef>
-                <a:spcPts val="480"/>
-              </a:spcBef>
-              <a:spcAft>
-                <a:spcPts val="0"/>
-              </a:spcAft>
-              <a:buClr>
-                <a:schemeClr val="dk1"/>
-              </a:buClr>
-              <a:buSzPts val="2400"/>
-              <a:buChar char="•"/>
-            </a:pPr>
-            <a:r>
-              <a:rPr lang="en-US" sz="2200" dirty="0">
-                <a:latin typeface="Times New Roman" panose="02020603050405020304" pitchFamily="18" charset="0"/>
-                <a:cs typeface="Times New Roman" panose="02020603050405020304" pitchFamily="18" charset="0"/>
-              </a:rPr>
-              <a:t>Proposed Solution</a:t>
-            </a:r>
-            <a:endParaRPr sz="2200" dirty="0">
-              <a:latin typeface="Times New Roman" panose="02020603050405020304" pitchFamily="18" charset="0"/>
-              <a:cs typeface="Times New Roman" panose="02020603050405020304" pitchFamily="18" charset="0"/>
-            </a:endParaRPr>
-          </a:p>
-          <a:p>
-            <a:pPr marL="742950" lvl="1" indent="-285750" algn="l" rtl="0">
-              <a:spcBef>
-                <a:spcPts val="400"/>
-              </a:spcBef>
-              <a:spcAft>
-                <a:spcPts val="0"/>
-              </a:spcAft>
-              <a:buClr>
-                <a:schemeClr val="dk1"/>
-              </a:buClr>
-              <a:buSzPts val="2000"/>
-              <a:buChar char="–"/>
-            </a:pPr>
-            <a:r>
-              <a:rPr lang="en-US" sz="2200" dirty="0">
-                <a:latin typeface="Times New Roman" panose="02020603050405020304" pitchFamily="18" charset="0"/>
-                <a:cs typeface="Times New Roman" panose="02020603050405020304" pitchFamily="18" charset="0"/>
-              </a:rPr>
-              <a:t>Requirements Summary</a:t>
-            </a:r>
-          </a:p>
-          <a:p>
-            <a:pPr marL="742950" lvl="1" indent="-285750" algn="l" rtl="0">
-              <a:spcBef>
-                <a:spcPts val="400"/>
-              </a:spcBef>
-              <a:spcAft>
-                <a:spcPts val="0"/>
-              </a:spcAft>
-              <a:buClr>
-                <a:schemeClr val="dk1"/>
-              </a:buClr>
-              <a:buSzPts val="2000"/>
-              <a:buChar char="–"/>
-            </a:pPr>
-            <a:r>
-              <a:rPr lang="en-US" sz="2200" dirty="0">
-                <a:latin typeface="Times New Roman" panose="02020603050405020304" pitchFamily="18" charset="0"/>
-                <a:cs typeface="Times New Roman" panose="02020603050405020304" pitchFamily="18" charset="0"/>
-              </a:rPr>
-              <a:t>Design Summary</a:t>
-            </a:r>
-            <a:endParaRPr sz="2200" dirty="0">
-              <a:latin typeface="Times New Roman" panose="02020603050405020304" pitchFamily="18" charset="0"/>
-              <a:cs typeface="Times New Roman" panose="02020603050405020304" pitchFamily="18" charset="0"/>
-            </a:endParaRPr>
-          </a:p>
-          <a:p>
-            <a:pPr marL="742950" lvl="1" indent="-285750">
-              <a:spcBef>
-                <a:spcPts val="400"/>
-              </a:spcBef>
-              <a:buSzPts val="2000"/>
-            </a:pPr>
-            <a:r>
-              <a:rPr lang="en-US" sz="2200" dirty="0">
-                <a:latin typeface="Times New Roman" panose="02020603050405020304" pitchFamily="18" charset="0"/>
-                <a:cs typeface="Times New Roman" panose="02020603050405020304" pitchFamily="18" charset="0"/>
-              </a:rPr>
-              <a:t>Methodology</a:t>
-            </a:r>
-          </a:p>
-          <a:p>
-            <a:pPr marL="742950" lvl="1" indent="-285750" algn="l" rtl="0">
-              <a:spcBef>
-                <a:spcPts val="400"/>
-              </a:spcBef>
-              <a:spcAft>
-                <a:spcPts val="0"/>
-              </a:spcAft>
-              <a:buClr>
-                <a:schemeClr val="dk1"/>
-              </a:buClr>
-              <a:buSzPts val="2000"/>
-              <a:buChar char="–"/>
-            </a:pPr>
-            <a:r>
-              <a:rPr lang="en-US" sz="2200" dirty="0">
-                <a:latin typeface="Times New Roman" panose="02020603050405020304" pitchFamily="18" charset="0"/>
-                <a:cs typeface="Times New Roman" panose="02020603050405020304" pitchFamily="18" charset="0"/>
-              </a:rPr>
-              <a:t>Implementation Summary</a:t>
-            </a:r>
-          </a:p>
-          <a:p>
-            <a:pPr marL="742950" lvl="1" indent="-285750" algn="l" rtl="0">
-              <a:spcBef>
-                <a:spcPts val="400"/>
-              </a:spcBef>
-              <a:spcAft>
-                <a:spcPts val="0"/>
-              </a:spcAft>
-              <a:buClr>
-                <a:schemeClr val="dk1"/>
-              </a:buClr>
-              <a:buSzPts val="2000"/>
-              <a:buChar char="–"/>
-            </a:pPr>
-            <a:r>
-              <a:rPr lang="en-US" sz="2200" dirty="0">
-                <a:latin typeface="Times New Roman" panose="02020603050405020304" pitchFamily="18" charset="0"/>
-                <a:cs typeface="Times New Roman" panose="02020603050405020304" pitchFamily="18" charset="0"/>
-              </a:rPr>
-              <a:t>Experiments and Results Summary</a:t>
-            </a:r>
-            <a:endParaRPr sz="2200" dirty="0">
-              <a:latin typeface="Times New Roman" panose="02020603050405020304" pitchFamily="18" charset="0"/>
-              <a:cs typeface="Times New Roman" panose="02020603050405020304" pitchFamily="18" charset="0"/>
-            </a:endParaRPr>
-          </a:p>
-          <a:p>
-            <a:pPr marL="742950" lvl="1" indent="-285750" algn="l" rtl="0">
-              <a:spcBef>
-                <a:spcPts val="400"/>
-              </a:spcBef>
-              <a:spcAft>
-                <a:spcPts val="0"/>
-              </a:spcAft>
-              <a:buClr>
-                <a:schemeClr val="dk1"/>
-              </a:buClr>
-              <a:buSzPts val="2000"/>
-              <a:buChar char="–"/>
-            </a:pPr>
-            <a:r>
-              <a:rPr lang="en-US" sz="2200" dirty="0">
-                <a:latin typeface="Times New Roman" panose="02020603050405020304" pitchFamily="18" charset="0"/>
-                <a:cs typeface="Times New Roman" panose="02020603050405020304" pitchFamily="18" charset="0"/>
-              </a:rPr>
-              <a:t>Testing Summary</a:t>
-            </a:r>
-            <a:endParaRPr sz="2200" dirty="0">
-              <a:latin typeface="Times New Roman" panose="02020603050405020304" pitchFamily="18" charset="0"/>
-              <a:cs typeface="Times New Roman" panose="02020603050405020304" pitchFamily="18" charset="0"/>
-            </a:endParaRPr>
-          </a:p>
-        </p:txBody>
-      </p:sp>
-    </p:spTree>
-  </p:cSld>
-  <p:clrMapOvr>
-    <a:masterClrMapping/>
-  </p:clrMapOvr>
-</p:sld>
-</file>
-
-<file path=ppt/slides/slide30.xml><?xml version="1.0" encoding="utf-8"?>
-<p:sld xmlns:a="http://schemas.openxmlformats.org/drawingml/2006/main" xmlns:r="http://schemas.openxmlformats.org/officeDocument/2006/relationships" xmlns:p="http://schemas.openxmlformats.org/presentationml/2006/main">
-  <p:cSld>
-    <p:spTree>
-      <p:nvGrpSpPr>
-        <p:cNvPr id="1" name=""/>
-        <p:cNvGrpSpPr/>
-        <p:nvPr/>
-      </p:nvGrpSpPr>
-      <p:grpSpPr>
-        <a:xfrm>
-          <a:off x="0" y="0"/>
-          <a:ext cx="0" cy="0"/>
-          <a:chOff x="0" y="0"/>
-          <a:chExt cx="0" cy="0"/>
-        </a:xfrm>
-      </p:grpSpPr>
-      <p:sp>
-        <p:nvSpPr>
-          <p:cNvPr id="2" name="Title 1"/>
-          <p:cNvSpPr>
-            <a:spLocks noGrp="1"/>
-          </p:cNvSpPr>
-          <p:nvPr>
-            <p:ph type="title"/>
-          </p:nvPr>
-        </p:nvSpPr>
-        <p:spPr/>
-        <p:txBody>
-          <a:bodyPr/>
-          <a:lstStyle/>
-          <a:p>
-            <a:r>
-              <a:rPr lang="en-US" sz="3200" dirty="0">
-                <a:latin typeface="Times New Roman" panose="02020603050405020304" pitchFamily="18" charset="0"/>
-                <a:cs typeface="Times New Roman" panose="02020603050405020304" pitchFamily="18" charset="0"/>
-              </a:rPr>
-              <a:t>Experiments and Results Summary[3/7]</a:t>
-            </a:r>
-            <a:endParaRPr lang="en-GB" sz="3200" dirty="0"/>
-          </a:p>
-        </p:txBody>
-      </p:sp>
-      <p:sp>
-        <p:nvSpPr>
-          <p:cNvPr id="3" name="Text Placeholder 2"/>
-          <p:cNvSpPr>
-            <a:spLocks noGrp="1"/>
-          </p:cNvSpPr>
-          <p:nvPr>
-            <p:ph type="body" idx="1"/>
-          </p:nvPr>
-        </p:nvSpPr>
-        <p:spPr>
-          <a:xfrm>
-            <a:off x="0" y="1600201"/>
-            <a:ext cx="8686800" cy="914400"/>
-          </a:xfrm>
-        </p:spPr>
-        <p:txBody>
-          <a:bodyPr/>
-          <a:lstStyle/>
-          <a:p>
-            <a:pPr lvl="1">
-              <a:buFont typeface="Wingdings" panose="05000000000000000000" pitchFamily="2" charset="2"/>
-              <a:buChar char="§"/>
-            </a:pPr>
-            <a:r>
-              <a:rPr lang="en-GB" sz="2500" b="1" dirty="0">
-                <a:latin typeface="Times New Roman" panose="02020603050405020304" pitchFamily="18" charset="0"/>
-                <a:cs typeface="Times New Roman" panose="02020603050405020304" pitchFamily="18" charset="0"/>
-              </a:rPr>
-              <a:t>Model and Result: </a:t>
-            </a:r>
-            <a:r>
-              <a:rPr lang="en-GB" sz="2500" dirty="0">
-                <a:latin typeface="Times New Roman" panose="02020603050405020304" pitchFamily="18" charset="0"/>
-                <a:cs typeface="Times New Roman" panose="02020603050405020304" pitchFamily="18" charset="0"/>
-              </a:rPr>
-              <a:t>we use </a:t>
-            </a:r>
-            <a:r>
-              <a:rPr lang="en-GB" sz="2500" b="1" dirty="0">
-                <a:latin typeface="Times New Roman" panose="02020603050405020304" pitchFamily="18" charset="0"/>
-                <a:cs typeface="Times New Roman" panose="02020603050405020304" pitchFamily="18" charset="0"/>
-              </a:rPr>
-              <a:t>k means Clustering</a:t>
-            </a:r>
-            <a:r>
-              <a:rPr lang="en-GB" sz="2500" dirty="0">
-                <a:latin typeface="Times New Roman" panose="02020603050405020304" pitchFamily="18" charset="0"/>
-                <a:cs typeface="Times New Roman" panose="02020603050405020304" pitchFamily="18" charset="0"/>
-              </a:rPr>
-              <a:t> algorithm to make the clusters of dataset</a:t>
-            </a:r>
-          </a:p>
-        </p:txBody>
-      </p:sp>
-      <p:pic>
-        <p:nvPicPr>
-          <p:cNvPr id="5" name="Picture 4"/>
-          <p:cNvPicPr/>
-          <p:nvPr/>
-        </p:nvPicPr>
-        <p:blipFill>
-          <a:blip r:embed="rId2">
-            <a:extLst>
-              <a:ext uri="{28A0092B-C50C-407E-A947-70E740481C1C}">
-                <a14:useLocalDpi xmlns:a14="http://schemas.microsoft.com/office/drawing/2010/main" val="0"/>
-              </a:ext>
-            </a:extLst>
-          </a:blip>
-          <a:stretch>
-            <a:fillRect/>
-          </a:stretch>
-        </p:blipFill>
-        <p:spPr>
-          <a:xfrm>
-            <a:off x="1239252" y="2697164"/>
-            <a:ext cx="6665496" cy="3186278"/>
-          </a:xfrm>
-          <a:prstGeom prst="rect">
-            <a:avLst/>
-          </a:prstGeom>
-        </p:spPr>
-      </p:pic>
-    </p:spTree>
-    <p:extLst>
-      <p:ext uri="{BB962C8B-B14F-4D97-AF65-F5344CB8AC3E}">
-        <p14:creationId xmlns:p14="http://schemas.microsoft.com/office/powerpoint/2010/main" val="3373305801"/>
-      </p:ext>
-    </p:extLst>
-  </p:cSld>
-  <p:clrMapOvr>
-    <a:masterClrMapping/>
-  </p:clrMapOvr>
-</p:sld>
-</file>
-
-<file path=ppt/slides/slide31.xml><?xml version="1.0" encoding="utf-8"?>
-<p:sld xmlns:a="http://schemas.openxmlformats.org/drawingml/2006/main" xmlns:r="http://schemas.openxmlformats.org/officeDocument/2006/relationships" xmlns:p="http://schemas.openxmlformats.org/presentationml/2006/main">
-  <p:cSld>
-    <p:spTree>
-      <p:nvGrpSpPr>
-        <p:cNvPr id="1" name=""/>
-        <p:cNvGrpSpPr/>
-        <p:nvPr/>
-      </p:nvGrpSpPr>
-      <p:grpSpPr>
-        <a:xfrm>
-          <a:off x="0" y="0"/>
-          <a:ext cx="0" cy="0"/>
-          <a:chOff x="0" y="0"/>
-          <a:chExt cx="0" cy="0"/>
-        </a:xfrm>
-      </p:grpSpPr>
-      <p:sp>
-        <p:nvSpPr>
-          <p:cNvPr id="2" name="Title 1"/>
-          <p:cNvSpPr>
-            <a:spLocks noGrp="1"/>
-          </p:cNvSpPr>
-          <p:nvPr>
-            <p:ph type="title"/>
-          </p:nvPr>
-        </p:nvSpPr>
-        <p:spPr/>
-        <p:txBody>
-          <a:bodyPr/>
-          <a:lstStyle/>
-          <a:p>
-            <a:r>
-              <a:rPr lang="en-US" sz="3200" dirty="0">
-                <a:latin typeface="Times New Roman" panose="02020603050405020304" pitchFamily="18" charset="0"/>
-                <a:cs typeface="Times New Roman" panose="02020603050405020304" pitchFamily="18" charset="0"/>
-              </a:rPr>
-              <a:t>Experiments and Results Summary[4/7]</a:t>
-            </a:r>
-            <a:endParaRPr lang="en-GB" sz="3200" dirty="0"/>
-          </a:p>
-        </p:txBody>
-      </p:sp>
-      <p:sp>
-        <p:nvSpPr>
-          <p:cNvPr id="3" name="Text Placeholder 2"/>
-          <p:cNvSpPr>
-            <a:spLocks noGrp="1"/>
-          </p:cNvSpPr>
-          <p:nvPr>
-            <p:ph type="body" idx="1"/>
-          </p:nvPr>
-        </p:nvSpPr>
-        <p:spPr/>
-        <p:txBody>
-          <a:bodyPr/>
-          <a:lstStyle/>
-          <a:p>
-            <a:pPr marL="114300" indent="0">
-              <a:buNone/>
-            </a:pPr>
-            <a:r>
-              <a:rPr lang="en-GB" b="1" dirty="0">
-                <a:latin typeface="Times New Roman" panose="02020603050405020304" pitchFamily="18" charset="0"/>
-                <a:cs typeface="Times New Roman" panose="02020603050405020304" pitchFamily="18" charset="0"/>
-              </a:rPr>
-              <a:t>2. Classification</a:t>
-            </a:r>
-          </a:p>
-          <a:p>
-            <a:pPr lvl="1">
-              <a:buFont typeface="Wingdings" panose="05000000000000000000" pitchFamily="2" charset="2"/>
-              <a:buChar char="§"/>
-            </a:pPr>
-            <a:r>
-              <a:rPr lang="en-GB" sz="2500" b="1" dirty="0">
-                <a:latin typeface="Times New Roman" panose="02020603050405020304" pitchFamily="18" charset="0"/>
-                <a:cs typeface="Times New Roman" panose="02020603050405020304" pitchFamily="18" charset="0"/>
-              </a:rPr>
-              <a:t>Synthetic Dataset: </a:t>
-            </a:r>
-            <a:r>
-              <a:rPr lang="en-GB" sz="2500" dirty="0">
-                <a:latin typeface="Times New Roman" panose="02020603050405020304" pitchFamily="18" charset="0"/>
-                <a:cs typeface="Times New Roman" panose="02020603050405020304" pitchFamily="18" charset="0"/>
-              </a:rPr>
-              <a:t>we make a synthetic dataset of 20000 people using </a:t>
-            </a:r>
-            <a:r>
-              <a:rPr lang="en-GB" sz="2500" b="1" dirty="0">
-                <a:latin typeface="Times New Roman" panose="02020603050405020304" pitchFamily="18" charset="0"/>
-                <a:cs typeface="Times New Roman" panose="02020603050405020304" pitchFamily="18" charset="0"/>
-              </a:rPr>
-              <a:t>CTGAN </a:t>
-            </a:r>
-            <a:r>
-              <a:rPr lang="en-GB" sz="2500" dirty="0">
-                <a:latin typeface="Times New Roman" panose="02020603050405020304" pitchFamily="18" charset="0"/>
-                <a:cs typeface="Times New Roman" panose="02020603050405020304" pitchFamily="18" charset="0"/>
-              </a:rPr>
-              <a:t>model and split dataset </a:t>
-            </a:r>
-            <a:r>
-              <a:rPr lang="en-US" sz="2500" dirty="0">
-                <a:latin typeface="Times New Roman" panose="02020603050405020304" pitchFamily="18" charset="0"/>
-                <a:cs typeface="Times New Roman" panose="02020603050405020304" pitchFamily="18" charset="0"/>
-              </a:rPr>
-              <a:t>80% for training and 20% for testing.</a:t>
-            </a:r>
-          </a:p>
-          <a:p>
-            <a:pPr marL="571500" lvl="1" indent="0">
-              <a:buNone/>
-            </a:pPr>
-            <a:endParaRPr lang="en-US" sz="2500" dirty="0">
-              <a:latin typeface="Times New Roman" panose="02020603050405020304" pitchFamily="18" charset="0"/>
-              <a:cs typeface="Times New Roman" panose="02020603050405020304" pitchFamily="18" charset="0"/>
-            </a:endParaRPr>
-          </a:p>
-          <a:p>
-            <a:pPr lvl="1">
-              <a:buFont typeface="Wingdings" panose="05000000000000000000" pitchFamily="2" charset="2"/>
-              <a:buChar char="§"/>
-            </a:pPr>
-            <a:r>
-              <a:rPr lang="en-US" sz="2500" b="1" dirty="0">
-                <a:latin typeface="Times New Roman" panose="02020603050405020304" pitchFamily="18" charset="0"/>
-                <a:cs typeface="Times New Roman" panose="02020603050405020304" pitchFamily="18" charset="0"/>
-              </a:rPr>
-              <a:t>Model training and Result: </a:t>
-            </a:r>
-            <a:r>
-              <a:rPr lang="en-US" sz="2500" dirty="0">
-                <a:latin typeface="Times New Roman" panose="02020603050405020304" pitchFamily="18" charset="0"/>
-                <a:cs typeface="Times New Roman" panose="02020603050405020304" pitchFamily="18" charset="0"/>
-              </a:rPr>
-              <a:t>After</a:t>
-            </a:r>
-            <a:r>
-              <a:rPr lang="en-US" sz="2500" b="1" dirty="0">
-                <a:latin typeface="Times New Roman" panose="02020603050405020304" pitchFamily="18" charset="0"/>
-                <a:cs typeface="Times New Roman" panose="02020603050405020304" pitchFamily="18" charset="0"/>
-              </a:rPr>
-              <a:t> Comparative Analysis, </a:t>
-            </a:r>
-            <a:r>
-              <a:rPr lang="en-US" sz="2500" dirty="0">
-                <a:latin typeface="Times New Roman" panose="02020603050405020304" pitchFamily="18" charset="0"/>
-                <a:cs typeface="Times New Roman" panose="02020603050405020304" pitchFamily="18" charset="0"/>
-              </a:rPr>
-              <a:t>we selects two model </a:t>
-            </a:r>
-            <a:r>
-              <a:rPr lang="en-US" sz="2500" b="1" dirty="0">
-                <a:latin typeface="Times New Roman" panose="02020603050405020304" pitchFamily="18" charset="0"/>
-                <a:cs typeface="Times New Roman" panose="02020603050405020304" pitchFamily="18" charset="0"/>
-              </a:rPr>
-              <a:t>Random forest </a:t>
-            </a:r>
-            <a:r>
-              <a:rPr lang="en-US" sz="2500" dirty="0">
-                <a:latin typeface="Times New Roman" panose="02020603050405020304" pitchFamily="18" charset="0"/>
-                <a:cs typeface="Times New Roman" panose="02020603050405020304" pitchFamily="18" charset="0"/>
-              </a:rPr>
-              <a:t>and </a:t>
-            </a:r>
-            <a:r>
-              <a:rPr lang="en-US" sz="2500" b="1" dirty="0" err="1">
-                <a:latin typeface="Times New Roman" panose="02020603050405020304" pitchFamily="18" charset="0"/>
-                <a:cs typeface="Times New Roman" panose="02020603050405020304" pitchFamily="18" charset="0"/>
-              </a:rPr>
-              <a:t>XGBoost</a:t>
-            </a:r>
-            <a:r>
-              <a:rPr lang="en-US" sz="2500" b="1" dirty="0">
-                <a:latin typeface="Times New Roman" panose="02020603050405020304" pitchFamily="18" charset="0"/>
-                <a:cs typeface="Times New Roman" panose="02020603050405020304" pitchFamily="18" charset="0"/>
-              </a:rPr>
-              <a:t> </a:t>
-            </a:r>
-            <a:r>
-              <a:rPr lang="en-US" sz="2500" dirty="0">
-                <a:latin typeface="Times New Roman" panose="02020603050405020304" pitchFamily="18" charset="0"/>
-                <a:cs typeface="Times New Roman" panose="02020603050405020304" pitchFamily="18" charset="0"/>
-              </a:rPr>
-              <a:t>and </a:t>
-            </a:r>
-            <a:r>
-              <a:rPr lang="en-US" sz="2500" b="1" dirty="0">
-                <a:solidFill>
-                  <a:srgbClr val="FF0000"/>
-                </a:solidFill>
-                <a:latin typeface="Times New Roman" panose="02020603050405020304" pitchFamily="18" charset="0"/>
-                <a:cs typeface="Times New Roman" panose="02020603050405020304" pitchFamily="18" charset="0"/>
-              </a:rPr>
-              <a:t>Ensemble</a:t>
-            </a:r>
-            <a:r>
-              <a:rPr lang="en-US" sz="2500" dirty="0">
-                <a:latin typeface="Times New Roman" panose="02020603050405020304" pitchFamily="18" charset="0"/>
-                <a:cs typeface="Times New Roman" panose="02020603050405020304" pitchFamily="18" charset="0"/>
-              </a:rPr>
-              <a:t> them</a:t>
-            </a:r>
-            <a:r>
-              <a:rPr lang="en-US" sz="2500" b="1" dirty="0">
-                <a:latin typeface="Times New Roman" panose="02020603050405020304" pitchFamily="18" charset="0"/>
-                <a:cs typeface="Times New Roman" panose="02020603050405020304" pitchFamily="18" charset="0"/>
-              </a:rPr>
-              <a:t> </a:t>
-            </a:r>
-            <a:r>
-              <a:rPr lang="en-US" sz="2500" dirty="0">
-                <a:latin typeface="Times New Roman" panose="02020603050405020304" pitchFamily="18" charset="0"/>
-                <a:cs typeface="Times New Roman" panose="02020603050405020304" pitchFamily="18" charset="0"/>
-              </a:rPr>
-              <a:t>using  meta learner technique for ensemble on two base models </a:t>
-            </a:r>
-          </a:p>
-          <a:p>
-            <a:pPr lvl="1">
-              <a:buFont typeface="Wingdings" panose="05000000000000000000" pitchFamily="2" charset="2"/>
-              <a:buChar char="§"/>
-            </a:pPr>
-            <a:r>
-              <a:rPr lang="en-US" sz="2500" dirty="0">
-                <a:latin typeface="Times New Roman" panose="02020603050405020304" pitchFamily="18" charset="0"/>
-                <a:cs typeface="Times New Roman" panose="02020603050405020304" pitchFamily="18" charset="0"/>
-              </a:rPr>
-              <a:t>Utilizing </a:t>
-            </a:r>
-            <a:r>
-              <a:rPr lang="en-US" sz="2500" b="1" dirty="0">
-                <a:latin typeface="Times New Roman" panose="02020603050405020304" pitchFamily="18" charset="0"/>
-                <a:cs typeface="Times New Roman" panose="02020603050405020304" pitchFamily="18" charset="0"/>
-              </a:rPr>
-              <a:t>gradient boosting </a:t>
-            </a:r>
-            <a:r>
-              <a:rPr lang="en-US" sz="2500" dirty="0">
-                <a:latin typeface="Times New Roman" panose="02020603050405020304" pitchFamily="18" charset="0"/>
-                <a:cs typeface="Times New Roman" panose="02020603050405020304" pitchFamily="18" charset="0"/>
-              </a:rPr>
-              <a:t>model in mete learner.</a:t>
-            </a:r>
-            <a:endParaRPr lang="en-GB" sz="2500" dirty="0">
-              <a:latin typeface="Times New Roman" panose="02020603050405020304" pitchFamily="18" charset="0"/>
-              <a:cs typeface="Times New Roman" panose="02020603050405020304" pitchFamily="18" charset="0"/>
-            </a:endParaRPr>
-          </a:p>
-        </p:txBody>
-      </p:sp>
-    </p:spTree>
-    <p:extLst>
-      <p:ext uri="{BB962C8B-B14F-4D97-AF65-F5344CB8AC3E}">
-        <p14:creationId xmlns:p14="http://schemas.microsoft.com/office/powerpoint/2010/main" val="760668505"/>
-      </p:ext>
-    </p:extLst>
-  </p:cSld>
-  <p:clrMapOvr>
-    <a:masterClrMapping/>
-  </p:clrMapOvr>
-</p:sld>
-</file>
-
-<file path=ppt/slides/slide32.xml><?xml version="1.0" encoding="utf-8"?>
-<p:sld xmlns:a="http://schemas.openxmlformats.org/drawingml/2006/main" xmlns:r="http://schemas.openxmlformats.org/officeDocument/2006/relationships" xmlns:p="http://schemas.openxmlformats.org/presentationml/2006/main">
-  <p:cSld>
-    <p:spTree>
-      <p:nvGrpSpPr>
-        <p:cNvPr id="1" name=""/>
-        <p:cNvGrpSpPr/>
-        <p:nvPr/>
-      </p:nvGrpSpPr>
-      <p:grpSpPr>
-        <a:xfrm>
-          <a:off x="0" y="0"/>
-          <a:ext cx="0" cy="0"/>
-          <a:chOff x="0" y="0"/>
-          <a:chExt cx="0" cy="0"/>
-        </a:xfrm>
-      </p:grpSpPr>
-      <p:sp>
-        <p:nvSpPr>
-          <p:cNvPr id="4" name="Title 1">
-            <a:extLst>
-              <a:ext uri="{FF2B5EF4-FFF2-40B4-BE49-F238E27FC236}">
-                <a16:creationId xmlns:a16="http://schemas.microsoft.com/office/drawing/2014/main" id="{0EB01CA0-41D4-6639-BF70-930856AAEF8A}"/>
-              </a:ext>
-            </a:extLst>
-          </p:cNvPr>
-          <p:cNvSpPr>
-            <a:spLocks noGrp="1"/>
-          </p:cNvSpPr>
-          <p:nvPr>
-            <p:ph type="title"/>
-          </p:nvPr>
-        </p:nvSpPr>
-        <p:spPr>
-          <a:xfrm>
-            <a:off x="457200" y="274638"/>
-            <a:ext cx="8229600" cy="1143000"/>
-          </a:xfrm>
-        </p:spPr>
-        <p:txBody>
-          <a:bodyPr/>
-          <a:lstStyle/>
-          <a:p>
-            <a:r>
-              <a:rPr lang="en-US" sz="3200" dirty="0">
-                <a:latin typeface="Times New Roman" panose="02020603050405020304" pitchFamily="18" charset="0"/>
-                <a:cs typeface="Times New Roman" panose="02020603050405020304" pitchFamily="18" charset="0"/>
-              </a:rPr>
-              <a:t>Experiments and Results Summary[5/8]</a:t>
-            </a:r>
-            <a:endParaRPr lang="en-GB" sz="3200" dirty="0"/>
-          </a:p>
-        </p:txBody>
-      </p:sp>
-      <p:pic>
-        <p:nvPicPr>
-          <p:cNvPr id="5" name="Picture 4">
-            <a:extLst>
-              <a:ext uri="{FF2B5EF4-FFF2-40B4-BE49-F238E27FC236}">
-                <a16:creationId xmlns:a16="http://schemas.microsoft.com/office/drawing/2014/main" id="{3993B955-E35F-AAE0-07F1-94048F5F51C2}"/>
-              </a:ext>
-            </a:extLst>
-          </p:cNvPr>
-          <p:cNvPicPr>
-            <a:picLocks noChangeAspect="1"/>
-          </p:cNvPicPr>
-          <p:nvPr/>
-        </p:nvPicPr>
-        <p:blipFill>
-          <a:blip r:embed="rId2"/>
-          <a:stretch>
-            <a:fillRect/>
-          </a:stretch>
-        </p:blipFill>
-        <p:spPr>
-          <a:xfrm>
-            <a:off x="1240971" y="1940858"/>
-            <a:ext cx="7293428" cy="3872113"/>
-          </a:xfrm>
-          <a:prstGeom prst="rect">
-            <a:avLst/>
-          </a:prstGeom>
-        </p:spPr>
-      </p:pic>
-      <p:sp>
-        <p:nvSpPr>
-          <p:cNvPr id="6" name="TextBox 5">
-            <a:extLst>
-              <a:ext uri="{FF2B5EF4-FFF2-40B4-BE49-F238E27FC236}">
-                <a16:creationId xmlns:a16="http://schemas.microsoft.com/office/drawing/2014/main" id="{04F78C1A-1380-E6D1-3D94-C1CD6863E5A8}"/>
-              </a:ext>
-            </a:extLst>
-          </p:cNvPr>
-          <p:cNvSpPr txBox="1"/>
-          <p:nvPr/>
-        </p:nvSpPr>
-        <p:spPr>
-          <a:xfrm>
-            <a:off x="925286" y="1417638"/>
-            <a:ext cx="5377543" cy="523220"/>
-          </a:xfrm>
-          <a:prstGeom prst="rect">
-            <a:avLst/>
-          </a:prstGeom>
-          <a:noFill/>
-        </p:spPr>
-        <p:txBody>
-          <a:bodyPr wrap="square" rtlCol="0">
-            <a:spAutoFit/>
-          </a:bodyPr>
-          <a:lstStyle/>
-          <a:p>
-            <a:r>
-              <a:rPr lang="en-US" sz="2800" b="1" dirty="0">
-                <a:latin typeface="Times New Roman" panose="02020603050405020304" pitchFamily="18" charset="0"/>
-                <a:cs typeface="Times New Roman" panose="02020603050405020304" pitchFamily="18" charset="0"/>
-              </a:rPr>
-              <a:t>Comparative Analysis</a:t>
-            </a:r>
-          </a:p>
-        </p:txBody>
-      </p:sp>
-    </p:spTree>
-    <p:extLst>
-      <p:ext uri="{BB962C8B-B14F-4D97-AF65-F5344CB8AC3E}">
-        <p14:creationId xmlns:p14="http://schemas.microsoft.com/office/powerpoint/2010/main" val="2874184697"/>
-      </p:ext>
-    </p:extLst>
-  </p:cSld>
-  <p:clrMapOvr>
-    <a:masterClrMapping/>
-  </p:clrMapOvr>
-</p:sld>
-</file>
-
-<file path=ppt/slides/slide33.xml><?xml version="1.0" encoding="utf-8"?>
-<p:sld xmlns:a="http://schemas.openxmlformats.org/drawingml/2006/main" xmlns:r="http://schemas.openxmlformats.org/officeDocument/2006/relationships" xmlns:p="http://schemas.openxmlformats.org/presentationml/2006/main">
-  <p:cSld>
-    <p:spTree>
-      <p:nvGrpSpPr>
-        <p:cNvPr id="1" name=""/>
-        <p:cNvGrpSpPr/>
-        <p:nvPr/>
-      </p:nvGrpSpPr>
-      <p:grpSpPr>
-        <a:xfrm>
-          <a:off x="0" y="0"/>
-          <a:ext cx="0" cy="0"/>
-          <a:chOff x="0" y="0"/>
-          <a:chExt cx="0" cy="0"/>
-        </a:xfrm>
-      </p:grpSpPr>
-      <p:sp>
-        <p:nvSpPr>
-          <p:cNvPr id="2" name="Title 1"/>
-          <p:cNvSpPr>
-            <a:spLocks noGrp="1"/>
-          </p:cNvSpPr>
-          <p:nvPr>
-            <p:ph type="title"/>
-          </p:nvPr>
-        </p:nvSpPr>
-        <p:spPr/>
-        <p:txBody>
-          <a:bodyPr/>
-          <a:lstStyle/>
-          <a:p>
-            <a:r>
-              <a:rPr lang="en-US" sz="3200" dirty="0">
-                <a:latin typeface="Times New Roman" panose="02020603050405020304" pitchFamily="18" charset="0"/>
-                <a:cs typeface="Times New Roman" panose="02020603050405020304" pitchFamily="18" charset="0"/>
-              </a:rPr>
-              <a:t>Experiments and Results Summary[5/7]</a:t>
-            </a:r>
-            <a:endParaRPr lang="en-GB" sz="3200" dirty="0"/>
-          </a:p>
-        </p:txBody>
-      </p:sp>
-      <p:sp>
-        <p:nvSpPr>
-          <p:cNvPr id="3" name="Text Placeholder 2"/>
-          <p:cNvSpPr>
-            <a:spLocks noGrp="1"/>
-          </p:cNvSpPr>
-          <p:nvPr>
-            <p:ph type="body" idx="1"/>
-          </p:nvPr>
-        </p:nvSpPr>
-        <p:spPr>
-          <a:xfrm>
-            <a:off x="457200" y="1600200"/>
-            <a:ext cx="8229600" cy="589547"/>
-          </a:xfrm>
-        </p:spPr>
-        <p:txBody>
-          <a:bodyPr/>
-          <a:lstStyle/>
-          <a:p>
-            <a:pPr>
-              <a:buFont typeface="Wingdings" panose="05000000000000000000" pitchFamily="2" charset="2"/>
-              <a:buChar char="§"/>
-            </a:pPr>
-            <a:r>
-              <a:rPr lang="en-GB" dirty="0"/>
-              <a:t>Result:</a:t>
-            </a:r>
-          </a:p>
-        </p:txBody>
-      </p:sp>
-      <p:pic>
-        <p:nvPicPr>
-          <p:cNvPr id="5" name="Picture 4"/>
-          <p:cNvPicPr/>
-          <p:nvPr/>
-        </p:nvPicPr>
-        <p:blipFill>
-          <a:blip r:embed="rId2">
-            <a:extLst>
-              <a:ext uri="{28A0092B-C50C-407E-A947-70E740481C1C}">
-                <a14:useLocalDpi xmlns:a14="http://schemas.microsoft.com/office/drawing/2010/main" val="0"/>
-              </a:ext>
-            </a:extLst>
-          </a:blip>
-          <a:stretch>
-            <a:fillRect/>
-          </a:stretch>
-        </p:blipFill>
-        <p:spPr>
-          <a:xfrm>
-            <a:off x="1869474" y="2189747"/>
-            <a:ext cx="5469790" cy="3573379"/>
-          </a:xfrm>
-          <a:prstGeom prst="rect">
-            <a:avLst/>
-          </a:prstGeom>
-        </p:spPr>
-      </p:pic>
-    </p:spTree>
-    <p:extLst>
-      <p:ext uri="{BB962C8B-B14F-4D97-AF65-F5344CB8AC3E}">
-        <p14:creationId xmlns:p14="http://schemas.microsoft.com/office/powerpoint/2010/main" val="3464157083"/>
-      </p:ext>
-    </p:extLst>
-  </p:cSld>
-  <p:clrMapOvr>
-    <a:masterClrMapping/>
-  </p:clrMapOvr>
-</p:sld>
-</file>
-
-<file path=ppt/slides/slide34.xml><?xml version="1.0" encoding="utf-8"?>
-<p:sld xmlns:a="http://schemas.openxmlformats.org/drawingml/2006/main" xmlns:r="http://schemas.openxmlformats.org/officeDocument/2006/relationships" xmlns:p="http://schemas.openxmlformats.org/presentationml/2006/main">
-  <p:cSld>
-    <p:spTree>
-      <p:nvGrpSpPr>
-        <p:cNvPr id="1" name=""/>
-        <p:cNvGrpSpPr/>
-        <p:nvPr/>
-      </p:nvGrpSpPr>
-      <p:grpSpPr>
-        <a:xfrm>
-          <a:off x="0" y="0"/>
-          <a:ext cx="0" cy="0"/>
-          <a:chOff x="0" y="0"/>
-          <a:chExt cx="0" cy="0"/>
-        </a:xfrm>
-      </p:grpSpPr>
-      <p:sp>
-        <p:nvSpPr>
-          <p:cNvPr id="2" name="Title 1"/>
-          <p:cNvSpPr>
-            <a:spLocks noGrp="1"/>
-          </p:cNvSpPr>
-          <p:nvPr>
-            <p:ph type="title"/>
-          </p:nvPr>
-        </p:nvSpPr>
-        <p:spPr/>
-        <p:txBody>
-          <a:bodyPr/>
-          <a:lstStyle/>
-          <a:p>
-            <a:r>
-              <a:rPr lang="en-US" sz="3200" dirty="0">
-                <a:latin typeface="Times New Roman" panose="02020603050405020304" pitchFamily="18" charset="0"/>
-                <a:cs typeface="Times New Roman" panose="02020603050405020304" pitchFamily="18" charset="0"/>
-              </a:rPr>
-              <a:t>Experiments and Results Summary[6/7]</a:t>
-            </a:r>
-            <a:endParaRPr lang="en-GB" sz="3200" dirty="0"/>
-          </a:p>
-        </p:txBody>
-      </p:sp>
-      <p:sp>
-        <p:nvSpPr>
-          <p:cNvPr id="3" name="Text Placeholder 2"/>
-          <p:cNvSpPr>
-            <a:spLocks noGrp="1"/>
-          </p:cNvSpPr>
-          <p:nvPr>
-            <p:ph type="body" idx="1"/>
-          </p:nvPr>
-        </p:nvSpPr>
-        <p:spPr/>
-        <p:txBody>
-          <a:bodyPr/>
-          <a:lstStyle/>
-          <a:p>
-            <a:pPr marL="114300" indent="0">
-              <a:buNone/>
-            </a:pPr>
-            <a:r>
-              <a:rPr lang="en-GB" b="1" dirty="0"/>
-              <a:t>3</a:t>
-            </a:r>
-            <a:r>
-              <a:rPr lang="en-GB" b="1" dirty="0">
-                <a:latin typeface="Times New Roman" panose="02020603050405020304" pitchFamily="18" charset="0"/>
-                <a:cs typeface="Times New Roman" panose="02020603050405020304" pitchFamily="18" charset="0"/>
-              </a:rPr>
-              <a:t>. Regression</a:t>
-            </a:r>
-          </a:p>
-          <a:p>
-            <a:pPr lvl="2">
-              <a:buFont typeface="Wingdings" panose="05000000000000000000" pitchFamily="2" charset="2"/>
-              <a:buChar char="§"/>
-            </a:pPr>
-            <a:r>
-              <a:rPr lang="en-GB" sz="2500" b="1" dirty="0">
-                <a:latin typeface="Times New Roman" panose="02020603050405020304" pitchFamily="18" charset="0"/>
-                <a:cs typeface="Times New Roman" panose="02020603050405020304" pitchFamily="18" charset="0"/>
-              </a:rPr>
-              <a:t>Dataset: </a:t>
-            </a:r>
-            <a:r>
-              <a:rPr lang="en-GB" sz="2500" dirty="0">
-                <a:latin typeface="Times New Roman" panose="02020603050405020304" pitchFamily="18" charset="0"/>
-                <a:cs typeface="Times New Roman" panose="02020603050405020304" pitchFamily="18" charset="0"/>
-              </a:rPr>
-              <a:t>We use food nutrition data such as protein, carbohydrates, fats and calories etc. and split dataset </a:t>
-            </a:r>
-            <a:r>
-              <a:rPr lang="en-US" sz="2500" dirty="0">
-                <a:latin typeface="Times New Roman" panose="02020603050405020304" pitchFamily="18" charset="0"/>
-                <a:cs typeface="Times New Roman" panose="02020603050405020304" pitchFamily="18" charset="0"/>
-              </a:rPr>
-              <a:t> training 80% and testing 20%.</a:t>
-            </a:r>
-          </a:p>
-          <a:p>
-            <a:pPr marL="1028700" lvl="2" indent="0">
-              <a:buNone/>
-            </a:pPr>
-            <a:endParaRPr lang="en-US" sz="2500" dirty="0">
-              <a:latin typeface="Times New Roman" panose="02020603050405020304" pitchFamily="18" charset="0"/>
-              <a:cs typeface="Times New Roman" panose="02020603050405020304" pitchFamily="18" charset="0"/>
-            </a:endParaRPr>
-          </a:p>
-          <a:p>
-            <a:pPr lvl="2">
-              <a:buFont typeface="Wingdings" panose="05000000000000000000" pitchFamily="2" charset="2"/>
-              <a:buChar char="§"/>
-            </a:pPr>
-            <a:r>
-              <a:rPr lang="en-US" sz="2500" b="1" dirty="0">
-                <a:latin typeface="Times New Roman" panose="02020603050405020304" pitchFamily="18" charset="0"/>
-                <a:cs typeface="Times New Roman" panose="02020603050405020304" pitchFamily="18" charset="0"/>
-              </a:rPr>
-              <a:t>Model Training and Result: </a:t>
-            </a:r>
-            <a:r>
-              <a:rPr lang="en-US" sz="2500" dirty="0">
-                <a:latin typeface="Times New Roman" panose="02020603050405020304" pitchFamily="18" charset="0"/>
-                <a:cs typeface="Times New Roman" panose="02020603050405020304" pitchFamily="18" charset="0"/>
-              </a:rPr>
-              <a:t>We use Ensemble technique to Ensemble </a:t>
-            </a:r>
-            <a:r>
-              <a:rPr lang="en-US" sz="2500" b="1" dirty="0">
-                <a:latin typeface="Times New Roman" panose="02020603050405020304" pitchFamily="18" charset="0"/>
-                <a:cs typeface="Times New Roman" panose="02020603050405020304" pitchFamily="18" charset="0"/>
-              </a:rPr>
-              <a:t>HGB</a:t>
-            </a:r>
-            <a:r>
-              <a:rPr lang="en-US" sz="2500" dirty="0">
-                <a:latin typeface="Times New Roman" panose="02020603050405020304" pitchFamily="18" charset="0"/>
-                <a:cs typeface="Times New Roman" panose="02020603050405020304" pitchFamily="18" charset="0"/>
-              </a:rPr>
-              <a:t> and </a:t>
-            </a:r>
-            <a:r>
-              <a:rPr lang="en-US" sz="2500" b="1" dirty="0">
-                <a:latin typeface="Times New Roman" panose="02020603050405020304" pitchFamily="18" charset="0"/>
-                <a:cs typeface="Times New Roman" panose="02020603050405020304" pitchFamily="18" charset="0"/>
-              </a:rPr>
-              <a:t>Ridge</a:t>
-            </a:r>
-            <a:r>
-              <a:rPr lang="en-US" sz="2500" dirty="0">
-                <a:latin typeface="Times New Roman" panose="02020603050405020304" pitchFamily="18" charset="0"/>
-                <a:cs typeface="Times New Roman" panose="02020603050405020304" pitchFamily="18" charset="0"/>
-              </a:rPr>
-              <a:t> </a:t>
-            </a:r>
-            <a:r>
-              <a:rPr lang="en-US" sz="2500" b="1" dirty="0">
-                <a:latin typeface="Times New Roman" panose="02020603050405020304" pitchFamily="18" charset="0"/>
-                <a:cs typeface="Times New Roman" panose="02020603050405020304" pitchFamily="18" charset="0"/>
-              </a:rPr>
-              <a:t>regression </a:t>
-            </a:r>
-            <a:r>
-              <a:rPr lang="en-US" sz="2500" dirty="0">
-                <a:latin typeface="Times New Roman" panose="02020603050405020304" pitchFamily="18" charset="0"/>
-                <a:cs typeface="Times New Roman" panose="02020603050405020304" pitchFamily="18" charset="0"/>
-              </a:rPr>
-              <a:t>model with polynomial features.</a:t>
-            </a:r>
-            <a:endParaRPr lang="en-GB" sz="2500" dirty="0">
-              <a:latin typeface="Times New Roman" panose="02020603050405020304" pitchFamily="18" charset="0"/>
-              <a:cs typeface="Times New Roman" panose="02020603050405020304" pitchFamily="18" charset="0"/>
-            </a:endParaRPr>
-          </a:p>
-          <a:p>
-            <a:pPr marL="3771900" lvl="8" indent="0">
-              <a:buNone/>
-            </a:pPr>
-            <a:endParaRPr lang="en-GB" dirty="0"/>
-          </a:p>
-          <a:p>
-            <a:pPr marL="114300" indent="0">
-              <a:buNone/>
-            </a:pPr>
-            <a:endParaRPr lang="en-GB" dirty="0">
-              <a:latin typeface="Times New Roman" panose="02020603050405020304" pitchFamily="18" charset="0"/>
-              <a:cs typeface="Times New Roman" panose="02020603050405020304" pitchFamily="18" charset="0"/>
-            </a:endParaRPr>
-          </a:p>
-          <a:p>
-            <a:pPr marL="114300" indent="0">
-              <a:buNone/>
-            </a:pPr>
-            <a:endParaRPr lang="en-GB" dirty="0"/>
-          </a:p>
-          <a:p>
-            <a:pPr marL="114300" indent="0">
-              <a:buNone/>
-            </a:pPr>
-            <a:r>
-              <a:rPr lang="en-GB" dirty="0"/>
-              <a:t>      </a:t>
-            </a:r>
-          </a:p>
-        </p:txBody>
-      </p:sp>
-    </p:spTree>
-    <p:extLst>
-      <p:ext uri="{BB962C8B-B14F-4D97-AF65-F5344CB8AC3E}">
-        <p14:creationId xmlns:p14="http://schemas.microsoft.com/office/powerpoint/2010/main" val="3093201424"/>
-      </p:ext>
-    </p:extLst>
-  </p:cSld>
-  <p:clrMapOvr>
-    <a:masterClrMapping/>
-  </p:clrMapOvr>
-</p:sld>
-</file>
-
-<file path=ppt/slides/slide35.xml><?xml version="1.0" encoding="utf-8"?>
-<p:sld xmlns:a="http://schemas.openxmlformats.org/drawingml/2006/main" xmlns:r="http://schemas.openxmlformats.org/officeDocument/2006/relationships" xmlns:p="http://schemas.openxmlformats.org/presentationml/2006/main">
-  <p:cSld>
-    <p:spTree>
-      <p:nvGrpSpPr>
-        <p:cNvPr id="1" name=""/>
-        <p:cNvGrpSpPr/>
-        <p:nvPr/>
-      </p:nvGrpSpPr>
-      <p:grpSpPr>
-        <a:xfrm>
-          <a:off x="0" y="0"/>
-          <a:ext cx="0" cy="0"/>
-          <a:chOff x="0" y="0"/>
-          <a:chExt cx="0" cy="0"/>
-        </a:xfrm>
-      </p:grpSpPr>
-      <p:sp>
-        <p:nvSpPr>
-          <p:cNvPr id="2" name="Title 1"/>
-          <p:cNvSpPr>
-            <a:spLocks noGrp="1"/>
-          </p:cNvSpPr>
-          <p:nvPr>
-            <p:ph type="title"/>
-          </p:nvPr>
-        </p:nvSpPr>
-        <p:spPr/>
-        <p:txBody>
-          <a:bodyPr/>
-          <a:lstStyle/>
-          <a:p>
-            <a:r>
-              <a:rPr lang="en-US" sz="3200" dirty="0">
-                <a:latin typeface="Times New Roman" panose="02020603050405020304" pitchFamily="18" charset="0"/>
-                <a:cs typeface="Times New Roman" panose="02020603050405020304" pitchFamily="18" charset="0"/>
-              </a:rPr>
-              <a:t>Experiments and Results Summary[7/7]</a:t>
-            </a:r>
-            <a:endParaRPr lang="en-GB" sz="3200" dirty="0"/>
-          </a:p>
-        </p:txBody>
-      </p:sp>
-      <p:sp>
-        <p:nvSpPr>
-          <p:cNvPr id="3" name="Text Placeholder 2"/>
-          <p:cNvSpPr>
-            <a:spLocks noGrp="1"/>
-          </p:cNvSpPr>
-          <p:nvPr>
-            <p:ph type="body" idx="1"/>
-          </p:nvPr>
-        </p:nvSpPr>
-        <p:spPr>
-          <a:xfrm>
-            <a:off x="457200" y="1600200"/>
-            <a:ext cx="8229600" cy="553453"/>
-          </a:xfrm>
-        </p:spPr>
-        <p:txBody>
-          <a:bodyPr/>
-          <a:lstStyle/>
-          <a:p>
-            <a:pPr>
-              <a:buFont typeface="Wingdings" panose="05000000000000000000" pitchFamily="2" charset="2"/>
-              <a:buChar char="§"/>
-            </a:pPr>
-            <a:r>
-              <a:rPr lang="en-GB" sz="2500" b="1" dirty="0">
-                <a:latin typeface="Times New Roman" panose="02020603050405020304" pitchFamily="18" charset="0"/>
-                <a:cs typeface="Times New Roman" panose="02020603050405020304" pitchFamily="18" charset="0"/>
-              </a:rPr>
-              <a:t>Result</a:t>
-            </a:r>
-          </a:p>
-        </p:txBody>
-      </p:sp>
-      <p:graphicFrame>
-        <p:nvGraphicFramePr>
-          <p:cNvPr id="4" name="Table 3"/>
-          <p:cNvGraphicFramePr>
-            <a:graphicFrameLocks noGrp="1"/>
-          </p:cNvGraphicFramePr>
-          <p:nvPr>
-            <p:extLst>
-              <p:ext uri="{D42A27DB-BD31-4B8C-83A1-F6EECF244321}">
-                <p14:modId xmlns:p14="http://schemas.microsoft.com/office/powerpoint/2010/main" val="1435382894"/>
-              </p:ext>
-            </p:extLst>
-          </p:nvPr>
-        </p:nvGraphicFramePr>
-        <p:xfrm>
-          <a:off x="1082843" y="2586789"/>
-          <a:ext cx="6833936" cy="2261936"/>
-        </p:xfrm>
-        <a:graphic>
-          <a:graphicData uri="http://schemas.openxmlformats.org/drawingml/2006/table">
-            <a:tbl>
-              <a:tblPr firstRow="1" firstCol="1" bandRow="1">
-                <a:tableStyleId>{5C22544A-7EE6-4342-B048-85BDC9FD1C3A}</a:tableStyleId>
-              </a:tblPr>
-              <a:tblGrid>
-                <a:gridCol w="1708118">
-                  <a:extLst>
-                    <a:ext uri="{9D8B030D-6E8A-4147-A177-3AD203B41FA5}">
-                      <a16:colId xmlns:a16="http://schemas.microsoft.com/office/drawing/2014/main" val="4148753523"/>
-                    </a:ext>
-                  </a:extLst>
-                </a:gridCol>
-                <a:gridCol w="1708118">
-                  <a:extLst>
-                    <a:ext uri="{9D8B030D-6E8A-4147-A177-3AD203B41FA5}">
-                      <a16:colId xmlns:a16="http://schemas.microsoft.com/office/drawing/2014/main" val="1131974573"/>
-                    </a:ext>
-                  </a:extLst>
-                </a:gridCol>
-                <a:gridCol w="1708850">
-                  <a:extLst>
-                    <a:ext uri="{9D8B030D-6E8A-4147-A177-3AD203B41FA5}">
-                      <a16:colId xmlns:a16="http://schemas.microsoft.com/office/drawing/2014/main" val="1210366593"/>
-                    </a:ext>
-                  </a:extLst>
-                </a:gridCol>
-                <a:gridCol w="1708850">
-                  <a:extLst>
-                    <a:ext uri="{9D8B030D-6E8A-4147-A177-3AD203B41FA5}">
-                      <a16:colId xmlns:a16="http://schemas.microsoft.com/office/drawing/2014/main" val="3657342872"/>
-                    </a:ext>
-                  </a:extLst>
-                </a:gridCol>
-              </a:tblGrid>
-              <a:tr h="565484">
-                <a:tc>
-                  <a:txBody>
-                    <a:bodyPr/>
-                    <a:lstStyle/>
-                    <a:p>
-                      <a:pPr algn="just">
-                        <a:lnSpc>
-                          <a:spcPct val="150000"/>
-                        </a:lnSpc>
-                        <a:spcAft>
-                          <a:spcPts val="0"/>
-                        </a:spcAft>
-                      </a:pPr>
-                      <a:r>
-                        <a:rPr lang="en-US" sz="1200" kern="100">
-                          <a:effectLst/>
-                        </a:rPr>
-                        <a:t>Models</a:t>
-                      </a:r>
-                      <a:endParaRPr lang="en-GB" sz="1100" kern="100">
-                        <a:effectLst/>
-                        <a:latin typeface="Calibri" panose="020F0502020204030204" pitchFamily="34" charset="0"/>
-                        <a:ea typeface="Calibri" panose="020F0502020204030204" pitchFamily="34" charset="0"/>
-                        <a:cs typeface="Times New Roman" panose="02020603050405020304" pitchFamily="18" charset="0"/>
-                      </a:endParaRPr>
-                    </a:p>
-                  </a:txBody>
-                  <a:tcPr marL="68580" marR="68580" marT="0" marB="0"/>
-                </a:tc>
-                <a:tc>
-                  <a:txBody>
-                    <a:bodyPr/>
-                    <a:lstStyle/>
-                    <a:p>
-                      <a:pPr algn="just">
-                        <a:lnSpc>
-                          <a:spcPct val="150000"/>
-                        </a:lnSpc>
-                        <a:spcAft>
-                          <a:spcPts val="0"/>
-                        </a:spcAft>
-                      </a:pPr>
-                      <a:r>
-                        <a:rPr lang="en-US" sz="1200" kern="100">
-                          <a:effectLst/>
-                        </a:rPr>
-                        <a:t>RMSE</a:t>
-                      </a:r>
-                      <a:endParaRPr lang="en-GB" sz="1100" kern="100">
-                        <a:effectLst/>
-                        <a:latin typeface="Calibri" panose="020F0502020204030204" pitchFamily="34" charset="0"/>
-                        <a:ea typeface="Calibri" panose="020F0502020204030204" pitchFamily="34" charset="0"/>
-                        <a:cs typeface="Times New Roman" panose="02020603050405020304" pitchFamily="18" charset="0"/>
-                      </a:endParaRPr>
-                    </a:p>
-                  </a:txBody>
-                  <a:tcPr marL="68580" marR="68580" marT="0" marB="0"/>
-                </a:tc>
-                <a:tc>
-                  <a:txBody>
-                    <a:bodyPr/>
-                    <a:lstStyle/>
-                    <a:p>
-                      <a:pPr algn="just">
-                        <a:lnSpc>
-                          <a:spcPct val="150000"/>
-                        </a:lnSpc>
-                        <a:spcAft>
-                          <a:spcPts val="0"/>
-                        </a:spcAft>
-                      </a:pPr>
-                      <a:r>
-                        <a:rPr lang="en-US" sz="1200" kern="100">
-                          <a:effectLst/>
-                        </a:rPr>
-                        <a:t>MAE</a:t>
-                      </a:r>
-                      <a:endParaRPr lang="en-GB" sz="1100" kern="100">
-                        <a:effectLst/>
-                        <a:latin typeface="Calibri" panose="020F0502020204030204" pitchFamily="34" charset="0"/>
-                        <a:ea typeface="Calibri" panose="020F0502020204030204" pitchFamily="34" charset="0"/>
-                        <a:cs typeface="Times New Roman" panose="02020603050405020304" pitchFamily="18" charset="0"/>
-                      </a:endParaRPr>
-                    </a:p>
-                  </a:txBody>
-                  <a:tcPr marL="68580" marR="68580" marT="0" marB="0"/>
-                </a:tc>
-                <a:tc>
-                  <a:txBody>
-                    <a:bodyPr/>
-                    <a:lstStyle/>
-                    <a:p>
-                      <a:pPr algn="just">
-                        <a:lnSpc>
-                          <a:spcPct val="150000"/>
-                        </a:lnSpc>
-                        <a:spcAft>
-                          <a:spcPts val="0"/>
-                        </a:spcAft>
-                      </a:pPr>
-                      <a:r>
-                        <a:rPr lang="en-US" sz="1100" kern="100">
-                          <a:effectLst/>
-                        </a:rPr>
-                        <a:t>R²</a:t>
-                      </a:r>
-                      <a:endParaRPr lang="en-GB" sz="1100" kern="100">
-                        <a:effectLst/>
-                        <a:latin typeface="Calibri" panose="020F0502020204030204" pitchFamily="34" charset="0"/>
-                        <a:ea typeface="Calibri" panose="020F0502020204030204" pitchFamily="34" charset="0"/>
-                        <a:cs typeface="Times New Roman" panose="02020603050405020304" pitchFamily="18" charset="0"/>
-                      </a:endParaRPr>
-                    </a:p>
-                  </a:txBody>
-                  <a:tcPr marL="68580" marR="68580" marT="0" marB="0"/>
-                </a:tc>
-                <a:extLst>
-                  <a:ext uri="{0D108BD9-81ED-4DB2-BD59-A6C34878D82A}">
-                    <a16:rowId xmlns:a16="http://schemas.microsoft.com/office/drawing/2014/main" val="832244069"/>
-                  </a:ext>
-                </a:extLst>
-              </a:tr>
-              <a:tr h="565484">
-                <a:tc>
-                  <a:txBody>
-                    <a:bodyPr/>
-                    <a:lstStyle/>
-                    <a:p>
-                      <a:pPr algn="just">
-                        <a:lnSpc>
-                          <a:spcPct val="150000"/>
-                        </a:lnSpc>
-                        <a:spcAft>
-                          <a:spcPts val="0"/>
-                        </a:spcAft>
-                      </a:pPr>
-                      <a:r>
-                        <a:rPr lang="en-US" sz="1200" kern="100">
-                          <a:effectLst/>
-                        </a:rPr>
-                        <a:t>HGB</a:t>
-                      </a:r>
-                      <a:endParaRPr lang="en-GB" sz="1100" kern="100">
-                        <a:effectLst/>
-                        <a:latin typeface="Calibri" panose="020F0502020204030204" pitchFamily="34" charset="0"/>
-                        <a:ea typeface="Calibri" panose="020F0502020204030204" pitchFamily="34" charset="0"/>
-                        <a:cs typeface="Times New Roman" panose="02020603050405020304" pitchFamily="18" charset="0"/>
-                      </a:endParaRPr>
-                    </a:p>
-                  </a:txBody>
-                  <a:tcPr marL="68580" marR="68580" marT="0" marB="0"/>
-                </a:tc>
-                <a:tc>
-                  <a:txBody>
-                    <a:bodyPr/>
-                    <a:lstStyle/>
-                    <a:p>
-                      <a:pPr algn="just">
-                        <a:lnSpc>
-                          <a:spcPct val="150000"/>
-                        </a:lnSpc>
-                        <a:spcAft>
-                          <a:spcPts val="0"/>
-                        </a:spcAft>
-                      </a:pPr>
-                      <a:r>
-                        <a:rPr lang="en-US" sz="1200" kern="100">
-                          <a:effectLst/>
-                        </a:rPr>
-                        <a:t>13.80</a:t>
-                      </a:r>
-                      <a:endParaRPr lang="en-GB" sz="1100" kern="100">
-                        <a:effectLst/>
-                        <a:latin typeface="Calibri" panose="020F0502020204030204" pitchFamily="34" charset="0"/>
-                        <a:ea typeface="Calibri" panose="020F0502020204030204" pitchFamily="34" charset="0"/>
-                        <a:cs typeface="Times New Roman" panose="02020603050405020304" pitchFamily="18" charset="0"/>
-                      </a:endParaRPr>
-                    </a:p>
-                  </a:txBody>
-                  <a:tcPr marL="68580" marR="68580" marT="0" marB="0"/>
-                </a:tc>
-                <a:tc>
-                  <a:txBody>
-                    <a:bodyPr/>
-                    <a:lstStyle/>
-                    <a:p>
-                      <a:pPr algn="just">
-                        <a:lnSpc>
-                          <a:spcPct val="150000"/>
-                        </a:lnSpc>
-                        <a:spcAft>
-                          <a:spcPts val="0"/>
-                        </a:spcAft>
-                      </a:pPr>
-                      <a:r>
-                        <a:rPr lang="en-US" sz="1200" kern="100">
-                          <a:effectLst/>
-                        </a:rPr>
-                        <a:t>7.36</a:t>
-                      </a:r>
-                      <a:endParaRPr lang="en-GB" sz="1100" kern="100">
-                        <a:effectLst/>
-                        <a:latin typeface="Calibri" panose="020F0502020204030204" pitchFamily="34" charset="0"/>
-                        <a:ea typeface="Calibri" panose="020F0502020204030204" pitchFamily="34" charset="0"/>
-                        <a:cs typeface="Times New Roman" panose="02020603050405020304" pitchFamily="18" charset="0"/>
-                      </a:endParaRPr>
-                    </a:p>
-                  </a:txBody>
-                  <a:tcPr marL="68580" marR="68580" marT="0" marB="0"/>
-                </a:tc>
-                <a:tc>
-                  <a:txBody>
-                    <a:bodyPr/>
-                    <a:lstStyle/>
-                    <a:p>
-                      <a:pPr algn="just">
-                        <a:lnSpc>
-                          <a:spcPct val="150000"/>
-                        </a:lnSpc>
-                        <a:spcAft>
-                          <a:spcPts val="0"/>
-                        </a:spcAft>
-                      </a:pPr>
-                      <a:r>
-                        <a:rPr lang="en-US" sz="1200" kern="100">
-                          <a:effectLst/>
-                        </a:rPr>
-                        <a:t>0.993</a:t>
-                      </a:r>
-                      <a:endParaRPr lang="en-GB" sz="1100" kern="100">
-                        <a:effectLst/>
-                        <a:latin typeface="Calibri" panose="020F0502020204030204" pitchFamily="34" charset="0"/>
-                        <a:ea typeface="Calibri" panose="020F0502020204030204" pitchFamily="34" charset="0"/>
-                        <a:cs typeface="Times New Roman" panose="02020603050405020304" pitchFamily="18" charset="0"/>
-                      </a:endParaRPr>
-                    </a:p>
-                  </a:txBody>
-                  <a:tcPr marL="68580" marR="68580" marT="0" marB="0"/>
-                </a:tc>
-                <a:extLst>
-                  <a:ext uri="{0D108BD9-81ED-4DB2-BD59-A6C34878D82A}">
-                    <a16:rowId xmlns:a16="http://schemas.microsoft.com/office/drawing/2014/main" val="3199537002"/>
-                  </a:ext>
-                </a:extLst>
-              </a:tr>
-              <a:tr h="565484">
-                <a:tc>
-                  <a:txBody>
-                    <a:bodyPr/>
-                    <a:lstStyle/>
-                    <a:p>
-                      <a:pPr algn="just">
-                        <a:lnSpc>
-                          <a:spcPct val="150000"/>
-                        </a:lnSpc>
-                        <a:spcAft>
-                          <a:spcPts val="0"/>
-                        </a:spcAft>
-                      </a:pPr>
-                      <a:r>
-                        <a:rPr lang="en-US" sz="1200" kern="100">
-                          <a:effectLst/>
-                        </a:rPr>
-                        <a:t>RIDGE</a:t>
-                      </a:r>
-                      <a:endParaRPr lang="en-GB" sz="1100" kern="100">
-                        <a:effectLst/>
-                        <a:latin typeface="Calibri" panose="020F0502020204030204" pitchFamily="34" charset="0"/>
-                        <a:ea typeface="Calibri" panose="020F0502020204030204" pitchFamily="34" charset="0"/>
-                        <a:cs typeface="Times New Roman" panose="02020603050405020304" pitchFamily="18" charset="0"/>
-                      </a:endParaRPr>
-                    </a:p>
-                  </a:txBody>
-                  <a:tcPr marL="68580" marR="68580" marT="0" marB="0"/>
-                </a:tc>
-                <a:tc>
-                  <a:txBody>
-                    <a:bodyPr/>
-                    <a:lstStyle/>
-                    <a:p>
-                      <a:pPr algn="just">
-                        <a:lnSpc>
-                          <a:spcPct val="150000"/>
-                        </a:lnSpc>
-                        <a:spcAft>
-                          <a:spcPts val="0"/>
-                        </a:spcAft>
-                      </a:pPr>
-                      <a:r>
-                        <a:rPr lang="en-US" sz="1200" kern="100">
-                          <a:effectLst/>
-                        </a:rPr>
-                        <a:t>12.12</a:t>
-                      </a:r>
-                      <a:endParaRPr lang="en-GB" sz="1100" kern="100">
-                        <a:effectLst/>
-                        <a:latin typeface="Calibri" panose="020F0502020204030204" pitchFamily="34" charset="0"/>
-                        <a:ea typeface="Calibri" panose="020F0502020204030204" pitchFamily="34" charset="0"/>
-                        <a:cs typeface="Times New Roman" panose="02020603050405020304" pitchFamily="18" charset="0"/>
-                      </a:endParaRPr>
-                    </a:p>
-                  </a:txBody>
-                  <a:tcPr marL="68580" marR="68580" marT="0" marB="0"/>
-                </a:tc>
-                <a:tc>
-                  <a:txBody>
-                    <a:bodyPr/>
-                    <a:lstStyle/>
-                    <a:p>
-                      <a:pPr algn="just">
-                        <a:lnSpc>
-                          <a:spcPct val="150000"/>
-                        </a:lnSpc>
-                        <a:spcAft>
-                          <a:spcPts val="0"/>
-                        </a:spcAft>
-                      </a:pPr>
-                      <a:r>
-                        <a:rPr lang="en-US" sz="1200" kern="100">
-                          <a:effectLst/>
-                        </a:rPr>
-                        <a:t>6.19</a:t>
-                      </a:r>
-                      <a:endParaRPr lang="en-GB" sz="1100" kern="100">
-                        <a:effectLst/>
-                        <a:latin typeface="Calibri" panose="020F0502020204030204" pitchFamily="34" charset="0"/>
-                        <a:ea typeface="Calibri" panose="020F0502020204030204" pitchFamily="34" charset="0"/>
-                        <a:cs typeface="Times New Roman" panose="02020603050405020304" pitchFamily="18" charset="0"/>
-                      </a:endParaRPr>
-                    </a:p>
-                  </a:txBody>
-                  <a:tcPr marL="68580" marR="68580" marT="0" marB="0"/>
-                </a:tc>
-                <a:tc>
-                  <a:txBody>
-                    <a:bodyPr/>
-                    <a:lstStyle/>
-                    <a:p>
-                      <a:pPr algn="just">
-                        <a:lnSpc>
-                          <a:spcPct val="150000"/>
-                        </a:lnSpc>
-                        <a:spcAft>
-                          <a:spcPts val="0"/>
-                        </a:spcAft>
-                      </a:pPr>
-                      <a:r>
-                        <a:rPr lang="en-US" sz="1200" kern="100">
-                          <a:effectLst/>
-                        </a:rPr>
-                        <a:t>0.995</a:t>
-                      </a:r>
-                      <a:endParaRPr lang="en-GB" sz="1100" kern="100">
-                        <a:effectLst/>
-                        <a:latin typeface="Calibri" panose="020F0502020204030204" pitchFamily="34" charset="0"/>
-                        <a:ea typeface="Calibri" panose="020F0502020204030204" pitchFamily="34" charset="0"/>
-                        <a:cs typeface="Times New Roman" panose="02020603050405020304" pitchFamily="18" charset="0"/>
-                      </a:endParaRPr>
-                    </a:p>
-                  </a:txBody>
-                  <a:tcPr marL="68580" marR="68580" marT="0" marB="0"/>
-                </a:tc>
-                <a:extLst>
-                  <a:ext uri="{0D108BD9-81ED-4DB2-BD59-A6C34878D82A}">
-                    <a16:rowId xmlns:a16="http://schemas.microsoft.com/office/drawing/2014/main" val="2572865728"/>
-                  </a:ext>
-                </a:extLst>
-              </a:tr>
-              <a:tr h="565484">
-                <a:tc>
-                  <a:txBody>
-                    <a:bodyPr/>
-                    <a:lstStyle/>
-                    <a:p>
-                      <a:pPr algn="just">
-                        <a:lnSpc>
-                          <a:spcPct val="150000"/>
-                        </a:lnSpc>
-                        <a:spcAft>
-                          <a:spcPts val="0"/>
-                        </a:spcAft>
-                      </a:pPr>
-                      <a:r>
-                        <a:rPr lang="en-US" sz="1200" kern="100">
-                          <a:effectLst/>
-                        </a:rPr>
-                        <a:t>BLEND</a:t>
-                      </a:r>
-                      <a:endParaRPr lang="en-GB" sz="1100" kern="100">
-                        <a:effectLst/>
-                        <a:latin typeface="Calibri" panose="020F0502020204030204" pitchFamily="34" charset="0"/>
-                        <a:ea typeface="Calibri" panose="020F0502020204030204" pitchFamily="34" charset="0"/>
-                        <a:cs typeface="Times New Roman" panose="02020603050405020304" pitchFamily="18" charset="0"/>
-                      </a:endParaRPr>
-                    </a:p>
-                  </a:txBody>
-                  <a:tcPr marL="68580" marR="68580" marT="0" marB="0"/>
-                </a:tc>
-                <a:tc>
-                  <a:txBody>
-                    <a:bodyPr/>
-                    <a:lstStyle/>
-                    <a:p>
-                      <a:pPr algn="just">
-                        <a:lnSpc>
-                          <a:spcPct val="150000"/>
-                        </a:lnSpc>
-                        <a:spcAft>
-                          <a:spcPts val="0"/>
-                        </a:spcAft>
-                      </a:pPr>
-                      <a:r>
-                        <a:rPr lang="en-US" sz="1200" kern="100">
-                          <a:effectLst/>
-                        </a:rPr>
-                        <a:t>11.78</a:t>
-                      </a:r>
-                      <a:endParaRPr lang="en-GB" sz="1100" kern="100">
-                        <a:effectLst/>
-                        <a:latin typeface="Calibri" panose="020F0502020204030204" pitchFamily="34" charset="0"/>
-                        <a:ea typeface="Calibri" panose="020F0502020204030204" pitchFamily="34" charset="0"/>
-                        <a:cs typeface="Times New Roman" panose="02020603050405020304" pitchFamily="18" charset="0"/>
-                      </a:endParaRPr>
-                    </a:p>
-                  </a:txBody>
-                  <a:tcPr marL="68580" marR="68580" marT="0" marB="0"/>
-                </a:tc>
-                <a:tc>
-                  <a:txBody>
-                    <a:bodyPr/>
-                    <a:lstStyle/>
-                    <a:p>
-                      <a:pPr algn="just">
-                        <a:lnSpc>
-                          <a:spcPct val="150000"/>
-                        </a:lnSpc>
-                        <a:spcAft>
-                          <a:spcPts val="0"/>
-                        </a:spcAft>
-                      </a:pPr>
-                      <a:r>
-                        <a:rPr lang="en-US" sz="1200" kern="100">
-                          <a:effectLst/>
-                        </a:rPr>
-                        <a:t>6.10</a:t>
-                      </a:r>
-                      <a:endParaRPr lang="en-GB" sz="1100" kern="100">
-                        <a:effectLst/>
-                        <a:latin typeface="Calibri" panose="020F0502020204030204" pitchFamily="34" charset="0"/>
-                        <a:ea typeface="Calibri" panose="020F0502020204030204" pitchFamily="34" charset="0"/>
-                        <a:cs typeface="Times New Roman" panose="02020603050405020304" pitchFamily="18" charset="0"/>
-                      </a:endParaRPr>
-                    </a:p>
-                  </a:txBody>
-                  <a:tcPr marL="68580" marR="68580" marT="0" marB="0"/>
-                </a:tc>
-                <a:tc>
-                  <a:txBody>
-                    <a:bodyPr/>
-                    <a:lstStyle/>
-                    <a:p>
-                      <a:pPr algn="just">
-                        <a:lnSpc>
-                          <a:spcPct val="150000"/>
-                        </a:lnSpc>
-                        <a:spcAft>
-                          <a:spcPts val="0"/>
-                        </a:spcAft>
-                      </a:pPr>
-                      <a:r>
-                        <a:rPr lang="en-US" sz="1200" kern="100" dirty="0">
-                          <a:effectLst/>
-                        </a:rPr>
-                        <a:t>0.995</a:t>
-                      </a:r>
-                      <a:endParaRPr lang="en-GB" sz="1100" kern="100" dirty="0">
-                        <a:effectLst/>
-                        <a:latin typeface="Calibri" panose="020F0502020204030204" pitchFamily="34" charset="0"/>
-                        <a:ea typeface="Calibri" panose="020F0502020204030204" pitchFamily="34" charset="0"/>
-                        <a:cs typeface="Times New Roman" panose="02020603050405020304" pitchFamily="18" charset="0"/>
-                      </a:endParaRPr>
-                    </a:p>
-                  </a:txBody>
-                  <a:tcPr marL="68580" marR="68580" marT="0" marB="0"/>
-                </a:tc>
-                <a:extLst>
-                  <a:ext uri="{0D108BD9-81ED-4DB2-BD59-A6C34878D82A}">
-                    <a16:rowId xmlns:a16="http://schemas.microsoft.com/office/drawing/2014/main" val="4183261718"/>
-                  </a:ext>
-                </a:extLst>
-              </a:tr>
-            </a:tbl>
-          </a:graphicData>
-        </a:graphic>
-      </p:graphicFrame>
-    </p:spTree>
-    <p:extLst>
-      <p:ext uri="{BB962C8B-B14F-4D97-AF65-F5344CB8AC3E}">
-        <p14:creationId xmlns:p14="http://schemas.microsoft.com/office/powerpoint/2010/main" val="1164324611"/>
-      </p:ext>
-    </p:extLst>
-  </p:cSld>
-  <p:clrMapOvr>
-    <a:masterClrMapping/>
-  </p:clrMapOvr>
-</p:sld>
-</file>
-
-<file path=ppt/slides/slide36.xml><?xml version="1.0" encoding="utf-8"?>
-<p:sld xmlns:a="http://schemas.openxmlformats.org/drawingml/2006/main" xmlns:r="http://schemas.openxmlformats.org/officeDocument/2006/relationships" xmlns:p="http://schemas.openxmlformats.org/presentationml/2006/main">
-  <p:cSld>
-    <p:spTree>
-      <p:nvGrpSpPr>
-        <p:cNvPr id="1" name=""/>
-        <p:cNvGrpSpPr/>
-        <p:nvPr/>
-      </p:nvGrpSpPr>
-      <p:grpSpPr>
-        <a:xfrm>
-          <a:off x="0" y="0"/>
-          <a:ext cx="0" cy="0"/>
-          <a:chOff x="0" y="0"/>
-          <a:chExt cx="0" cy="0"/>
-        </a:xfrm>
-      </p:grpSpPr>
-      <p:sp>
-        <p:nvSpPr>
-          <p:cNvPr id="2" name="Title 1"/>
-          <p:cNvSpPr>
-            <a:spLocks noGrp="1"/>
-          </p:cNvSpPr>
-          <p:nvPr>
-            <p:ph type="title"/>
-          </p:nvPr>
-        </p:nvSpPr>
-        <p:spPr/>
-        <p:txBody>
-          <a:bodyPr/>
-          <a:lstStyle/>
-          <a:p>
-            <a:r>
-              <a:rPr lang="en-GB" dirty="0"/>
-              <a:t>Testing Summary</a:t>
-            </a:r>
-          </a:p>
-        </p:txBody>
-      </p:sp>
-    </p:spTree>
-    <p:extLst>
-      <p:ext uri="{BB962C8B-B14F-4D97-AF65-F5344CB8AC3E}">
-        <p14:creationId xmlns:p14="http://schemas.microsoft.com/office/powerpoint/2010/main" val="3395275145"/>
-      </p:ext>
-    </p:extLst>
-  </p:cSld>
-  <p:clrMapOvr>
-    <a:masterClrMapping/>
-  </p:clrMapOvr>
-</p:sld>
-</file>
-
-<file path=ppt/slides/slide37.xml><?xml version="1.0" encoding="utf-8"?>
-<p:sld xmlns:a="http://schemas.openxmlformats.org/drawingml/2006/main" xmlns:r="http://schemas.openxmlformats.org/officeDocument/2006/relationships" xmlns:p="http://schemas.openxmlformats.org/presentationml/2006/main">
-  <p:cSld>
-    <p:spTree>
-      <p:nvGrpSpPr>
-        <p:cNvPr id="1" name="Shape 174"/>
-        <p:cNvGrpSpPr/>
-        <p:nvPr/>
-      </p:nvGrpSpPr>
-      <p:grpSpPr>
-        <a:xfrm>
-          <a:off x="0" y="0"/>
-          <a:ext cx="0" cy="0"/>
-          <a:chOff x="0" y="0"/>
-          <a:chExt cx="0" cy="0"/>
-        </a:xfrm>
-      </p:grpSpPr>
-      <p:sp>
-        <p:nvSpPr>
-          <p:cNvPr id="175" name="Google Shape;175;p16"/>
-          <p:cNvSpPr txBox="1">
-            <a:spLocks noGrp="1"/>
-          </p:cNvSpPr>
-          <p:nvPr>
-            <p:ph type="title"/>
-          </p:nvPr>
-        </p:nvSpPr>
-        <p:spPr>
-          <a:xfrm>
-            <a:off x="457200" y="274638"/>
-            <a:ext cx="8229600" cy="1124394"/>
-          </a:xfrm>
-          <a:prstGeom prst="rect">
-            <a:avLst/>
-          </a:prstGeom>
-          <a:noFill/>
-          <a:ln>
-            <a:noFill/>
-          </a:ln>
-        </p:spPr>
-        <p:txBody>
-          <a:bodyPr spcFirstLastPara="1" wrap="square" lIns="91425" tIns="45700" rIns="91425" bIns="45700" anchor="ctr" anchorCtr="0">
-            <a:noAutofit/>
-          </a:bodyPr>
-          <a:lstStyle/>
-          <a:p>
-            <a:pPr marL="0" lvl="0" indent="0" algn="ctr" rtl="0">
-              <a:spcBef>
-                <a:spcPts val="0"/>
-              </a:spcBef>
-              <a:spcAft>
-                <a:spcPts val="0"/>
-              </a:spcAft>
-              <a:buNone/>
-            </a:pPr>
-            <a:r>
-              <a:rPr lang="en-US" dirty="0"/>
-              <a:t>Testing Summary</a:t>
-            </a:r>
-            <a:endParaRPr dirty="0"/>
-          </a:p>
-        </p:txBody>
-      </p:sp>
-      <p:sp>
-        <p:nvSpPr>
-          <p:cNvPr id="176" name="Google Shape;176;p16"/>
-          <p:cNvSpPr txBox="1">
-            <a:spLocks noGrp="1"/>
-          </p:cNvSpPr>
-          <p:nvPr>
-            <p:ph type="body" idx="1"/>
-          </p:nvPr>
-        </p:nvSpPr>
-        <p:spPr>
-          <a:xfrm>
-            <a:off x="457200" y="1600200"/>
-            <a:ext cx="8229600" cy="4525963"/>
-          </a:xfrm>
-          <a:prstGeom prst="rect">
-            <a:avLst/>
-          </a:prstGeom>
-          <a:noFill/>
-          <a:ln>
-            <a:noFill/>
-          </a:ln>
-        </p:spPr>
-        <p:txBody>
-          <a:bodyPr spcFirstLastPara="1" wrap="square" lIns="91425" tIns="45700" rIns="91425" bIns="45700" anchor="t" anchorCtr="0">
-            <a:noAutofit/>
-          </a:bodyPr>
-          <a:lstStyle/>
-          <a:p>
-            <a:pPr marL="342900" lvl="0" indent="-139700" algn="l" rtl="0">
-              <a:spcBef>
-                <a:spcPts val="0"/>
-              </a:spcBef>
-              <a:spcAft>
-                <a:spcPts val="0"/>
-              </a:spcAft>
-              <a:buClr>
-                <a:schemeClr val="dk1"/>
-              </a:buClr>
-              <a:buSzPts val="3200"/>
-              <a:buNone/>
-            </a:pPr>
-            <a:endParaRPr/>
-          </a:p>
-          <a:p>
-            <a:pPr marL="0" lvl="0" indent="0" algn="l" rtl="0">
-              <a:spcBef>
-                <a:spcPts val="640"/>
-              </a:spcBef>
-              <a:spcAft>
-                <a:spcPts val="0"/>
-              </a:spcAft>
-              <a:buClr>
-                <a:schemeClr val="dk1"/>
-              </a:buClr>
-              <a:buSzPts val="3200"/>
-              <a:buNone/>
-            </a:pPr>
-            <a:endParaRPr/>
-          </a:p>
-        </p:txBody>
-      </p:sp>
-      <p:graphicFrame>
-        <p:nvGraphicFramePr>
-          <p:cNvPr id="5" name="Table 4"/>
-          <p:cNvGraphicFramePr>
-            <a:graphicFrameLocks noGrp="1"/>
-          </p:cNvGraphicFramePr>
-          <p:nvPr>
-            <p:extLst>
-              <p:ext uri="{D42A27DB-BD31-4B8C-83A1-F6EECF244321}">
-                <p14:modId xmlns:p14="http://schemas.microsoft.com/office/powerpoint/2010/main" val="27891360"/>
-              </p:ext>
-            </p:extLst>
-          </p:nvPr>
-        </p:nvGraphicFramePr>
-        <p:xfrm>
-          <a:off x="1536192" y="1600200"/>
-          <a:ext cx="6705600" cy="3868454"/>
-        </p:xfrm>
-        <a:graphic>
-          <a:graphicData uri="http://schemas.openxmlformats.org/drawingml/2006/table">
-            <a:tbl>
-              <a:tblPr firstRow="1" bandRow="1">
-                <a:tableStyleId>{69012ECD-51FC-41F1-AA8D-1B2483CD663E}</a:tableStyleId>
-              </a:tblPr>
-              <a:tblGrid>
-                <a:gridCol w="1889214">
-                  <a:extLst>
-                    <a:ext uri="{9D8B030D-6E8A-4147-A177-3AD203B41FA5}">
-                      <a16:colId xmlns:a16="http://schemas.microsoft.com/office/drawing/2014/main" val="1816247505"/>
-                    </a:ext>
-                  </a:extLst>
-                </a:gridCol>
-                <a:gridCol w="4816386">
-                  <a:extLst>
-                    <a:ext uri="{9D8B030D-6E8A-4147-A177-3AD203B41FA5}">
-                      <a16:colId xmlns:a16="http://schemas.microsoft.com/office/drawing/2014/main" val="2844669812"/>
-                    </a:ext>
-                  </a:extLst>
-                </a:gridCol>
-              </a:tblGrid>
-              <a:tr h="725503">
-                <a:tc>
-                  <a:txBody>
-                    <a:bodyPr/>
-                    <a:lstStyle/>
-                    <a:p>
-                      <a:r>
-                        <a:rPr lang="en-GB" dirty="0">
-                          <a:solidFill>
-                            <a:schemeClr val="tx1"/>
-                          </a:solidFill>
-                        </a:rPr>
-                        <a:t>Testing  Aspect</a:t>
-                      </a:r>
-                    </a:p>
-                  </a:txBody>
-                  <a:tcPr/>
-                </a:tc>
-                <a:tc>
-                  <a:txBody>
-                    <a:bodyPr/>
-                    <a:lstStyle/>
-                    <a:p>
-                      <a:r>
-                        <a:rPr lang="en-GB" dirty="0">
-                          <a:solidFill>
-                            <a:schemeClr val="tx1"/>
-                          </a:solidFill>
-                        </a:rPr>
-                        <a:t>Summary</a:t>
-                      </a:r>
-                    </a:p>
-                  </a:txBody>
-                  <a:tcPr/>
-                </a:tc>
-                <a:extLst>
-                  <a:ext uri="{0D108BD9-81ED-4DB2-BD59-A6C34878D82A}">
-                    <a16:rowId xmlns:a16="http://schemas.microsoft.com/office/drawing/2014/main" val="1590611437"/>
-                  </a:ext>
-                </a:extLst>
-              </a:tr>
-              <a:tr h="521455">
-                <a:tc>
-                  <a:txBody>
-                    <a:bodyPr/>
-                    <a:lstStyle/>
-                    <a:p>
-                      <a:r>
-                        <a:rPr lang="en-GB" dirty="0"/>
-                        <a:t>Approach</a:t>
-                      </a:r>
-                    </a:p>
-                  </a:txBody>
-                  <a:tcPr/>
-                </a:tc>
-                <a:tc>
-                  <a:txBody>
-                    <a:bodyPr/>
-                    <a:lstStyle/>
-                    <a:p>
-                      <a:r>
-                        <a:rPr lang="en-GB" dirty="0"/>
-                        <a:t>  Blackbox and</a:t>
-                      </a:r>
-                      <a:r>
-                        <a:rPr lang="en-GB" baseline="0" dirty="0"/>
-                        <a:t> Whitebox</a:t>
-                      </a:r>
-                      <a:endParaRPr lang="en-GB" dirty="0"/>
-                    </a:p>
-                  </a:txBody>
-                  <a:tcPr/>
-                </a:tc>
-                <a:extLst>
-                  <a:ext uri="{0D108BD9-81ED-4DB2-BD59-A6C34878D82A}">
-                    <a16:rowId xmlns:a16="http://schemas.microsoft.com/office/drawing/2014/main" val="3669611002"/>
-                  </a:ext>
-                </a:extLst>
-              </a:tr>
-              <a:tr h="518376">
-                <a:tc>
-                  <a:txBody>
-                    <a:bodyPr/>
-                    <a:lstStyle/>
-                    <a:p>
-                      <a:r>
-                        <a:rPr lang="en-GB" dirty="0"/>
-                        <a:t>Purpose</a:t>
-                      </a:r>
-                    </a:p>
-                  </a:txBody>
-                  <a:tcPr/>
-                </a:tc>
-                <a:tc>
-                  <a:txBody>
-                    <a:bodyPr/>
-                    <a:lstStyle/>
-                    <a:p>
-                      <a:r>
-                        <a:rPr lang="en-GB" dirty="0"/>
-                        <a:t>To validate the functionalities</a:t>
-                      </a:r>
-                      <a:r>
-                        <a:rPr lang="en-GB" baseline="0" dirty="0"/>
-                        <a:t> of Fitessstan via input and output and by giving different user data.</a:t>
-                      </a:r>
-                    </a:p>
-                  </a:txBody>
-                  <a:tcPr/>
-                </a:tc>
-                <a:extLst>
-                  <a:ext uri="{0D108BD9-81ED-4DB2-BD59-A6C34878D82A}">
-                    <a16:rowId xmlns:a16="http://schemas.microsoft.com/office/drawing/2014/main" val="2862970853"/>
-                  </a:ext>
-                </a:extLst>
-              </a:tr>
-              <a:tr h="1249058">
-                <a:tc>
-                  <a:txBody>
-                    <a:bodyPr/>
-                    <a:lstStyle/>
-                    <a:p>
-                      <a:r>
-                        <a:rPr lang="en-GB" dirty="0"/>
-                        <a:t>Feature</a:t>
-                      </a:r>
-                      <a:r>
-                        <a:rPr lang="en-GB" baseline="0" dirty="0"/>
-                        <a:t> Tested</a:t>
-                      </a:r>
-                      <a:endParaRPr lang="en-GB" dirty="0"/>
-                    </a:p>
-                  </a:txBody>
-                  <a:tcPr/>
-                </a:tc>
-                <a:tc>
-                  <a:txBody>
-                    <a:bodyPr/>
-                    <a:lstStyle/>
-                    <a:p>
-                      <a:r>
-                        <a:rPr lang="en-GB" dirty="0"/>
-                        <a:t>✔ User registration &amp; login</a:t>
-                      </a:r>
-                      <a:br>
-                        <a:rPr lang="en-GB" dirty="0"/>
-                      </a:br>
-                      <a:r>
-                        <a:rPr lang="en-GB" dirty="0"/>
-                        <a:t>✔ Password recovery &amp; OTP</a:t>
-                      </a:r>
-                      <a:br>
-                        <a:rPr lang="en-GB" dirty="0"/>
-                      </a:br>
-                      <a:r>
-                        <a:rPr lang="en-GB" dirty="0"/>
-                        <a:t>✔ Input forms</a:t>
-                      </a:r>
-                      <a:br>
-                        <a:rPr lang="en-GB" dirty="0"/>
-                      </a:br>
-                      <a:r>
-                        <a:rPr lang="en-GB" dirty="0"/>
-                        <a:t>✔ Diet plans</a:t>
-                      </a:r>
-                      <a:br>
-                        <a:rPr lang="en-GB" dirty="0"/>
-                      </a:br>
-                      <a:r>
-                        <a:rPr lang="en-GB" dirty="0"/>
-                        <a:t>✔ Admin management</a:t>
-                      </a:r>
-                    </a:p>
-                    <a:p>
-                      <a:pPr marL="0" marR="0" lvl="0" indent="0" algn="l" defTabSz="914400" rtl="0" eaLnBrk="1" fontAlgn="auto" latinLnBrk="0" hangingPunct="1">
-                        <a:lnSpc>
-                          <a:spcPct val="100000"/>
-                        </a:lnSpc>
-                        <a:spcBef>
-                          <a:spcPts val="0"/>
-                        </a:spcBef>
-                        <a:spcAft>
-                          <a:spcPts val="0"/>
-                        </a:spcAft>
-                        <a:buClr>
-                          <a:srgbClr val="000000"/>
-                        </a:buClr>
-                        <a:buSzTx/>
-                        <a:buFont typeface="Arial"/>
-                        <a:buNone/>
-                        <a:tabLst/>
-                        <a:defRPr/>
-                      </a:pPr>
-                      <a:r>
-                        <a:rPr lang="en-GB" dirty="0"/>
-                        <a:t>✔Model</a:t>
-                      </a:r>
-                      <a:r>
-                        <a:rPr lang="en-GB" baseline="0" dirty="0"/>
-                        <a:t> Testing</a:t>
-                      </a:r>
-                      <a:endParaRPr lang="en-GB" dirty="0"/>
-                    </a:p>
-                  </a:txBody>
-                  <a:tcPr/>
-                </a:tc>
-                <a:extLst>
-                  <a:ext uri="{0D108BD9-81ED-4DB2-BD59-A6C34878D82A}">
-                    <a16:rowId xmlns:a16="http://schemas.microsoft.com/office/drawing/2014/main" val="1023386783"/>
-                  </a:ext>
-                </a:extLst>
-              </a:tr>
-              <a:tr h="725503">
-                <a:tc>
-                  <a:txBody>
-                    <a:bodyPr/>
-                    <a:lstStyle/>
-                    <a:p>
-                      <a:r>
-                        <a:rPr lang="en-GB" dirty="0"/>
-                        <a:t>Result</a:t>
-                      </a:r>
-                    </a:p>
-                  </a:txBody>
-                  <a:tcPr/>
-                </a:tc>
-                <a:tc>
-                  <a:txBody>
-                    <a:bodyPr/>
-                    <a:lstStyle/>
-                    <a:p>
-                      <a:r>
-                        <a:rPr lang="en-GB" dirty="0"/>
-                        <a:t>✔ All critical test cases passed successfully</a:t>
-                      </a:r>
-                      <a:br>
-                        <a:rPr lang="en-GB" dirty="0"/>
-                      </a:br>
-                      <a:r>
-                        <a:rPr lang="en-GB" dirty="0"/>
-                        <a:t>✔ Correct handling of all input types</a:t>
-                      </a:r>
-                      <a:br>
-                        <a:rPr lang="en-GB" dirty="0"/>
-                      </a:br>
-                      <a:r>
-                        <a:rPr lang="en-GB" dirty="0"/>
-                        <a:t>✔ Confirmed user-friendly experience</a:t>
-                      </a:r>
-                    </a:p>
-                  </a:txBody>
-                  <a:tcPr/>
-                </a:tc>
-                <a:extLst>
-                  <a:ext uri="{0D108BD9-81ED-4DB2-BD59-A6C34878D82A}">
-                    <a16:rowId xmlns:a16="http://schemas.microsoft.com/office/drawing/2014/main" val="1104312955"/>
-                  </a:ext>
-                </a:extLst>
-              </a:tr>
-            </a:tbl>
-          </a:graphicData>
-        </a:graphic>
-      </p:graphicFrame>
-    </p:spTree>
-  </p:cSld>
-  <p:clrMapOvr>
-    <a:masterClrMapping/>
-  </p:clrMapOvr>
-</p:sld>
-</file>
-
-<file path=ppt/slides/slide38.xml><?xml version="1.0" encoding="utf-8"?>
-<p:sld xmlns:a="http://schemas.openxmlformats.org/drawingml/2006/main" xmlns:r="http://schemas.openxmlformats.org/officeDocument/2006/relationships" xmlns:p="http://schemas.openxmlformats.org/presentationml/2006/main">
-  <p:cSld>
-    <p:spTree>
-      <p:nvGrpSpPr>
-        <p:cNvPr id="1" name="Shape 138"/>
-        <p:cNvGrpSpPr/>
-        <p:nvPr/>
-      </p:nvGrpSpPr>
-      <p:grpSpPr>
-        <a:xfrm>
-          <a:off x="0" y="0"/>
-          <a:ext cx="0" cy="0"/>
-          <a:chOff x="0" y="0"/>
-          <a:chExt cx="0" cy="0"/>
-        </a:xfrm>
-      </p:grpSpPr>
-      <p:sp>
-        <p:nvSpPr>
-          <p:cNvPr id="139" name="Google Shape;139;p10"/>
-          <p:cNvSpPr txBox="1">
-            <a:spLocks noGrp="1"/>
-          </p:cNvSpPr>
-          <p:nvPr>
-            <p:ph type="title"/>
-          </p:nvPr>
-        </p:nvSpPr>
-        <p:spPr>
-          <a:xfrm>
-            <a:off x="722313" y="4406900"/>
-            <a:ext cx="7772400" cy="1362075"/>
-          </a:xfrm>
-          <a:prstGeom prst="rect">
-            <a:avLst/>
-          </a:prstGeom>
-          <a:noFill/>
-          <a:ln>
-            <a:noFill/>
-          </a:ln>
-        </p:spPr>
-        <p:txBody>
-          <a:bodyPr spcFirstLastPara="1" wrap="square" lIns="91425" tIns="45700" rIns="91425" bIns="45700" anchor="t" anchorCtr="0">
-            <a:normAutofit/>
-          </a:bodyPr>
-          <a:lstStyle/>
-          <a:p>
-            <a:pPr marL="0" lvl="0" indent="0" algn="l" rtl="0">
-              <a:spcBef>
-                <a:spcPts val="0"/>
-              </a:spcBef>
-              <a:spcAft>
-                <a:spcPts val="0"/>
-              </a:spcAft>
-              <a:buNone/>
-            </a:pPr>
-            <a:r>
-              <a:rPr lang="en-US" dirty="0"/>
-              <a:t>ENDEAVOUR</a:t>
-            </a:r>
-            <a:endParaRPr dirty="0"/>
-          </a:p>
-        </p:txBody>
-      </p:sp>
-    </p:spTree>
-  </p:cSld>
-  <p:clrMapOvr>
-    <a:masterClrMapping/>
-  </p:clrMapOvr>
-</p:sld>
-</file>
-
-<file path=ppt/slides/slide39.xml><?xml version="1.0" encoding="utf-8"?>
-<p:sld xmlns:a="http://schemas.openxmlformats.org/drawingml/2006/main" xmlns:r="http://schemas.openxmlformats.org/officeDocument/2006/relationships" xmlns:p="http://schemas.openxmlformats.org/presentationml/2006/main">
-  <p:cSld>
-    <p:spTree>
-      <p:nvGrpSpPr>
-        <p:cNvPr id="1" name="Shape 144"/>
-        <p:cNvGrpSpPr/>
-        <p:nvPr/>
-      </p:nvGrpSpPr>
-      <p:grpSpPr>
-        <a:xfrm>
-          <a:off x="0" y="0"/>
-          <a:ext cx="0" cy="0"/>
-          <a:chOff x="0" y="0"/>
-          <a:chExt cx="0" cy="0"/>
-        </a:xfrm>
-      </p:grpSpPr>
-      <p:sp>
-        <p:nvSpPr>
-          <p:cNvPr id="145" name="Google Shape;145;p11"/>
-          <p:cNvSpPr txBox="1">
-            <a:spLocks noGrp="1"/>
-          </p:cNvSpPr>
-          <p:nvPr>
-            <p:ph type="title"/>
-          </p:nvPr>
-        </p:nvSpPr>
-        <p:spPr>
-          <a:xfrm>
-            <a:off x="457200" y="274638"/>
-            <a:ext cx="8229600" cy="1143000"/>
-          </a:xfrm>
-          <a:prstGeom prst="rect">
-            <a:avLst/>
-          </a:prstGeom>
-          <a:noFill/>
-          <a:ln>
-            <a:noFill/>
-          </a:ln>
-        </p:spPr>
-        <p:txBody>
-          <a:bodyPr spcFirstLastPara="1" wrap="square" lIns="91425" tIns="45700" rIns="91425" bIns="45700" anchor="ctr" anchorCtr="0">
-            <a:noAutofit/>
-          </a:bodyPr>
-          <a:lstStyle/>
-          <a:p>
-            <a:pPr marL="0" lvl="0" indent="0" algn="ctr" rtl="0">
-              <a:spcBef>
-                <a:spcPts val="0"/>
-              </a:spcBef>
-              <a:spcAft>
-                <a:spcPts val="0"/>
-              </a:spcAft>
-              <a:buNone/>
-            </a:pPr>
-            <a:r>
-              <a:rPr lang="en-US" sz="3200" dirty="0">
-                <a:latin typeface="Times New Roman" panose="02020603050405020304" pitchFamily="18" charset="0"/>
-                <a:cs typeface="Times New Roman" panose="02020603050405020304" pitchFamily="18" charset="0"/>
-              </a:rPr>
-              <a:t>Endeavour[1/2]</a:t>
-            </a:r>
-            <a:endParaRPr sz="3200" dirty="0">
-              <a:latin typeface="Times New Roman" panose="02020603050405020304" pitchFamily="18" charset="0"/>
-              <a:cs typeface="Times New Roman" panose="02020603050405020304" pitchFamily="18" charset="0"/>
-            </a:endParaRPr>
-          </a:p>
-        </p:txBody>
-      </p:sp>
-      <p:sp>
-        <p:nvSpPr>
-          <p:cNvPr id="146" name="Google Shape;146;p11"/>
-          <p:cNvSpPr txBox="1">
-            <a:spLocks noGrp="1"/>
-          </p:cNvSpPr>
-          <p:nvPr>
-            <p:ph type="body" idx="1"/>
-          </p:nvPr>
-        </p:nvSpPr>
-        <p:spPr>
-          <a:xfrm>
-            <a:off x="457200" y="1090285"/>
-            <a:ext cx="8229600" cy="4878565"/>
-          </a:xfrm>
-          <a:prstGeom prst="rect">
-            <a:avLst/>
-          </a:prstGeom>
-          <a:noFill/>
-          <a:ln>
-            <a:noFill/>
-          </a:ln>
-        </p:spPr>
-        <p:txBody>
-          <a:bodyPr spcFirstLastPara="1" wrap="square" lIns="91425" tIns="45700" rIns="91425" bIns="45700" anchor="t" anchorCtr="0">
-            <a:noAutofit/>
-          </a:bodyPr>
-          <a:lstStyle/>
-          <a:p>
-            <a:pPr marL="342900" lvl="0">
-              <a:spcBef>
-                <a:spcPts val="0"/>
-              </a:spcBef>
-              <a:buSzPts val="3200"/>
-            </a:pPr>
-            <a:r>
-              <a:rPr lang="en-US" sz="2500" dirty="0">
-                <a:latin typeface="Times New Roman" panose="02020603050405020304" pitchFamily="18" charset="0"/>
-                <a:cs typeface="Times New Roman" panose="02020603050405020304" pitchFamily="18" charset="0"/>
-              </a:rPr>
-              <a:t>Describe roles of your team members</a:t>
-            </a:r>
-          </a:p>
-          <a:p>
-            <a:pPr marL="488950" indent="-285750" algn="just">
-              <a:spcBef>
-                <a:spcPts val="0"/>
-              </a:spcBef>
-              <a:buSzPts val="3200"/>
-            </a:pPr>
-            <a:r>
-              <a:rPr lang="en-US" sz="1800" b="1" dirty="0">
-                <a:latin typeface="Times New Roman" panose="02020603050405020304" pitchFamily="18" charset="0"/>
-                <a:cs typeface="Times New Roman" panose="02020603050405020304" pitchFamily="18" charset="0"/>
-              </a:rPr>
-              <a:t>Zain </a:t>
-            </a:r>
-            <a:r>
-              <a:rPr lang="en-US" sz="1800" b="1" dirty="0" err="1">
-                <a:latin typeface="Times New Roman" panose="02020603050405020304" pitchFamily="18" charset="0"/>
-                <a:cs typeface="Times New Roman" panose="02020603050405020304" pitchFamily="18" charset="0"/>
-              </a:rPr>
-              <a:t>Ul</a:t>
-            </a:r>
-            <a:r>
-              <a:rPr lang="en-US" sz="1800" b="1" dirty="0">
-                <a:latin typeface="Times New Roman" panose="02020603050405020304" pitchFamily="18" charset="0"/>
-                <a:cs typeface="Times New Roman" panose="02020603050405020304" pitchFamily="18" charset="0"/>
-              </a:rPr>
-              <a:t> Abideen (35515)                                       </a:t>
-            </a:r>
-          </a:p>
-          <a:p>
-            <a:pPr marL="1117600" lvl="1" indent="-457200" algn="just">
-              <a:spcBef>
-                <a:spcPts val="0"/>
-              </a:spcBef>
-              <a:buSzPts val="3200"/>
-            </a:pPr>
-            <a:r>
-              <a:rPr lang="en-US" sz="1800" dirty="0">
-                <a:latin typeface="Times New Roman" panose="02020603050405020304" pitchFamily="18" charset="0"/>
-                <a:cs typeface="Times New Roman" panose="02020603050405020304" pitchFamily="18" charset="0"/>
-              </a:rPr>
-              <a:t>Web Development</a:t>
-            </a:r>
-          </a:p>
-          <a:p>
-            <a:pPr marL="1117600" lvl="1" indent="-457200" algn="just">
-              <a:spcBef>
-                <a:spcPts val="0"/>
-              </a:spcBef>
-              <a:buSzPts val="3200"/>
-            </a:pPr>
-            <a:r>
-              <a:rPr lang="en-US" sz="1800" dirty="0">
-                <a:latin typeface="Times New Roman" panose="02020603050405020304" pitchFamily="18" charset="0"/>
-                <a:cs typeface="Times New Roman" panose="02020603050405020304" pitchFamily="18" charset="0"/>
-              </a:rPr>
-              <a:t>Ui/</a:t>
-            </a:r>
-            <a:r>
-              <a:rPr lang="en-US" sz="1800" dirty="0" err="1">
-                <a:latin typeface="Times New Roman" panose="02020603050405020304" pitchFamily="18" charset="0"/>
-                <a:cs typeface="Times New Roman" panose="02020603050405020304" pitchFamily="18" charset="0"/>
-              </a:rPr>
-              <a:t>Ux</a:t>
-            </a:r>
-            <a:r>
-              <a:rPr lang="en-US" sz="1800" dirty="0">
-                <a:latin typeface="Times New Roman" panose="02020603050405020304" pitchFamily="18" charset="0"/>
-                <a:cs typeface="Times New Roman" panose="02020603050405020304" pitchFamily="18" charset="0"/>
-              </a:rPr>
-              <a:t> Design</a:t>
-            </a:r>
-          </a:p>
-          <a:p>
-            <a:pPr marL="1117600" lvl="1" indent="-457200" algn="just">
-              <a:spcBef>
-                <a:spcPts val="0"/>
-              </a:spcBef>
-              <a:buSzPts val="3200"/>
-            </a:pPr>
-            <a:r>
-              <a:rPr lang="en-US" sz="1800" dirty="0">
-                <a:latin typeface="Times New Roman" panose="02020603050405020304" pitchFamily="18" charset="0"/>
-                <a:cs typeface="Times New Roman" panose="02020603050405020304" pitchFamily="18" charset="0"/>
-              </a:rPr>
-              <a:t>Back End</a:t>
-            </a:r>
-          </a:p>
-          <a:p>
-            <a:pPr marL="1117600" lvl="1" indent="-457200" algn="just">
-              <a:spcBef>
-                <a:spcPts val="0"/>
-              </a:spcBef>
-              <a:buSzPts val="3200"/>
-            </a:pPr>
-            <a:r>
-              <a:rPr lang="en-US" sz="1800" dirty="0">
-                <a:latin typeface="Times New Roman" panose="02020603050405020304" pitchFamily="18" charset="0"/>
-                <a:cs typeface="Times New Roman" panose="02020603050405020304" pitchFamily="18" charset="0"/>
-              </a:rPr>
-              <a:t>Literature Review</a:t>
-            </a:r>
-          </a:p>
-          <a:p>
-            <a:pPr marL="1117600" lvl="1" indent="-457200">
-              <a:spcBef>
-                <a:spcPts val="0"/>
-              </a:spcBef>
-              <a:buSzPts val="3200"/>
-            </a:pPr>
-            <a:r>
-              <a:rPr lang="en-US" sz="1800" dirty="0">
-                <a:latin typeface="Times New Roman" panose="02020603050405020304" pitchFamily="18" charset="0"/>
-                <a:cs typeface="Times New Roman" panose="02020603050405020304" pitchFamily="18" charset="0"/>
-              </a:rPr>
-              <a:t>Model training</a:t>
-            </a:r>
-          </a:p>
-          <a:p>
-            <a:pPr marL="660400" indent="-457200">
-              <a:spcBef>
-                <a:spcPts val="0"/>
-              </a:spcBef>
-              <a:buSzPts val="3200"/>
-            </a:pPr>
-            <a:r>
-              <a:rPr lang="en-US" sz="1800" b="1" dirty="0">
-                <a:latin typeface="Times New Roman" panose="02020603050405020304" pitchFamily="18" charset="0"/>
-                <a:cs typeface="Times New Roman" panose="02020603050405020304" pitchFamily="18" charset="0"/>
-              </a:rPr>
-              <a:t>Obaid Ullah (35739)</a:t>
-            </a:r>
-          </a:p>
-          <a:p>
-            <a:pPr marL="1117600" lvl="1" indent="-457200">
-              <a:spcBef>
-                <a:spcPts val="0"/>
-              </a:spcBef>
-              <a:buSzPts val="3200"/>
-            </a:pPr>
-            <a:r>
-              <a:rPr lang="en-US" sz="1800" dirty="0">
-                <a:latin typeface="Times New Roman" panose="02020603050405020304" pitchFamily="18" charset="0"/>
-                <a:cs typeface="Times New Roman" panose="02020603050405020304" pitchFamily="18" charset="0"/>
-              </a:rPr>
-              <a:t>Data Collection</a:t>
-            </a:r>
-          </a:p>
-          <a:p>
-            <a:pPr marL="1117600" lvl="1" indent="-457200">
-              <a:spcBef>
-                <a:spcPts val="0"/>
-              </a:spcBef>
-              <a:buSzPts val="3200"/>
-            </a:pPr>
-            <a:r>
-              <a:rPr lang="en-US" sz="1800" dirty="0">
-                <a:latin typeface="Times New Roman" panose="02020603050405020304" pitchFamily="18" charset="0"/>
-                <a:cs typeface="Times New Roman" panose="02020603050405020304" pitchFamily="18" charset="0"/>
-              </a:rPr>
-              <a:t>Model training</a:t>
-            </a:r>
-          </a:p>
-          <a:p>
-            <a:pPr marL="1117600" lvl="1" indent="-457200">
-              <a:spcBef>
-                <a:spcPts val="0"/>
-              </a:spcBef>
-              <a:buSzPts val="3200"/>
-            </a:pPr>
-            <a:r>
-              <a:rPr lang="en-US" sz="1800" dirty="0">
-                <a:latin typeface="Times New Roman" panose="02020603050405020304" pitchFamily="18" charset="0"/>
-                <a:cs typeface="Times New Roman" panose="02020603050405020304" pitchFamily="18" charset="0"/>
-              </a:rPr>
-              <a:t>Research</a:t>
-            </a:r>
-          </a:p>
-          <a:p>
-            <a:pPr marL="1117600" lvl="1" indent="-457200">
-              <a:spcBef>
-                <a:spcPts val="0"/>
-              </a:spcBef>
-              <a:buSzPts val="3200"/>
-            </a:pPr>
-            <a:r>
-              <a:rPr lang="en-US" sz="1800" dirty="0">
-                <a:latin typeface="Times New Roman" panose="02020603050405020304" pitchFamily="18" charset="0"/>
-                <a:cs typeface="Times New Roman" panose="02020603050405020304" pitchFamily="18" charset="0"/>
-              </a:rPr>
-              <a:t>Documentation</a:t>
-            </a:r>
-          </a:p>
-          <a:p>
-            <a:pPr marL="660400" indent="-457200">
-              <a:spcBef>
-                <a:spcPts val="0"/>
-              </a:spcBef>
-              <a:buSzPts val="3200"/>
-            </a:pPr>
-            <a:r>
-              <a:rPr lang="en-US" sz="1800" b="1" dirty="0">
-                <a:latin typeface="Times New Roman" panose="02020603050405020304" pitchFamily="18" charset="0"/>
-                <a:cs typeface="Times New Roman" panose="02020603050405020304" pitchFamily="18" charset="0"/>
-              </a:rPr>
-              <a:t>Huzaifa Khan (35726)</a:t>
-            </a:r>
-          </a:p>
-          <a:p>
-            <a:pPr marL="1117600" lvl="1" indent="-457200">
-              <a:spcBef>
-                <a:spcPts val="0"/>
-              </a:spcBef>
-              <a:buSzPts val="3200"/>
-            </a:pPr>
-            <a:r>
-              <a:rPr lang="en-US" sz="1800" dirty="0">
-                <a:latin typeface="Times New Roman" panose="02020603050405020304" pitchFamily="18" charset="0"/>
-                <a:cs typeface="Times New Roman" panose="02020603050405020304" pitchFamily="18" charset="0"/>
-              </a:rPr>
-              <a:t>Documentation</a:t>
-            </a:r>
-          </a:p>
-          <a:p>
-            <a:pPr marL="1117600" lvl="1" indent="-457200">
-              <a:spcBef>
-                <a:spcPts val="0"/>
-              </a:spcBef>
-              <a:buSzPts val="3200"/>
-            </a:pPr>
-            <a:r>
-              <a:rPr lang="en-US" sz="1800" dirty="0">
-                <a:latin typeface="Times New Roman" panose="02020603050405020304" pitchFamily="18" charset="0"/>
-                <a:cs typeface="Times New Roman" panose="02020603050405020304" pitchFamily="18" charset="0"/>
-              </a:rPr>
-              <a:t>Gap Analysis</a:t>
-            </a:r>
-          </a:p>
-          <a:p>
-            <a:pPr marL="1117600" lvl="1" indent="-457200">
-              <a:spcBef>
-                <a:spcPts val="0"/>
-              </a:spcBef>
-              <a:buSzPts val="3200"/>
-            </a:pPr>
-            <a:r>
-              <a:rPr lang="en-US" sz="1800" dirty="0">
-                <a:latin typeface="Times New Roman" panose="02020603050405020304" pitchFamily="18" charset="0"/>
-                <a:cs typeface="Times New Roman" panose="02020603050405020304" pitchFamily="18" charset="0"/>
-              </a:rPr>
-              <a:t>Literature Review</a:t>
-            </a:r>
-          </a:p>
-          <a:p>
-            <a:pPr marL="1117600" lvl="1" indent="-457200">
-              <a:spcBef>
-                <a:spcPts val="0"/>
-              </a:spcBef>
-              <a:buSzPts val="3200"/>
-            </a:pPr>
-            <a:r>
-              <a:rPr lang="en-US" sz="1800" dirty="0" err="1">
-                <a:latin typeface="Times New Roman" panose="02020603050405020304" pitchFamily="18" charset="0"/>
-                <a:cs typeface="Times New Roman" panose="02020603050405020304" pitchFamily="18" charset="0"/>
-              </a:rPr>
-              <a:t>Ui</a:t>
-            </a:r>
-            <a:r>
-              <a:rPr lang="en-US" sz="1800" dirty="0">
-                <a:latin typeface="Times New Roman" panose="02020603050405020304" pitchFamily="18" charset="0"/>
-                <a:cs typeface="Times New Roman" panose="02020603050405020304" pitchFamily="18" charset="0"/>
-              </a:rPr>
-              <a:t>/</a:t>
-            </a:r>
-            <a:r>
-              <a:rPr lang="en-US" sz="1800" dirty="0" err="1">
-                <a:latin typeface="Times New Roman" panose="02020603050405020304" pitchFamily="18" charset="0"/>
-                <a:cs typeface="Times New Roman" panose="02020603050405020304" pitchFamily="18" charset="0"/>
-              </a:rPr>
-              <a:t>Ux</a:t>
-            </a:r>
-            <a:r>
-              <a:rPr lang="en-US" sz="1800" dirty="0">
-                <a:latin typeface="Times New Roman" panose="02020603050405020304" pitchFamily="18" charset="0"/>
-                <a:cs typeface="Times New Roman" panose="02020603050405020304" pitchFamily="18" charset="0"/>
-              </a:rPr>
-              <a:t> Design</a:t>
-            </a:r>
-          </a:p>
-          <a:p>
-            <a:pPr marL="1117600" lvl="1" indent="-457200">
-              <a:spcBef>
-                <a:spcPts val="0"/>
-              </a:spcBef>
-              <a:buSzPts val="3200"/>
-            </a:pPr>
-            <a:endParaRPr lang="en-US" sz="1800" dirty="0">
-              <a:latin typeface="Times New Roman" panose="02020603050405020304" pitchFamily="18" charset="0"/>
-              <a:cs typeface="Times New Roman" panose="02020603050405020304" pitchFamily="18" charset="0"/>
-            </a:endParaRPr>
-          </a:p>
-          <a:p>
-            <a:pPr marL="0" lvl="0" indent="0" algn="l" rtl="0">
-              <a:spcBef>
-                <a:spcPts val="640"/>
-              </a:spcBef>
-              <a:spcAft>
-                <a:spcPts val="0"/>
-              </a:spcAft>
-              <a:buClr>
-                <a:schemeClr val="dk1"/>
-              </a:buClr>
-              <a:buSzPts val="3200"/>
-              <a:buNone/>
-            </a:pPr>
-            <a:endParaRPr dirty="0"/>
-          </a:p>
-        </p:txBody>
-      </p:sp>
-    </p:spTree>
-  </p:cSld>
-  <p:clrMapOvr>
-    <a:masterClrMapping/>
-  </p:clrMapOvr>
-</p:sld>
-</file>
-
-<file path=ppt/slides/slide4.xml><?xml version="1.0" encoding="utf-8"?>
-<p:sld xmlns:a="http://schemas.openxmlformats.org/drawingml/2006/main" xmlns:r="http://schemas.openxmlformats.org/officeDocument/2006/relationships" xmlns:p="http://schemas.openxmlformats.org/presentationml/2006/main">
-  <p:cSld>
-    <p:spTree>
-      <p:nvGrpSpPr>
-        <p:cNvPr id="1" name="Shape 102"/>
-        <p:cNvGrpSpPr/>
-        <p:nvPr/>
-      </p:nvGrpSpPr>
-      <p:grpSpPr>
-        <a:xfrm>
-          <a:off x="0" y="0"/>
-          <a:ext cx="0" cy="0"/>
-          <a:chOff x="0" y="0"/>
-          <a:chExt cx="0" cy="0"/>
-        </a:xfrm>
-      </p:grpSpPr>
-      <p:sp>
-        <p:nvSpPr>
-          <p:cNvPr id="103" name="Google Shape;103;p4"/>
-          <p:cNvSpPr txBox="1">
-            <a:spLocks noGrp="1"/>
-          </p:cNvSpPr>
-          <p:nvPr>
-            <p:ph type="title"/>
-          </p:nvPr>
-        </p:nvSpPr>
-        <p:spPr>
-          <a:xfrm>
-            <a:off x="722313" y="4406900"/>
-            <a:ext cx="7772400" cy="1362075"/>
-          </a:xfrm>
-          <a:prstGeom prst="rect">
-            <a:avLst/>
-          </a:prstGeom>
-          <a:noFill/>
-          <a:ln>
-            <a:noFill/>
-          </a:ln>
-        </p:spPr>
-        <p:txBody>
-          <a:bodyPr spcFirstLastPara="1" wrap="square" lIns="91425" tIns="45700" rIns="91425" bIns="45700" anchor="t" anchorCtr="0">
-            <a:normAutofit/>
-          </a:bodyPr>
-          <a:lstStyle/>
-          <a:p>
-            <a:pPr marL="0" lvl="0" indent="0" algn="l" rtl="0">
-              <a:spcBef>
-                <a:spcPts val="0"/>
-              </a:spcBef>
-              <a:spcAft>
-                <a:spcPts val="0"/>
-              </a:spcAft>
-              <a:buNone/>
-            </a:pPr>
-            <a:r>
-              <a:rPr lang="en-US"/>
-              <a:t>BACKGROUND AND INTRODUCTION</a:t>
-            </a:r>
-            <a:endParaRPr/>
-          </a:p>
-        </p:txBody>
-      </p:sp>
-    </p:spTree>
-  </p:cSld>
-  <p:clrMapOvr>
-    <a:masterClrMapping/>
-  </p:clrMapOvr>
-</p:sld>
-</file>
-
-<file path=ppt/slides/slide40.xml><?xml version="1.0" encoding="utf-8"?>
-<p:sld xmlns:a="http://schemas.openxmlformats.org/drawingml/2006/main" xmlns:r="http://schemas.openxmlformats.org/officeDocument/2006/relationships" xmlns:p="http://schemas.openxmlformats.org/presentationml/2006/main">
-  <p:cSld>
-    <p:spTree>
-      <p:nvGrpSpPr>
-        <p:cNvPr id="1" name=""/>
-        <p:cNvGrpSpPr/>
-        <p:nvPr/>
-      </p:nvGrpSpPr>
-      <p:grpSpPr>
-        <a:xfrm>
-          <a:off x="0" y="0"/>
-          <a:ext cx="0" cy="0"/>
-          <a:chOff x="0" y="0"/>
-          <a:chExt cx="0" cy="0"/>
-        </a:xfrm>
-      </p:grpSpPr>
-      <p:sp>
-        <p:nvSpPr>
-          <p:cNvPr id="2" name="Title 1"/>
-          <p:cNvSpPr>
-            <a:spLocks noGrp="1"/>
-          </p:cNvSpPr>
-          <p:nvPr>
-            <p:ph type="title"/>
-          </p:nvPr>
-        </p:nvSpPr>
-        <p:spPr/>
-        <p:txBody>
-          <a:bodyPr/>
-          <a:lstStyle/>
-          <a:p>
-            <a:r>
-              <a:rPr lang="en-US" dirty="0">
-                <a:latin typeface="Times New Roman" panose="02020603050405020304" pitchFamily="18" charset="0"/>
-                <a:cs typeface="Times New Roman" panose="02020603050405020304" pitchFamily="18" charset="0"/>
-              </a:rPr>
-              <a:t>Endeavour[2/2]</a:t>
-            </a:r>
-            <a:endParaRPr lang="en-GB" dirty="0"/>
-          </a:p>
-        </p:txBody>
-      </p:sp>
-      <p:sp>
-        <p:nvSpPr>
-          <p:cNvPr id="3" name="Text Placeholder 2"/>
-          <p:cNvSpPr>
-            <a:spLocks noGrp="1"/>
-          </p:cNvSpPr>
-          <p:nvPr>
-            <p:ph type="body" idx="1"/>
-          </p:nvPr>
-        </p:nvSpPr>
-        <p:spPr/>
-        <p:txBody>
-          <a:bodyPr/>
-          <a:lstStyle/>
-          <a:p>
-            <a:pPr marL="114300" indent="0">
-              <a:buNone/>
-            </a:pPr>
-            <a:r>
-              <a:rPr lang="en-US" b="1" dirty="0">
-                <a:sym typeface="+mn-ea"/>
-              </a:rPr>
-              <a:t>Describe your way of working as a team</a:t>
-            </a:r>
-          </a:p>
-          <a:p>
-            <a:r>
-              <a:rPr lang="en-US" sz="2200" b="1" dirty="0">
-                <a:latin typeface="Times New Roman" panose="02020603050405020304" pitchFamily="18" charset="0"/>
-                <a:cs typeface="Times New Roman" panose="02020603050405020304" pitchFamily="18" charset="0"/>
-              </a:rPr>
-              <a:t>Clear Role Assignments: </a:t>
-            </a:r>
-            <a:r>
-              <a:rPr lang="en-US" sz="2200" dirty="0">
-                <a:latin typeface="Times New Roman" panose="02020603050405020304" pitchFamily="18" charset="0"/>
-                <a:cs typeface="Times New Roman" panose="02020603050405020304" pitchFamily="18" charset="0"/>
-              </a:rPr>
-              <a:t>Tasks are assigned based By </a:t>
-            </a:r>
-            <a:r>
-              <a:rPr lang="en-US" sz="2200" b="1" dirty="0">
-                <a:latin typeface="Times New Roman" panose="02020603050405020304" pitchFamily="18" charset="0"/>
-                <a:cs typeface="Times New Roman" panose="02020603050405020304" pitchFamily="18" charset="0"/>
-              </a:rPr>
-              <a:t>Team Leader</a:t>
-            </a:r>
-            <a:r>
-              <a:rPr lang="en-US" sz="2200" dirty="0">
-                <a:latin typeface="Times New Roman" panose="02020603050405020304" pitchFamily="18" charset="0"/>
-                <a:cs typeface="Times New Roman" panose="02020603050405020304" pitchFamily="18" charset="0"/>
-              </a:rPr>
-              <a:t>.</a:t>
-            </a:r>
-            <a:r>
-              <a:rPr lang="en-US" sz="1800" dirty="0">
-                <a:latin typeface="Times New Roman" panose="02020603050405020304" pitchFamily="18" charset="0"/>
-                <a:cs typeface="Times New Roman" panose="02020603050405020304" pitchFamily="18" charset="0"/>
-              </a:rPr>
-              <a:t>						</a:t>
-            </a:r>
-          </a:p>
-          <a:p>
-            <a:r>
-              <a:rPr lang="en-US" sz="2200" b="1" dirty="0">
-                <a:latin typeface="Times New Roman" panose="02020603050405020304" pitchFamily="18" charset="0"/>
-                <a:cs typeface="Times New Roman" panose="02020603050405020304" pitchFamily="18" charset="0"/>
-              </a:rPr>
-              <a:t>Communication:</a:t>
-            </a:r>
-            <a:endParaRPr lang="en-US" sz="2200" dirty="0">
-              <a:latin typeface="Times New Roman" panose="02020603050405020304" pitchFamily="18" charset="0"/>
-              <a:cs typeface="Times New Roman" panose="02020603050405020304" pitchFamily="18" charset="0"/>
-            </a:endParaRPr>
-          </a:p>
-          <a:p>
-            <a:pPr lvl="1"/>
-            <a:r>
-              <a:rPr lang="en-US" sz="2200" dirty="0">
-                <a:latin typeface="Times New Roman" panose="02020603050405020304" pitchFamily="18" charset="0"/>
-                <a:cs typeface="Times New Roman" panose="02020603050405020304" pitchFamily="18" charset="0"/>
-              </a:rPr>
-              <a:t>Held regular meetings to review progress, address challenges, and plan next steps.</a:t>
-            </a:r>
-          </a:p>
-          <a:p>
-            <a:pPr lvl="1"/>
-            <a:r>
-              <a:rPr lang="en-US" sz="2200" dirty="0">
-                <a:latin typeface="Times New Roman" panose="02020603050405020304" pitchFamily="18" charset="0"/>
-                <a:cs typeface="Times New Roman" panose="02020603050405020304" pitchFamily="18" charset="0"/>
-              </a:rPr>
-              <a:t>Leveraged tools like </a:t>
-            </a:r>
-            <a:r>
-              <a:rPr lang="en-US" sz="2200" b="1" dirty="0">
-                <a:latin typeface="Times New Roman" panose="02020603050405020304" pitchFamily="18" charset="0"/>
-                <a:cs typeface="Times New Roman" panose="02020603050405020304" pitchFamily="18" charset="0"/>
-              </a:rPr>
-              <a:t>GitHub for version control </a:t>
-            </a:r>
-            <a:r>
-              <a:rPr lang="en-US" sz="2200" dirty="0">
-                <a:latin typeface="Times New Roman" panose="02020603050405020304" pitchFamily="18" charset="0"/>
-                <a:cs typeface="Times New Roman" panose="02020603050405020304" pitchFamily="18" charset="0"/>
-              </a:rPr>
-              <a:t>and collaborative development</a:t>
-            </a:r>
-            <a:r>
-              <a:rPr lang="en-US" sz="1600" dirty="0"/>
-              <a:t>.</a:t>
-            </a:r>
-          </a:p>
-          <a:p>
-            <a:pPr>
-              <a:buFont typeface="Arial" panose="020B0604020202020204" pitchFamily="34" charset="0"/>
-              <a:buChar char="•"/>
-            </a:pPr>
-            <a:r>
-              <a:rPr lang="en-US" sz="2000" b="1" dirty="0">
-                <a:latin typeface="Times New Roman" panose="02020603050405020304" pitchFamily="18" charset="0"/>
-                <a:cs typeface="Times New Roman" panose="02020603050405020304" pitchFamily="18" charset="0"/>
-              </a:rPr>
-              <a:t>Efficiency Focus:</a:t>
-            </a:r>
-            <a:r>
-              <a:rPr lang="en-US" sz="2000" dirty="0">
-                <a:latin typeface="Times New Roman" panose="02020603050405020304" pitchFamily="18" charset="0"/>
-                <a:cs typeface="Times New Roman" panose="02020603050405020304" pitchFamily="18" charset="0"/>
-              </a:rPr>
-              <a:t> Optimizing processes for real-time results and smooth </a:t>
-            </a:r>
-            <a:r>
-              <a:rPr lang="en-US" sz="2200" dirty="0">
-                <a:latin typeface="Times New Roman" panose="02020603050405020304" pitchFamily="18" charset="0"/>
-                <a:cs typeface="Times New Roman" panose="02020603050405020304" pitchFamily="18" charset="0"/>
-              </a:rPr>
-              <a:t>integration</a:t>
-            </a:r>
-            <a:r>
-              <a:rPr lang="en-US" sz="2000" dirty="0">
-                <a:latin typeface="Times New Roman" panose="02020603050405020304" pitchFamily="18" charset="0"/>
-                <a:cs typeface="Times New Roman" panose="02020603050405020304" pitchFamily="18" charset="0"/>
-              </a:rPr>
-              <a:t>.</a:t>
-            </a:r>
-          </a:p>
-        </p:txBody>
-      </p:sp>
-    </p:spTree>
-    <p:extLst>
-      <p:ext uri="{BB962C8B-B14F-4D97-AF65-F5344CB8AC3E}">
-        <p14:creationId xmlns:p14="http://schemas.microsoft.com/office/powerpoint/2010/main" val="3692856438"/>
-      </p:ext>
-    </p:extLst>
-  </p:cSld>
-  <p:clrMapOvr>
-    <a:masterClrMapping/>
-  </p:clrMapOvr>
-</p:sld>
-</file>
-
-<file path=ppt/slides/slide41.xml><?xml version="1.0" encoding="utf-8"?>
+<file path=ppt/slides/slide15.xml><?xml version="1.0" encoding="utf-8"?>
 <p:sld xmlns:a="http://schemas.openxmlformats.org/drawingml/2006/main" xmlns:r="http://schemas.openxmlformats.org/officeDocument/2006/relationships" xmlns:p="http://schemas.openxmlformats.org/presentationml/2006/main">
   <p:cSld>
     <p:spTree>
@@ -20911,12 +13519,12 @@
 </p:sld>
 </file>
 
-<file path=ppt/slides/slide5.xml><?xml version="1.0" encoding="utf-8"?>
+<file path=ppt/slides/slide2.xml><?xml version="1.0" encoding="utf-8"?>
 <p:sld xmlns:a="http://schemas.openxmlformats.org/drawingml/2006/main" xmlns:r="http://schemas.openxmlformats.org/officeDocument/2006/relationships" xmlns:p="http://schemas.openxmlformats.org/presentationml/2006/main">
   <p:cSld>
     <p:spTree>
       <p:nvGrpSpPr>
-        <p:cNvPr id="1" name="Shape 108"/>
+        <p:cNvPr id="1" name="Shape 90"/>
         <p:cNvGrpSpPr/>
         <p:nvPr/>
       </p:nvGrpSpPr>
@@ -20930,7 +13538,7 @@
       </p:grpSpPr>
       <p:sp>
         <p:nvSpPr>
-          <p:cNvPr id="109" name="Google Shape;109;p5"/>
+          <p:cNvPr id="91" name="Google Shape;91;p2"/>
           <p:cNvSpPr txBox="1">
             <a:spLocks noGrp="1"/>
           </p:cNvSpPr>
@@ -20971,7 +13579,7 @@
                 <a:latin typeface="Times New Roman" panose="02020603050405020304" pitchFamily="18" charset="0"/>
                 <a:cs typeface="Times New Roman" panose="02020603050405020304" pitchFamily="18" charset="0"/>
               </a:rPr>
-              <a:t>Background and Introduction[1/2]</a:t>
+              <a:t>Project Team</a:t>
             </a:r>
             <a:endParaRPr sz="3200" dirty="0">
               <a:latin typeface="Times New Roman" panose="02020603050405020304" pitchFamily="18" charset="0"/>
@@ -20982,7 +13590,7 @@
       </p:sp>
       <p:sp>
         <p:nvSpPr>
-          <p:cNvPr id="110" name="Google Shape;110;p5"/>
+          <p:cNvPr id="92" name="Google Shape;92;p2"/>
           <p:cNvSpPr txBox="1">
             <a:spLocks noGrp="1"/>
           </p:cNvSpPr>
@@ -21009,104 +13617,53 @@
           </a:bodyPr>
           <a:lstStyle/>
           <a:p>
-            <a:pPr marL="546100" algn="just">
-              <a:lnSpc>
-                <a:spcPct val="150000"/>
-              </a:lnSpc>
+            <a:pPr marL="342900" lvl="0">
               <a:spcBef>
                 <a:spcPts val="0"/>
               </a:spcBef>
               <a:buSzPts val="3200"/>
-              <a:buFont typeface="Wingdings" panose="05000000000000000000" pitchFamily="2" charset="2"/>
-              <a:buChar char="§"/>
             </a:pPr>
             <a:r>
-              <a:rPr lang="en-US" sz="2500" dirty="0">
+              <a:rPr lang="en-US" sz="2800" dirty="0">
                 <a:latin typeface="Times New Roman" panose="02020603050405020304" pitchFamily="18" charset="0"/>
                 <a:cs typeface="Times New Roman" panose="02020603050405020304" pitchFamily="18" charset="0"/>
               </a:rPr>
-              <a:t>What Is Fitness?</a:t>
+              <a:t>Obaid-Ullah(35739)</a:t>
             </a:r>
           </a:p>
           <a:p>
-            <a:pPr marL="1003300" lvl="1" algn="just">
-              <a:spcBef>
-                <a:spcPts val="0"/>
+            <a:pPr marL="342900" lvl="0">
+              <a:spcBef>
+                <a:spcPts val="640"/>
               </a:spcBef>
               <a:buSzPts val="3200"/>
-              <a:buFont typeface="Arial" panose="020B0604020202020204" pitchFamily="34" charset="0"/>
-              <a:buChar char="•"/>
             </a:pPr>
             <a:r>
-              <a:rPr lang="en-US" sz="2000" dirty="0">
+              <a:rPr lang="en-US" sz="2800" dirty="0">
                 <a:latin typeface="Times New Roman" panose="02020603050405020304" pitchFamily="18" charset="0"/>
-                <a:ea typeface="Calibri" panose="020F0502020204030204" pitchFamily="34" charset="0"/>
                 <a:cs typeface="Times New Roman" panose="02020603050405020304" pitchFamily="18" charset="0"/>
               </a:rPr>
-              <a:t>Fitness is a state of health and well-being that allows a person to perform daily activities with vigor, alertness, and minimal fatigue.[1]</a:t>
+              <a:t>Zain </a:t>
+            </a:r>
+            <a:r>
+              <a:rPr lang="en-US" sz="2800" dirty="0" err="1">
+                <a:latin typeface="Times New Roman" panose="02020603050405020304" pitchFamily="18" charset="0"/>
+                <a:cs typeface="Times New Roman" panose="02020603050405020304" pitchFamily="18" charset="0"/>
+              </a:rPr>
+              <a:t>Ul</a:t>
+            </a:r>
+            <a:r>
+              <a:rPr lang="en-US" sz="2800" dirty="0">
+                <a:latin typeface="Times New Roman" panose="02020603050405020304" pitchFamily="18" charset="0"/>
+                <a:cs typeface="Times New Roman" panose="02020603050405020304" pitchFamily="18" charset="0"/>
+              </a:rPr>
+              <a:t> Abideen (35515)</a:t>
             </a:r>
           </a:p>
           <a:p>
-            <a:pPr marL="546100" algn="just">
-              <a:lnSpc>
-                <a:spcPct val="150000"/>
-              </a:lnSpc>
-              <a:spcBef>
-                <a:spcPts val="0"/>
-              </a:spcBef>
-              <a:buSzPts val="3200"/>
-              <a:buFont typeface="Wingdings" panose="05000000000000000000" pitchFamily="2" charset="2"/>
-              <a:buChar char="§"/>
-            </a:pPr>
-            <a:r>
-              <a:rPr lang="en-US" sz="2500" dirty="0">
-                <a:latin typeface="Times New Roman" panose="02020603050405020304" pitchFamily="18" charset="0"/>
-                <a:ea typeface="Calibri" panose="020F0502020204030204" pitchFamily="34" charset="0"/>
-                <a:cs typeface="Times New Roman" panose="02020603050405020304" pitchFamily="18" charset="0"/>
-              </a:rPr>
-              <a:t>What is Diet?</a:t>
-            </a:r>
-          </a:p>
-          <a:p>
-            <a:pPr marL="1003300" lvl="1" algn="just">
-              <a:spcBef>
-                <a:spcPts val="0"/>
-              </a:spcBef>
-              <a:buSzPts val="3200"/>
-              <a:buFont typeface="Arial" panose="020B0604020202020204" pitchFamily="34" charset="0"/>
-              <a:buChar char="•"/>
-            </a:pPr>
-            <a:r>
-              <a:rPr lang="en-GB" sz="2000" dirty="0">
-                <a:latin typeface="Times New Roman" panose="02020603050405020304" pitchFamily="18" charset="0"/>
-                <a:cs typeface="Times New Roman" panose="02020603050405020304" pitchFamily="18" charset="0"/>
-              </a:rPr>
-              <a:t>A </a:t>
-            </a:r>
-            <a:r>
-              <a:rPr lang="en-GB" sz="2000" b="1" dirty="0">
-                <a:latin typeface="Times New Roman" panose="02020603050405020304" pitchFamily="18" charset="0"/>
-                <a:cs typeface="Times New Roman" panose="02020603050405020304" pitchFamily="18" charset="0"/>
-              </a:rPr>
-              <a:t>diet</a:t>
-            </a:r>
-            <a:r>
-              <a:rPr lang="en-GB" sz="2000" dirty="0">
-                <a:latin typeface="Times New Roman" panose="02020603050405020304" pitchFamily="18" charset="0"/>
-                <a:cs typeface="Times New Roman" panose="02020603050405020304" pitchFamily="18" charset="0"/>
-              </a:rPr>
-              <a:t> is a specific selection of food and drink designed to meet health or fitness goals. It is often short-term and tailored to address immediate needs like weight loss or muscle gain.[1]</a:t>
-            </a:r>
-            <a:endParaRPr lang="en-US" sz="2000" dirty="0">
-              <a:latin typeface="Times New Roman" panose="02020603050405020304" pitchFamily="18" charset="0"/>
-              <a:ea typeface="Calibri" panose="020F0502020204030204" pitchFamily="34" charset="0"/>
-              <a:cs typeface="Times New Roman" panose="02020603050405020304" pitchFamily="18" charset="0"/>
-            </a:endParaRPr>
-          </a:p>
-          <a:p>
             <a:pPr marL="342900" lvl="0" indent="-139700" algn="l" rtl="0">
               <a:spcBef>
-                <a:spcPts val="0"/>
+                <a:spcPts val="640"/>
               </a:spcBef>
               <a:spcAft>
                 <a:spcPts val="0"/>
@@ -21118,73 +13675,6 @@
               <a:buNone/>
             </a:pPr>
             <a:endParaRPr dirty="0"/>
-          </a:p>
-        </p:txBody>
-      </p:sp>
-      <p:sp>
-        <p:nvSpPr>
-          <p:cNvPr id="2" name="Rectangle 1"/>
-          <p:cNvSpPr/>
-          <p:nvPr/>
-        </p:nvSpPr>
-        <p:spPr>
-          <a:xfrm>
-            <a:off x="1923973" y="6154836"/>
-            <a:ext cx="3948517" cy="307777"/>
-          </a:xfrm>
-          <a:prstGeom prst="rect">
-            <a:avLst/>
-          </a:prstGeom>
-        </p:spPr>
-        <p:txBody>
-          <a:bodyPr wrap="none">
-            <a:spAutoFit/>
-          </a:bodyPr>
-          <a:lstStyle/>
-          <a:p>
-            <a:r>
-              <a:rPr lang="en-US" dirty="0">
-                <a:solidFill>
-                  <a:schemeClr val="bg1"/>
-                </a:solidFill>
-              </a:rPr>
-              <a:t>[1] </a:t>
-            </a:r>
-            <a:r>
-              <a:rPr lang="en-US" dirty="0">
-                <a:solidFill>
-                  <a:schemeClr val="bg1"/>
-                </a:solidFill>
-                <a:hlinkClick r:id="rId3">
-                  <a:extLst>
-                    <a:ext uri="{A12FA001-AC4F-418D-AE19-62706E023703}">
-                      <ahyp:hlinkClr xmlns:ahyp="http://schemas.microsoft.com/office/drawing/2018/hyperlinkcolor" val="tx"/>
-                    </a:ext>
-                  </a:extLst>
-                </a:hlinkClick>
-              </a:rPr>
-              <a:t>https://</a:t>
-            </a:r>
-            <a:r>
-              <a:rPr lang="en-US" dirty="0">
-                <a:solidFill>
-                  <a:srgbClr val="0070C0"/>
-                </a:solidFill>
-                <a:hlinkClick r:id="rId3">
-                  <a:extLst>
-                    <a:ext uri="{A12FA001-AC4F-418D-AE19-62706E023703}">
-                      <ahyp:hlinkClr xmlns:ahyp="http://schemas.microsoft.com/office/drawing/2018/hyperlinkcolor" val="tx"/>
-                    </a:ext>
-                  </a:extLst>
-                </a:hlinkClick>
-              </a:rPr>
-              <a:t>en.wikipedia.org/wiki/Physical_fitness</a:t>
-            </a:r>
-            <a:endParaRPr lang="en-US" dirty="0">
-              <a:solidFill>
-                <a:srgbClr val="0070C0"/>
-              </a:solidFill>
-            </a:endParaRPr>
           </a:p>
         </p:txBody>
       </p:sp>
@@ -21196,7 +13686,78 @@
 </p:sld>
 </file>
 
-<file path=ppt/slides/slide6.xml><?xml version="1.0" encoding="utf-8"?>
+<file path=ppt/slides/slide3.xml><?xml version="1.0" encoding="utf-8"?>
+<p:sld xmlns:a="http://schemas.openxmlformats.org/drawingml/2006/main" xmlns:r="http://schemas.openxmlformats.org/officeDocument/2006/relationships" xmlns:p="http://schemas.openxmlformats.org/presentationml/2006/main">
+  <p:cSld>
+    <p:spTree>
+      <p:nvGrpSpPr>
+        <p:cNvPr id="1" name="Shape 102"/>
+        <p:cNvGrpSpPr/>
+        <p:nvPr/>
+      </p:nvGrpSpPr>
+      <p:grpSpPr>
+        <a:xfrm>
+          <a:off x="0" y="0"/>
+          <a:ext cx="0" cy="0"/>
+          <a:chOff x="0" y="0"/>
+          <a:chExt cx="0" cy="0"/>
+        </a:xfrm>
+      </p:grpSpPr>
+      <p:sp>
+        <p:nvSpPr>
+          <p:cNvPr id="103" name="Google Shape;103;p4"/>
+          <p:cNvSpPr txBox="1">
+            <a:spLocks noGrp="1"/>
+          </p:cNvSpPr>
+          <p:nvPr>
+            <p:ph type="title"/>
+          </p:nvPr>
+        </p:nvSpPr>
+        <p:spPr>
+          <a:xfrm>
+            <a:off x="722313" y="4406900"/>
+            <a:ext cx="7772400" cy="1362075"/>
+          </a:xfrm>
+          <a:prstGeom prst="rect">
+            <a:avLst/>
+          </a:prstGeom>
+          <a:noFill/>
+          <a:ln>
+            <a:noFill/>
+          </a:ln>
+        </p:spPr>
+        <p:txBody>
+          <a:bodyPr spcFirstLastPara="1" wrap="square" lIns="91425" tIns="45700" rIns="91425" bIns="45700" anchor="t" anchorCtr="0">
+            <a:normAutofit/>
+          </a:bodyPr>
+          <a:lstStyle/>
+          <a:p>
+            <a:pPr marL="0" lvl="0" indent="0" algn="l" rtl="0">
+              <a:spcBef>
+                <a:spcPts val="0"/>
+              </a:spcBef>
+              <a:spcAft>
+                <a:spcPts val="0"/>
+              </a:spcAft>
+              <a:buNone/>
+            </a:pPr>
+            <a:r>
+              <a:rPr lang="en-US" dirty="0"/>
+              <a:t>INTRODUCTION</a:t>
+            </a:r>
+            <a:endParaRPr dirty="0"/>
+          </a:p>
+        </p:txBody>
+      </p:sp>
+    </p:spTree>
+  </p:cSld>
+  <p:clrMapOvr>
+    <a:masterClrMapping/>
+  </p:clrMapOvr>
+</p:sld>
+</file>
+
+<file path=ppt/slides/slide4.xml><?xml version="1.0" encoding="utf-8"?>
 <p:sld xmlns:a="http://schemas.openxmlformats.org/drawingml/2006/main" xmlns:r="http://schemas.openxmlformats.org/officeDocument/2006/relationships" xmlns:p="http://schemas.openxmlformats.org/presentationml/2006/main">
   <p:cSld>
     <p:spTree>
@@ -21233,7 +13794,7 @@
                 <a:latin typeface="Times New Roman" panose="02020603050405020304" pitchFamily="18" charset="0"/>
                 <a:cs typeface="Times New Roman" panose="02020603050405020304" pitchFamily="18" charset="0"/>
               </a:rPr>
-              <a:t>Background and Introduction[2/2]</a:t>
+              <a:t>Introduction</a:t>
             </a:r>
             <a:endParaRPr lang="en-GB" sz="3200" dirty="0">
               <a:latin typeface="Times New Roman" panose="02020603050405020304" pitchFamily="18" charset="0"/>
@@ -21290,7 +13851,7 @@
 </p:sld>
 </file>
 
-<file path=ppt/slides/slide7.xml><?xml version="1.0" encoding="utf-8"?>
+<file path=ppt/slides/slide5.xml><?xml version="1.0" encoding="utf-8"?>
 <p:sld xmlns:a="http://schemas.openxmlformats.org/drawingml/2006/main" xmlns:r="http://schemas.openxmlformats.org/officeDocument/2006/relationships" xmlns:p="http://schemas.openxmlformats.org/presentationml/2006/main">
   <p:cSld>
     <p:spTree>
@@ -21361,7 +13922,7 @@
 </p:sld>
 </file>
 
-<file path=ppt/slides/slide8.xml><?xml version="1.0" encoding="utf-8"?>
+<file path=ppt/slides/slide6.xml><?xml version="1.0" encoding="utf-8"?>
 <p:sld xmlns:a="http://schemas.openxmlformats.org/drawingml/2006/main" xmlns:r="http://schemas.openxmlformats.org/officeDocument/2006/relationships" xmlns:p="http://schemas.openxmlformats.org/presentationml/2006/main">
   <p:cSld>
     <p:spTree>
@@ -21421,7 +13982,7 @@
                 <a:latin typeface="Times New Roman" panose="02020603050405020304" pitchFamily="18" charset="0"/>
                 <a:cs typeface="Times New Roman" panose="02020603050405020304" pitchFamily="18" charset="0"/>
               </a:rPr>
-              <a:t>Literature Review [1/6]</a:t>
+              <a:t>Literature Review [1/4]</a:t>
             </a:r>
             <a:endParaRPr sz="3200" dirty="0">
               <a:latin typeface="Times New Roman" panose="02020603050405020304" pitchFamily="18" charset="0"/>
@@ -21664,6 +14225,543 @@
         </p:txBody>
       </p:sp>
     </p:spTree>
+  </p:cSld>
+  <p:clrMapOvr>
+    <a:masterClrMapping/>
+  </p:clrMapOvr>
+</p:sld>
+</file>
+
+<file path=ppt/slides/slide7.xml><?xml version="1.0" encoding="utf-8"?>
+<p:sld xmlns:a="http://schemas.openxmlformats.org/drawingml/2006/main" xmlns:r="http://schemas.openxmlformats.org/officeDocument/2006/relationships" xmlns:p="http://schemas.openxmlformats.org/presentationml/2006/main">
+  <p:cSld>
+    <p:spTree>
+      <p:nvGrpSpPr>
+        <p:cNvPr id="1" name=""/>
+        <p:cNvGrpSpPr/>
+        <p:nvPr/>
+      </p:nvGrpSpPr>
+      <p:grpSpPr>
+        <a:xfrm>
+          <a:off x="0" y="0"/>
+          <a:ext cx="0" cy="0"/>
+          <a:chOff x="0" y="0"/>
+          <a:chExt cx="0" cy="0"/>
+        </a:xfrm>
+      </p:grpSpPr>
+      <p:sp>
+        <p:nvSpPr>
+          <p:cNvPr id="2" name="Title 1"/>
+          <p:cNvSpPr>
+            <a:spLocks noGrp="1"/>
+          </p:cNvSpPr>
+          <p:nvPr>
+            <p:ph type="title"/>
+          </p:nvPr>
+        </p:nvSpPr>
+        <p:spPr/>
+        <p:txBody>
+          <a:bodyPr/>
+          <a:lstStyle/>
+          <a:p>
+            <a:r>
+              <a:rPr lang="en-US" sz="3200" dirty="0">
+                <a:latin typeface="Times New Roman" panose="02020603050405020304" pitchFamily="18" charset="0"/>
+                <a:cs typeface="Times New Roman" panose="02020603050405020304" pitchFamily="18" charset="0"/>
+              </a:rPr>
+              <a:t>Literature Review [2/4]</a:t>
+            </a:r>
+            <a:endParaRPr lang="en-GB" sz="3200" dirty="0">
+              <a:latin typeface="Times New Roman" panose="02020603050405020304" pitchFamily="18" charset="0"/>
+              <a:cs typeface="Times New Roman" panose="02020603050405020304" pitchFamily="18" charset="0"/>
+            </a:endParaRPr>
+          </a:p>
+        </p:txBody>
+      </p:sp>
+      <p:sp>
+        <p:nvSpPr>
+          <p:cNvPr id="3" name="Text Placeholder 2"/>
+          <p:cNvSpPr>
+            <a:spLocks noGrp="1"/>
+          </p:cNvSpPr>
+          <p:nvPr>
+            <p:ph type="body" idx="1"/>
+          </p:nvPr>
+        </p:nvSpPr>
+        <p:spPr/>
+        <p:txBody>
+          <a:bodyPr/>
+          <a:lstStyle/>
+          <a:p>
+            <a:pPr marL="660400" indent="-457200" algn="just">
+              <a:spcBef>
+                <a:spcPts val="0"/>
+              </a:spcBef>
+              <a:buSzPts val="3200"/>
+            </a:pPr>
+            <a:r>
+              <a:rPr lang="en-US" sz="2400" b="1" dirty="0">
+                <a:latin typeface="Times New Roman" panose="02020603050405020304" pitchFamily="18" charset="0"/>
+                <a:ea typeface="Calibri" panose="020F0502020204030204" pitchFamily="34" charset="0"/>
+                <a:cs typeface="Times New Roman" panose="02020603050405020304" pitchFamily="18" charset="0"/>
+              </a:rPr>
+              <a:t>Resting Energy Expenditure (REE) </a:t>
+            </a:r>
+            <a:r>
+              <a:rPr lang="en-US" sz="2400" dirty="0">
+                <a:latin typeface="Times New Roman" panose="02020603050405020304" pitchFamily="18" charset="0"/>
+                <a:ea typeface="Calibri" panose="020F0502020204030204" pitchFamily="34" charset="0"/>
+                <a:cs typeface="Times New Roman" panose="02020603050405020304" pitchFamily="18" charset="0"/>
+              </a:rPr>
+              <a:t>[1]</a:t>
+            </a:r>
+          </a:p>
+          <a:p>
+            <a:pPr marL="1117600" lvl="1" indent="-457200" algn="just">
+              <a:spcBef>
+                <a:spcPts val="0"/>
+              </a:spcBef>
+              <a:buSzPts val="3200"/>
+            </a:pPr>
+            <a:r>
+              <a:rPr lang="en-US" sz="2400" dirty="0">
+                <a:latin typeface="Times New Roman" panose="02020603050405020304" pitchFamily="18" charset="0"/>
+                <a:ea typeface="Calibri" panose="020F0502020204030204" pitchFamily="34" charset="0"/>
+                <a:cs typeface="Times New Roman" panose="02020603050405020304" pitchFamily="18" charset="0"/>
+              </a:rPr>
+              <a:t>It represents the energy required by the body to maintain essential physiological functions while at rest.</a:t>
+            </a:r>
+          </a:p>
+          <a:p>
+            <a:pPr marL="1117600" lvl="1" indent="-457200" algn="just">
+              <a:spcBef>
+                <a:spcPts val="0"/>
+              </a:spcBef>
+              <a:buSzPts val="3200"/>
+            </a:pPr>
+            <a:r>
+              <a:rPr lang="en-US" sz="2400" dirty="0">
+                <a:latin typeface="Times New Roman" panose="02020603050405020304" pitchFamily="18" charset="0"/>
+                <a:ea typeface="Calibri" panose="020F0502020204030204" pitchFamily="34" charset="0"/>
+                <a:cs typeface="Times New Roman" panose="02020603050405020304" pitchFamily="18" charset="0"/>
+              </a:rPr>
+              <a:t>These equations typically consider factors such as weight, height, age, and gender.</a:t>
+            </a:r>
+          </a:p>
+          <a:p>
+            <a:pPr marL="1117600" lvl="1" indent="-457200" algn="just">
+              <a:lnSpc>
+                <a:spcPct val="150000"/>
+              </a:lnSpc>
+              <a:spcBef>
+                <a:spcPts val="0"/>
+              </a:spcBef>
+              <a:buSzPts val="3200"/>
+            </a:pPr>
+            <a:r>
+              <a:rPr lang="en-US" sz="2400" dirty="0">
+                <a:latin typeface="Times New Roman" panose="02020603050405020304" pitchFamily="18" charset="0"/>
+                <a:ea typeface="Calibri" panose="020F0502020204030204" pitchFamily="34" charset="0"/>
+                <a:cs typeface="Times New Roman" panose="02020603050405020304" pitchFamily="18" charset="0"/>
+              </a:rPr>
+              <a:t>The Mifflin-St Jeor equation for males is: [1]</a:t>
+            </a:r>
+          </a:p>
+          <a:p>
+            <a:pPr marL="1117600" lvl="1" indent="-457200" algn="just">
+              <a:lnSpc>
+                <a:spcPct val="150000"/>
+              </a:lnSpc>
+              <a:spcBef>
+                <a:spcPts val="0"/>
+              </a:spcBef>
+              <a:buSzPts val="3200"/>
+            </a:pPr>
+            <a:r>
+              <a:rPr lang="en-US" sz="2400" b="1" i="1" dirty="0">
+                <a:latin typeface="Times New Roman" panose="02020603050405020304" pitchFamily="18" charset="0"/>
+                <a:ea typeface="Calibri" panose="020F0502020204030204" pitchFamily="34" charset="0"/>
+                <a:cs typeface="Times New Roman" panose="02020603050405020304" pitchFamily="18" charset="0"/>
+              </a:rPr>
+              <a:t>REE=10×weight kg +6.25×height cm −5×age y +5 </a:t>
+            </a:r>
+          </a:p>
+          <a:p>
+            <a:pPr marL="1117600" lvl="1" indent="-457200" algn="just">
+              <a:lnSpc>
+                <a:spcPct val="150000"/>
+              </a:lnSpc>
+              <a:spcBef>
+                <a:spcPts val="0"/>
+              </a:spcBef>
+              <a:buSzPts val="3200"/>
+            </a:pPr>
+            <a:r>
+              <a:rPr lang="en-US" sz="2400" dirty="0">
+                <a:latin typeface="Times New Roman" panose="02020603050405020304" pitchFamily="18" charset="0"/>
+                <a:ea typeface="Calibri" panose="020F0502020204030204" pitchFamily="34" charset="0"/>
+                <a:cs typeface="Times New Roman" panose="02020603050405020304" pitchFamily="18" charset="0"/>
+              </a:rPr>
+              <a:t>The Mifflin-St Jeor equation for females is: [1]</a:t>
+            </a:r>
+          </a:p>
+          <a:p>
+            <a:pPr marL="1117600" lvl="1" indent="-457200" algn="just">
+              <a:lnSpc>
+                <a:spcPct val="150000"/>
+              </a:lnSpc>
+              <a:spcBef>
+                <a:spcPts val="0"/>
+              </a:spcBef>
+              <a:buSzPts val="3200"/>
+            </a:pPr>
+            <a:r>
+              <a:rPr lang="en-US" sz="2400" b="1" i="1" dirty="0">
+                <a:latin typeface="Times New Roman" panose="02020603050405020304" pitchFamily="18" charset="0"/>
+                <a:ea typeface="Calibri" panose="020F0502020204030204" pitchFamily="34" charset="0"/>
+                <a:cs typeface="Times New Roman" panose="02020603050405020304" pitchFamily="18" charset="0"/>
+              </a:rPr>
+              <a:t>REE=10×weight kg +6.25×height cm −5×age y −161</a:t>
+            </a:r>
+          </a:p>
+        </p:txBody>
+      </p:sp>
+      <p:sp>
+        <p:nvSpPr>
+          <p:cNvPr id="4" name="Rectangle 3"/>
+          <p:cNvSpPr/>
+          <p:nvPr/>
+        </p:nvSpPr>
+        <p:spPr>
+          <a:xfrm>
+            <a:off x="2163686" y="6274720"/>
+            <a:ext cx="3637534" cy="307777"/>
+          </a:xfrm>
+          <a:prstGeom prst="rect">
+            <a:avLst/>
+          </a:prstGeom>
+        </p:spPr>
+        <p:txBody>
+          <a:bodyPr wrap="none">
+            <a:spAutoFit/>
+          </a:bodyPr>
+          <a:lstStyle/>
+          <a:p>
+            <a:r>
+              <a:rPr lang="en-US" dirty="0">
+                <a:solidFill>
+                  <a:schemeClr val="bg1"/>
+                </a:solidFill>
+                <a:latin typeface="Calibri" panose="020F0502020204030204" pitchFamily="34" charset="0"/>
+                <a:ea typeface="Calibri" panose="020F0502020204030204" pitchFamily="34" charset="0"/>
+                <a:cs typeface="Calibri" panose="020F0502020204030204" pitchFamily="34" charset="0"/>
+              </a:rPr>
+              <a:t>[1] </a:t>
+            </a:r>
+            <a:r>
+              <a:rPr lang="en-US" dirty="0">
+                <a:solidFill>
+                  <a:schemeClr val="bg1"/>
+                </a:solidFill>
+                <a:latin typeface="Calibri" panose="020F0502020204030204" pitchFamily="34" charset="0"/>
+                <a:ea typeface="Calibri" panose="020F0502020204030204" pitchFamily="34" charset="0"/>
+                <a:cs typeface="Calibri" panose="020F0502020204030204" pitchFamily="34" charset="0"/>
+                <a:hlinkClick r:id="rId2">
+                  <a:extLst>
+                    <a:ext uri="{A12FA001-AC4F-418D-AE19-62706E023703}">
+                      <ahyp:hlinkClr xmlns:ahyp="http://schemas.microsoft.com/office/drawing/2018/hyperlinkcolor" val="tx"/>
+                    </a:ext>
+                  </a:extLst>
+                </a:hlinkClick>
+              </a:rPr>
+              <a:t>https://pubmed.ncbi.nlm.nih.gov/2305711/</a:t>
+            </a:r>
+            <a:endParaRPr lang="en-US" dirty="0">
+              <a:solidFill>
+                <a:schemeClr val="bg1"/>
+              </a:solidFill>
+              <a:latin typeface="Calibri" panose="020F0502020204030204" pitchFamily="34" charset="0"/>
+              <a:ea typeface="Calibri" panose="020F0502020204030204" pitchFamily="34" charset="0"/>
+              <a:cs typeface="Calibri" panose="020F0502020204030204" pitchFamily="34" charset="0"/>
+            </a:endParaRPr>
+          </a:p>
+        </p:txBody>
+      </p:sp>
+    </p:spTree>
+    <p:extLst>
+      <p:ext uri="{BB962C8B-B14F-4D97-AF65-F5344CB8AC3E}">
+        <p14:creationId xmlns:p14="http://schemas.microsoft.com/office/powerpoint/2010/main" val="921003864"/>
+      </p:ext>
+    </p:extLst>
+  </p:cSld>
+  <p:clrMapOvr>
+    <a:masterClrMapping/>
+  </p:clrMapOvr>
+</p:sld>
+</file>
+
+<file path=ppt/slides/slide8.xml><?xml version="1.0" encoding="utf-8"?>
+<p:sld xmlns:a="http://schemas.openxmlformats.org/drawingml/2006/main" xmlns:r="http://schemas.openxmlformats.org/officeDocument/2006/relationships" xmlns:p="http://schemas.openxmlformats.org/presentationml/2006/main">
+  <p:cSld>
+    <p:spTree>
+      <p:nvGrpSpPr>
+        <p:cNvPr id="1" name=""/>
+        <p:cNvGrpSpPr/>
+        <p:nvPr/>
+      </p:nvGrpSpPr>
+      <p:grpSpPr>
+        <a:xfrm>
+          <a:off x="0" y="0"/>
+          <a:ext cx="0" cy="0"/>
+          <a:chOff x="0" y="0"/>
+          <a:chExt cx="0" cy="0"/>
+        </a:xfrm>
+      </p:grpSpPr>
+      <p:sp>
+        <p:nvSpPr>
+          <p:cNvPr id="2" name="Title 1"/>
+          <p:cNvSpPr>
+            <a:spLocks noGrp="1"/>
+          </p:cNvSpPr>
+          <p:nvPr>
+            <p:ph type="title"/>
+          </p:nvPr>
+        </p:nvSpPr>
+        <p:spPr/>
+        <p:txBody>
+          <a:bodyPr/>
+          <a:lstStyle/>
+          <a:p>
+            <a:r>
+              <a:rPr lang="en-US" sz="3200" dirty="0">
+                <a:latin typeface="Times New Roman" panose="02020603050405020304" pitchFamily="18" charset="0"/>
+                <a:cs typeface="Times New Roman" panose="02020603050405020304" pitchFamily="18" charset="0"/>
+              </a:rPr>
+              <a:t>Literature Review [3/4]</a:t>
+            </a:r>
+            <a:endParaRPr lang="en-GB" sz="3200" dirty="0"/>
+          </a:p>
+        </p:txBody>
+      </p:sp>
+      <p:sp>
+        <p:nvSpPr>
+          <p:cNvPr id="3" name="Text Placeholder 2"/>
+          <p:cNvSpPr>
+            <a:spLocks noGrp="1"/>
+          </p:cNvSpPr>
+          <p:nvPr>
+            <p:ph type="body" idx="1"/>
+          </p:nvPr>
+        </p:nvSpPr>
+        <p:spPr/>
+        <p:txBody>
+          <a:bodyPr/>
+          <a:lstStyle/>
+          <a:p>
+            <a:pPr marL="660400" indent="-457200" algn="just">
+              <a:spcBef>
+                <a:spcPts val="0"/>
+              </a:spcBef>
+              <a:buSzPts val="3200"/>
+            </a:pPr>
+            <a:r>
+              <a:rPr lang="en-US" sz="2300" b="1" dirty="0">
+                <a:latin typeface="Times New Roman" panose="02020603050405020304" pitchFamily="18" charset="0"/>
+                <a:ea typeface="Calibri" panose="020F0502020204030204" pitchFamily="34" charset="0"/>
+                <a:cs typeface="Times New Roman" panose="02020603050405020304" pitchFamily="18" charset="0"/>
+              </a:rPr>
+              <a:t>Total Daily Energy Expenditure (TDEE) </a:t>
+            </a:r>
+            <a:r>
+              <a:rPr lang="en-US" sz="2300" dirty="0">
+                <a:latin typeface="Times New Roman" panose="02020603050405020304" pitchFamily="18" charset="0"/>
+                <a:ea typeface="Calibri" panose="020F0502020204030204" pitchFamily="34" charset="0"/>
+                <a:cs typeface="Times New Roman" panose="02020603050405020304" pitchFamily="18" charset="0"/>
+              </a:rPr>
+              <a:t>[1]</a:t>
+            </a:r>
+          </a:p>
+          <a:p>
+            <a:pPr marL="1117600" lvl="1" indent="-457200" algn="just">
+              <a:spcBef>
+                <a:spcPts val="0"/>
+              </a:spcBef>
+              <a:buSzPts val="3200"/>
+            </a:pPr>
+            <a:r>
+              <a:rPr lang="en-US" sz="2300" dirty="0">
+                <a:latin typeface="Times New Roman" panose="02020603050405020304" pitchFamily="18" charset="0"/>
+                <a:ea typeface="Calibri" panose="020F0502020204030204" pitchFamily="34" charset="0"/>
+                <a:cs typeface="Times New Roman" panose="02020603050405020304" pitchFamily="18" charset="0"/>
+              </a:rPr>
+              <a:t> the total number of calories that your body burns in a day, encompassing all activities and physiological functions</a:t>
+            </a:r>
+          </a:p>
+          <a:p>
+            <a:pPr marL="660400" indent="-457200" algn="just">
+              <a:spcBef>
+                <a:spcPts val="0"/>
+              </a:spcBef>
+              <a:buSzPts val="3200"/>
+            </a:pPr>
+            <a:r>
+              <a:rPr lang="en-US" sz="2300" dirty="0">
+                <a:latin typeface="Times New Roman" panose="02020603050405020304" pitchFamily="18" charset="0"/>
+                <a:ea typeface="Calibri" panose="020F0502020204030204" pitchFamily="34" charset="0"/>
+                <a:cs typeface="Times New Roman" panose="02020603050405020304" pitchFamily="18" charset="0"/>
+              </a:rPr>
+              <a:t>TDEE is crucial for weight management [1]</a:t>
+            </a:r>
+          </a:p>
+          <a:p>
+            <a:pPr marL="1117600" lvl="1" indent="-457200" algn="just">
+              <a:spcBef>
+                <a:spcPts val="0"/>
+              </a:spcBef>
+              <a:buSzPts val="3200"/>
+            </a:pPr>
+            <a:r>
+              <a:rPr lang="en-US" sz="2300" dirty="0">
+                <a:latin typeface="Times New Roman" panose="02020603050405020304" pitchFamily="18" charset="0"/>
+                <a:ea typeface="Calibri" panose="020F0502020204030204" pitchFamily="34" charset="0"/>
+                <a:cs typeface="Times New Roman" panose="02020603050405020304" pitchFamily="18" charset="0"/>
+              </a:rPr>
+              <a:t>Sedentary (little or no exercise): REE × 1.2</a:t>
+            </a:r>
+          </a:p>
+          <a:p>
+            <a:pPr marL="1117600" lvl="1" indent="-457200" algn="just">
+              <a:spcBef>
+                <a:spcPts val="0"/>
+              </a:spcBef>
+              <a:buSzPts val="3200"/>
+            </a:pPr>
+            <a:r>
+              <a:rPr lang="en-US" sz="2300" dirty="0">
+                <a:latin typeface="Times New Roman" panose="02020603050405020304" pitchFamily="18" charset="0"/>
+                <a:ea typeface="Calibri" panose="020F0502020204030204" pitchFamily="34" charset="0"/>
+                <a:cs typeface="Times New Roman" panose="02020603050405020304" pitchFamily="18" charset="0"/>
+              </a:rPr>
+              <a:t>Lightly active (sports 1-3 days/week): REE × 1.375</a:t>
+            </a:r>
+          </a:p>
+          <a:p>
+            <a:pPr marL="1117600" lvl="1" indent="-457200" algn="just">
+              <a:spcBef>
+                <a:spcPts val="0"/>
+              </a:spcBef>
+              <a:buSzPts val="3200"/>
+            </a:pPr>
+            <a:r>
+              <a:rPr lang="en-US" sz="2300" dirty="0">
+                <a:latin typeface="Times New Roman" panose="02020603050405020304" pitchFamily="18" charset="0"/>
+                <a:ea typeface="Calibri" panose="020F0502020204030204" pitchFamily="34" charset="0"/>
+                <a:cs typeface="Times New Roman" panose="02020603050405020304" pitchFamily="18" charset="0"/>
+              </a:rPr>
+              <a:t>Moderately active (sports 3-5 days/week): REE × 1.55</a:t>
+            </a:r>
+          </a:p>
+          <a:p>
+            <a:pPr marL="1117600" lvl="1" indent="-457200" algn="just">
+              <a:spcBef>
+                <a:spcPts val="0"/>
+              </a:spcBef>
+              <a:buSzPts val="3200"/>
+            </a:pPr>
+            <a:r>
+              <a:rPr lang="en-US" sz="2300" dirty="0">
+                <a:latin typeface="Times New Roman" panose="02020603050405020304" pitchFamily="18" charset="0"/>
+                <a:ea typeface="Calibri" panose="020F0502020204030204" pitchFamily="34" charset="0"/>
+                <a:cs typeface="Times New Roman" panose="02020603050405020304" pitchFamily="18" charset="0"/>
+              </a:rPr>
+              <a:t>Very active (sports 6-7 days a week): REE × 1.725</a:t>
+            </a:r>
+          </a:p>
+          <a:p>
+            <a:pPr marL="1117600" lvl="1" indent="-457200" algn="just">
+              <a:spcBef>
+                <a:spcPts val="0"/>
+              </a:spcBef>
+              <a:buSzPts val="3200"/>
+            </a:pPr>
+            <a:r>
+              <a:rPr lang="en-US" sz="2300" dirty="0">
+                <a:latin typeface="Times New Roman" panose="02020603050405020304" pitchFamily="18" charset="0"/>
+                <a:ea typeface="Calibri" panose="020F0502020204030204" pitchFamily="34" charset="0"/>
+                <a:cs typeface="Times New Roman" panose="02020603050405020304" pitchFamily="18" charset="0"/>
+              </a:rPr>
+              <a:t>Extra active (very hard exercise, training twice a day): REE × 1.9</a:t>
+            </a:r>
+          </a:p>
+        </p:txBody>
+      </p:sp>
+      <p:sp>
+        <p:nvSpPr>
+          <p:cNvPr id="4" name="Rectangle 3"/>
+          <p:cNvSpPr/>
+          <p:nvPr/>
+        </p:nvSpPr>
+        <p:spPr>
+          <a:xfrm>
+            <a:off x="2298474" y="6154836"/>
+            <a:ext cx="3728906" cy="307777"/>
+          </a:xfrm>
+          <a:prstGeom prst="rect">
+            <a:avLst/>
+          </a:prstGeom>
+        </p:spPr>
+        <p:txBody>
+          <a:bodyPr wrap="none">
+            <a:spAutoFit/>
+          </a:bodyPr>
+          <a:lstStyle/>
+          <a:p>
+            <a:r>
+              <a:rPr lang="en-US" dirty="0">
+                <a:solidFill>
+                  <a:schemeClr val="bg1"/>
+                </a:solidFill>
+                <a:latin typeface="Calibri" panose="020F0502020204030204" pitchFamily="34" charset="0"/>
+                <a:ea typeface="Calibri" panose="020F0502020204030204" pitchFamily="34" charset="0"/>
+                <a:cs typeface="Calibri" panose="020F0502020204030204" pitchFamily="34" charset="0"/>
+              </a:rPr>
+              <a:t>[1] </a:t>
+            </a:r>
+            <a:r>
+              <a:rPr lang="en-US" dirty="0">
+                <a:solidFill>
+                  <a:schemeClr val="bg1"/>
+                </a:solidFill>
+                <a:latin typeface="Calibri" panose="020F0502020204030204" pitchFamily="34" charset="0"/>
+                <a:ea typeface="Calibri" panose="020F0502020204030204" pitchFamily="34" charset="0"/>
+                <a:cs typeface="Calibri" panose="020F0502020204030204" pitchFamily="34" charset="0"/>
+                <a:hlinkClick r:id="rId2">
+                  <a:extLst>
+                    <a:ext uri="{A12FA001-AC4F-418D-AE19-62706E023703}">
+                      <ahyp:hlinkClr xmlns:ahyp="http://schemas.microsoft.com/office/drawing/2018/hyperlinkcolor" val="tx"/>
+                    </a:ext>
+                  </a:extLst>
+                </a:hlinkClick>
+              </a:rPr>
+              <a:t>https://pubmed.ncbi.nlm.nih.gov/16020440/</a:t>
+            </a:r>
+            <a:endParaRPr lang="en-US" dirty="0">
+              <a:solidFill>
+                <a:schemeClr val="bg1"/>
+              </a:solidFill>
+              <a:latin typeface="Calibri" panose="020F0502020204030204" pitchFamily="34" charset="0"/>
+              <a:ea typeface="Calibri" panose="020F0502020204030204" pitchFamily="34" charset="0"/>
+              <a:cs typeface="Calibri" panose="020F0502020204030204" pitchFamily="34" charset="0"/>
+            </a:endParaRPr>
+          </a:p>
+        </p:txBody>
+      </p:sp>
+    </p:spTree>
+    <p:extLst>
+      <p:ext uri="{BB962C8B-B14F-4D97-AF65-F5344CB8AC3E}">
+        <p14:creationId xmlns:p14="http://schemas.microsoft.com/office/powerpoint/2010/main" val="3309318512"/>
+      </p:ext>
+    </p:extLst>
   </p:cSld>
   <p:clrMapOvr>
     <a:masterClrMapping/>
@@ -21708,12 +14806,9 @@
                 <a:latin typeface="Times New Roman" panose="02020603050405020304" pitchFamily="18" charset="0"/>
                 <a:cs typeface="Times New Roman" panose="02020603050405020304" pitchFamily="18" charset="0"/>
               </a:rPr>
-              <a:t>Literature Review [2/6]</a:t>
+              <a:t>Literature Review [4/4]</a:t>
             </a:r>
-            <a:endParaRPr lang="en-GB" sz="3200" dirty="0">
-              <a:latin typeface="Times New Roman" panose="02020603050405020304" pitchFamily="18" charset="0"/>
-              <a:cs typeface="Times New Roman" panose="02020603050405020304" pitchFamily="18" charset="0"/>
-            </a:endParaRPr>
+            <a:endParaRPr lang="en-GB" sz="3200" dirty="0"/>
           </a:p>
         </p:txBody>
       </p:sp>
@@ -21732,7 +14827,7 @@
           <a:bodyPr/>
           <a:lstStyle/>
           <a:p>
-            <a:pPr marL="660400" indent="-457200" algn="just">
+            <a:pPr marL="660400" indent="-457200">
               <a:spcBef>
                 <a:spcPts val="0"/>
               </a:spcBef>
@@ -21744,19 +14839,11 @@
                 <a:ea typeface="Calibri" panose="020F0502020204030204" pitchFamily="34" charset="0"/>
                 <a:cs typeface="Times New Roman" panose="02020603050405020304" pitchFamily="18" charset="0"/>
               </a:rPr>
-              <a:t>Resting Energy Expenditure (REE) </a:t>
-            </a:r>
-            <a:r>
-              <a:rPr lang="en-US" sz="2400" dirty="0">
-                <a:latin typeface="Times New Roman" panose="02020603050405020304" pitchFamily="18" charset="0"/>
-                <a:ea typeface="Calibri" panose="020F0502020204030204" pitchFamily="34" charset="0"/>
-                <a:cs typeface="Times New Roman" panose="02020603050405020304" pitchFamily="18" charset="0"/>
-              </a:rPr>
-              <a:t>[1]</a:t>
+              <a:t>Weight loss [1]</a:t>
             </a:r>
           </a:p>
           <a:p>
-            <a:pPr marL="1117600" lvl="1" indent="-457200" algn="just">
+            <a:pPr marL="1117600" lvl="1" indent="-457200">
               <a:spcBef>
                 <a:spcPts val="0"/>
               </a:spcBef>
@@ -21768,11 +14855,19 @@
                 <a:ea typeface="Calibri" panose="020F0502020204030204" pitchFamily="34" charset="0"/>
                 <a:cs typeface="Times New Roman" panose="02020603050405020304" pitchFamily="18" charset="0"/>
               </a:rPr>
-              <a:t>It represents the energy required by the body to maintain essential physiological functions while at rest.</a:t>
+              <a:t>At moderate Pace: </a:t>
+            </a:r>
+            <a:r>
+              <a:rPr lang="en-US" sz="2400" b="1" i="1" dirty="0">
+                <a:latin typeface="Times New Roman" panose="02020603050405020304" pitchFamily="18" charset="0"/>
+                <a:ea typeface="Calibri" panose="020F0502020204030204" pitchFamily="34" charset="0"/>
+                <a:cs typeface="Times New Roman" panose="02020603050405020304" pitchFamily="18" charset="0"/>
+              </a:rPr>
+              <a:t>Calories Intake=TDEE−500 </a:t>
             </a:r>
           </a:p>
           <a:p>
-            <a:pPr marL="1117600" lvl="1" indent="-457200" algn="just">
+            <a:pPr marL="1117600" lvl="1" indent="-457200">
               <a:spcBef>
                 <a:spcPts val="0"/>
               </a:spcBef>
@@ -21784,14 +14879,35 @@
                 <a:ea typeface="Calibri" panose="020F0502020204030204" pitchFamily="34" charset="0"/>
                 <a:cs typeface="Times New Roman" panose="02020603050405020304" pitchFamily="18" charset="0"/>
               </a:rPr>
-              <a:t>These equations typically consider factors such as weight, height, age, and gender.</a:t>
+              <a:t>At faster Pace: </a:t>
+            </a:r>
+            <a:r>
+              <a:rPr lang="en-US" sz="2400" b="1" i="1" dirty="0">
+                <a:latin typeface="Times New Roman" panose="02020603050405020304" pitchFamily="18" charset="0"/>
+                <a:ea typeface="Calibri" panose="020F0502020204030204" pitchFamily="34" charset="0"/>
+                <a:cs typeface="Times New Roman" panose="02020603050405020304" pitchFamily="18" charset="0"/>
+              </a:rPr>
+              <a:t>Calories Intake=TDEE−1000</a:t>
             </a:r>
           </a:p>
           <a:p>
-            <a:pPr marL="1117600" lvl="1" indent="-457200" algn="just">
-              <a:lnSpc>
-                <a:spcPct val="150000"/>
-              </a:lnSpc>
+            <a:pPr marL="660400" indent="-457200">
+              <a:spcBef>
+                <a:spcPts val="0"/>
+              </a:spcBef>
+              <a:buSzPts val="3200"/>
+            </a:pPr>
+            <a:r>
+              <a:rPr lang="en-US" sz="2400" b="1" dirty="0">
+                <a:latin typeface="Times New Roman" panose="02020603050405020304" pitchFamily="18" charset="0"/>
+                <a:ea typeface="Calibri" panose="020F0502020204030204" pitchFamily="34" charset="0"/>
+                <a:cs typeface="Times New Roman" panose="02020603050405020304" pitchFamily="18" charset="0"/>
+              </a:rPr>
+              <a:t>Weight Gain [1]</a:t>
+            </a:r>
+          </a:p>
+          <a:p>
+            <a:pPr marL="1117600" lvl="1" indent="-457200">
               <a:spcBef>
                 <a:spcPts val="0"/>
               </a:spcBef>
@@ -21803,14 +14919,59 @@
                 <a:ea typeface="Calibri" panose="020F0502020204030204" pitchFamily="34" charset="0"/>
                 <a:cs typeface="Times New Roman" panose="02020603050405020304" pitchFamily="18" charset="0"/>
               </a:rPr>
-              <a:t>The Mifflin-St Jeor equation for males is: [1]</a:t>
+              <a:t>At moderate Pace: </a:t>
+            </a:r>
+            <a:r>
+              <a:rPr lang="en-US" sz="2400" b="1" i="1" dirty="0">
+                <a:latin typeface="Times New Roman" panose="02020603050405020304" pitchFamily="18" charset="0"/>
+                <a:ea typeface="Calibri" panose="020F0502020204030204" pitchFamily="34" charset="0"/>
+                <a:cs typeface="Times New Roman" panose="02020603050405020304" pitchFamily="18" charset="0"/>
+              </a:rPr>
+              <a:t>Calories Intake=TDEE+500 </a:t>
             </a:r>
           </a:p>
           <a:p>
-            <a:pPr marL="1117600" lvl="1" indent="-457200" algn="just">
-              <a:lnSpc>
-                <a:spcPct val="150000"/>
-              </a:lnSpc>
+            <a:pPr marL="1117600" lvl="1" indent="-457200">
+              <a:spcBef>
+                <a:spcPts val="0"/>
+              </a:spcBef>
+              <a:buSzPts val="3200"/>
+            </a:pPr>
+            <a:r>
+              <a:rPr lang="en-US" sz="2400" dirty="0">
+                <a:latin typeface="Times New Roman" panose="02020603050405020304" pitchFamily="18" charset="0"/>
+                <a:ea typeface="Calibri" panose="020F0502020204030204" pitchFamily="34" charset="0"/>
+                <a:cs typeface="Times New Roman" panose="02020603050405020304" pitchFamily="18" charset="0"/>
+              </a:rPr>
+              <a:t>At faster Pace: </a:t>
+            </a:r>
+            <a:r>
+              <a:rPr lang="en-US" sz="2400" b="1" i="1" dirty="0">
+                <a:latin typeface="Times New Roman" panose="02020603050405020304" pitchFamily="18" charset="0"/>
+                <a:ea typeface="Calibri" panose="020F0502020204030204" pitchFamily="34" charset="0"/>
+                <a:cs typeface="Times New Roman" panose="02020603050405020304" pitchFamily="18" charset="0"/>
+              </a:rPr>
+              <a:t>Calories Intake=TDEE+1000</a:t>
+            </a:r>
+          </a:p>
+          <a:p>
+            <a:pPr marL="660400" indent="-457200">
+              <a:spcBef>
+                <a:spcPts val="0"/>
+              </a:spcBef>
+              <a:buSzPts val="3200"/>
+            </a:pPr>
+            <a:r>
+              <a:rPr lang="en-US" sz="2400" b="1" dirty="0">
+                <a:latin typeface="Times New Roman" panose="02020603050405020304" pitchFamily="18" charset="0"/>
+                <a:ea typeface="Calibri" panose="020F0502020204030204" pitchFamily="34" charset="0"/>
+                <a:cs typeface="Times New Roman" panose="02020603050405020304" pitchFamily="18" charset="0"/>
+              </a:rPr>
+              <a:t>Maintenance [1]</a:t>
+            </a:r>
+          </a:p>
+          <a:p>
+            <a:pPr marL="1117600" lvl="1" indent="-457200">
               <a:spcBef>
                 <a:spcPts val="0"/>
               </a:spcBef>
@@ -21822,46 +14983,11 @@
                 <a:ea typeface="Calibri" panose="020F0502020204030204" pitchFamily="34" charset="0"/>
                 <a:cs typeface="Times New Roman" panose="02020603050405020304" pitchFamily="18" charset="0"/>
               </a:rPr>
-              <a:t>REE=10×weight kg +6.25×height cm −5×age y +5 </a:t>
+              <a:t>Calories Intake=TDEE</a:t>
             </a:r>
           </a:p>
           <a:p>
-            <a:pPr marL="1117600" lvl="1" indent="-457200" algn="just">
-              <a:lnSpc>
-                <a:spcPct val="150000"/>
-              </a:lnSpc>
-              <a:spcBef>
-                <a:spcPts val="0"/>
-              </a:spcBef>
-              <a:buSzPts val="3200"/>
-            </a:pPr>
-            <a:r>
-              <a:rPr lang="en-US" sz="2400" dirty="0">
-                <a:latin typeface="Times New Roman" panose="02020603050405020304" pitchFamily="18" charset="0"/>
-                <a:ea typeface="Calibri" panose="020F0502020204030204" pitchFamily="34" charset="0"/>
-                <a:cs typeface="Times New Roman" panose="02020603050405020304" pitchFamily="18" charset="0"/>
-              </a:rPr>
-              <a:t>The Mifflin-St Jeor equation for females is: [1]</a:t>
-            </a:r>
-          </a:p>
-          <a:p>
-            <a:pPr marL="1117600" lvl="1" indent="-457200" algn="just">
-              <a:lnSpc>
-                <a:spcPct val="150000"/>
-              </a:lnSpc>
-              <a:spcBef>
-                <a:spcPts val="0"/>
-              </a:spcBef>
-              <a:buSzPts val="3200"/>
-            </a:pPr>
-            <a:r>
-              <a:rPr lang="en-US" sz="2400" b="1" i="1" dirty="0">
-                <a:latin typeface="Times New Roman" panose="02020603050405020304" pitchFamily="18" charset="0"/>
-                <a:ea typeface="Calibri" panose="020F0502020204030204" pitchFamily="34" charset="0"/>
-                <a:cs typeface="Times New Roman" panose="02020603050405020304" pitchFamily="18" charset="0"/>
-              </a:rPr>
-              <a:t>REE=10×weight kg +6.25×height cm −5×age y −161</a:t>
-            </a:r>
+            <a:endParaRPr lang="en-GB" dirty="0"/>
           </a:p>
         </p:txBody>
       </p:sp>
@@ -21873,8 +14999,8 @@
         </p:nvSpPr>
         <p:spPr>
           <a:xfrm>
-            <a:off x="2163686" y="6274720"/>
-            <a:ext cx="3637534" cy="307777"/>
+            <a:off x="2322537" y="6308725"/>
+            <a:ext cx="3728906" cy="307777"/>
           </a:xfrm>
           <a:prstGeom prst="rect">
             <a:avLst/>
@@ -21913,7 +15039,7 @@
                   </a:extLst>
                 </a:hlinkClick>
               </a:rPr>
-              <a:t>https://pubmed.ncbi.nlm.nih.gov/2305711/</a:t>
+              <a:t>https://pubmed.ncbi.nlm.nih.gov/16020440/</a:t>
             </a:r>
             <a:endParaRPr lang="en-US" dirty="0">
               <a:solidFill>
@@ -21929,7 +15055,7 @@
     </p:spTree>
     <p:extLst>
       <p:ext uri="{BB962C8B-B14F-4D97-AF65-F5344CB8AC3E}">
-        <p14:creationId xmlns:p14="http://schemas.microsoft.com/office/powerpoint/2010/main" val="921003864"/>
+        <p14:creationId xmlns:p14="http://schemas.microsoft.com/office/powerpoint/2010/main" val="324375236"/>
       </p:ext>
     </p:extLst>
   </p:cSld>
